--- a/MainQUEST03/DLThon_CV_NaBongKyu.pptx
+++ b/MainQUEST03/DLThon_CV_NaBongKyu.pptx
@@ -1,51 +1,51 @@
 
 <file path=ppt/presentation.xml><?xml version="1.0" encoding="utf-8"?>
-<p:presentation xmlns:a="http://schemas.openxmlformats.org/drawingml/2006/main" xmlns:r="http://schemas.openxmlformats.org/officeDocument/2006/relationships" xmlns:p="http://schemas.openxmlformats.org/presentationml/2006/main" strictFirstAndLastChars="0" embedTrueTypeFonts="1" saveSubsetFonts="1" autoCompressPictures="0">
+<p:presentation xmlns:a="http://schemas.openxmlformats.org/drawingml/2006/main" xmlns:r="http://schemas.openxmlformats.org/officeDocument/2006/relationships" xmlns:mc="http://schemas.openxmlformats.org/markup-compatibility/2006" xmlns:mv="urn:schemas-microsoft-com:mac:vml" xmlns:p="http://schemas.openxmlformats.org/presentationml/2006/main" xmlns:c="http://schemas.openxmlformats.org/drawingml/2006/chart" xmlns:dgm="http://schemas.openxmlformats.org/drawingml/2006/diagram" xmlns:o="urn:schemas-microsoft-com:office:office" xmlns:v="urn:schemas-microsoft-com:vml" xmlns:pvml="urn:schemas-microsoft-com:office:powerpoint" xmlns:com="http://schemas.openxmlformats.org/drawingml/2006/compatibility" xmlns:p14="http://schemas.microsoft.com/office/powerpoint/2010/main" xmlns:p15="http://schemas.microsoft.com/office/powerpoint/2012/main" xmlns:ahyp="http://schemas.microsoft.com/office/drawing/2018/hyperlinkcolor" autoCompressPictures="0" embedTrueTypeFonts="1" strictFirstAndLastChars="0" saveSubsetFonts="1">
   <p:sldMasterIdLst>
-    <p:sldMasterId id="2147483659" r:id="rId1"/>
+    <p:sldMasterId id="2147483659" r:id="rId4"/>
   </p:sldMasterIdLst>
   <p:notesMasterIdLst>
-    <p:notesMasterId r:id="rId19"/>
+    <p:notesMasterId r:id="rId5"/>
   </p:notesMasterIdLst>
   <p:sldIdLst>
-    <p:sldId id="256" r:id="rId2"/>
-    <p:sldId id="257" r:id="rId3"/>
-    <p:sldId id="258" r:id="rId4"/>
-    <p:sldId id="259" r:id="rId5"/>
-    <p:sldId id="260" r:id="rId6"/>
-    <p:sldId id="261" r:id="rId7"/>
-    <p:sldId id="262" r:id="rId8"/>
-    <p:sldId id="263" r:id="rId9"/>
-    <p:sldId id="264" r:id="rId10"/>
-    <p:sldId id="265" r:id="rId11"/>
-    <p:sldId id="266" r:id="rId12"/>
-    <p:sldId id="267" r:id="rId13"/>
-    <p:sldId id="268" r:id="rId14"/>
-    <p:sldId id="269" r:id="rId15"/>
-    <p:sldId id="270" r:id="rId16"/>
-    <p:sldId id="271" r:id="rId17"/>
-    <p:sldId id="272" r:id="rId18"/>
+    <p:sldId id="256" r:id="rId6"/>
+    <p:sldId id="257" r:id="rId7"/>
+    <p:sldId id="258" r:id="rId8"/>
+    <p:sldId id="259" r:id="rId9"/>
+    <p:sldId id="260" r:id="rId10"/>
+    <p:sldId id="261" r:id="rId11"/>
+    <p:sldId id="262" r:id="rId12"/>
+    <p:sldId id="263" r:id="rId13"/>
+    <p:sldId id="264" r:id="rId14"/>
+    <p:sldId id="265" r:id="rId15"/>
+    <p:sldId id="266" r:id="rId16"/>
+    <p:sldId id="267" r:id="rId17"/>
+    <p:sldId id="268" r:id="rId18"/>
+    <p:sldId id="269" r:id="rId19"/>
+    <p:sldId id="270" r:id="rId20"/>
+    <p:sldId id="271" r:id="rId21"/>
+    <p:sldId id="272" r:id="rId22"/>
   </p:sldIdLst>
-  <p:sldSz cx="9144000" cy="5143500" type="screen16x9"/>
+  <p:sldSz cy="5143500" cx="9144000"/>
   <p:notesSz cx="6858000" cy="9144000"/>
   <p:embeddedFontLst>
     <p:embeddedFont>
-      <p:font typeface="Lato" panose="020F0502020204030203" pitchFamily="34" charset="0"/>
-      <p:regular r:id="rId20"/>
-      <p:bold r:id="rId21"/>
-      <p:italic r:id="rId22"/>
-      <p:boldItalic r:id="rId23"/>
+      <p:font typeface="Montserrat"/>
+      <p:regular r:id="rId23"/>
+      <p:bold r:id="rId24"/>
+      <p:italic r:id="rId25"/>
+      <p:boldItalic r:id="rId26"/>
     </p:embeddedFont>
     <p:embeddedFont>
-      <p:font typeface="Montserrat" panose="00000500000000000000" pitchFamily="2" charset="0"/>
-      <p:regular r:id="rId24"/>
-      <p:bold r:id="rId25"/>
-      <p:italic r:id="rId26"/>
-      <p:boldItalic r:id="rId27"/>
+      <p:font typeface="Lato"/>
+      <p:regular r:id="rId27"/>
+      <p:bold r:id="rId28"/>
+      <p:italic r:id="rId29"/>
+      <p:boldItalic r:id="rId30"/>
     </p:embeddedFont>
   </p:embeddedFontLst>
   <p:defaultTextStyle>
-    <a:defPPr marR="0" lvl="0" algn="l" rtl="0">
+    <a:defPPr lvl="0" marR="0" rtl="0" algn="l">
       <a:lnSpc>
         <a:spcPct val="100000"/>
       </a:lnSpc>
@@ -56,7 +56,7 @@
         <a:spcPts val="0"/>
       </a:spcAft>
     </a:defPPr>
-    <a:lvl1pPr marR="0" lvl="0" algn="l" rtl="0">
+    <a:lvl1pPr lvl="0" marR="0" rtl="0" algn="l">
       <a:lnSpc>
         <a:spcPct val="100000"/>
       </a:lnSpc>
@@ -70,7 +70,7 @@
         <a:srgbClr val="000000"/>
       </a:buClr>
       <a:buFont typeface="Arial"/>
-      <a:defRPr sz="1400" b="0" i="0" u="none" strike="noStrike" cap="none">
+      <a:defRPr b="0" i="0" sz="1400" u="none" cap="none" strike="noStrike">
         <a:solidFill>
           <a:srgbClr val="000000"/>
         </a:solidFill>
@@ -80,7 +80,7 @@
         <a:sym typeface="Arial"/>
       </a:defRPr>
     </a:lvl1pPr>
-    <a:lvl2pPr marR="0" lvl="1" algn="l" rtl="0">
+    <a:lvl2pPr lvl="1" marR="0" rtl="0" algn="l">
       <a:lnSpc>
         <a:spcPct val="100000"/>
       </a:lnSpc>
@@ -94,7 +94,7 @@
         <a:srgbClr val="000000"/>
       </a:buClr>
       <a:buFont typeface="Arial"/>
-      <a:defRPr sz="1400" b="0" i="0" u="none" strike="noStrike" cap="none">
+      <a:defRPr b="0" i="0" sz="1400" u="none" cap="none" strike="noStrike">
         <a:solidFill>
           <a:srgbClr val="000000"/>
         </a:solidFill>
@@ -104,7 +104,7 @@
         <a:sym typeface="Arial"/>
       </a:defRPr>
     </a:lvl2pPr>
-    <a:lvl3pPr marR="0" lvl="2" algn="l" rtl="0">
+    <a:lvl3pPr lvl="2" marR="0" rtl="0" algn="l">
       <a:lnSpc>
         <a:spcPct val="100000"/>
       </a:lnSpc>
@@ -118,7 +118,7 @@
         <a:srgbClr val="000000"/>
       </a:buClr>
       <a:buFont typeface="Arial"/>
-      <a:defRPr sz="1400" b="0" i="0" u="none" strike="noStrike" cap="none">
+      <a:defRPr b="0" i="0" sz="1400" u="none" cap="none" strike="noStrike">
         <a:solidFill>
           <a:srgbClr val="000000"/>
         </a:solidFill>
@@ -128,7 +128,7 @@
         <a:sym typeface="Arial"/>
       </a:defRPr>
     </a:lvl3pPr>
-    <a:lvl4pPr marR="0" lvl="3" algn="l" rtl="0">
+    <a:lvl4pPr lvl="3" marR="0" rtl="0" algn="l">
       <a:lnSpc>
         <a:spcPct val="100000"/>
       </a:lnSpc>
@@ -142,7 +142,7 @@
         <a:srgbClr val="000000"/>
       </a:buClr>
       <a:buFont typeface="Arial"/>
-      <a:defRPr sz="1400" b="0" i="0" u="none" strike="noStrike" cap="none">
+      <a:defRPr b="0" i="0" sz="1400" u="none" cap="none" strike="noStrike">
         <a:solidFill>
           <a:srgbClr val="000000"/>
         </a:solidFill>
@@ -152,7 +152,7 @@
         <a:sym typeface="Arial"/>
       </a:defRPr>
     </a:lvl4pPr>
-    <a:lvl5pPr marR="0" lvl="4" algn="l" rtl="0">
+    <a:lvl5pPr lvl="4" marR="0" rtl="0" algn="l">
       <a:lnSpc>
         <a:spcPct val="100000"/>
       </a:lnSpc>
@@ -166,7 +166,7 @@
         <a:srgbClr val="000000"/>
       </a:buClr>
       <a:buFont typeface="Arial"/>
-      <a:defRPr sz="1400" b="0" i="0" u="none" strike="noStrike" cap="none">
+      <a:defRPr b="0" i="0" sz="1400" u="none" cap="none" strike="noStrike">
         <a:solidFill>
           <a:srgbClr val="000000"/>
         </a:solidFill>
@@ -176,7 +176,7 @@
         <a:sym typeface="Arial"/>
       </a:defRPr>
     </a:lvl5pPr>
-    <a:lvl6pPr marR="0" lvl="5" algn="l" rtl="0">
+    <a:lvl6pPr lvl="5" marR="0" rtl="0" algn="l">
       <a:lnSpc>
         <a:spcPct val="100000"/>
       </a:lnSpc>
@@ -190,7 +190,7 @@
         <a:srgbClr val="000000"/>
       </a:buClr>
       <a:buFont typeface="Arial"/>
-      <a:defRPr sz="1400" b="0" i="0" u="none" strike="noStrike" cap="none">
+      <a:defRPr b="0" i="0" sz="1400" u="none" cap="none" strike="noStrike">
         <a:solidFill>
           <a:srgbClr val="000000"/>
         </a:solidFill>
@@ -200,7 +200,7 @@
         <a:sym typeface="Arial"/>
       </a:defRPr>
     </a:lvl6pPr>
-    <a:lvl7pPr marR="0" lvl="6" algn="l" rtl="0">
+    <a:lvl7pPr lvl="6" marR="0" rtl="0" algn="l">
       <a:lnSpc>
         <a:spcPct val="100000"/>
       </a:lnSpc>
@@ -214,7 +214,7 @@
         <a:srgbClr val="000000"/>
       </a:buClr>
       <a:buFont typeface="Arial"/>
-      <a:defRPr sz="1400" b="0" i="0" u="none" strike="noStrike" cap="none">
+      <a:defRPr b="0" i="0" sz="1400" u="none" cap="none" strike="noStrike">
         <a:solidFill>
           <a:srgbClr val="000000"/>
         </a:solidFill>
@@ -224,7 +224,7 @@
         <a:sym typeface="Arial"/>
       </a:defRPr>
     </a:lvl7pPr>
-    <a:lvl8pPr marR="0" lvl="7" algn="l" rtl="0">
+    <a:lvl8pPr lvl="7" marR="0" rtl="0" algn="l">
       <a:lnSpc>
         <a:spcPct val="100000"/>
       </a:lnSpc>
@@ -238,7 +238,7 @@
         <a:srgbClr val="000000"/>
       </a:buClr>
       <a:buFont typeface="Arial"/>
-      <a:defRPr sz="1400" b="0" i="0" u="none" strike="noStrike" cap="none">
+      <a:defRPr b="0" i="0" sz="1400" u="none" cap="none" strike="noStrike">
         <a:solidFill>
           <a:srgbClr val="000000"/>
         </a:solidFill>
@@ -248,7 +248,7 @@
         <a:sym typeface="Arial"/>
       </a:defRPr>
     </a:lvl8pPr>
-    <a:lvl9pPr marR="0" lvl="8" algn="l" rtl="0">
+    <a:lvl9pPr lvl="8" marR="0" rtl="0" algn="l">
       <a:lnSpc>
         <a:spcPct val="100000"/>
       </a:lnSpc>
@@ -262,7 +262,7 @@
         <a:srgbClr val="000000"/>
       </a:buClr>
       <a:buFont typeface="Arial"/>
-      <a:defRPr sz="1400" b="0" i="0" u="none" strike="noStrike" cap="none">
+      <a:defRPr b="0" i="0" sz="1400" u="none" cap="none" strike="noStrike">
         <a:solidFill>
           <a:srgbClr val="000000"/>
         </a:solidFill>
@@ -275,7 +275,7 @@
   </p:defaultTextStyle>
   <p:extLst>
     <p:ext uri="{EFAFB233-063F-42B5-8137-9DF3F51BA10A}">
-      <p15:sldGuideLst xmlns:p15="http://schemas.microsoft.com/office/powerpoint/2012/main">
+      <p15:sldGuideLst>
         <p15:guide id="1" orient="horz" pos="1620">
           <p15:clr>
             <a:srgbClr val="747775"/>
@@ -293,16 +293,11 @@
 </file>
 
 <file path=ppt/notesMasters/notesMaster1.xml><?xml version="1.0" encoding="utf-8"?>
-<p:notesMaster xmlns:a="http://schemas.openxmlformats.org/drawingml/2006/main" xmlns:r="http://schemas.openxmlformats.org/officeDocument/2006/relationships" xmlns:p="http://schemas.openxmlformats.org/presentationml/2006/main">
+<p:notesMaster xmlns:a="http://schemas.openxmlformats.org/drawingml/2006/main" xmlns:r="http://schemas.openxmlformats.org/officeDocument/2006/relationships" xmlns:mc="http://schemas.openxmlformats.org/markup-compatibility/2006" xmlns:mv="urn:schemas-microsoft-com:mac:vml" xmlns:p="http://schemas.openxmlformats.org/presentationml/2006/main" xmlns:c="http://schemas.openxmlformats.org/drawingml/2006/chart" xmlns:dgm="http://schemas.openxmlformats.org/drawingml/2006/diagram" xmlns:o="urn:schemas-microsoft-com:office:office" xmlns:v="urn:schemas-microsoft-com:vml" xmlns:pvml="urn:schemas-microsoft-com:office:powerpoint" xmlns:com="http://schemas.openxmlformats.org/drawingml/2006/compatibility" xmlns:p14="http://schemas.microsoft.com/office/powerpoint/2010/main" xmlns:p15="http://schemas.microsoft.com/office/powerpoint/2012/main" xmlns:ahyp="http://schemas.microsoft.com/office/drawing/2018/hyperlinkcolor">
   <p:cSld>
-    <p:bg>
-      <p:bgRef idx="1001">
-        <a:schemeClr val="bg1"/>
-      </p:bgRef>
-    </p:bg>
     <p:spTree>
       <p:nvGrpSpPr>
-        <p:cNvPr id="1" name="Shape 2"/>
+        <p:cNvPr id="2" name="Shape 2"/>
         <p:cNvGrpSpPr/>
         <p:nvPr/>
       </p:nvGrpSpPr>
@@ -317,11 +312,9 @@
       <p:sp>
         <p:nvSpPr>
           <p:cNvPr id="3" name="Google Shape;3;n"/>
-          <p:cNvSpPr>
-            <a:spLocks noGrp="1" noRot="1" noChangeAspect="1"/>
-          </p:cNvSpPr>
+          <p:cNvSpPr/>
           <p:nvPr>
-            <p:ph type="sldImg" idx="2"/>
+            <p:ph idx="2" type="sldImg"/>
           </p:nvPr>
         </p:nvSpPr>
         <p:spPr>
@@ -330,13 +323,9 @@
             <a:ext cx="6096075" cy="3429000"/>
           </a:xfrm>
           <a:custGeom>
-            <a:avLst/>
-            <a:gdLst/>
-            <a:ahLst/>
-            <a:cxnLst/>
-            <a:rect l="l" t="t" r="r" b="b"/>
+            <a:rect b="b" l="l" r="r" t="t"/>
             <a:pathLst>
-              <a:path w="120000" h="120000" extrusionOk="0">
+              <a:path extrusionOk="0" h="120000" w="120000">
                 <a:moveTo>
                   <a:pt x="0" y="0"/>
                 </a:moveTo>
@@ -354,25 +343,23 @@
             </a:pathLst>
           </a:custGeom>
           <a:noFill/>
-          <a:ln w="9525" cap="flat" cmpd="sng">
+          <a:ln cap="flat" cmpd="sng" w="9525">
             <a:solidFill>
               <a:srgbClr val="000000"/>
             </a:solidFill>
             <a:prstDash val="solid"/>
             <a:round/>
-            <a:headEnd type="none" w="sm" len="sm"/>
-            <a:tailEnd type="none" w="sm" len="sm"/>
+            <a:headEnd len="sm" w="sm" type="none"/>
+            <a:tailEnd len="sm" w="sm" type="none"/>
           </a:ln>
         </p:spPr>
       </p:sp>
       <p:sp>
         <p:nvSpPr>
           <p:cNvPr id="4" name="Google Shape;4;n"/>
-          <p:cNvSpPr txBox="1">
-            <a:spLocks noGrp="1"/>
-          </p:cNvSpPr>
+          <p:cNvSpPr txBox="1"/>
           <p:nvPr>
-            <p:ph type="body" idx="1"/>
+            <p:ph idx="1" type="body"/>
           </p:nvPr>
         </p:nvSpPr>
         <p:spPr>
@@ -389,11 +376,11 @@
           </a:ln>
         </p:spPr>
         <p:txBody>
-          <a:bodyPr spcFirstLastPara="1" wrap="square" lIns="91425" tIns="91425" rIns="91425" bIns="91425" anchor="t" anchorCtr="0">
+          <a:bodyPr anchorCtr="0" anchor="t" bIns="91425" lIns="91425" spcFirstLastPara="1" rIns="91425" wrap="square" tIns="91425">
             <a:noAutofit/>
           </a:bodyPr>
           <a:lstStyle>
-            <a:lvl1pPr marL="457200" lvl="0" indent="-298450">
+            <a:lvl1pPr indent="-298450" lvl="0" marL="457200">
               <a:spcBef>
                 <a:spcPts val="0"/>
               </a:spcBef>
@@ -404,7 +391,7 @@
               <a:buChar char="●"/>
               <a:defRPr sz="1100"/>
             </a:lvl1pPr>
-            <a:lvl2pPr marL="914400" lvl="1" indent="-298450">
+            <a:lvl2pPr indent="-298450" lvl="1" marL="914400">
               <a:spcBef>
                 <a:spcPts val="0"/>
               </a:spcBef>
@@ -415,7 +402,7 @@
               <a:buChar char="○"/>
               <a:defRPr sz="1100"/>
             </a:lvl2pPr>
-            <a:lvl3pPr marL="1371600" lvl="2" indent="-298450">
+            <a:lvl3pPr indent="-298450" lvl="2" marL="1371600">
               <a:spcBef>
                 <a:spcPts val="0"/>
               </a:spcBef>
@@ -426,7 +413,7 @@
               <a:buChar char="■"/>
               <a:defRPr sz="1100"/>
             </a:lvl3pPr>
-            <a:lvl4pPr marL="1828800" lvl="3" indent="-298450">
+            <a:lvl4pPr indent="-298450" lvl="3" marL="1828800">
               <a:spcBef>
                 <a:spcPts val="0"/>
               </a:spcBef>
@@ -437,7 +424,7 @@
               <a:buChar char="●"/>
               <a:defRPr sz="1100"/>
             </a:lvl4pPr>
-            <a:lvl5pPr marL="2286000" lvl="4" indent="-298450">
+            <a:lvl5pPr indent="-298450" lvl="4" marL="2286000">
               <a:spcBef>
                 <a:spcPts val="0"/>
               </a:spcBef>
@@ -448,7 +435,7 @@
               <a:buChar char="○"/>
               <a:defRPr sz="1100"/>
             </a:lvl5pPr>
-            <a:lvl6pPr marL="2743200" lvl="5" indent="-298450">
+            <a:lvl6pPr indent="-298450" lvl="5" marL="2743200">
               <a:spcBef>
                 <a:spcPts val="0"/>
               </a:spcBef>
@@ -459,7 +446,7 @@
               <a:buChar char="■"/>
               <a:defRPr sz="1100"/>
             </a:lvl6pPr>
-            <a:lvl7pPr marL="3200400" lvl="6" indent="-298450">
+            <a:lvl7pPr indent="-298450" lvl="6" marL="3200400">
               <a:spcBef>
                 <a:spcPts val="0"/>
               </a:spcBef>
@@ -470,7 +457,7 @@
               <a:buChar char="●"/>
               <a:defRPr sz="1100"/>
             </a:lvl7pPr>
-            <a:lvl8pPr marL="3657600" lvl="7" indent="-298450">
+            <a:lvl8pPr indent="-298450" lvl="7" marL="3657600">
               <a:spcBef>
                 <a:spcPts val="0"/>
               </a:spcBef>
@@ -481,7 +468,7 @@
               <a:buChar char="○"/>
               <a:defRPr sz="1100"/>
             </a:lvl8pPr>
-            <a:lvl9pPr marL="4114800" lvl="8" indent="-298450">
+            <a:lvl9pPr indent="-298450" lvl="8" marL="4114800">
               <a:spcBef>
                 <a:spcPts val="0"/>
               </a:spcBef>
@@ -493,16 +480,14 @@
               <a:defRPr sz="1100"/>
             </a:lvl9pPr>
           </a:lstStyle>
-          <a:p>
-            <a:endParaRPr/>
-          </a:p>
+          <a:p/>
         </p:txBody>
       </p:sp>
     </p:spTree>
   </p:cSld>
-  <p:clrMap bg1="lt1" tx1="dk1" bg2="dk2" tx2="lt2" accent1="accent1" accent2="accent2" accent3="accent3" accent4="accent4" accent5="accent5" accent6="accent6" hlink="hlink" folHlink="folHlink"/>
+  <p:clrMap accent1="accent1" accent2="accent2" accent3="accent3" accent4="accent4" accent5="accent5" accent6="accent6" bg1="lt1" bg2="dk2" tx1="dk1" tx2="lt2" folHlink="folHlink" hlink="hlink"/>
   <p:notesStyle>
-    <a:defPPr marR="0" lvl="0" algn="l" rtl="0">
+    <a:defPPr lvl="0" marR="0" rtl="0" algn="l">
       <a:lnSpc>
         <a:spcPct val="100000"/>
       </a:lnSpc>
@@ -513,7 +498,7 @@
         <a:spcPts val="0"/>
       </a:spcAft>
     </a:defPPr>
-    <a:lvl1pPr marR="0" lvl="0" algn="l" rtl="0">
+    <a:lvl1pPr lvl="0" marR="0" rtl="0" algn="l">
       <a:lnSpc>
         <a:spcPct val="100000"/>
       </a:lnSpc>
@@ -527,7 +512,7 @@
         <a:srgbClr val="000000"/>
       </a:buClr>
       <a:buFont typeface="Arial"/>
-      <a:defRPr sz="1400" b="0" i="0" u="none" strike="noStrike" cap="none">
+      <a:defRPr b="0" i="0" sz="1400" u="none" cap="none" strike="noStrike">
         <a:solidFill>
           <a:srgbClr val="000000"/>
         </a:solidFill>
@@ -537,7 +522,7 @@
         <a:sym typeface="Arial"/>
       </a:defRPr>
     </a:lvl1pPr>
-    <a:lvl2pPr marR="0" lvl="1" algn="l" rtl="0">
+    <a:lvl2pPr lvl="1" marR="0" rtl="0" algn="l">
       <a:lnSpc>
         <a:spcPct val="100000"/>
       </a:lnSpc>
@@ -551,7 +536,7 @@
         <a:srgbClr val="000000"/>
       </a:buClr>
       <a:buFont typeface="Arial"/>
-      <a:defRPr sz="1400" b="0" i="0" u="none" strike="noStrike" cap="none">
+      <a:defRPr b="0" i="0" sz="1400" u="none" cap="none" strike="noStrike">
         <a:solidFill>
           <a:srgbClr val="000000"/>
         </a:solidFill>
@@ -561,7 +546,7 @@
         <a:sym typeface="Arial"/>
       </a:defRPr>
     </a:lvl2pPr>
-    <a:lvl3pPr marR="0" lvl="2" algn="l" rtl="0">
+    <a:lvl3pPr lvl="2" marR="0" rtl="0" algn="l">
       <a:lnSpc>
         <a:spcPct val="100000"/>
       </a:lnSpc>
@@ -575,7 +560,7 @@
         <a:srgbClr val="000000"/>
       </a:buClr>
       <a:buFont typeface="Arial"/>
-      <a:defRPr sz="1400" b="0" i="0" u="none" strike="noStrike" cap="none">
+      <a:defRPr b="0" i="0" sz="1400" u="none" cap="none" strike="noStrike">
         <a:solidFill>
           <a:srgbClr val="000000"/>
         </a:solidFill>
@@ -585,7 +570,7 @@
         <a:sym typeface="Arial"/>
       </a:defRPr>
     </a:lvl3pPr>
-    <a:lvl4pPr marR="0" lvl="3" algn="l" rtl="0">
+    <a:lvl4pPr lvl="3" marR="0" rtl="0" algn="l">
       <a:lnSpc>
         <a:spcPct val="100000"/>
       </a:lnSpc>
@@ -599,7 +584,7 @@
         <a:srgbClr val="000000"/>
       </a:buClr>
       <a:buFont typeface="Arial"/>
-      <a:defRPr sz="1400" b="0" i="0" u="none" strike="noStrike" cap="none">
+      <a:defRPr b="0" i="0" sz="1400" u="none" cap="none" strike="noStrike">
         <a:solidFill>
           <a:srgbClr val="000000"/>
         </a:solidFill>
@@ -609,7 +594,7 @@
         <a:sym typeface="Arial"/>
       </a:defRPr>
     </a:lvl4pPr>
-    <a:lvl5pPr marR="0" lvl="4" algn="l" rtl="0">
+    <a:lvl5pPr lvl="4" marR="0" rtl="0" algn="l">
       <a:lnSpc>
         <a:spcPct val="100000"/>
       </a:lnSpc>
@@ -623,7 +608,7 @@
         <a:srgbClr val="000000"/>
       </a:buClr>
       <a:buFont typeface="Arial"/>
-      <a:defRPr sz="1400" b="0" i="0" u="none" strike="noStrike" cap="none">
+      <a:defRPr b="0" i="0" sz="1400" u="none" cap="none" strike="noStrike">
         <a:solidFill>
           <a:srgbClr val="000000"/>
         </a:solidFill>
@@ -633,7 +618,7 @@
         <a:sym typeface="Arial"/>
       </a:defRPr>
     </a:lvl5pPr>
-    <a:lvl6pPr marR="0" lvl="5" algn="l" rtl="0">
+    <a:lvl6pPr lvl="5" marR="0" rtl="0" algn="l">
       <a:lnSpc>
         <a:spcPct val="100000"/>
       </a:lnSpc>
@@ -647,7 +632,7 @@
         <a:srgbClr val="000000"/>
       </a:buClr>
       <a:buFont typeface="Arial"/>
-      <a:defRPr sz="1400" b="0" i="0" u="none" strike="noStrike" cap="none">
+      <a:defRPr b="0" i="0" sz="1400" u="none" cap="none" strike="noStrike">
         <a:solidFill>
           <a:srgbClr val="000000"/>
         </a:solidFill>
@@ -657,7 +642,7 @@
         <a:sym typeface="Arial"/>
       </a:defRPr>
     </a:lvl6pPr>
-    <a:lvl7pPr marR="0" lvl="6" algn="l" rtl="0">
+    <a:lvl7pPr lvl="6" marR="0" rtl="0" algn="l">
       <a:lnSpc>
         <a:spcPct val="100000"/>
       </a:lnSpc>
@@ -671,7 +656,7 @@
         <a:srgbClr val="000000"/>
       </a:buClr>
       <a:buFont typeface="Arial"/>
-      <a:defRPr sz="1400" b="0" i="0" u="none" strike="noStrike" cap="none">
+      <a:defRPr b="0" i="0" sz="1400" u="none" cap="none" strike="noStrike">
         <a:solidFill>
           <a:srgbClr val="000000"/>
         </a:solidFill>
@@ -681,7 +666,7 @@
         <a:sym typeface="Arial"/>
       </a:defRPr>
     </a:lvl7pPr>
-    <a:lvl8pPr marR="0" lvl="7" algn="l" rtl="0">
+    <a:lvl8pPr lvl="7" marR="0" rtl="0" algn="l">
       <a:lnSpc>
         <a:spcPct val="100000"/>
       </a:lnSpc>
@@ -695,7 +680,7 @@
         <a:srgbClr val="000000"/>
       </a:buClr>
       <a:buFont typeface="Arial"/>
-      <a:defRPr sz="1400" b="0" i="0" u="none" strike="noStrike" cap="none">
+      <a:defRPr b="0" i="0" sz="1400" u="none" cap="none" strike="noStrike">
         <a:solidFill>
           <a:srgbClr val="000000"/>
         </a:solidFill>
@@ -705,7 +690,7 @@
         <a:sym typeface="Arial"/>
       </a:defRPr>
     </a:lvl8pPr>
-    <a:lvl9pPr marR="0" lvl="8" algn="l" rtl="0">
+    <a:lvl9pPr lvl="8" marR="0" rtl="0" algn="l">
       <a:lnSpc>
         <a:spcPct val="100000"/>
       </a:lnSpc>
@@ -719,7 +704,7 @@
         <a:srgbClr val="000000"/>
       </a:buClr>
       <a:buFont typeface="Arial"/>
-      <a:defRPr sz="1400" b="0" i="0" u="none" strike="noStrike" cap="none">
+      <a:defRPr b="0" i="0" sz="1400" u="none" cap="none" strike="noStrike">
         <a:solidFill>
           <a:srgbClr val="000000"/>
         </a:solidFill>
@@ -734,11 +719,11 @@
 </file>
 
 <file path=ppt/notesSlides/notesSlide1.xml><?xml version="1.0" encoding="utf-8"?>
-<p:notes xmlns:a="http://schemas.openxmlformats.org/drawingml/2006/main" xmlns:r="http://schemas.openxmlformats.org/officeDocument/2006/relationships" xmlns:p="http://schemas.openxmlformats.org/presentationml/2006/main" showMasterSp="0" showMasterPhAnim="0">
+<p:notes xmlns:a="http://schemas.openxmlformats.org/drawingml/2006/main" xmlns:r="http://schemas.openxmlformats.org/officeDocument/2006/relationships" xmlns:mc="http://schemas.openxmlformats.org/markup-compatibility/2006" xmlns:mv="urn:schemas-microsoft-com:mac:vml" xmlns:p="http://schemas.openxmlformats.org/presentationml/2006/main" xmlns:c="http://schemas.openxmlformats.org/drawingml/2006/chart" xmlns:dgm="http://schemas.openxmlformats.org/drawingml/2006/diagram" xmlns:o="urn:schemas-microsoft-com:office:office" xmlns:v="urn:schemas-microsoft-com:vml" xmlns:pvml="urn:schemas-microsoft-com:office:powerpoint" xmlns:com="http://schemas.openxmlformats.org/drawingml/2006/compatibility" xmlns:p14="http://schemas.microsoft.com/office/powerpoint/2010/main" xmlns:p15="http://schemas.microsoft.com/office/powerpoint/2012/main" xmlns:ahyp="http://schemas.microsoft.com/office/drawing/2018/hyperlinkcolor" showMasterPhAnim="0" showMasterSp="0">
   <p:cSld>
     <p:spTree>
       <p:nvGrpSpPr>
-        <p:cNvPr id="1" name="Shape 130"/>
+        <p:cNvPr id="130" name="Shape 130"/>
         <p:cNvGrpSpPr/>
         <p:nvPr/>
       </p:nvGrpSpPr>
@@ -753,11 +738,9 @@
       <p:sp>
         <p:nvSpPr>
           <p:cNvPr id="131" name="Google Shape;131;p:notes"/>
-          <p:cNvSpPr>
-            <a:spLocks noGrp="1" noRot="1" noChangeAspect="1"/>
-          </p:cNvSpPr>
+          <p:cNvSpPr/>
           <p:nvPr>
-            <p:ph type="sldImg" idx="2"/>
+            <p:ph idx="2" type="sldImg"/>
           </p:nvPr>
         </p:nvSpPr>
         <p:spPr>
@@ -766,13 +749,9 @@
             <a:ext cx="6096075" cy="3429000"/>
           </a:xfrm>
           <a:custGeom>
-            <a:avLst/>
-            <a:gdLst/>
-            <a:ahLst/>
-            <a:cxnLst/>
-            <a:rect l="l" t="t" r="r" b="b"/>
+            <a:rect b="b" l="l" r="r" t="t"/>
             <a:pathLst>
-              <a:path w="120000" h="120000" extrusionOk="0">
+              <a:path extrusionOk="0" h="120000" w="120000">
                 <a:moveTo>
                   <a:pt x="0" y="0"/>
                 </a:moveTo>
@@ -794,11 +773,9 @@
       <p:sp>
         <p:nvSpPr>
           <p:cNvPr id="132" name="Google Shape;132;p:notes"/>
-          <p:cNvSpPr txBox="1">
-            <a:spLocks noGrp="1"/>
-          </p:cNvSpPr>
+          <p:cNvSpPr txBox="1"/>
           <p:nvPr>
-            <p:ph type="body" idx="1"/>
+            <p:ph idx="1" type="body"/>
           </p:nvPr>
         </p:nvSpPr>
         <p:spPr>
@@ -811,12 +788,12 @@
           </a:prstGeom>
         </p:spPr>
         <p:txBody>
-          <a:bodyPr spcFirstLastPara="1" wrap="square" lIns="91425" tIns="91425" rIns="91425" bIns="91425" anchor="t" anchorCtr="0">
+          <a:bodyPr anchorCtr="0" anchor="t" bIns="91425" lIns="91425" spcFirstLastPara="1" rIns="91425" wrap="square" tIns="91425">
             <a:noAutofit/>
           </a:bodyPr>
           <a:lstStyle/>
           <a:p>
-            <a:pPr marL="0" lvl="0" indent="0" algn="l" rtl="0">
+            <a:pPr indent="0" lvl="0" marL="0" rtl="0" algn="l">
               <a:spcBef>
                 <a:spcPts val="0"/>
               </a:spcBef>
@@ -825,6 +802,9 @@
               </a:spcAft>
               <a:buNone/>
             </a:pPr>
+            <a:r>
+              <a:t/>
+            </a:r>
             <a:endParaRPr/>
           </a:p>
         </p:txBody>
@@ -838,11 +818,11 @@
 </file>
 
 <file path=ppt/notesSlides/notesSlide10.xml><?xml version="1.0" encoding="utf-8"?>
-<p:notes xmlns:a="http://schemas.openxmlformats.org/drawingml/2006/main" xmlns:r="http://schemas.openxmlformats.org/officeDocument/2006/relationships" xmlns:p="http://schemas.openxmlformats.org/presentationml/2006/main" showMasterSp="0" showMasterPhAnim="0">
+<p:notes xmlns:a="http://schemas.openxmlformats.org/drawingml/2006/main" xmlns:r="http://schemas.openxmlformats.org/officeDocument/2006/relationships" xmlns:mc="http://schemas.openxmlformats.org/markup-compatibility/2006" xmlns:mv="urn:schemas-microsoft-com:mac:vml" xmlns:p="http://schemas.openxmlformats.org/presentationml/2006/main" xmlns:c="http://schemas.openxmlformats.org/drawingml/2006/chart" xmlns:dgm="http://schemas.openxmlformats.org/drawingml/2006/diagram" xmlns:o="urn:schemas-microsoft-com:office:office" xmlns:v="urn:schemas-microsoft-com:vml" xmlns:pvml="urn:schemas-microsoft-com:office:powerpoint" xmlns:com="http://schemas.openxmlformats.org/drawingml/2006/compatibility" xmlns:p14="http://schemas.microsoft.com/office/powerpoint/2010/main" xmlns:p15="http://schemas.microsoft.com/office/powerpoint/2012/main" xmlns:ahyp="http://schemas.microsoft.com/office/drawing/2018/hyperlinkcolor" showMasterPhAnim="0" showMasterSp="0">
   <p:cSld>
     <p:spTree>
       <p:nvGrpSpPr>
-        <p:cNvPr id="1" name="Shape 203"/>
+        <p:cNvPr id="203" name="Shape 203"/>
         <p:cNvGrpSpPr/>
         <p:nvPr/>
       </p:nvGrpSpPr>
@@ -857,11 +837,9 @@
       <p:sp>
         <p:nvSpPr>
           <p:cNvPr id="204" name="Google Shape;204;g27971b28e66_1_47:notes"/>
-          <p:cNvSpPr>
-            <a:spLocks noGrp="1" noRot="1" noChangeAspect="1"/>
-          </p:cNvSpPr>
+          <p:cNvSpPr/>
           <p:nvPr>
-            <p:ph type="sldImg" idx="2"/>
+            <p:ph idx="2" type="sldImg"/>
           </p:nvPr>
         </p:nvSpPr>
         <p:spPr>
@@ -870,13 +848,9 @@
             <a:ext cx="6096000" cy="3429000"/>
           </a:xfrm>
           <a:custGeom>
-            <a:avLst/>
-            <a:gdLst/>
-            <a:ahLst/>
-            <a:cxnLst/>
-            <a:rect l="l" t="t" r="r" b="b"/>
+            <a:rect b="b" l="l" r="r" t="t"/>
             <a:pathLst>
-              <a:path w="120000" h="120000" extrusionOk="0">
+              <a:path extrusionOk="0" h="120000" w="120000">
                 <a:moveTo>
                   <a:pt x="0" y="0"/>
                 </a:moveTo>
@@ -898,11 +872,9 @@
       <p:sp>
         <p:nvSpPr>
           <p:cNvPr id="205" name="Google Shape;205;g27971b28e66_1_47:notes"/>
-          <p:cNvSpPr txBox="1">
-            <a:spLocks noGrp="1"/>
-          </p:cNvSpPr>
+          <p:cNvSpPr txBox="1"/>
           <p:nvPr>
-            <p:ph type="body" idx="1"/>
+            <p:ph idx="1" type="body"/>
           </p:nvPr>
         </p:nvSpPr>
         <p:spPr>
@@ -915,12 +887,12 @@
           </a:prstGeom>
         </p:spPr>
         <p:txBody>
-          <a:bodyPr spcFirstLastPara="1" wrap="square" lIns="91425" tIns="91425" rIns="91425" bIns="91425" anchor="t" anchorCtr="0">
+          <a:bodyPr anchorCtr="0" anchor="t" bIns="91425" lIns="91425" spcFirstLastPara="1" rIns="91425" wrap="square" tIns="91425">
             <a:noAutofit/>
           </a:bodyPr>
           <a:lstStyle/>
           <a:p>
-            <a:pPr marL="0" lvl="0" indent="0" algn="l" rtl="0">
+            <a:pPr indent="0" lvl="0" marL="0" rtl="0" algn="l">
               <a:spcBef>
                 <a:spcPts val="0"/>
               </a:spcBef>
@@ -929,6 +901,9 @@
               </a:spcAft>
               <a:buNone/>
             </a:pPr>
+            <a:r>
+              <a:t/>
+            </a:r>
             <a:endParaRPr/>
           </a:p>
         </p:txBody>
@@ -942,11 +917,11 @@
 </file>
 
 <file path=ppt/notesSlides/notesSlide11.xml><?xml version="1.0" encoding="utf-8"?>
-<p:notes xmlns:a="http://schemas.openxmlformats.org/drawingml/2006/main" xmlns:r="http://schemas.openxmlformats.org/officeDocument/2006/relationships" xmlns:p="http://schemas.openxmlformats.org/presentationml/2006/main" showMasterSp="0" showMasterPhAnim="0">
+<p:notes xmlns:a="http://schemas.openxmlformats.org/drawingml/2006/main" xmlns:r="http://schemas.openxmlformats.org/officeDocument/2006/relationships" xmlns:mc="http://schemas.openxmlformats.org/markup-compatibility/2006" xmlns:mv="urn:schemas-microsoft-com:mac:vml" xmlns:p="http://schemas.openxmlformats.org/presentationml/2006/main" xmlns:c="http://schemas.openxmlformats.org/drawingml/2006/chart" xmlns:dgm="http://schemas.openxmlformats.org/drawingml/2006/diagram" xmlns:o="urn:schemas-microsoft-com:office:office" xmlns:v="urn:schemas-microsoft-com:vml" xmlns:pvml="urn:schemas-microsoft-com:office:powerpoint" xmlns:com="http://schemas.openxmlformats.org/drawingml/2006/compatibility" xmlns:p14="http://schemas.microsoft.com/office/powerpoint/2010/main" xmlns:p15="http://schemas.microsoft.com/office/powerpoint/2012/main" xmlns:ahyp="http://schemas.microsoft.com/office/drawing/2018/hyperlinkcolor" showMasterPhAnim="0" showMasterSp="0">
   <p:cSld>
     <p:spTree>
       <p:nvGrpSpPr>
-        <p:cNvPr id="1" name="Shape 212"/>
+        <p:cNvPr id="212" name="Shape 212"/>
         <p:cNvGrpSpPr/>
         <p:nvPr/>
       </p:nvGrpSpPr>
@@ -961,11 +936,9 @@
       <p:sp>
         <p:nvSpPr>
           <p:cNvPr id="213" name="Google Shape;213;g27971b28e66_1_90:notes"/>
-          <p:cNvSpPr>
-            <a:spLocks noGrp="1" noRot="1" noChangeAspect="1"/>
-          </p:cNvSpPr>
+          <p:cNvSpPr/>
           <p:nvPr>
-            <p:ph type="sldImg" idx="2"/>
+            <p:ph idx="2" type="sldImg"/>
           </p:nvPr>
         </p:nvSpPr>
         <p:spPr>
@@ -974,13 +947,9 @@
             <a:ext cx="6096000" cy="3429000"/>
           </a:xfrm>
           <a:custGeom>
-            <a:avLst/>
-            <a:gdLst/>
-            <a:ahLst/>
-            <a:cxnLst/>
-            <a:rect l="l" t="t" r="r" b="b"/>
+            <a:rect b="b" l="l" r="r" t="t"/>
             <a:pathLst>
-              <a:path w="120000" h="120000" extrusionOk="0">
+              <a:path extrusionOk="0" h="120000" w="120000">
                 <a:moveTo>
                   <a:pt x="0" y="0"/>
                 </a:moveTo>
@@ -1002,11 +971,9 @@
       <p:sp>
         <p:nvSpPr>
           <p:cNvPr id="214" name="Google Shape;214;g27971b28e66_1_90:notes"/>
-          <p:cNvSpPr txBox="1">
-            <a:spLocks noGrp="1"/>
-          </p:cNvSpPr>
+          <p:cNvSpPr txBox="1"/>
           <p:nvPr>
-            <p:ph type="body" idx="1"/>
+            <p:ph idx="1" type="body"/>
           </p:nvPr>
         </p:nvSpPr>
         <p:spPr>
@@ -1019,12 +986,12 @@
           </a:prstGeom>
         </p:spPr>
         <p:txBody>
-          <a:bodyPr spcFirstLastPara="1" wrap="square" lIns="91425" tIns="91425" rIns="91425" bIns="91425" anchor="t" anchorCtr="0">
+          <a:bodyPr anchorCtr="0" anchor="t" bIns="91425" lIns="91425" spcFirstLastPara="1" rIns="91425" wrap="square" tIns="91425">
             <a:noAutofit/>
           </a:bodyPr>
           <a:lstStyle/>
           <a:p>
-            <a:pPr marL="0" lvl="0" indent="0" algn="l" rtl="0">
+            <a:pPr indent="0" lvl="0" marL="0" rtl="0" algn="l">
               <a:spcBef>
                 <a:spcPts val="0"/>
               </a:spcBef>
@@ -1033,6 +1000,9 @@
               </a:spcAft>
               <a:buNone/>
             </a:pPr>
+            <a:r>
+              <a:t/>
+            </a:r>
             <a:endParaRPr/>
           </a:p>
         </p:txBody>
@@ -1046,11 +1016,11 @@
 </file>
 
 <file path=ppt/notesSlides/notesSlide12.xml><?xml version="1.0" encoding="utf-8"?>
-<p:notes xmlns:a="http://schemas.openxmlformats.org/drawingml/2006/main" xmlns:r="http://schemas.openxmlformats.org/officeDocument/2006/relationships" xmlns:p="http://schemas.openxmlformats.org/presentationml/2006/main" showMasterSp="0" showMasterPhAnim="0">
+<p:notes xmlns:a="http://schemas.openxmlformats.org/drawingml/2006/main" xmlns:r="http://schemas.openxmlformats.org/officeDocument/2006/relationships" xmlns:mc="http://schemas.openxmlformats.org/markup-compatibility/2006" xmlns:mv="urn:schemas-microsoft-com:mac:vml" xmlns:p="http://schemas.openxmlformats.org/presentationml/2006/main" xmlns:c="http://schemas.openxmlformats.org/drawingml/2006/chart" xmlns:dgm="http://schemas.openxmlformats.org/drawingml/2006/diagram" xmlns:o="urn:schemas-microsoft-com:office:office" xmlns:v="urn:schemas-microsoft-com:vml" xmlns:pvml="urn:schemas-microsoft-com:office:powerpoint" xmlns:com="http://schemas.openxmlformats.org/drawingml/2006/compatibility" xmlns:p14="http://schemas.microsoft.com/office/powerpoint/2010/main" xmlns:p15="http://schemas.microsoft.com/office/powerpoint/2012/main" xmlns:ahyp="http://schemas.microsoft.com/office/drawing/2018/hyperlinkcolor" showMasterPhAnim="0" showMasterSp="0">
   <p:cSld>
     <p:spTree>
       <p:nvGrpSpPr>
-        <p:cNvPr id="1" name="Shape 221"/>
+        <p:cNvPr id="221" name="Shape 221"/>
         <p:cNvGrpSpPr/>
         <p:nvPr/>
       </p:nvGrpSpPr>
@@ -1065,11 +1035,9 @@
       <p:sp>
         <p:nvSpPr>
           <p:cNvPr id="222" name="Google Shape;222;g27971b28e66_1_53:notes"/>
-          <p:cNvSpPr>
-            <a:spLocks noGrp="1" noRot="1" noChangeAspect="1"/>
-          </p:cNvSpPr>
+          <p:cNvSpPr/>
           <p:nvPr>
-            <p:ph type="sldImg" idx="2"/>
+            <p:ph idx="2" type="sldImg"/>
           </p:nvPr>
         </p:nvSpPr>
         <p:spPr>
@@ -1078,13 +1046,9 @@
             <a:ext cx="6096000" cy="3429000"/>
           </a:xfrm>
           <a:custGeom>
-            <a:avLst/>
-            <a:gdLst/>
-            <a:ahLst/>
-            <a:cxnLst/>
-            <a:rect l="l" t="t" r="r" b="b"/>
+            <a:rect b="b" l="l" r="r" t="t"/>
             <a:pathLst>
-              <a:path w="120000" h="120000" extrusionOk="0">
+              <a:path extrusionOk="0" h="120000" w="120000">
                 <a:moveTo>
                   <a:pt x="0" y="0"/>
                 </a:moveTo>
@@ -1106,11 +1070,9 @@
       <p:sp>
         <p:nvSpPr>
           <p:cNvPr id="223" name="Google Shape;223;g27971b28e66_1_53:notes"/>
-          <p:cNvSpPr txBox="1">
-            <a:spLocks noGrp="1"/>
-          </p:cNvSpPr>
+          <p:cNvSpPr txBox="1"/>
           <p:nvPr>
-            <p:ph type="body" idx="1"/>
+            <p:ph idx="1" type="body"/>
           </p:nvPr>
         </p:nvSpPr>
         <p:spPr>
@@ -1123,12 +1085,12 @@
           </a:prstGeom>
         </p:spPr>
         <p:txBody>
-          <a:bodyPr spcFirstLastPara="1" wrap="square" lIns="91425" tIns="91425" rIns="91425" bIns="91425" anchor="t" anchorCtr="0">
+          <a:bodyPr anchorCtr="0" anchor="t" bIns="91425" lIns="91425" spcFirstLastPara="1" rIns="91425" wrap="square" tIns="91425">
             <a:noAutofit/>
           </a:bodyPr>
           <a:lstStyle/>
           <a:p>
-            <a:pPr marL="0" lvl="0" indent="0" algn="l" rtl="0">
+            <a:pPr indent="0" lvl="0" marL="0" rtl="0" algn="l">
               <a:spcBef>
                 <a:spcPts val="0"/>
               </a:spcBef>
@@ -1137,6 +1099,9 @@
               </a:spcAft>
               <a:buNone/>
             </a:pPr>
+            <a:r>
+              <a:t/>
+            </a:r>
             <a:endParaRPr/>
           </a:p>
         </p:txBody>
@@ -1150,11 +1115,11 @@
 </file>
 
 <file path=ppt/notesSlides/notesSlide13.xml><?xml version="1.0" encoding="utf-8"?>
-<p:notes xmlns:a="http://schemas.openxmlformats.org/drawingml/2006/main" xmlns:r="http://schemas.openxmlformats.org/officeDocument/2006/relationships" xmlns:p="http://schemas.openxmlformats.org/presentationml/2006/main" showMasterSp="0" showMasterPhAnim="0">
+<p:notes xmlns:a="http://schemas.openxmlformats.org/drawingml/2006/main" xmlns:r="http://schemas.openxmlformats.org/officeDocument/2006/relationships" xmlns:mc="http://schemas.openxmlformats.org/markup-compatibility/2006" xmlns:mv="urn:schemas-microsoft-com:mac:vml" xmlns:p="http://schemas.openxmlformats.org/presentationml/2006/main" xmlns:c="http://schemas.openxmlformats.org/drawingml/2006/chart" xmlns:dgm="http://schemas.openxmlformats.org/drawingml/2006/diagram" xmlns:o="urn:schemas-microsoft-com:office:office" xmlns:v="urn:schemas-microsoft-com:vml" xmlns:pvml="urn:schemas-microsoft-com:office:powerpoint" xmlns:com="http://schemas.openxmlformats.org/drawingml/2006/compatibility" xmlns:p14="http://schemas.microsoft.com/office/powerpoint/2010/main" xmlns:p15="http://schemas.microsoft.com/office/powerpoint/2012/main" xmlns:ahyp="http://schemas.microsoft.com/office/drawing/2018/hyperlinkcolor" showMasterPhAnim="0" showMasterSp="0">
   <p:cSld>
     <p:spTree>
       <p:nvGrpSpPr>
-        <p:cNvPr id="1" name="Shape 228"/>
+        <p:cNvPr id="228" name="Shape 228"/>
         <p:cNvGrpSpPr/>
         <p:nvPr/>
       </p:nvGrpSpPr>
@@ -1169,11 +1134,9 @@
       <p:sp>
         <p:nvSpPr>
           <p:cNvPr id="229" name="Google Shape;229;g27971b28e66_0_136:notes"/>
-          <p:cNvSpPr>
-            <a:spLocks noGrp="1" noRot="1" noChangeAspect="1"/>
-          </p:cNvSpPr>
+          <p:cNvSpPr/>
           <p:nvPr>
-            <p:ph type="sldImg" idx="2"/>
+            <p:ph idx="2" type="sldImg"/>
           </p:nvPr>
         </p:nvSpPr>
         <p:spPr>
@@ -1182,13 +1145,9 @@
             <a:ext cx="6096000" cy="3429000"/>
           </a:xfrm>
           <a:custGeom>
-            <a:avLst/>
-            <a:gdLst/>
-            <a:ahLst/>
-            <a:cxnLst/>
-            <a:rect l="l" t="t" r="r" b="b"/>
+            <a:rect b="b" l="l" r="r" t="t"/>
             <a:pathLst>
-              <a:path w="120000" h="120000" extrusionOk="0">
+              <a:path extrusionOk="0" h="120000" w="120000">
                 <a:moveTo>
                   <a:pt x="0" y="0"/>
                 </a:moveTo>
@@ -1210,11 +1169,9 @@
       <p:sp>
         <p:nvSpPr>
           <p:cNvPr id="230" name="Google Shape;230;g27971b28e66_0_136:notes"/>
-          <p:cNvSpPr txBox="1">
-            <a:spLocks noGrp="1"/>
-          </p:cNvSpPr>
+          <p:cNvSpPr txBox="1"/>
           <p:nvPr>
-            <p:ph type="body" idx="1"/>
+            <p:ph idx="1" type="body"/>
           </p:nvPr>
         </p:nvSpPr>
         <p:spPr>
@@ -1227,12 +1184,12 @@
           </a:prstGeom>
         </p:spPr>
         <p:txBody>
-          <a:bodyPr spcFirstLastPara="1" wrap="square" lIns="91425" tIns="91425" rIns="91425" bIns="91425" anchor="t" anchorCtr="0">
+          <a:bodyPr anchorCtr="0" anchor="t" bIns="91425" lIns="91425" spcFirstLastPara="1" rIns="91425" wrap="square" tIns="91425">
             <a:noAutofit/>
           </a:bodyPr>
           <a:lstStyle/>
           <a:p>
-            <a:pPr marL="0" lvl="0" indent="0" algn="l" rtl="0">
+            <a:pPr indent="0" lvl="0" marL="0" rtl="0" algn="l">
               <a:spcBef>
                 <a:spcPts val="0"/>
               </a:spcBef>
@@ -1241,6 +1198,9 @@
               </a:spcAft>
               <a:buNone/>
             </a:pPr>
+            <a:r>
+              <a:t/>
+            </a:r>
             <a:endParaRPr/>
           </a:p>
         </p:txBody>
@@ -1254,11 +1214,11 @@
 </file>
 
 <file path=ppt/notesSlides/notesSlide14.xml><?xml version="1.0" encoding="utf-8"?>
-<p:notes xmlns:a="http://schemas.openxmlformats.org/drawingml/2006/main" xmlns:r="http://schemas.openxmlformats.org/officeDocument/2006/relationships" xmlns:p="http://schemas.openxmlformats.org/presentationml/2006/main" showMasterSp="0" showMasterPhAnim="0">
+<p:notes xmlns:a="http://schemas.openxmlformats.org/drawingml/2006/main" xmlns:r="http://schemas.openxmlformats.org/officeDocument/2006/relationships" xmlns:mc="http://schemas.openxmlformats.org/markup-compatibility/2006" xmlns:mv="urn:schemas-microsoft-com:mac:vml" xmlns:p="http://schemas.openxmlformats.org/presentationml/2006/main" xmlns:c="http://schemas.openxmlformats.org/drawingml/2006/chart" xmlns:dgm="http://schemas.openxmlformats.org/drawingml/2006/diagram" xmlns:o="urn:schemas-microsoft-com:office:office" xmlns:v="urn:schemas-microsoft-com:vml" xmlns:pvml="urn:schemas-microsoft-com:office:powerpoint" xmlns:com="http://schemas.openxmlformats.org/drawingml/2006/compatibility" xmlns:p14="http://schemas.microsoft.com/office/powerpoint/2010/main" xmlns:p15="http://schemas.microsoft.com/office/powerpoint/2012/main" xmlns:ahyp="http://schemas.microsoft.com/office/drawing/2018/hyperlinkcolor" showMasterPhAnim="0" showMasterSp="0">
   <p:cSld>
     <p:spTree>
       <p:nvGrpSpPr>
-        <p:cNvPr id="1" name="Shape 239"/>
+        <p:cNvPr id="239" name="Shape 239"/>
         <p:cNvGrpSpPr/>
         <p:nvPr/>
       </p:nvGrpSpPr>
@@ -1273,11 +1233,9 @@
       <p:sp>
         <p:nvSpPr>
           <p:cNvPr id="240" name="Google Shape;240;g27971b28e66_0_144:notes"/>
-          <p:cNvSpPr>
-            <a:spLocks noGrp="1" noRot="1" noChangeAspect="1"/>
-          </p:cNvSpPr>
+          <p:cNvSpPr/>
           <p:nvPr>
-            <p:ph type="sldImg" idx="2"/>
+            <p:ph idx="2" type="sldImg"/>
           </p:nvPr>
         </p:nvSpPr>
         <p:spPr>
@@ -1286,13 +1244,9 @@
             <a:ext cx="6096000" cy="3429000"/>
           </a:xfrm>
           <a:custGeom>
-            <a:avLst/>
-            <a:gdLst/>
-            <a:ahLst/>
-            <a:cxnLst/>
-            <a:rect l="l" t="t" r="r" b="b"/>
+            <a:rect b="b" l="l" r="r" t="t"/>
             <a:pathLst>
-              <a:path w="120000" h="120000" extrusionOk="0">
+              <a:path extrusionOk="0" h="120000" w="120000">
                 <a:moveTo>
                   <a:pt x="0" y="0"/>
                 </a:moveTo>
@@ -1314,11 +1268,9 @@
       <p:sp>
         <p:nvSpPr>
           <p:cNvPr id="241" name="Google Shape;241;g27971b28e66_0_144:notes"/>
-          <p:cNvSpPr txBox="1">
-            <a:spLocks noGrp="1"/>
-          </p:cNvSpPr>
+          <p:cNvSpPr txBox="1"/>
           <p:nvPr>
-            <p:ph type="body" idx="1"/>
+            <p:ph idx="1" type="body"/>
           </p:nvPr>
         </p:nvSpPr>
         <p:spPr>
@@ -1331,12 +1283,12 @@
           </a:prstGeom>
         </p:spPr>
         <p:txBody>
-          <a:bodyPr spcFirstLastPara="1" wrap="square" lIns="91425" tIns="91425" rIns="91425" bIns="91425" anchor="t" anchorCtr="0">
+          <a:bodyPr anchorCtr="0" anchor="t" bIns="91425" lIns="91425" spcFirstLastPara="1" rIns="91425" wrap="square" tIns="91425">
             <a:noAutofit/>
           </a:bodyPr>
           <a:lstStyle/>
           <a:p>
-            <a:pPr marL="0" lvl="0" indent="0" algn="l" rtl="0">
+            <a:pPr indent="0" lvl="0" marL="0" rtl="0" algn="l">
               <a:spcBef>
                 <a:spcPts val="0"/>
               </a:spcBef>
@@ -1345,6 +1297,9 @@
               </a:spcAft>
               <a:buNone/>
             </a:pPr>
+            <a:r>
+              <a:t/>
+            </a:r>
             <a:endParaRPr/>
           </a:p>
         </p:txBody>
@@ -1358,11 +1313,11 @@
 </file>
 
 <file path=ppt/notesSlides/notesSlide15.xml><?xml version="1.0" encoding="utf-8"?>
-<p:notes xmlns:a="http://schemas.openxmlformats.org/drawingml/2006/main" xmlns:r="http://schemas.openxmlformats.org/officeDocument/2006/relationships" xmlns:p="http://schemas.openxmlformats.org/presentationml/2006/main" showMasterSp="0" showMasterPhAnim="0">
+<p:notes xmlns:a="http://schemas.openxmlformats.org/drawingml/2006/main" xmlns:r="http://schemas.openxmlformats.org/officeDocument/2006/relationships" xmlns:mc="http://schemas.openxmlformats.org/markup-compatibility/2006" xmlns:mv="urn:schemas-microsoft-com:mac:vml" xmlns:p="http://schemas.openxmlformats.org/presentationml/2006/main" xmlns:c="http://schemas.openxmlformats.org/drawingml/2006/chart" xmlns:dgm="http://schemas.openxmlformats.org/drawingml/2006/diagram" xmlns:o="urn:schemas-microsoft-com:office:office" xmlns:v="urn:schemas-microsoft-com:vml" xmlns:pvml="urn:schemas-microsoft-com:office:powerpoint" xmlns:com="http://schemas.openxmlformats.org/drawingml/2006/compatibility" xmlns:p14="http://schemas.microsoft.com/office/powerpoint/2010/main" xmlns:p15="http://schemas.microsoft.com/office/powerpoint/2012/main" xmlns:ahyp="http://schemas.microsoft.com/office/drawing/2018/hyperlinkcolor" showMasterPhAnim="0" showMasterSp="0">
   <p:cSld>
     <p:spTree>
       <p:nvGrpSpPr>
-        <p:cNvPr id="1" name="Shape 246"/>
+        <p:cNvPr id="246" name="Shape 246"/>
         <p:cNvGrpSpPr/>
         <p:nvPr/>
       </p:nvGrpSpPr>
@@ -1377,11 +1332,9 @@
       <p:sp>
         <p:nvSpPr>
           <p:cNvPr id="247" name="Google Shape;247;g27971b28e66_0_149:notes"/>
-          <p:cNvSpPr>
-            <a:spLocks noGrp="1" noRot="1" noChangeAspect="1"/>
-          </p:cNvSpPr>
+          <p:cNvSpPr/>
           <p:nvPr>
-            <p:ph type="sldImg" idx="2"/>
+            <p:ph idx="2" type="sldImg"/>
           </p:nvPr>
         </p:nvSpPr>
         <p:spPr>
@@ -1390,13 +1343,9 @@
             <a:ext cx="6096000" cy="3429000"/>
           </a:xfrm>
           <a:custGeom>
-            <a:avLst/>
-            <a:gdLst/>
-            <a:ahLst/>
-            <a:cxnLst/>
-            <a:rect l="l" t="t" r="r" b="b"/>
+            <a:rect b="b" l="l" r="r" t="t"/>
             <a:pathLst>
-              <a:path w="120000" h="120000" extrusionOk="0">
+              <a:path extrusionOk="0" h="120000" w="120000">
                 <a:moveTo>
                   <a:pt x="0" y="0"/>
                 </a:moveTo>
@@ -1418,11 +1367,9 @@
       <p:sp>
         <p:nvSpPr>
           <p:cNvPr id="248" name="Google Shape;248;g27971b28e66_0_149:notes"/>
-          <p:cNvSpPr txBox="1">
-            <a:spLocks noGrp="1"/>
-          </p:cNvSpPr>
+          <p:cNvSpPr txBox="1"/>
           <p:nvPr>
-            <p:ph type="body" idx="1"/>
+            <p:ph idx="1" type="body"/>
           </p:nvPr>
         </p:nvSpPr>
         <p:spPr>
@@ -1435,12 +1382,12 @@
           </a:prstGeom>
         </p:spPr>
         <p:txBody>
-          <a:bodyPr spcFirstLastPara="1" wrap="square" lIns="91425" tIns="91425" rIns="91425" bIns="91425" anchor="t" anchorCtr="0">
+          <a:bodyPr anchorCtr="0" anchor="t" bIns="91425" lIns="91425" spcFirstLastPara="1" rIns="91425" wrap="square" tIns="91425">
             <a:noAutofit/>
           </a:bodyPr>
           <a:lstStyle/>
           <a:p>
-            <a:pPr marL="0" lvl="0" indent="0" algn="l" rtl="0">
+            <a:pPr indent="0" lvl="0" marL="0" rtl="0" algn="l">
               <a:spcBef>
                 <a:spcPts val="0"/>
               </a:spcBef>
@@ -1449,6 +1396,10 @@
               </a:spcAft>
               <a:buNone/>
             </a:pPr>
+            <a:r>
+              <a:rPr lang="ko"/>
+              <a:t>Pixel accuracy</a:t>
+            </a:r>
             <a:endParaRPr/>
           </a:p>
         </p:txBody>
@@ -1462,11 +1413,11 @@
 </file>
 
 <file path=ppt/notesSlides/notesSlide16.xml><?xml version="1.0" encoding="utf-8"?>
-<p:notes xmlns:a="http://schemas.openxmlformats.org/drawingml/2006/main" xmlns:r="http://schemas.openxmlformats.org/officeDocument/2006/relationships" xmlns:p="http://schemas.openxmlformats.org/presentationml/2006/main" showMasterSp="0" showMasterPhAnim="0">
+<p:notes xmlns:a="http://schemas.openxmlformats.org/drawingml/2006/main" xmlns:r="http://schemas.openxmlformats.org/officeDocument/2006/relationships" xmlns:mc="http://schemas.openxmlformats.org/markup-compatibility/2006" xmlns:mv="urn:schemas-microsoft-com:mac:vml" xmlns:p="http://schemas.openxmlformats.org/presentationml/2006/main" xmlns:c="http://schemas.openxmlformats.org/drawingml/2006/chart" xmlns:dgm="http://schemas.openxmlformats.org/drawingml/2006/diagram" xmlns:o="urn:schemas-microsoft-com:office:office" xmlns:v="urn:schemas-microsoft-com:vml" xmlns:pvml="urn:schemas-microsoft-com:office:powerpoint" xmlns:com="http://schemas.openxmlformats.org/drawingml/2006/compatibility" xmlns:p14="http://schemas.microsoft.com/office/powerpoint/2010/main" xmlns:p15="http://schemas.microsoft.com/office/powerpoint/2012/main" xmlns:ahyp="http://schemas.microsoft.com/office/drawing/2018/hyperlinkcolor" showMasterPhAnim="0" showMasterSp="0">
   <p:cSld>
     <p:spTree>
       <p:nvGrpSpPr>
-        <p:cNvPr id="1" name="Shape 254"/>
+        <p:cNvPr id="254" name="Shape 254"/>
         <p:cNvGrpSpPr/>
         <p:nvPr/>
       </p:nvGrpSpPr>
@@ -1481,11 +1432,9 @@
       <p:sp>
         <p:nvSpPr>
           <p:cNvPr id="255" name="Google Shape;255;g27971b28e66_1_69:notes"/>
-          <p:cNvSpPr>
-            <a:spLocks noGrp="1" noRot="1" noChangeAspect="1"/>
-          </p:cNvSpPr>
+          <p:cNvSpPr/>
           <p:nvPr>
-            <p:ph type="sldImg" idx="2"/>
+            <p:ph idx="2" type="sldImg"/>
           </p:nvPr>
         </p:nvSpPr>
         <p:spPr>
@@ -1494,13 +1443,9 @@
             <a:ext cx="6096000" cy="3429000"/>
           </a:xfrm>
           <a:custGeom>
-            <a:avLst/>
-            <a:gdLst/>
-            <a:ahLst/>
-            <a:cxnLst/>
-            <a:rect l="l" t="t" r="r" b="b"/>
+            <a:rect b="b" l="l" r="r" t="t"/>
             <a:pathLst>
-              <a:path w="120000" h="120000" extrusionOk="0">
+              <a:path extrusionOk="0" h="120000" w="120000">
                 <a:moveTo>
                   <a:pt x="0" y="0"/>
                 </a:moveTo>
@@ -1522,11 +1467,9 @@
       <p:sp>
         <p:nvSpPr>
           <p:cNvPr id="256" name="Google Shape;256;g27971b28e66_1_69:notes"/>
-          <p:cNvSpPr txBox="1">
-            <a:spLocks noGrp="1"/>
-          </p:cNvSpPr>
+          <p:cNvSpPr txBox="1"/>
           <p:nvPr>
-            <p:ph type="body" idx="1"/>
+            <p:ph idx="1" type="body"/>
           </p:nvPr>
         </p:nvSpPr>
         <p:spPr>
@@ -1539,12 +1482,12 @@
           </a:prstGeom>
         </p:spPr>
         <p:txBody>
-          <a:bodyPr spcFirstLastPara="1" wrap="square" lIns="91425" tIns="91425" rIns="91425" bIns="91425" anchor="t" anchorCtr="0">
+          <a:bodyPr anchorCtr="0" anchor="t" bIns="91425" lIns="91425" spcFirstLastPara="1" rIns="91425" wrap="square" tIns="91425">
             <a:noAutofit/>
           </a:bodyPr>
           <a:lstStyle/>
           <a:p>
-            <a:pPr marL="0" lvl="0" indent="0" algn="l" rtl="0">
+            <a:pPr indent="0" lvl="0" marL="0" rtl="0" algn="l">
               <a:spcBef>
                 <a:spcPts val="0"/>
               </a:spcBef>
@@ -1553,6 +1496,9 @@
               </a:spcAft>
               <a:buNone/>
             </a:pPr>
+            <a:r>
+              <a:t/>
+            </a:r>
             <a:endParaRPr/>
           </a:p>
         </p:txBody>
@@ -1566,11 +1512,11 @@
 </file>
 
 <file path=ppt/notesSlides/notesSlide17.xml><?xml version="1.0" encoding="utf-8"?>
-<p:notes xmlns:a="http://schemas.openxmlformats.org/drawingml/2006/main" xmlns:r="http://schemas.openxmlformats.org/officeDocument/2006/relationships" xmlns:p="http://schemas.openxmlformats.org/presentationml/2006/main" showMasterSp="0" showMasterPhAnim="0">
+<p:notes xmlns:a="http://schemas.openxmlformats.org/drawingml/2006/main" xmlns:r="http://schemas.openxmlformats.org/officeDocument/2006/relationships" xmlns:mc="http://schemas.openxmlformats.org/markup-compatibility/2006" xmlns:mv="urn:schemas-microsoft-com:mac:vml" xmlns:p="http://schemas.openxmlformats.org/presentationml/2006/main" xmlns:c="http://schemas.openxmlformats.org/drawingml/2006/chart" xmlns:dgm="http://schemas.openxmlformats.org/drawingml/2006/diagram" xmlns:o="urn:schemas-microsoft-com:office:office" xmlns:v="urn:schemas-microsoft-com:vml" xmlns:pvml="urn:schemas-microsoft-com:office:powerpoint" xmlns:com="http://schemas.openxmlformats.org/drawingml/2006/compatibility" xmlns:p14="http://schemas.microsoft.com/office/powerpoint/2010/main" xmlns:p15="http://schemas.microsoft.com/office/powerpoint/2012/main" xmlns:ahyp="http://schemas.microsoft.com/office/drawing/2018/hyperlinkcolor" showMasterPhAnim="0" showMasterSp="0">
   <p:cSld>
     <p:spTree>
       <p:nvGrpSpPr>
-        <p:cNvPr id="1" name="Shape 261"/>
+        <p:cNvPr id="261" name="Shape 261"/>
         <p:cNvGrpSpPr/>
         <p:nvPr/>
       </p:nvGrpSpPr>
@@ -1585,11 +1531,9 @@
       <p:sp>
         <p:nvSpPr>
           <p:cNvPr id="262" name="Google Shape;262;g27971b28e66_1_12:notes"/>
-          <p:cNvSpPr>
-            <a:spLocks noGrp="1" noRot="1" noChangeAspect="1"/>
-          </p:cNvSpPr>
+          <p:cNvSpPr/>
           <p:nvPr>
-            <p:ph type="sldImg" idx="2"/>
+            <p:ph idx="2" type="sldImg"/>
           </p:nvPr>
         </p:nvSpPr>
         <p:spPr>
@@ -1598,13 +1542,9 @@
             <a:ext cx="6096000" cy="3429000"/>
           </a:xfrm>
           <a:custGeom>
-            <a:avLst/>
-            <a:gdLst/>
-            <a:ahLst/>
-            <a:cxnLst/>
-            <a:rect l="l" t="t" r="r" b="b"/>
+            <a:rect b="b" l="l" r="r" t="t"/>
             <a:pathLst>
-              <a:path w="120000" h="120000" extrusionOk="0">
+              <a:path extrusionOk="0" h="120000" w="120000">
                 <a:moveTo>
                   <a:pt x="0" y="0"/>
                 </a:moveTo>
@@ -1626,11 +1566,9 @@
       <p:sp>
         <p:nvSpPr>
           <p:cNvPr id="263" name="Google Shape;263;g27971b28e66_1_12:notes"/>
-          <p:cNvSpPr txBox="1">
-            <a:spLocks noGrp="1"/>
-          </p:cNvSpPr>
+          <p:cNvSpPr txBox="1"/>
           <p:nvPr>
-            <p:ph type="body" idx="1"/>
+            <p:ph idx="1" type="body"/>
           </p:nvPr>
         </p:nvSpPr>
         <p:spPr>
@@ -1643,12 +1581,12 @@
           </a:prstGeom>
         </p:spPr>
         <p:txBody>
-          <a:bodyPr spcFirstLastPara="1" wrap="square" lIns="91425" tIns="91425" rIns="91425" bIns="91425" anchor="t" anchorCtr="0">
+          <a:bodyPr anchorCtr="0" anchor="t" bIns="91425" lIns="91425" spcFirstLastPara="1" rIns="91425" wrap="square" tIns="91425">
             <a:noAutofit/>
           </a:bodyPr>
           <a:lstStyle/>
           <a:p>
-            <a:pPr marL="0" lvl="0" indent="0" algn="l" rtl="0">
+            <a:pPr indent="0" lvl="0" marL="0" rtl="0" algn="l">
               <a:spcBef>
                 <a:spcPts val="0"/>
               </a:spcBef>
@@ -1657,6 +1595,9 @@
               </a:spcAft>
               <a:buNone/>
             </a:pPr>
+            <a:r>
+              <a:t/>
+            </a:r>
             <a:endParaRPr/>
           </a:p>
         </p:txBody>
@@ -1670,11 +1611,11 @@
 </file>
 
 <file path=ppt/notesSlides/notesSlide2.xml><?xml version="1.0" encoding="utf-8"?>
-<p:notes xmlns:a="http://schemas.openxmlformats.org/drawingml/2006/main" xmlns:r="http://schemas.openxmlformats.org/officeDocument/2006/relationships" xmlns:p="http://schemas.openxmlformats.org/presentationml/2006/main" showMasterSp="0" showMasterPhAnim="0">
+<p:notes xmlns:a="http://schemas.openxmlformats.org/drawingml/2006/main" xmlns:r="http://schemas.openxmlformats.org/officeDocument/2006/relationships" xmlns:mc="http://schemas.openxmlformats.org/markup-compatibility/2006" xmlns:mv="urn:schemas-microsoft-com:mac:vml" xmlns:p="http://schemas.openxmlformats.org/presentationml/2006/main" xmlns:c="http://schemas.openxmlformats.org/drawingml/2006/chart" xmlns:dgm="http://schemas.openxmlformats.org/drawingml/2006/diagram" xmlns:o="urn:schemas-microsoft-com:office:office" xmlns:v="urn:schemas-microsoft-com:vml" xmlns:pvml="urn:schemas-microsoft-com:office:powerpoint" xmlns:com="http://schemas.openxmlformats.org/drawingml/2006/compatibility" xmlns:p14="http://schemas.microsoft.com/office/powerpoint/2010/main" xmlns:p15="http://schemas.microsoft.com/office/powerpoint/2012/main" xmlns:ahyp="http://schemas.microsoft.com/office/drawing/2018/hyperlinkcolor" showMasterPhAnim="0" showMasterSp="0">
   <p:cSld>
     <p:spTree>
       <p:nvGrpSpPr>
-        <p:cNvPr id="1" name="Shape 137"/>
+        <p:cNvPr id="137" name="Shape 137"/>
         <p:cNvGrpSpPr/>
         <p:nvPr/>
       </p:nvGrpSpPr>
@@ -1689,11 +1630,9 @@
       <p:sp>
         <p:nvSpPr>
           <p:cNvPr id="138" name="Google Shape;138;g27971b28e66_0_125:notes"/>
-          <p:cNvSpPr>
-            <a:spLocks noGrp="1" noRot="1" noChangeAspect="1"/>
-          </p:cNvSpPr>
+          <p:cNvSpPr/>
           <p:nvPr>
-            <p:ph type="sldImg" idx="2"/>
+            <p:ph idx="2" type="sldImg"/>
           </p:nvPr>
         </p:nvSpPr>
         <p:spPr>
@@ -1702,13 +1641,9 @@
             <a:ext cx="6096000" cy="3429000"/>
           </a:xfrm>
           <a:custGeom>
-            <a:avLst/>
-            <a:gdLst/>
-            <a:ahLst/>
-            <a:cxnLst/>
-            <a:rect l="l" t="t" r="r" b="b"/>
+            <a:rect b="b" l="l" r="r" t="t"/>
             <a:pathLst>
-              <a:path w="120000" h="120000" extrusionOk="0">
+              <a:path extrusionOk="0" h="120000" w="120000">
                 <a:moveTo>
                   <a:pt x="0" y="0"/>
                 </a:moveTo>
@@ -1730,11 +1665,9 @@
       <p:sp>
         <p:nvSpPr>
           <p:cNvPr id="139" name="Google Shape;139;g27971b28e66_0_125:notes"/>
-          <p:cNvSpPr txBox="1">
-            <a:spLocks noGrp="1"/>
-          </p:cNvSpPr>
+          <p:cNvSpPr txBox="1"/>
           <p:nvPr>
-            <p:ph type="body" idx="1"/>
+            <p:ph idx="1" type="body"/>
           </p:nvPr>
         </p:nvSpPr>
         <p:spPr>
@@ -1747,12 +1680,12 @@
           </a:prstGeom>
         </p:spPr>
         <p:txBody>
-          <a:bodyPr spcFirstLastPara="1" wrap="square" lIns="91425" tIns="91425" rIns="91425" bIns="91425" anchor="t" anchorCtr="0">
+          <a:bodyPr anchorCtr="0" anchor="t" bIns="91425" lIns="91425" spcFirstLastPara="1" rIns="91425" wrap="square" tIns="91425">
             <a:noAutofit/>
           </a:bodyPr>
           <a:lstStyle/>
           <a:p>
-            <a:pPr marL="0" lvl="0" indent="0" algn="l" rtl="0">
+            <a:pPr indent="0" lvl="0" marL="0" rtl="0" algn="l">
               <a:spcBef>
                 <a:spcPts val="0"/>
               </a:spcBef>
@@ -1761,6 +1694,9 @@
               </a:spcAft>
               <a:buNone/>
             </a:pPr>
+            <a:r>
+              <a:t/>
+            </a:r>
             <a:endParaRPr/>
           </a:p>
         </p:txBody>
@@ -1774,11 +1710,11 @@
 </file>
 
 <file path=ppt/notesSlides/notesSlide3.xml><?xml version="1.0" encoding="utf-8"?>
-<p:notes xmlns:a="http://schemas.openxmlformats.org/drawingml/2006/main" xmlns:r="http://schemas.openxmlformats.org/officeDocument/2006/relationships" xmlns:p="http://schemas.openxmlformats.org/presentationml/2006/main" showMasterSp="0" showMasterPhAnim="0">
+<p:notes xmlns:a="http://schemas.openxmlformats.org/drawingml/2006/main" xmlns:r="http://schemas.openxmlformats.org/officeDocument/2006/relationships" xmlns:mc="http://schemas.openxmlformats.org/markup-compatibility/2006" xmlns:mv="urn:schemas-microsoft-com:mac:vml" xmlns:p="http://schemas.openxmlformats.org/presentationml/2006/main" xmlns:c="http://schemas.openxmlformats.org/drawingml/2006/chart" xmlns:dgm="http://schemas.openxmlformats.org/drawingml/2006/diagram" xmlns:o="urn:schemas-microsoft-com:office:office" xmlns:v="urn:schemas-microsoft-com:vml" xmlns:pvml="urn:schemas-microsoft-com:office:powerpoint" xmlns:com="http://schemas.openxmlformats.org/drawingml/2006/compatibility" xmlns:p14="http://schemas.microsoft.com/office/powerpoint/2010/main" xmlns:p15="http://schemas.microsoft.com/office/powerpoint/2012/main" xmlns:ahyp="http://schemas.microsoft.com/office/drawing/2018/hyperlinkcolor" showMasterPhAnim="0" showMasterSp="0">
   <p:cSld>
     <p:spTree>
       <p:nvGrpSpPr>
-        <p:cNvPr id="1" name="Shape 144"/>
+        <p:cNvPr id="144" name="Shape 144"/>
         <p:cNvGrpSpPr/>
         <p:nvPr/>
       </p:nvGrpSpPr>
@@ -1793,11 +1729,9 @@
       <p:sp>
         <p:nvSpPr>
           <p:cNvPr id="145" name="Google Shape;145;g27971b28e66_2_0:notes"/>
-          <p:cNvSpPr>
-            <a:spLocks noGrp="1" noRot="1" noChangeAspect="1"/>
-          </p:cNvSpPr>
+          <p:cNvSpPr/>
           <p:nvPr>
-            <p:ph type="sldImg" idx="2"/>
+            <p:ph idx="2" type="sldImg"/>
           </p:nvPr>
         </p:nvSpPr>
         <p:spPr>
@@ -1806,13 +1740,9 @@
             <a:ext cx="6096000" cy="3429000"/>
           </a:xfrm>
           <a:custGeom>
-            <a:avLst/>
-            <a:gdLst/>
-            <a:ahLst/>
-            <a:cxnLst/>
-            <a:rect l="l" t="t" r="r" b="b"/>
+            <a:rect b="b" l="l" r="r" t="t"/>
             <a:pathLst>
-              <a:path w="120000" h="120000" extrusionOk="0">
+              <a:path extrusionOk="0" h="120000" w="120000">
                 <a:moveTo>
                   <a:pt x="0" y="0"/>
                 </a:moveTo>
@@ -1834,11 +1764,9 @@
       <p:sp>
         <p:nvSpPr>
           <p:cNvPr id="146" name="Google Shape;146;g27971b28e66_2_0:notes"/>
-          <p:cNvSpPr txBox="1">
-            <a:spLocks noGrp="1"/>
-          </p:cNvSpPr>
+          <p:cNvSpPr txBox="1"/>
           <p:nvPr>
-            <p:ph type="body" idx="1"/>
+            <p:ph idx="1" type="body"/>
           </p:nvPr>
         </p:nvSpPr>
         <p:spPr>
@@ -1851,12 +1779,12 @@
           </a:prstGeom>
         </p:spPr>
         <p:txBody>
-          <a:bodyPr spcFirstLastPara="1" wrap="square" lIns="91425" tIns="91425" rIns="91425" bIns="91425" anchor="t" anchorCtr="0">
+          <a:bodyPr anchorCtr="0" anchor="t" bIns="91425" lIns="91425" spcFirstLastPara="1" rIns="91425" wrap="square" tIns="91425">
             <a:noAutofit/>
           </a:bodyPr>
           <a:lstStyle/>
           <a:p>
-            <a:pPr marL="0" lvl="0" indent="0" algn="l" rtl="0">
+            <a:pPr indent="0" lvl="0" marL="0" rtl="0" algn="l">
               <a:spcBef>
                 <a:spcPts val="0"/>
               </a:spcBef>
@@ -1867,12 +1795,24 @@
             </a:pPr>
             <a:r>
               <a:rPr lang="ko"/>
-              <a:t>Motorcycle Night Ride 라는 데이터셋이며, 실제 사진 200장 , 라벨 사진 200장 , 변환용 사진 200장 으로 구성</a:t>
+              <a:t>Motorcycle Night Ride 라</a:t>
+            </a:r>
+            <a:r>
+              <a:rPr lang="ko"/>
+              <a:t>는 데이터셋이며, </a:t>
+            </a:r>
+            <a:r>
+              <a:rPr lang="ko"/>
+              <a:t>실</a:t>
+            </a:r>
+            <a:r>
+              <a:rPr lang="ko"/>
+              <a:t>제 사진 200장 , 라벨 사진 200장 , 변환용 사진 200장 으로 구성</a:t>
             </a:r>
             <a:endParaRPr/>
           </a:p>
           <a:p>
-            <a:pPr marL="0" lvl="0" indent="0" algn="l" rtl="0">
+            <a:pPr indent="0" lvl="0" marL="0" rtl="0" algn="l">
               <a:spcBef>
                 <a:spcPts val="0"/>
               </a:spcBef>
@@ -1881,10 +1821,13 @@
               </a:spcAft>
               <a:buNone/>
             </a:pPr>
+            <a:r>
+              <a:t/>
+            </a:r>
             <a:endParaRPr/>
           </a:p>
           <a:p>
-            <a:pPr marL="0" lvl="0" indent="0" algn="l" rtl="0">
+            <a:pPr indent="0" lvl="0" marL="0" rtl="0" algn="l">
               <a:spcBef>
                 <a:spcPts val="0"/>
               </a:spcBef>
@@ -1900,7 +1843,7 @@
             <a:endParaRPr/>
           </a:p>
           <a:p>
-            <a:pPr marL="0" lvl="0" indent="0" algn="l" rtl="0">
+            <a:pPr indent="0" lvl="0" marL="0" rtl="0" algn="l">
               <a:spcBef>
                 <a:spcPts val="0"/>
               </a:spcBef>
@@ -1909,10 +1852,13 @@
               </a:spcAft>
               <a:buNone/>
             </a:pPr>
+            <a:r>
+              <a:t/>
+            </a:r>
             <a:endParaRPr/>
           </a:p>
           <a:p>
-            <a:pPr marL="0" lvl="0" indent="0" algn="l" rtl="0">
+            <a:pPr indent="0" lvl="0" marL="0" rtl="0" algn="l">
               <a:spcBef>
                 <a:spcPts val="0"/>
               </a:spcBef>
@@ -1928,7 +1874,7 @@
             <a:endParaRPr/>
           </a:p>
           <a:p>
-            <a:pPr marL="0" lvl="0" indent="0" algn="l" rtl="0">
+            <a:pPr indent="0" lvl="0" marL="0" rtl="0" algn="l">
               <a:spcBef>
                 <a:spcPts val="0"/>
               </a:spcBef>
@@ -1937,10 +1883,13 @@
               </a:spcAft>
               <a:buNone/>
             </a:pPr>
+            <a:r>
+              <a:t/>
+            </a:r>
             <a:endParaRPr/>
           </a:p>
           <a:p>
-            <a:pPr marL="0" lvl="0" indent="0" algn="l" rtl="0">
+            <a:pPr indent="0" lvl="0" marL="0" rtl="0" algn="l">
               <a:spcBef>
                 <a:spcPts val="0"/>
               </a:spcBef>
@@ -1966,11 +1915,11 @@
 </file>
 
 <file path=ppt/notesSlides/notesSlide4.xml><?xml version="1.0" encoding="utf-8"?>
-<p:notes xmlns:a="http://schemas.openxmlformats.org/drawingml/2006/main" xmlns:r="http://schemas.openxmlformats.org/officeDocument/2006/relationships" xmlns:p="http://schemas.openxmlformats.org/presentationml/2006/main" showMasterSp="0" showMasterPhAnim="0">
+<p:notes xmlns:a="http://schemas.openxmlformats.org/drawingml/2006/main" xmlns:r="http://schemas.openxmlformats.org/officeDocument/2006/relationships" xmlns:mc="http://schemas.openxmlformats.org/markup-compatibility/2006" xmlns:mv="urn:schemas-microsoft-com:mac:vml" xmlns:p="http://schemas.openxmlformats.org/presentationml/2006/main" xmlns:c="http://schemas.openxmlformats.org/drawingml/2006/chart" xmlns:dgm="http://schemas.openxmlformats.org/drawingml/2006/diagram" xmlns:o="urn:schemas-microsoft-com:office:office" xmlns:v="urn:schemas-microsoft-com:vml" xmlns:pvml="urn:schemas-microsoft-com:office:powerpoint" xmlns:com="http://schemas.openxmlformats.org/drawingml/2006/compatibility" xmlns:p14="http://schemas.microsoft.com/office/powerpoint/2010/main" xmlns:p15="http://schemas.microsoft.com/office/powerpoint/2012/main" xmlns:ahyp="http://schemas.microsoft.com/office/drawing/2018/hyperlinkcolor" showMasterPhAnim="0" showMasterSp="0">
   <p:cSld>
     <p:spTree>
       <p:nvGrpSpPr>
-        <p:cNvPr id="1" name="Shape 153"/>
+        <p:cNvPr id="153" name="Shape 153"/>
         <p:cNvGrpSpPr/>
         <p:nvPr/>
       </p:nvGrpSpPr>
@@ -1985,11 +1934,9 @@
       <p:sp>
         <p:nvSpPr>
           <p:cNvPr id="154" name="Google Shape;154;g27971b28e66_2_29:notes"/>
-          <p:cNvSpPr>
-            <a:spLocks noGrp="1" noRot="1" noChangeAspect="1"/>
-          </p:cNvSpPr>
+          <p:cNvSpPr/>
           <p:nvPr>
-            <p:ph type="sldImg" idx="2"/>
+            <p:ph idx="2" type="sldImg"/>
           </p:nvPr>
         </p:nvSpPr>
         <p:spPr>
@@ -1998,13 +1945,9 @@
             <a:ext cx="6096000" cy="3429000"/>
           </a:xfrm>
           <a:custGeom>
-            <a:avLst/>
-            <a:gdLst/>
-            <a:ahLst/>
-            <a:cxnLst/>
-            <a:rect l="l" t="t" r="r" b="b"/>
+            <a:rect b="b" l="l" r="r" t="t"/>
             <a:pathLst>
-              <a:path w="120000" h="120000" extrusionOk="0">
+              <a:path extrusionOk="0" h="120000" w="120000">
                 <a:moveTo>
                   <a:pt x="0" y="0"/>
                 </a:moveTo>
@@ -2026,11 +1969,9 @@
       <p:sp>
         <p:nvSpPr>
           <p:cNvPr id="155" name="Google Shape;155;g27971b28e66_2_29:notes"/>
-          <p:cNvSpPr txBox="1">
-            <a:spLocks noGrp="1"/>
-          </p:cNvSpPr>
+          <p:cNvSpPr txBox="1"/>
           <p:nvPr>
-            <p:ph type="body" idx="1"/>
+            <p:ph idx="1" type="body"/>
           </p:nvPr>
         </p:nvSpPr>
         <p:spPr>
@@ -2043,12 +1984,12 @@
           </a:prstGeom>
         </p:spPr>
         <p:txBody>
-          <a:bodyPr spcFirstLastPara="1" wrap="square" lIns="91425" tIns="91425" rIns="91425" bIns="91425" anchor="t" anchorCtr="0">
+          <a:bodyPr anchorCtr="0" anchor="t" bIns="91425" lIns="91425" spcFirstLastPara="1" rIns="91425" wrap="square" tIns="91425">
             <a:noAutofit/>
           </a:bodyPr>
           <a:lstStyle/>
           <a:p>
-            <a:pPr marL="0" lvl="0" indent="0" algn="l" rtl="0">
+            <a:pPr indent="0" lvl="0" marL="0" rtl="0" algn="l">
               <a:spcBef>
                 <a:spcPts val="0"/>
               </a:spcBef>
@@ -2059,12 +2000,16 @@
             </a:pPr>
             <a:r>
               <a:rPr lang="ko"/>
-              <a:t>전체 이미지를 train data 와 test data로 나누기 위해서</a:t>
+              <a:t>전</a:t>
+            </a:r>
+            <a:r>
+              <a:rPr lang="ko"/>
+              <a:t>체 이미지를 train data 와 test data로 나누기 위해서</a:t>
             </a:r>
             <a:endParaRPr/>
           </a:p>
           <a:p>
-            <a:pPr marL="0" lvl="0" indent="0" algn="l" rtl="0">
+            <a:pPr indent="0" lvl="0" marL="0" rtl="0" algn="l">
               <a:spcBef>
                 <a:spcPts val="0"/>
               </a:spcBef>
@@ -2073,10 +2018,13 @@
               </a:spcAft>
               <a:buNone/>
             </a:pPr>
+            <a:r>
+              <a:t/>
+            </a:r>
             <a:endParaRPr/>
           </a:p>
           <a:p>
-            <a:pPr marL="0" lvl="0" indent="0" algn="l" rtl="0">
+            <a:pPr indent="0" lvl="0" marL="0" rtl="0" algn="l">
               <a:spcBef>
                 <a:spcPts val="0"/>
               </a:spcBef>
@@ -2092,7 +2040,7 @@
             <a:endParaRPr/>
           </a:p>
           <a:p>
-            <a:pPr marL="0" lvl="0" indent="0" algn="l" rtl="0">
+            <a:pPr indent="0" lvl="0" marL="0" rtl="0" algn="l">
               <a:spcBef>
                 <a:spcPts val="0"/>
               </a:spcBef>
@@ -2101,10 +2049,13 @@
               </a:spcAft>
               <a:buNone/>
             </a:pPr>
+            <a:r>
+              <a:t/>
+            </a:r>
             <a:endParaRPr/>
           </a:p>
           <a:p>
-            <a:pPr marL="0" lvl="0" indent="0" algn="l" rtl="0">
+            <a:pPr indent="0" lvl="0" marL="0" rtl="0" algn="l">
               <a:spcBef>
                 <a:spcPts val="0"/>
               </a:spcBef>
@@ -2130,11 +2081,11 @@
 </file>
 
 <file path=ppt/notesSlides/notesSlide5.xml><?xml version="1.0" encoding="utf-8"?>
-<p:notes xmlns:a="http://schemas.openxmlformats.org/drawingml/2006/main" xmlns:r="http://schemas.openxmlformats.org/officeDocument/2006/relationships" xmlns:p="http://schemas.openxmlformats.org/presentationml/2006/main" showMasterSp="0" showMasterPhAnim="0">
+<p:notes xmlns:a="http://schemas.openxmlformats.org/drawingml/2006/main" xmlns:r="http://schemas.openxmlformats.org/officeDocument/2006/relationships" xmlns:mc="http://schemas.openxmlformats.org/markup-compatibility/2006" xmlns:mv="urn:schemas-microsoft-com:mac:vml" xmlns:p="http://schemas.openxmlformats.org/presentationml/2006/main" xmlns:c="http://schemas.openxmlformats.org/drawingml/2006/chart" xmlns:dgm="http://schemas.openxmlformats.org/drawingml/2006/diagram" xmlns:o="urn:schemas-microsoft-com:office:office" xmlns:v="urn:schemas-microsoft-com:vml" xmlns:pvml="urn:schemas-microsoft-com:office:powerpoint" xmlns:com="http://schemas.openxmlformats.org/drawingml/2006/compatibility" xmlns:p14="http://schemas.microsoft.com/office/powerpoint/2010/main" xmlns:p15="http://schemas.microsoft.com/office/powerpoint/2012/main" xmlns:ahyp="http://schemas.microsoft.com/office/drawing/2018/hyperlinkcolor" showMasterPhAnim="0" showMasterSp="0">
   <p:cSld>
     <p:spTree>
       <p:nvGrpSpPr>
-        <p:cNvPr id="1" name="Shape 160"/>
+        <p:cNvPr id="160" name="Shape 160"/>
         <p:cNvGrpSpPr/>
         <p:nvPr/>
       </p:nvGrpSpPr>
@@ -2149,11 +2100,9 @@
       <p:sp>
         <p:nvSpPr>
           <p:cNvPr id="161" name="Google Shape;161;g27971b28e66_2_24:notes"/>
-          <p:cNvSpPr>
-            <a:spLocks noGrp="1" noRot="1" noChangeAspect="1"/>
-          </p:cNvSpPr>
+          <p:cNvSpPr/>
           <p:nvPr>
-            <p:ph type="sldImg" idx="2"/>
+            <p:ph idx="2" type="sldImg"/>
           </p:nvPr>
         </p:nvSpPr>
         <p:spPr>
@@ -2162,13 +2111,9 @@
             <a:ext cx="6096000" cy="3429000"/>
           </a:xfrm>
           <a:custGeom>
-            <a:avLst/>
-            <a:gdLst/>
-            <a:ahLst/>
-            <a:cxnLst/>
-            <a:rect l="l" t="t" r="r" b="b"/>
+            <a:rect b="b" l="l" r="r" t="t"/>
             <a:pathLst>
-              <a:path w="120000" h="120000" extrusionOk="0">
+              <a:path extrusionOk="0" h="120000" w="120000">
                 <a:moveTo>
                   <a:pt x="0" y="0"/>
                 </a:moveTo>
@@ -2190,11 +2135,9 @@
       <p:sp>
         <p:nvSpPr>
           <p:cNvPr id="162" name="Google Shape;162;g27971b28e66_2_24:notes"/>
-          <p:cNvSpPr txBox="1">
-            <a:spLocks noGrp="1"/>
-          </p:cNvSpPr>
+          <p:cNvSpPr txBox="1"/>
           <p:nvPr>
-            <p:ph type="body" idx="1"/>
+            <p:ph idx="1" type="body"/>
           </p:nvPr>
         </p:nvSpPr>
         <p:spPr>
@@ -2207,12 +2150,12 @@
           </a:prstGeom>
         </p:spPr>
         <p:txBody>
-          <a:bodyPr spcFirstLastPara="1" wrap="square" lIns="91425" tIns="91425" rIns="91425" bIns="91425" anchor="t" anchorCtr="0">
+          <a:bodyPr anchorCtr="0" anchor="t" bIns="91425" lIns="91425" spcFirstLastPara="1" rIns="91425" wrap="square" tIns="91425">
             <a:noAutofit/>
           </a:bodyPr>
           <a:lstStyle/>
           <a:p>
-            <a:pPr marL="0" lvl="0" indent="0" algn="l" rtl="0">
+            <a:pPr indent="0" lvl="0" marL="0" rtl="0" algn="l">
               <a:spcBef>
                 <a:spcPts val="0"/>
               </a:spcBef>
@@ -2232,24 +2175,20 @@
                   <a:schemeClr val="dk1"/>
                 </a:solidFill>
               </a:rPr>
-              <a:t>epoch 동안 배치의 크기로 이미지를 반환해주며, 앞의 마스크 이미지를 생성해주는 데이터 로더 클래스를 만들었음</a:t>
+              <a:t>epoch 동안 </a:t>
+            </a:r>
+            <a:r>
+              <a:rPr lang="ko">
+                <a:solidFill>
+                  <a:schemeClr val="dk1"/>
+                </a:solidFill>
+              </a:rPr>
+              <a:t>배치의 크기로 이미지를 반환해주며, 앞의 마스크 이미지를 생성해주는 데이터 로더 클래스를 만들었음</a:t>
             </a:r>
             <a:endParaRPr/>
           </a:p>
           <a:p>
-            <a:pPr marL="0" lvl="0" indent="0" algn="l" rtl="0">
-              <a:spcBef>
-                <a:spcPts val="0"/>
-              </a:spcBef>
-              <a:spcAft>
-                <a:spcPts val="0"/>
-              </a:spcAft>
-              <a:buNone/>
-            </a:pPr>
-            <a:endParaRPr/>
-          </a:p>
-          <a:p>
-            <a:pPr marL="0" lvl="0" indent="0" algn="l" rtl="0">
+            <a:pPr indent="0" lvl="0" marL="0" rtl="0" algn="l">
               <a:spcBef>
                 <a:spcPts val="0"/>
               </a:spcBef>
@@ -2259,13 +2198,12 @@
               <a:buNone/>
             </a:pPr>
             <a:r>
-              <a:rPr lang="ko"/>
-              <a:t>마스크 이미지 제작에는 coco 데이터셋을 편리하게 다룰 수 있는 라이브러리 pycocotools를 사용하였으며,</a:t>
+              <a:t/>
             </a:r>
             <a:endParaRPr/>
           </a:p>
           <a:p>
-            <a:pPr marL="0" lvl="0" indent="0" algn="l" rtl="0">
+            <a:pPr indent="0" lvl="0" marL="0" rtl="0" algn="l">
               <a:spcBef>
                 <a:spcPts val="0"/>
               </a:spcBef>
@@ -2274,10 +2212,41 @@
               </a:spcAft>
               <a:buNone/>
             </a:pPr>
+            <a:r>
+              <a:rPr lang="ko"/>
+              <a:t>마스</a:t>
+            </a:r>
+            <a:r>
+              <a:rPr lang="ko"/>
+              <a:t>크 이미지 제작에는 </a:t>
+            </a:r>
+            <a:r>
+              <a:rPr lang="ko"/>
+              <a:t>coco 데이터셋</a:t>
+            </a:r>
+            <a:r>
+              <a:rPr lang="ko"/>
+              <a:t>을 편리하게 다룰 수 있는 라이브러리 pycocotools를 사용하였으며,</a:t>
+            </a:r>
             <a:endParaRPr/>
           </a:p>
           <a:p>
-            <a:pPr marL="0" lvl="0" indent="0" algn="l" rtl="0">
+            <a:pPr indent="0" lvl="0" marL="0" rtl="0" algn="l">
+              <a:spcBef>
+                <a:spcPts val="0"/>
+              </a:spcBef>
+              <a:spcAft>
+                <a:spcPts val="0"/>
+              </a:spcAft>
+              <a:buNone/>
+            </a:pPr>
+            <a:r>
+              <a:t/>
+            </a:r>
+            <a:endParaRPr/>
+          </a:p>
+          <a:p>
+            <a:pPr indent="0" lvl="0" marL="0" rtl="0" algn="l">
               <a:spcBef>
                 <a:spcPts val="0"/>
               </a:spcBef>
@@ -2293,7 +2262,7 @@
             <a:endParaRPr/>
           </a:p>
           <a:p>
-            <a:pPr marL="0" lvl="0" indent="0" algn="l" rtl="0">
+            <a:pPr indent="0" lvl="0" marL="0" rtl="0" algn="l">
               <a:spcBef>
                 <a:spcPts val="0"/>
               </a:spcBef>
@@ -2302,10 +2271,13 @@
               </a:spcAft>
               <a:buNone/>
             </a:pPr>
+            <a:r>
+              <a:t/>
+            </a:r>
             <a:endParaRPr/>
           </a:p>
           <a:p>
-            <a:pPr marL="0" lvl="0" indent="0" algn="l" rtl="0">
+            <a:pPr indent="0" lvl="0" marL="0" rtl="0" algn="l">
               <a:spcBef>
                 <a:spcPts val="0"/>
               </a:spcBef>
@@ -2331,11 +2303,11 @@
 </file>
 
 <file path=ppt/notesSlides/notesSlide6.xml><?xml version="1.0" encoding="utf-8"?>
-<p:notes xmlns:a="http://schemas.openxmlformats.org/drawingml/2006/main" xmlns:r="http://schemas.openxmlformats.org/officeDocument/2006/relationships" xmlns:p="http://schemas.openxmlformats.org/presentationml/2006/main" showMasterSp="0" showMasterPhAnim="0">
+<p:notes xmlns:a="http://schemas.openxmlformats.org/drawingml/2006/main" xmlns:r="http://schemas.openxmlformats.org/officeDocument/2006/relationships" xmlns:mc="http://schemas.openxmlformats.org/markup-compatibility/2006" xmlns:mv="urn:schemas-microsoft-com:mac:vml" xmlns:p="http://schemas.openxmlformats.org/presentationml/2006/main" xmlns:c="http://schemas.openxmlformats.org/drawingml/2006/chart" xmlns:dgm="http://schemas.openxmlformats.org/drawingml/2006/diagram" xmlns:o="urn:schemas-microsoft-com:office:office" xmlns:v="urn:schemas-microsoft-com:vml" xmlns:pvml="urn:schemas-microsoft-com:office:powerpoint" xmlns:com="http://schemas.openxmlformats.org/drawingml/2006/compatibility" xmlns:p14="http://schemas.microsoft.com/office/powerpoint/2010/main" xmlns:p15="http://schemas.microsoft.com/office/powerpoint/2012/main" xmlns:ahyp="http://schemas.microsoft.com/office/drawing/2018/hyperlinkcolor" showMasterPhAnim="0" showMasterSp="0">
   <p:cSld>
     <p:spTree>
       <p:nvGrpSpPr>
-        <p:cNvPr id="1" name="Shape 169"/>
+        <p:cNvPr id="169" name="Shape 169"/>
         <p:cNvGrpSpPr/>
         <p:nvPr/>
       </p:nvGrpSpPr>
@@ -2350,11 +2322,9 @@
       <p:sp>
         <p:nvSpPr>
           <p:cNvPr id="170" name="Google Shape;170;g27971b28e66_2_34:notes"/>
-          <p:cNvSpPr>
-            <a:spLocks noGrp="1" noRot="1" noChangeAspect="1"/>
-          </p:cNvSpPr>
+          <p:cNvSpPr/>
           <p:nvPr>
-            <p:ph type="sldImg" idx="2"/>
+            <p:ph idx="2" type="sldImg"/>
           </p:nvPr>
         </p:nvSpPr>
         <p:spPr>
@@ -2363,13 +2333,9 @@
             <a:ext cx="6096000" cy="3429000"/>
           </a:xfrm>
           <a:custGeom>
-            <a:avLst/>
-            <a:gdLst/>
-            <a:ahLst/>
-            <a:cxnLst/>
-            <a:rect l="l" t="t" r="r" b="b"/>
+            <a:rect b="b" l="l" r="r" t="t"/>
             <a:pathLst>
-              <a:path w="120000" h="120000" extrusionOk="0">
+              <a:path extrusionOk="0" h="120000" w="120000">
                 <a:moveTo>
                   <a:pt x="0" y="0"/>
                 </a:moveTo>
@@ -2391,11 +2357,9 @@
       <p:sp>
         <p:nvSpPr>
           <p:cNvPr id="171" name="Google Shape;171;g27971b28e66_2_34:notes"/>
-          <p:cNvSpPr txBox="1">
-            <a:spLocks noGrp="1"/>
-          </p:cNvSpPr>
+          <p:cNvSpPr txBox="1"/>
           <p:nvPr>
-            <p:ph type="body" idx="1"/>
+            <p:ph idx="1" type="body"/>
           </p:nvPr>
         </p:nvSpPr>
         <p:spPr>
@@ -2408,12 +2372,12 @@
           </a:prstGeom>
         </p:spPr>
         <p:txBody>
-          <a:bodyPr spcFirstLastPara="1" wrap="square" lIns="91425" tIns="91425" rIns="91425" bIns="91425" anchor="t" anchorCtr="0">
+          <a:bodyPr anchorCtr="0" anchor="t" bIns="91425" lIns="91425" spcFirstLastPara="1" rIns="91425" wrap="square" tIns="91425">
             <a:noAutofit/>
           </a:bodyPr>
           <a:lstStyle/>
           <a:p>
-            <a:pPr marL="0" lvl="0" indent="0" algn="l" rtl="0">
+            <a:pPr indent="0" lvl="0" marL="0" rtl="0" algn="l">
               <a:spcBef>
                 <a:spcPts val="0"/>
               </a:spcBef>
@@ -2427,6 +2391,9 @@
               <a:buFont typeface="Arial"/>
               <a:buNone/>
             </a:pPr>
+            <a:r>
+              <a:t/>
+            </a:r>
             <a:endParaRPr>
               <a:solidFill>
                 <a:schemeClr val="dk1"/>
@@ -2434,7 +2401,7 @@
             </a:endParaRPr>
           </a:p>
           <a:p>
-            <a:pPr marL="0" lvl="0" indent="0" algn="l" rtl="0">
+            <a:pPr indent="0" lvl="0" marL="0" rtl="0" algn="l">
               <a:spcBef>
                 <a:spcPts val="0"/>
               </a:spcBef>
@@ -2458,7 +2425,7 @@
             </a:endParaRPr>
           </a:p>
           <a:p>
-            <a:pPr marL="0" lvl="0" indent="0" algn="l" rtl="0">
+            <a:pPr indent="0" lvl="0" marL="0" rtl="0" algn="l">
               <a:spcBef>
                 <a:spcPts val="0"/>
               </a:spcBef>
@@ -2467,6 +2434,9 @@
               </a:spcAft>
               <a:buNone/>
             </a:pPr>
+            <a:r>
+              <a:t/>
+            </a:r>
             <a:endParaRPr>
               <a:solidFill>
                 <a:schemeClr val="dk1"/>
@@ -2474,7 +2444,7 @@
             </a:endParaRPr>
           </a:p>
           <a:p>
-            <a:pPr marL="0" lvl="0" indent="0" algn="l" rtl="0">
+            <a:pPr indent="0" lvl="0" marL="0" rtl="0" algn="l">
               <a:spcBef>
                 <a:spcPts val="0"/>
               </a:spcBef>
@@ -2498,7 +2468,7 @@
             </a:endParaRPr>
           </a:p>
           <a:p>
-            <a:pPr marL="0" lvl="0" indent="0" algn="l" rtl="0">
+            <a:pPr indent="0" lvl="0" marL="0" rtl="0" algn="l">
               <a:spcBef>
                 <a:spcPts val="0"/>
               </a:spcBef>
@@ -2522,7 +2492,7 @@
             </a:endParaRPr>
           </a:p>
           <a:p>
-            <a:pPr marL="0" lvl="0" indent="0" algn="l" rtl="0">
+            <a:pPr indent="0" lvl="0" marL="0" rtl="0" algn="l">
               <a:spcBef>
                 <a:spcPts val="0"/>
               </a:spcBef>
@@ -2531,6 +2501,9 @@
               </a:spcAft>
               <a:buNone/>
             </a:pPr>
+            <a:r>
+              <a:t/>
+            </a:r>
             <a:endParaRPr>
               <a:solidFill>
                 <a:schemeClr val="dk1"/>
@@ -2538,7 +2511,7 @@
             </a:endParaRPr>
           </a:p>
           <a:p>
-            <a:pPr marL="0" lvl="0" indent="0" algn="l" rtl="0">
+            <a:pPr indent="0" lvl="0" marL="0" rtl="0" algn="l">
               <a:spcBef>
                 <a:spcPts val="0"/>
               </a:spcBef>
@@ -2547,6 +2520,9 @@
               </a:spcAft>
               <a:buNone/>
             </a:pPr>
+            <a:r>
+              <a:t/>
+            </a:r>
             <a:endParaRPr>
               <a:solidFill>
                 <a:schemeClr val="dk1"/>
@@ -2554,7 +2530,7 @@
             </a:endParaRPr>
           </a:p>
           <a:p>
-            <a:pPr marL="0" lvl="0" indent="0" algn="l" rtl="0">
+            <a:pPr indent="0" lvl="0" marL="0" rtl="0" algn="l">
               <a:spcBef>
                 <a:spcPts val="0"/>
               </a:spcBef>
@@ -2584,11 +2560,11 @@
 </file>
 
 <file path=ppt/notesSlides/notesSlide7.xml><?xml version="1.0" encoding="utf-8"?>
-<p:notes xmlns:a="http://schemas.openxmlformats.org/drawingml/2006/main" xmlns:r="http://schemas.openxmlformats.org/officeDocument/2006/relationships" xmlns:p="http://schemas.openxmlformats.org/presentationml/2006/main" showMasterSp="0" showMasterPhAnim="0">
+<p:notes xmlns:a="http://schemas.openxmlformats.org/drawingml/2006/main" xmlns:r="http://schemas.openxmlformats.org/officeDocument/2006/relationships" xmlns:mc="http://schemas.openxmlformats.org/markup-compatibility/2006" xmlns:mv="urn:schemas-microsoft-com:mac:vml" xmlns:p="http://schemas.openxmlformats.org/presentationml/2006/main" xmlns:c="http://schemas.openxmlformats.org/drawingml/2006/chart" xmlns:dgm="http://schemas.openxmlformats.org/drawingml/2006/diagram" xmlns:o="urn:schemas-microsoft-com:office:office" xmlns:v="urn:schemas-microsoft-com:vml" xmlns:pvml="urn:schemas-microsoft-com:office:powerpoint" xmlns:com="http://schemas.openxmlformats.org/drawingml/2006/compatibility" xmlns:p14="http://schemas.microsoft.com/office/powerpoint/2010/main" xmlns:p15="http://schemas.microsoft.com/office/powerpoint/2012/main" xmlns:ahyp="http://schemas.microsoft.com/office/drawing/2018/hyperlinkcolor" showMasterPhAnim="0" showMasterSp="0">
   <p:cSld>
     <p:spTree>
       <p:nvGrpSpPr>
-        <p:cNvPr id="1" name="Shape 179"/>
+        <p:cNvPr id="179" name="Shape 179"/>
         <p:cNvGrpSpPr/>
         <p:nvPr/>
       </p:nvGrpSpPr>
@@ -2603,11 +2579,9 @@
       <p:sp>
         <p:nvSpPr>
           <p:cNvPr id="180" name="Google Shape;180;g27971b28e66_0_131:notes"/>
-          <p:cNvSpPr>
-            <a:spLocks noGrp="1" noRot="1" noChangeAspect="1"/>
-          </p:cNvSpPr>
+          <p:cNvSpPr/>
           <p:nvPr>
-            <p:ph type="sldImg" idx="2"/>
+            <p:ph idx="2" type="sldImg"/>
           </p:nvPr>
         </p:nvSpPr>
         <p:spPr>
@@ -2616,13 +2590,9 @@
             <a:ext cx="6096000" cy="3429000"/>
           </a:xfrm>
           <a:custGeom>
-            <a:avLst/>
-            <a:gdLst/>
-            <a:ahLst/>
-            <a:cxnLst/>
-            <a:rect l="l" t="t" r="r" b="b"/>
+            <a:rect b="b" l="l" r="r" t="t"/>
             <a:pathLst>
-              <a:path w="120000" h="120000" extrusionOk="0">
+              <a:path extrusionOk="0" h="120000" w="120000">
                 <a:moveTo>
                   <a:pt x="0" y="0"/>
                 </a:moveTo>
@@ -2644,11 +2614,9 @@
       <p:sp>
         <p:nvSpPr>
           <p:cNvPr id="181" name="Google Shape;181;g27971b28e66_0_131:notes"/>
-          <p:cNvSpPr txBox="1">
-            <a:spLocks noGrp="1"/>
-          </p:cNvSpPr>
+          <p:cNvSpPr txBox="1"/>
           <p:nvPr>
-            <p:ph type="body" idx="1"/>
+            <p:ph idx="1" type="body"/>
           </p:nvPr>
         </p:nvSpPr>
         <p:spPr>
@@ -2661,12 +2629,12 @@
           </a:prstGeom>
         </p:spPr>
         <p:txBody>
-          <a:bodyPr spcFirstLastPara="1" wrap="square" lIns="91425" tIns="91425" rIns="91425" bIns="91425" anchor="t" anchorCtr="0">
+          <a:bodyPr anchorCtr="0" anchor="t" bIns="91425" lIns="91425" spcFirstLastPara="1" rIns="91425" wrap="square" tIns="91425">
             <a:noAutofit/>
           </a:bodyPr>
           <a:lstStyle/>
           <a:p>
-            <a:pPr marL="0" lvl="0" indent="0" algn="l" rtl="0">
+            <a:pPr indent="0" lvl="0" marL="0" rtl="0" algn="l">
               <a:spcBef>
                 <a:spcPts val="0"/>
               </a:spcBef>
@@ -2675,6 +2643,9 @@
               </a:spcAft>
               <a:buNone/>
             </a:pPr>
+            <a:r>
+              <a:t/>
+            </a:r>
             <a:endParaRPr/>
           </a:p>
         </p:txBody>
@@ -2688,11 +2659,11 @@
 </file>
 
 <file path=ppt/notesSlides/notesSlide8.xml><?xml version="1.0" encoding="utf-8"?>
-<p:notes xmlns:a="http://schemas.openxmlformats.org/drawingml/2006/main" xmlns:r="http://schemas.openxmlformats.org/officeDocument/2006/relationships" xmlns:p="http://schemas.openxmlformats.org/presentationml/2006/main" showMasterSp="0" showMasterPhAnim="0">
+<p:notes xmlns:a="http://schemas.openxmlformats.org/drawingml/2006/main" xmlns:r="http://schemas.openxmlformats.org/officeDocument/2006/relationships" xmlns:mc="http://schemas.openxmlformats.org/markup-compatibility/2006" xmlns:mv="urn:schemas-microsoft-com:mac:vml" xmlns:p="http://schemas.openxmlformats.org/presentationml/2006/main" xmlns:c="http://schemas.openxmlformats.org/drawingml/2006/chart" xmlns:dgm="http://schemas.openxmlformats.org/drawingml/2006/diagram" xmlns:o="urn:schemas-microsoft-com:office:office" xmlns:v="urn:schemas-microsoft-com:vml" xmlns:pvml="urn:schemas-microsoft-com:office:powerpoint" xmlns:com="http://schemas.openxmlformats.org/drawingml/2006/compatibility" xmlns:p14="http://schemas.microsoft.com/office/powerpoint/2010/main" xmlns:p15="http://schemas.microsoft.com/office/powerpoint/2012/main" xmlns:ahyp="http://schemas.microsoft.com/office/drawing/2018/hyperlinkcolor" showMasterPhAnim="0" showMasterSp="0">
   <p:cSld>
     <p:spTree>
       <p:nvGrpSpPr>
-        <p:cNvPr id="1" name="Shape 186"/>
+        <p:cNvPr id="186" name="Shape 186"/>
         <p:cNvGrpSpPr/>
         <p:nvPr/>
       </p:nvGrpSpPr>
@@ -2707,11 +2678,9 @@
       <p:sp>
         <p:nvSpPr>
           <p:cNvPr id="187" name="Google Shape;187;g27971b28e66_1_82:notes"/>
-          <p:cNvSpPr>
-            <a:spLocks noGrp="1" noRot="1" noChangeAspect="1"/>
-          </p:cNvSpPr>
+          <p:cNvSpPr/>
           <p:nvPr>
-            <p:ph type="sldImg" idx="2"/>
+            <p:ph idx="2" type="sldImg"/>
           </p:nvPr>
         </p:nvSpPr>
         <p:spPr>
@@ -2720,13 +2689,9 @@
             <a:ext cx="6096000" cy="3429000"/>
           </a:xfrm>
           <a:custGeom>
-            <a:avLst/>
-            <a:gdLst/>
-            <a:ahLst/>
-            <a:cxnLst/>
-            <a:rect l="l" t="t" r="r" b="b"/>
+            <a:rect b="b" l="l" r="r" t="t"/>
             <a:pathLst>
-              <a:path w="120000" h="120000" extrusionOk="0">
+              <a:path extrusionOk="0" h="120000" w="120000">
                 <a:moveTo>
                   <a:pt x="0" y="0"/>
                 </a:moveTo>
@@ -2748,11 +2713,9 @@
       <p:sp>
         <p:nvSpPr>
           <p:cNvPr id="188" name="Google Shape;188;g27971b28e66_1_82:notes"/>
-          <p:cNvSpPr txBox="1">
-            <a:spLocks noGrp="1"/>
-          </p:cNvSpPr>
+          <p:cNvSpPr txBox="1"/>
           <p:nvPr>
-            <p:ph type="body" idx="1"/>
+            <p:ph idx="1" type="body"/>
           </p:nvPr>
         </p:nvSpPr>
         <p:spPr>
@@ -2765,12 +2728,12 @@
           </a:prstGeom>
         </p:spPr>
         <p:txBody>
-          <a:bodyPr spcFirstLastPara="1" wrap="square" lIns="91425" tIns="91425" rIns="91425" bIns="91425" anchor="t" anchorCtr="0">
+          <a:bodyPr anchorCtr="0" anchor="t" bIns="91425" lIns="91425" spcFirstLastPara="1" rIns="91425" wrap="square" tIns="91425">
             <a:noAutofit/>
           </a:bodyPr>
           <a:lstStyle/>
           <a:p>
-            <a:pPr marL="0" lvl="0" indent="0" algn="l" rtl="0">
+            <a:pPr indent="0" lvl="0" marL="0" rtl="0" algn="l">
               <a:spcBef>
                 <a:spcPts val="0"/>
               </a:spcBef>
@@ -2779,6 +2742,9 @@
               </a:spcAft>
               <a:buNone/>
             </a:pPr>
+            <a:r>
+              <a:t/>
+            </a:r>
             <a:endParaRPr/>
           </a:p>
         </p:txBody>
@@ -2792,11 +2758,11 @@
 </file>
 
 <file path=ppt/notesSlides/notesSlide9.xml><?xml version="1.0" encoding="utf-8"?>
-<p:notes xmlns:a="http://schemas.openxmlformats.org/drawingml/2006/main" xmlns:r="http://schemas.openxmlformats.org/officeDocument/2006/relationships" xmlns:p="http://schemas.openxmlformats.org/presentationml/2006/main" showMasterSp="0" showMasterPhAnim="0">
+<p:notes xmlns:a="http://schemas.openxmlformats.org/drawingml/2006/main" xmlns:r="http://schemas.openxmlformats.org/officeDocument/2006/relationships" xmlns:mc="http://schemas.openxmlformats.org/markup-compatibility/2006" xmlns:mv="urn:schemas-microsoft-com:mac:vml" xmlns:p="http://schemas.openxmlformats.org/presentationml/2006/main" xmlns:c="http://schemas.openxmlformats.org/drawingml/2006/chart" xmlns:dgm="http://schemas.openxmlformats.org/drawingml/2006/diagram" xmlns:o="urn:schemas-microsoft-com:office:office" xmlns:v="urn:schemas-microsoft-com:vml" xmlns:pvml="urn:schemas-microsoft-com:office:powerpoint" xmlns:com="http://schemas.openxmlformats.org/drawingml/2006/compatibility" xmlns:p14="http://schemas.microsoft.com/office/powerpoint/2010/main" xmlns:p15="http://schemas.microsoft.com/office/powerpoint/2012/main" xmlns:ahyp="http://schemas.microsoft.com/office/drawing/2018/hyperlinkcolor" showMasterPhAnim="0" showMasterSp="0">
   <p:cSld>
     <p:spTree>
       <p:nvGrpSpPr>
-        <p:cNvPr id="1" name="Shape 193"/>
+        <p:cNvPr id="193" name="Shape 193"/>
         <p:cNvGrpSpPr/>
         <p:nvPr/>
       </p:nvGrpSpPr>
@@ -2811,11 +2777,9 @@
       <p:sp>
         <p:nvSpPr>
           <p:cNvPr id="194" name="Google Shape;194;g27971b28e66_1_41:notes"/>
-          <p:cNvSpPr>
-            <a:spLocks noGrp="1" noRot="1" noChangeAspect="1"/>
-          </p:cNvSpPr>
+          <p:cNvSpPr/>
           <p:nvPr>
-            <p:ph type="sldImg" idx="2"/>
+            <p:ph idx="2" type="sldImg"/>
           </p:nvPr>
         </p:nvSpPr>
         <p:spPr>
@@ -2824,13 +2788,9 @@
             <a:ext cx="6096000" cy="3429000"/>
           </a:xfrm>
           <a:custGeom>
-            <a:avLst/>
-            <a:gdLst/>
-            <a:ahLst/>
-            <a:cxnLst/>
-            <a:rect l="l" t="t" r="r" b="b"/>
+            <a:rect b="b" l="l" r="r" t="t"/>
             <a:pathLst>
-              <a:path w="120000" h="120000" extrusionOk="0">
+              <a:path extrusionOk="0" h="120000" w="120000">
                 <a:moveTo>
                   <a:pt x="0" y="0"/>
                 </a:moveTo>
@@ -2852,11 +2812,9 @@
       <p:sp>
         <p:nvSpPr>
           <p:cNvPr id="195" name="Google Shape;195;g27971b28e66_1_41:notes"/>
-          <p:cNvSpPr txBox="1">
-            <a:spLocks noGrp="1"/>
-          </p:cNvSpPr>
+          <p:cNvSpPr txBox="1"/>
           <p:nvPr>
-            <p:ph type="body" idx="1"/>
+            <p:ph idx="1" type="body"/>
           </p:nvPr>
         </p:nvSpPr>
         <p:spPr>
@@ -2869,12 +2827,12 @@
           </a:prstGeom>
         </p:spPr>
         <p:txBody>
-          <a:bodyPr spcFirstLastPara="1" wrap="square" lIns="91425" tIns="91425" rIns="91425" bIns="91425" anchor="t" anchorCtr="0">
+          <a:bodyPr anchorCtr="0" anchor="t" bIns="91425" lIns="91425" spcFirstLastPara="1" rIns="91425" wrap="square" tIns="91425">
             <a:noAutofit/>
           </a:bodyPr>
           <a:lstStyle/>
           <a:p>
-            <a:pPr marL="0" lvl="0" indent="0" algn="l" rtl="0">
+            <a:pPr indent="0" lvl="0" marL="0" rtl="0" algn="l">
               <a:spcBef>
                 <a:spcPts val="0"/>
               </a:spcBef>
@@ -2883,6 +2841,9 @@
               </a:spcAft>
               <a:buNone/>
             </a:pPr>
+            <a:r>
+              <a:t/>
+            </a:r>
             <a:endParaRPr/>
           </a:p>
         </p:txBody>
@@ -2896,11 +2857,11 @@
 </file>
 
 <file path=ppt/slideLayouts/slideLayout1.xml><?xml version="1.0" encoding="utf-8"?>
-<p:sldLayout xmlns:a="http://schemas.openxmlformats.org/drawingml/2006/main" xmlns:r="http://schemas.openxmlformats.org/officeDocument/2006/relationships" xmlns:p="http://schemas.openxmlformats.org/presentationml/2006/main" matchingName="Title slide" type="title">
+<p:sldLayout xmlns:a="http://schemas.openxmlformats.org/drawingml/2006/main" xmlns:r="http://schemas.openxmlformats.org/officeDocument/2006/relationships" xmlns:mc="http://schemas.openxmlformats.org/markup-compatibility/2006" xmlns:mv="urn:schemas-microsoft-com:mac:vml" xmlns:p="http://schemas.openxmlformats.org/presentationml/2006/main" xmlns:c="http://schemas.openxmlformats.org/drawingml/2006/chart" xmlns:dgm="http://schemas.openxmlformats.org/drawingml/2006/diagram" xmlns:o="urn:schemas-microsoft-com:office:office" xmlns:v="urn:schemas-microsoft-com:vml" xmlns:pvml="urn:schemas-microsoft-com:office:powerpoint" xmlns:com="http://schemas.openxmlformats.org/drawingml/2006/compatibility" xmlns:p14="http://schemas.microsoft.com/office/powerpoint/2010/main" xmlns:p15="http://schemas.microsoft.com/office/powerpoint/2012/main" xmlns:ahyp="http://schemas.microsoft.com/office/drawing/2018/hyperlinkcolor" matchingName="Title slide" type="title">
   <p:cSld name="TITLE">
     <p:spTree>
       <p:nvGrpSpPr>
-        <p:cNvPr id="1" name="Shape 9"/>
+        <p:cNvPr id="9" name="Shape 9"/>
         <p:cNvGrpSpPr/>
         <p:nvPr/>
       </p:nvGrpSpPr>
@@ -2925,7 +2886,7 @@
           </a:xfrm>
           <a:prstGeom prst="diagStripe">
             <a:avLst>
-              <a:gd name="adj" fmla="val 0"/>
+              <a:gd fmla="val 0" name="adj"/>
             </a:avLst>
           </a:prstGeom>
           <a:solidFill>
@@ -2938,12 +2899,12 @@
           </a:ln>
         </p:spPr>
         <p:txBody>
-          <a:bodyPr spcFirstLastPara="1" wrap="square" lIns="91425" tIns="91425" rIns="91425" bIns="91425" anchor="ctr" anchorCtr="0">
+          <a:bodyPr anchorCtr="0" anchor="ctr" bIns="91425" lIns="91425" spcFirstLastPara="1" rIns="91425" wrap="square" tIns="91425">
             <a:noAutofit/>
           </a:bodyPr>
           <a:lstStyle/>
           <a:p>
-            <a:pPr marL="0" lvl="0" indent="0" algn="l" rtl="0">
+            <a:pPr indent="0" lvl="0" marL="0" rtl="0" algn="l">
               <a:spcBef>
                 <a:spcPts val="0"/>
               </a:spcBef>
@@ -2952,6 +2913,9 @@
               </a:spcAft>
               <a:buNone/>
             </a:pPr>
+            <a:r>
+              <a:t/>
+            </a:r>
             <a:endParaRPr/>
           </a:p>
         </p:txBody>
@@ -2983,7 +2947,7 @@
             </a:xfrm>
             <a:prstGeom prst="diagStripe">
               <a:avLst>
-                <a:gd name="adj" fmla="val 50000"/>
+                <a:gd fmla="val 50000" name="adj"/>
               </a:avLst>
             </a:prstGeom>
             <a:solidFill>
@@ -2996,12 +2960,12 @@
             </a:ln>
           </p:spPr>
           <p:txBody>
-            <a:bodyPr spcFirstLastPara="1" wrap="square" lIns="91425" tIns="91425" rIns="91425" bIns="91425" anchor="ctr" anchorCtr="0">
+            <a:bodyPr anchorCtr="0" anchor="ctr" bIns="91425" lIns="91425" spcFirstLastPara="1" rIns="91425" wrap="square" tIns="91425">
               <a:noAutofit/>
             </a:bodyPr>
             <a:lstStyle/>
             <a:p>
-              <a:pPr marL="0" lvl="0" indent="0" algn="l" rtl="0">
+              <a:pPr indent="0" lvl="0" marL="0" rtl="0" algn="l">
                 <a:spcBef>
                   <a:spcPts val="0"/>
                 </a:spcBef>
@@ -3010,6 +2974,9 @@
                 </a:spcAft>
                 <a:buNone/>
               </a:pPr>
+              <a:r>
+                <a:t/>
+              </a:r>
               <a:endParaRPr/>
             </a:p>
           </p:txBody>
@@ -3027,7 +2994,7 @@
             </a:xfrm>
             <a:prstGeom prst="diagStripe">
               <a:avLst>
-                <a:gd name="adj" fmla="val 58774"/>
+                <a:gd fmla="val 58774" name="adj"/>
               </a:avLst>
             </a:prstGeom>
             <a:solidFill>
@@ -3040,12 +3007,12 @@
             </a:ln>
           </p:spPr>
           <p:txBody>
-            <a:bodyPr spcFirstLastPara="1" wrap="square" lIns="91425" tIns="91425" rIns="91425" bIns="91425" anchor="ctr" anchorCtr="0">
+            <a:bodyPr anchorCtr="0" anchor="ctr" bIns="91425" lIns="91425" spcFirstLastPara="1" rIns="91425" wrap="square" tIns="91425">
               <a:noAutofit/>
             </a:bodyPr>
             <a:lstStyle/>
             <a:p>
-              <a:pPr marL="0" lvl="0" indent="0" algn="l" rtl="0">
+              <a:pPr indent="0" lvl="0" marL="0" rtl="0" algn="l">
                 <a:spcBef>
                   <a:spcPts val="0"/>
                 </a:spcBef>
@@ -3054,6 +3021,9 @@
                 </a:spcAft>
                 <a:buNone/>
               </a:pPr>
+              <a:r>
+                <a:t/>
+              </a:r>
               <a:endParaRPr/>
             </a:p>
           </p:txBody>
@@ -3071,7 +3041,7 @@
             </a:xfrm>
             <a:prstGeom prst="diagStripe">
               <a:avLst>
-                <a:gd name="adj" fmla="val 50000"/>
+                <a:gd fmla="val 50000" name="adj"/>
               </a:avLst>
             </a:prstGeom>
             <a:solidFill>
@@ -3082,12 +3052,12 @@
             </a:ln>
           </p:spPr>
           <p:txBody>
-            <a:bodyPr spcFirstLastPara="1" wrap="square" lIns="91425" tIns="91425" rIns="91425" bIns="91425" anchor="ctr" anchorCtr="0">
+            <a:bodyPr anchorCtr="0" anchor="ctr" bIns="91425" lIns="91425" spcFirstLastPara="1" rIns="91425" wrap="square" tIns="91425">
               <a:noAutofit/>
             </a:bodyPr>
             <a:lstStyle/>
             <a:p>
-              <a:pPr marL="0" lvl="0" indent="0" algn="l" rtl="0">
+              <a:pPr indent="0" lvl="0" marL="0" rtl="0" algn="l">
                 <a:spcBef>
                   <a:spcPts val="0"/>
                 </a:spcBef>
@@ -3096,6 +3066,9 @@
                 </a:spcAft>
                 <a:buNone/>
               </a:pPr>
+              <a:r>
+                <a:t/>
+              </a:r>
               <a:endParaRPr/>
             </a:p>
           </p:txBody>
@@ -3113,7 +3086,7 @@
             </a:xfrm>
             <a:prstGeom prst="diagStripe">
               <a:avLst>
-                <a:gd name="adj" fmla="val 50000"/>
+                <a:gd fmla="val 50000" name="adj"/>
               </a:avLst>
             </a:prstGeom>
             <a:solidFill>
@@ -3124,12 +3097,12 @@
             </a:ln>
           </p:spPr>
           <p:txBody>
-            <a:bodyPr spcFirstLastPara="1" wrap="square" lIns="91425" tIns="91425" rIns="91425" bIns="91425" anchor="ctr" anchorCtr="0">
+            <a:bodyPr anchorCtr="0" anchor="ctr" bIns="91425" lIns="91425" spcFirstLastPara="1" rIns="91425" wrap="square" tIns="91425">
               <a:noAutofit/>
             </a:bodyPr>
             <a:lstStyle/>
             <a:p>
-              <a:pPr marL="0" lvl="0" indent="0" algn="l" rtl="0">
+              <a:pPr indent="0" lvl="0" marL="0" rtl="0" algn="l">
                 <a:spcBef>
                   <a:spcPts val="0"/>
                 </a:spcBef>
@@ -3138,6 +3111,9 @@
                 </a:spcAft>
                 <a:buNone/>
               </a:pPr>
+              <a:r>
+                <a:t/>
+              </a:r>
               <a:endParaRPr/>
             </a:p>
           </p:txBody>
@@ -3146,9 +3122,7 @@
       <p:sp>
         <p:nvSpPr>
           <p:cNvPr id="16" name="Google Shape;16;p2"/>
-          <p:cNvSpPr txBox="1">
-            <a:spLocks noGrp="1"/>
-          </p:cNvSpPr>
+          <p:cNvSpPr txBox="1"/>
           <p:nvPr>
             <p:ph type="ctrTitle"/>
           </p:nvPr>
@@ -3163,7 +3137,7 @@
           </a:prstGeom>
         </p:spPr>
         <p:txBody>
-          <a:bodyPr spcFirstLastPara="1" wrap="square" lIns="91425" tIns="91425" rIns="91425" bIns="91425" anchor="t" anchorCtr="0">
+          <a:bodyPr anchorCtr="0" anchor="t" bIns="91425" lIns="91425" spcFirstLastPara="1" rIns="91425" wrap="square" tIns="91425">
             <a:normAutofit/>
           </a:bodyPr>
           <a:lstStyle>
@@ -3267,19 +3241,15 @@
               <a:defRPr sz="4000"/>
             </a:lvl9pPr>
           </a:lstStyle>
-          <a:p>
-            <a:endParaRPr/>
-          </a:p>
+          <a:p/>
         </p:txBody>
       </p:sp>
       <p:sp>
         <p:nvSpPr>
           <p:cNvPr id="17" name="Google Shape;17;p2"/>
-          <p:cNvSpPr txBox="1">
-            <a:spLocks noGrp="1"/>
-          </p:cNvSpPr>
+          <p:cNvSpPr txBox="1"/>
           <p:nvPr>
-            <p:ph type="subTitle" idx="1"/>
+            <p:ph idx="1" type="subTitle"/>
           </p:nvPr>
         </p:nvSpPr>
         <p:spPr>
@@ -3292,7 +3262,7 @@
           </a:prstGeom>
         </p:spPr>
         <p:txBody>
-          <a:bodyPr spcFirstLastPara="1" wrap="square" lIns="91425" tIns="91425" rIns="91425" bIns="91425" anchor="t" anchorCtr="0">
+          <a:bodyPr anchorCtr="0" anchor="t" bIns="91425" lIns="91425" spcFirstLastPara="1" rIns="91425" wrap="square" tIns="91425">
             <a:normAutofit/>
           </a:bodyPr>
           <a:lstStyle>
@@ -3423,19 +3393,15 @@
               <a:defRPr sz="1300"/>
             </a:lvl9pPr>
           </a:lstStyle>
-          <a:p>
-            <a:endParaRPr/>
-          </a:p>
+          <a:p/>
         </p:txBody>
       </p:sp>
       <p:sp>
         <p:nvSpPr>
           <p:cNvPr id="18" name="Google Shape;18;p2"/>
-          <p:cNvSpPr txBox="1">
-            <a:spLocks noGrp="1"/>
-          </p:cNvSpPr>
+          <p:cNvSpPr txBox="1"/>
           <p:nvPr>
-            <p:ph type="sldNum" idx="12"/>
+            <p:ph idx="12" type="sldNum"/>
           </p:nvPr>
         </p:nvSpPr>
         <p:spPr>
@@ -3448,7 +3414,7 @@
           </a:prstGeom>
         </p:spPr>
         <p:txBody>
-          <a:bodyPr spcFirstLastPara="1" wrap="square" lIns="91425" tIns="91425" rIns="91425" bIns="91425" anchor="ctr" anchorCtr="0">
+          <a:bodyPr anchorCtr="0" anchor="ctr" bIns="91425" lIns="91425" spcFirstLastPara="1" rIns="91425" wrap="square" tIns="91425">
             <a:normAutofit/>
           </a:bodyPr>
           <a:lstStyle>
@@ -3490,7 +3456,7 @@
             </a:lvl9pPr>
           </a:lstStyle>
           <a:p>
-            <a:pPr marL="0" lvl="0" indent="0" algn="r" rtl="0">
+            <a:pPr indent="0" lvl="0" marL="0" rtl="0" algn="r">
               <a:spcBef>
                 <a:spcPts val="0"/>
               </a:spcBef>
@@ -3516,11 +3482,11 @@
 </file>
 
 <file path=ppt/slideLayouts/slideLayout10.xml><?xml version="1.0" encoding="utf-8"?>
-<p:sldLayout xmlns:a="http://schemas.openxmlformats.org/drawingml/2006/main" xmlns:r="http://schemas.openxmlformats.org/officeDocument/2006/relationships" xmlns:p="http://schemas.openxmlformats.org/presentationml/2006/main" matchingName="Big number">
+<p:sldLayout xmlns:a="http://schemas.openxmlformats.org/drawingml/2006/main" xmlns:r="http://schemas.openxmlformats.org/officeDocument/2006/relationships" xmlns:mc="http://schemas.openxmlformats.org/markup-compatibility/2006" xmlns:mv="urn:schemas-microsoft-com:mac:vml" xmlns:p="http://schemas.openxmlformats.org/presentationml/2006/main" xmlns:c="http://schemas.openxmlformats.org/drawingml/2006/chart" xmlns:dgm="http://schemas.openxmlformats.org/drawingml/2006/diagram" xmlns:o="urn:schemas-microsoft-com:office:office" xmlns:v="urn:schemas-microsoft-com:vml" xmlns:pvml="urn:schemas-microsoft-com:office:powerpoint" xmlns:com="http://schemas.openxmlformats.org/drawingml/2006/compatibility" xmlns:p14="http://schemas.microsoft.com/office/powerpoint/2010/main" xmlns:p15="http://schemas.microsoft.com/office/powerpoint/2012/main" xmlns:ahyp="http://schemas.microsoft.com/office/drawing/2018/hyperlinkcolor" matchingName="Big number">
   <p:cSld name="BIG_NUMBER">
     <p:spTree>
       <p:nvGrpSpPr>
-        <p:cNvPr id="1" name="Shape 105"/>
+        <p:cNvPr id="105" name="Shape 105"/>
         <p:cNvGrpSpPr/>
         <p:nvPr/>
       </p:nvGrpSpPr>
@@ -3559,7 +3525,7 @@
             </a:xfrm>
             <a:prstGeom prst="diagStripe">
               <a:avLst>
-                <a:gd name="adj" fmla="val 49469"/>
+                <a:gd fmla="val 49469" name="adj"/>
               </a:avLst>
             </a:prstGeom>
             <a:solidFill>
@@ -3572,12 +3538,12 @@
             </a:ln>
           </p:spPr>
           <p:txBody>
-            <a:bodyPr spcFirstLastPara="1" wrap="square" lIns="91425" tIns="91425" rIns="91425" bIns="91425" anchor="ctr" anchorCtr="0">
+            <a:bodyPr anchorCtr="0" anchor="ctr" bIns="91425" lIns="91425" spcFirstLastPara="1" rIns="91425" wrap="square" tIns="91425">
               <a:noAutofit/>
             </a:bodyPr>
             <a:lstStyle/>
             <a:p>
-              <a:pPr marL="0" lvl="0" indent="0" algn="l" rtl="0">
+              <a:pPr indent="0" lvl="0" marL="0" rtl="0" algn="l">
                 <a:spcBef>
                   <a:spcPts val="0"/>
                 </a:spcBef>
@@ -3586,6 +3552,9 @@
                 </a:spcAft>
                 <a:buNone/>
               </a:pPr>
+              <a:r>
+                <a:t/>
+              </a:r>
               <a:endParaRPr/>
             </a:p>
           </p:txBody>
@@ -3603,7 +3572,7 @@
             </a:xfrm>
             <a:prstGeom prst="diagStripe">
               <a:avLst>
-                <a:gd name="adj" fmla="val 0"/>
+                <a:gd fmla="val 0" name="adj"/>
               </a:avLst>
             </a:prstGeom>
             <a:solidFill>
@@ -3616,12 +3585,12 @@
             </a:ln>
           </p:spPr>
           <p:txBody>
-            <a:bodyPr spcFirstLastPara="1" wrap="square" lIns="91425" tIns="91425" rIns="91425" bIns="91425" anchor="ctr" anchorCtr="0">
+            <a:bodyPr anchorCtr="0" anchor="ctr" bIns="91425" lIns="91425" spcFirstLastPara="1" rIns="91425" wrap="square" tIns="91425">
               <a:noAutofit/>
             </a:bodyPr>
             <a:lstStyle/>
             <a:p>
-              <a:pPr marL="0" lvl="0" indent="0" algn="l" rtl="0">
+              <a:pPr indent="0" lvl="0" marL="0" rtl="0" algn="l">
                 <a:spcBef>
                   <a:spcPts val="0"/>
                 </a:spcBef>
@@ -3630,6 +3599,9 @@
                 </a:spcAft>
                 <a:buNone/>
               </a:pPr>
+              <a:r>
+                <a:t/>
+              </a:r>
               <a:endParaRPr/>
             </a:p>
           </p:txBody>
@@ -3647,7 +3619,7 @@
             </a:xfrm>
             <a:prstGeom prst="diagStripe">
               <a:avLst>
-                <a:gd name="adj" fmla="val 50000"/>
+                <a:gd fmla="val 50000" name="adj"/>
               </a:avLst>
             </a:prstGeom>
             <a:solidFill>
@@ -3660,12 +3632,12 @@
             </a:ln>
           </p:spPr>
           <p:txBody>
-            <a:bodyPr spcFirstLastPara="1" wrap="square" lIns="91425" tIns="91425" rIns="91425" bIns="91425" anchor="ctr" anchorCtr="0">
+            <a:bodyPr anchorCtr="0" anchor="ctr" bIns="91425" lIns="91425" spcFirstLastPara="1" rIns="91425" wrap="square" tIns="91425">
               <a:noAutofit/>
             </a:bodyPr>
             <a:lstStyle/>
             <a:p>
-              <a:pPr marL="0" lvl="0" indent="0" algn="l" rtl="0">
+              <a:pPr indent="0" lvl="0" marL="0" rtl="0" algn="l">
                 <a:spcBef>
                   <a:spcPts val="0"/>
                 </a:spcBef>
@@ -3674,6 +3646,9 @@
                 </a:spcAft>
                 <a:buNone/>
               </a:pPr>
+              <a:r>
+                <a:t/>
+              </a:r>
               <a:endParaRPr/>
             </a:p>
           </p:txBody>
@@ -3691,7 +3666,7 @@
             </a:xfrm>
             <a:prstGeom prst="diagStripe">
               <a:avLst>
-                <a:gd name="adj" fmla="val 50000"/>
+                <a:gd fmla="val 50000" name="adj"/>
               </a:avLst>
             </a:prstGeom>
             <a:solidFill>
@@ -3704,12 +3679,12 @@
             </a:ln>
           </p:spPr>
           <p:txBody>
-            <a:bodyPr spcFirstLastPara="1" wrap="square" lIns="91425" tIns="91425" rIns="91425" bIns="91425" anchor="ctr" anchorCtr="0">
+            <a:bodyPr anchorCtr="0" anchor="ctr" bIns="91425" lIns="91425" spcFirstLastPara="1" rIns="91425" wrap="square" tIns="91425">
               <a:noAutofit/>
             </a:bodyPr>
             <a:lstStyle/>
             <a:p>
-              <a:pPr marL="0" lvl="0" indent="0" algn="l" rtl="0">
+              <a:pPr indent="0" lvl="0" marL="0" rtl="0" algn="l">
                 <a:spcBef>
                   <a:spcPts val="0"/>
                 </a:spcBef>
@@ -3718,6 +3693,9 @@
                 </a:spcAft>
                 <a:buNone/>
               </a:pPr>
+              <a:r>
+                <a:t/>
+              </a:r>
               <a:endParaRPr/>
             </a:p>
           </p:txBody>
@@ -3735,7 +3713,7 @@
             </a:xfrm>
             <a:prstGeom prst="diagStripe">
               <a:avLst>
-                <a:gd name="adj" fmla="val 50000"/>
+                <a:gd fmla="val 50000" name="adj"/>
               </a:avLst>
             </a:prstGeom>
             <a:solidFill>
@@ -3748,12 +3726,12 @@
             </a:ln>
           </p:spPr>
           <p:txBody>
-            <a:bodyPr spcFirstLastPara="1" wrap="square" lIns="91425" tIns="91425" rIns="91425" bIns="91425" anchor="ctr" anchorCtr="0">
+            <a:bodyPr anchorCtr="0" anchor="ctr" bIns="91425" lIns="91425" spcFirstLastPara="1" rIns="91425" wrap="square" tIns="91425">
               <a:noAutofit/>
             </a:bodyPr>
             <a:lstStyle/>
             <a:p>
-              <a:pPr marL="0" lvl="0" indent="0" algn="l" rtl="0">
+              <a:pPr indent="0" lvl="0" marL="0" rtl="0" algn="l">
                 <a:spcBef>
                   <a:spcPts val="0"/>
                 </a:spcBef>
@@ -3762,6 +3740,9 @@
                 </a:spcAft>
                 <a:buNone/>
               </a:pPr>
+              <a:r>
+                <a:t/>
+              </a:r>
               <a:endParaRPr/>
             </a:p>
           </p:txBody>
@@ -3779,7 +3760,7 @@
             </a:xfrm>
             <a:prstGeom prst="diagStripe">
               <a:avLst>
-                <a:gd name="adj" fmla="val 50000"/>
+                <a:gd fmla="val 50000" name="adj"/>
               </a:avLst>
             </a:prstGeom>
             <a:solidFill>
@@ -3792,12 +3773,12 @@
             </a:ln>
           </p:spPr>
           <p:txBody>
-            <a:bodyPr spcFirstLastPara="1" wrap="square" lIns="91425" tIns="91425" rIns="91425" bIns="91425" anchor="ctr" anchorCtr="0">
+            <a:bodyPr anchorCtr="0" anchor="ctr" bIns="91425" lIns="91425" spcFirstLastPara="1" rIns="91425" wrap="square" tIns="91425">
               <a:noAutofit/>
             </a:bodyPr>
             <a:lstStyle/>
             <a:p>
-              <a:pPr marL="0" lvl="0" indent="0" algn="l" rtl="0">
+              <a:pPr indent="0" lvl="0" marL="0" rtl="0" algn="l">
                 <a:spcBef>
                   <a:spcPts val="0"/>
                 </a:spcBef>
@@ -3806,6 +3787,9 @@
                 </a:spcAft>
                 <a:buNone/>
               </a:pPr>
+              <a:r>
+                <a:t/>
+              </a:r>
               <a:endParaRPr/>
             </a:p>
           </p:txBody>
@@ -3823,7 +3807,7 @@
             </a:xfrm>
             <a:prstGeom prst="diagStripe">
               <a:avLst>
-                <a:gd name="adj" fmla="val 50000"/>
+                <a:gd fmla="val 50000" name="adj"/>
               </a:avLst>
             </a:prstGeom>
             <a:solidFill>
@@ -3836,12 +3820,12 @@
             </a:ln>
           </p:spPr>
           <p:txBody>
-            <a:bodyPr spcFirstLastPara="1" wrap="square" lIns="91425" tIns="91425" rIns="91425" bIns="91425" anchor="ctr" anchorCtr="0">
+            <a:bodyPr anchorCtr="0" anchor="ctr" bIns="91425" lIns="91425" spcFirstLastPara="1" rIns="91425" wrap="square" tIns="91425">
               <a:noAutofit/>
             </a:bodyPr>
             <a:lstStyle/>
             <a:p>
-              <a:pPr marL="0" lvl="0" indent="0" algn="l" rtl="0">
+              <a:pPr indent="0" lvl="0" marL="0" rtl="0" algn="l">
                 <a:spcBef>
                   <a:spcPts val="0"/>
                 </a:spcBef>
@@ -3850,6 +3834,9 @@
                 </a:spcAft>
                 <a:buNone/>
               </a:pPr>
+              <a:r>
+                <a:t/>
+              </a:r>
               <a:endParaRPr/>
             </a:p>
           </p:txBody>
@@ -3867,7 +3854,7 @@
             </a:xfrm>
             <a:prstGeom prst="diagStripe">
               <a:avLst>
-                <a:gd name="adj" fmla="val 50000"/>
+                <a:gd fmla="val 50000" name="adj"/>
               </a:avLst>
             </a:prstGeom>
             <a:solidFill>
@@ -3878,12 +3865,12 @@
             </a:ln>
           </p:spPr>
           <p:txBody>
-            <a:bodyPr spcFirstLastPara="1" wrap="square" lIns="91425" tIns="91425" rIns="91425" bIns="91425" anchor="ctr" anchorCtr="0">
+            <a:bodyPr anchorCtr="0" anchor="ctr" bIns="91425" lIns="91425" spcFirstLastPara="1" rIns="91425" wrap="square" tIns="91425">
               <a:noAutofit/>
             </a:bodyPr>
             <a:lstStyle/>
             <a:p>
-              <a:pPr marL="0" lvl="0" indent="0" algn="l" rtl="0">
+              <a:pPr indent="0" lvl="0" marL="0" rtl="0" algn="l">
                 <a:spcBef>
                   <a:spcPts val="0"/>
                 </a:spcBef>
@@ -3892,6 +3879,9 @@
                 </a:spcAft>
                 <a:buNone/>
               </a:pPr>
+              <a:r>
+                <a:t/>
+              </a:r>
               <a:endParaRPr/>
             </a:p>
           </p:txBody>
@@ -3909,7 +3899,7 @@
             </a:xfrm>
             <a:prstGeom prst="diagStripe">
               <a:avLst>
-                <a:gd name="adj" fmla="val 50000"/>
+                <a:gd fmla="val 50000" name="adj"/>
               </a:avLst>
             </a:prstGeom>
             <a:solidFill>
@@ -3922,12 +3912,12 @@
             </a:ln>
           </p:spPr>
           <p:txBody>
-            <a:bodyPr spcFirstLastPara="1" wrap="square" lIns="91425" tIns="91425" rIns="91425" bIns="91425" anchor="ctr" anchorCtr="0">
+            <a:bodyPr anchorCtr="0" anchor="ctr" bIns="91425" lIns="91425" spcFirstLastPara="1" rIns="91425" wrap="square" tIns="91425">
               <a:noAutofit/>
             </a:bodyPr>
             <a:lstStyle/>
             <a:p>
-              <a:pPr marL="0" lvl="0" indent="0" algn="l" rtl="0">
+              <a:pPr indent="0" lvl="0" marL="0" rtl="0" algn="l">
                 <a:spcBef>
                   <a:spcPts val="0"/>
                 </a:spcBef>
@@ -3936,6 +3926,9 @@
                 </a:spcAft>
                 <a:buNone/>
               </a:pPr>
+              <a:r>
+                <a:t/>
+              </a:r>
               <a:endParaRPr/>
             </a:p>
           </p:txBody>
@@ -3953,7 +3946,7 @@
             </a:xfrm>
             <a:prstGeom prst="diagStripe">
               <a:avLst>
-                <a:gd name="adj" fmla="val 50000"/>
+                <a:gd fmla="val 50000" name="adj"/>
               </a:avLst>
             </a:prstGeom>
             <a:solidFill>
@@ -3966,12 +3959,12 @@
             </a:ln>
           </p:spPr>
           <p:txBody>
-            <a:bodyPr spcFirstLastPara="1" wrap="square" lIns="91425" tIns="91425" rIns="91425" bIns="91425" anchor="ctr" anchorCtr="0">
+            <a:bodyPr anchorCtr="0" anchor="ctr" bIns="91425" lIns="91425" spcFirstLastPara="1" rIns="91425" wrap="square" tIns="91425">
               <a:noAutofit/>
             </a:bodyPr>
             <a:lstStyle/>
             <a:p>
-              <a:pPr marL="0" lvl="0" indent="0" algn="l" rtl="0">
+              <a:pPr indent="0" lvl="0" marL="0" rtl="0" algn="l">
                 <a:spcBef>
                   <a:spcPts val="0"/>
                 </a:spcBef>
@@ -3980,6 +3973,9 @@
                 </a:spcAft>
                 <a:buNone/>
               </a:pPr>
+              <a:r>
+                <a:t/>
+              </a:r>
               <a:endParaRPr/>
             </a:p>
           </p:txBody>
@@ -3997,7 +3993,7 @@
             </a:xfrm>
             <a:prstGeom prst="diagStripe">
               <a:avLst>
-                <a:gd name="adj" fmla="val 50000"/>
+                <a:gd fmla="val 50000" name="adj"/>
               </a:avLst>
             </a:prstGeom>
             <a:solidFill>
@@ -4010,12 +4006,12 @@
             </a:ln>
           </p:spPr>
           <p:txBody>
-            <a:bodyPr spcFirstLastPara="1" wrap="square" lIns="91425" tIns="91425" rIns="91425" bIns="91425" anchor="ctr" anchorCtr="0">
+            <a:bodyPr anchorCtr="0" anchor="ctr" bIns="91425" lIns="91425" spcFirstLastPara="1" rIns="91425" wrap="square" tIns="91425">
               <a:noAutofit/>
             </a:bodyPr>
             <a:lstStyle/>
             <a:p>
-              <a:pPr marL="0" lvl="0" indent="0" algn="l" rtl="0">
+              <a:pPr indent="0" lvl="0" marL="0" rtl="0" algn="l">
                 <a:spcBef>
                   <a:spcPts val="0"/>
                 </a:spcBef>
@@ -4024,6 +4020,9 @@
                 </a:spcAft>
                 <a:buNone/>
               </a:pPr>
+              <a:r>
+                <a:t/>
+              </a:r>
               <a:endParaRPr/>
             </a:p>
           </p:txBody>
@@ -4041,7 +4040,7 @@
             </a:xfrm>
             <a:prstGeom prst="diagStripe">
               <a:avLst>
-                <a:gd name="adj" fmla="val 50000"/>
+                <a:gd fmla="val 50000" name="adj"/>
               </a:avLst>
             </a:prstGeom>
             <a:solidFill>
@@ -4054,12 +4053,12 @@
             </a:ln>
           </p:spPr>
           <p:txBody>
-            <a:bodyPr spcFirstLastPara="1" wrap="square" lIns="91425" tIns="91425" rIns="91425" bIns="91425" anchor="ctr" anchorCtr="0">
+            <a:bodyPr anchorCtr="0" anchor="ctr" bIns="91425" lIns="91425" spcFirstLastPara="1" rIns="91425" wrap="square" tIns="91425">
               <a:noAutofit/>
             </a:bodyPr>
             <a:lstStyle/>
             <a:p>
-              <a:pPr marL="0" lvl="0" indent="0" algn="l" rtl="0">
+              <a:pPr indent="0" lvl="0" marL="0" rtl="0" algn="l">
                 <a:spcBef>
                   <a:spcPts val="0"/>
                 </a:spcBef>
@@ -4068,6 +4067,9 @@
                 </a:spcAft>
                 <a:buNone/>
               </a:pPr>
+              <a:r>
+                <a:t/>
+              </a:r>
               <a:endParaRPr/>
             </a:p>
           </p:txBody>
@@ -4085,7 +4087,7 @@
             </a:xfrm>
             <a:prstGeom prst="diagStripe">
               <a:avLst>
-                <a:gd name="adj" fmla="val 50000"/>
+                <a:gd fmla="val 50000" name="adj"/>
               </a:avLst>
             </a:prstGeom>
             <a:solidFill>
@@ -4098,12 +4100,12 @@
             </a:ln>
           </p:spPr>
           <p:txBody>
-            <a:bodyPr spcFirstLastPara="1" wrap="square" lIns="91425" tIns="91425" rIns="91425" bIns="91425" anchor="ctr" anchorCtr="0">
+            <a:bodyPr anchorCtr="0" anchor="ctr" bIns="91425" lIns="91425" spcFirstLastPara="1" rIns="91425" wrap="square" tIns="91425">
               <a:noAutofit/>
             </a:bodyPr>
             <a:lstStyle/>
             <a:p>
-              <a:pPr marL="0" lvl="0" indent="0" algn="l" rtl="0">
+              <a:pPr indent="0" lvl="0" marL="0" rtl="0" algn="l">
                 <a:spcBef>
                   <a:spcPts val="0"/>
                 </a:spcBef>
@@ -4112,6 +4114,9 @@
                 </a:spcAft>
                 <a:buNone/>
               </a:pPr>
+              <a:r>
+                <a:t/>
+              </a:r>
               <a:endParaRPr/>
             </a:p>
           </p:txBody>
@@ -4129,7 +4134,7 @@
             </a:xfrm>
             <a:prstGeom prst="diagStripe">
               <a:avLst>
-                <a:gd name="adj" fmla="val 50000"/>
+                <a:gd fmla="val 50000" name="adj"/>
               </a:avLst>
             </a:prstGeom>
             <a:solidFill>
@@ -4140,12 +4145,12 @@
             </a:ln>
           </p:spPr>
           <p:txBody>
-            <a:bodyPr spcFirstLastPara="1" wrap="square" lIns="91425" tIns="91425" rIns="91425" bIns="91425" anchor="ctr" anchorCtr="0">
+            <a:bodyPr anchorCtr="0" anchor="ctr" bIns="91425" lIns="91425" spcFirstLastPara="1" rIns="91425" wrap="square" tIns="91425">
               <a:noAutofit/>
             </a:bodyPr>
             <a:lstStyle/>
             <a:p>
-              <a:pPr marL="0" lvl="0" indent="0" algn="l" rtl="0">
+              <a:pPr indent="0" lvl="0" marL="0" rtl="0" algn="l">
                 <a:spcBef>
                   <a:spcPts val="0"/>
                 </a:spcBef>
@@ -4154,6 +4159,9 @@
                 </a:spcAft>
                 <a:buNone/>
               </a:pPr>
+              <a:r>
+                <a:t/>
+              </a:r>
               <a:endParaRPr/>
             </a:p>
           </p:txBody>
@@ -4171,7 +4179,7 @@
             </a:xfrm>
             <a:prstGeom prst="diagStripe">
               <a:avLst>
-                <a:gd name="adj" fmla="val 50000"/>
+                <a:gd fmla="val 50000" name="adj"/>
               </a:avLst>
             </a:prstGeom>
             <a:solidFill>
@@ -4184,12 +4192,12 @@
             </a:ln>
           </p:spPr>
           <p:txBody>
-            <a:bodyPr spcFirstLastPara="1" wrap="square" lIns="91425" tIns="91425" rIns="91425" bIns="91425" anchor="ctr" anchorCtr="0">
+            <a:bodyPr anchorCtr="0" anchor="ctr" bIns="91425" lIns="91425" spcFirstLastPara="1" rIns="91425" wrap="square" tIns="91425">
               <a:noAutofit/>
             </a:bodyPr>
             <a:lstStyle/>
             <a:p>
-              <a:pPr marL="0" lvl="0" indent="0" algn="l" rtl="0">
+              <a:pPr indent="0" lvl="0" marL="0" rtl="0" algn="l">
                 <a:spcBef>
                   <a:spcPts val="0"/>
                 </a:spcBef>
@@ -4198,6 +4206,9 @@
                 </a:spcAft>
                 <a:buNone/>
               </a:pPr>
+              <a:r>
+                <a:t/>
+              </a:r>
               <a:endParaRPr/>
             </a:p>
           </p:txBody>
@@ -4215,7 +4226,7 @@
             </a:xfrm>
             <a:prstGeom prst="diagStripe">
               <a:avLst>
-                <a:gd name="adj" fmla="val 50000"/>
+                <a:gd fmla="val 50000" name="adj"/>
               </a:avLst>
             </a:prstGeom>
             <a:solidFill>
@@ -4228,12 +4239,12 @@
             </a:ln>
           </p:spPr>
           <p:txBody>
-            <a:bodyPr spcFirstLastPara="1" wrap="square" lIns="91425" tIns="91425" rIns="91425" bIns="91425" anchor="ctr" anchorCtr="0">
+            <a:bodyPr anchorCtr="0" anchor="ctr" bIns="91425" lIns="91425" spcFirstLastPara="1" rIns="91425" wrap="square" tIns="91425">
               <a:noAutofit/>
             </a:bodyPr>
             <a:lstStyle/>
             <a:p>
-              <a:pPr marL="0" lvl="0" indent="0" algn="l" rtl="0">
+              <a:pPr indent="0" lvl="0" marL="0" rtl="0" algn="l">
                 <a:spcBef>
                   <a:spcPts val="0"/>
                 </a:spcBef>
@@ -4242,6 +4253,9 @@
                 </a:spcAft>
                 <a:buNone/>
               </a:pPr>
+              <a:r>
+                <a:t/>
+              </a:r>
               <a:endParaRPr/>
             </a:p>
           </p:txBody>
@@ -4259,7 +4273,7 @@
             </a:xfrm>
             <a:prstGeom prst="diagStripe">
               <a:avLst>
-                <a:gd name="adj" fmla="val 50000"/>
+                <a:gd fmla="val 50000" name="adj"/>
               </a:avLst>
             </a:prstGeom>
             <a:solidFill>
@@ -4272,12 +4286,12 @@
             </a:ln>
           </p:spPr>
           <p:txBody>
-            <a:bodyPr spcFirstLastPara="1" wrap="square" lIns="91425" tIns="91425" rIns="91425" bIns="91425" anchor="ctr" anchorCtr="0">
+            <a:bodyPr anchorCtr="0" anchor="ctr" bIns="91425" lIns="91425" spcFirstLastPara="1" rIns="91425" wrap="square" tIns="91425">
               <a:noAutofit/>
             </a:bodyPr>
             <a:lstStyle/>
             <a:p>
-              <a:pPr marL="0" lvl="0" indent="0" algn="l" rtl="0">
+              <a:pPr indent="0" lvl="0" marL="0" rtl="0" algn="l">
                 <a:spcBef>
                   <a:spcPts val="0"/>
                 </a:spcBef>
@@ -4286,6 +4300,9 @@
                 </a:spcAft>
                 <a:buNone/>
               </a:pPr>
+              <a:r>
+                <a:t/>
+              </a:r>
               <a:endParaRPr/>
             </a:p>
           </p:txBody>
@@ -4303,7 +4320,7 @@
             </a:xfrm>
             <a:prstGeom prst="diagStripe">
               <a:avLst>
-                <a:gd name="adj" fmla="val 50000"/>
+                <a:gd fmla="val 50000" name="adj"/>
               </a:avLst>
             </a:prstGeom>
             <a:solidFill>
@@ -4316,12 +4333,12 @@
             </a:ln>
           </p:spPr>
           <p:txBody>
-            <a:bodyPr spcFirstLastPara="1" wrap="square" lIns="91425" tIns="91425" rIns="91425" bIns="91425" anchor="ctr" anchorCtr="0">
+            <a:bodyPr anchorCtr="0" anchor="ctr" bIns="91425" lIns="91425" spcFirstLastPara="1" rIns="91425" wrap="square" tIns="91425">
               <a:noAutofit/>
             </a:bodyPr>
             <a:lstStyle/>
             <a:p>
-              <a:pPr marL="0" lvl="0" indent="0" algn="l" rtl="0">
+              <a:pPr indent="0" lvl="0" marL="0" rtl="0" algn="l">
                 <a:spcBef>
                   <a:spcPts val="0"/>
                 </a:spcBef>
@@ -4330,6 +4347,9 @@
                 </a:spcAft>
                 <a:buNone/>
               </a:pPr>
+              <a:r>
+                <a:t/>
+              </a:r>
               <a:endParaRPr/>
             </a:p>
           </p:txBody>
@@ -4338,11 +4358,9 @@
       <p:sp>
         <p:nvSpPr>
           <p:cNvPr id="125" name="Google Shape;125;p11"/>
-          <p:cNvSpPr txBox="1">
-            <a:spLocks noGrp="1"/>
-          </p:cNvSpPr>
+          <p:cNvSpPr txBox="1"/>
           <p:nvPr>
-            <p:ph type="title" hasCustomPrompt="1"/>
+            <p:ph hasCustomPrompt="1" type="title"/>
           </p:nvPr>
         </p:nvSpPr>
         <p:spPr>
@@ -4355,7 +4373,7 @@
           </a:prstGeom>
         </p:spPr>
         <p:txBody>
-          <a:bodyPr spcFirstLastPara="1" wrap="square" lIns="91425" tIns="91425" rIns="91425" bIns="91425" anchor="t" anchorCtr="0">
+          <a:bodyPr anchorCtr="0" anchor="t" bIns="91425" lIns="91425" spcFirstLastPara="1" rIns="91425" wrap="square" tIns="91425">
             <a:normAutofit/>
           </a:bodyPr>
           <a:lstStyle>
@@ -4469,11 +4487,9 @@
       <p:sp>
         <p:nvSpPr>
           <p:cNvPr id="126" name="Google Shape;126;p11"/>
-          <p:cNvSpPr txBox="1">
-            <a:spLocks noGrp="1"/>
-          </p:cNvSpPr>
+          <p:cNvSpPr txBox="1"/>
           <p:nvPr>
-            <p:ph type="body" idx="1"/>
+            <p:ph idx="1" type="body"/>
           </p:nvPr>
         </p:nvSpPr>
         <p:spPr>
@@ -4486,11 +4502,11 @@
           </a:prstGeom>
         </p:spPr>
         <p:txBody>
-          <a:bodyPr spcFirstLastPara="1" wrap="square" lIns="91425" tIns="91425" rIns="91425" bIns="91425" anchor="t" anchorCtr="0">
+          <a:bodyPr anchorCtr="0" anchor="t" bIns="91425" lIns="91425" spcFirstLastPara="1" rIns="91425" wrap="square" tIns="91425">
             <a:normAutofit/>
           </a:bodyPr>
           <a:lstStyle>
-            <a:lvl1pPr marL="457200" lvl="0" indent="-311150">
+            <a:lvl1pPr indent="-311150" lvl="0" marL="457200">
               <a:spcBef>
                 <a:spcPts val="0"/>
               </a:spcBef>
@@ -4501,7 +4517,7 @@
               <a:buChar char="●"/>
               <a:defRPr/>
             </a:lvl1pPr>
-            <a:lvl2pPr marL="914400" lvl="1" indent="-298450">
+            <a:lvl2pPr indent="-298450" lvl="1" marL="914400">
               <a:spcBef>
                 <a:spcPts val="0"/>
               </a:spcBef>
@@ -4512,7 +4528,7 @@
               <a:buChar char="○"/>
               <a:defRPr/>
             </a:lvl2pPr>
-            <a:lvl3pPr marL="1371600" lvl="2" indent="-298450">
+            <a:lvl3pPr indent="-298450" lvl="2" marL="1371600">
               <a:spcBef>
                 <a:spcPts val="0"/>
               </a:spcBef>
@@ -4523,7 +4539,7 @@
               <a:buChar char="■"/>
               <a:defRPr/>
             </a:lvl3pPr>
-            <a:lvl4pPr marL="1828800" lvl="3" indent="-298450">
+            <a:lvl4pPr indent="-298450" lvl="3" marL="1828800">
               <a:spcBef>
                 <a:spcPts val="0"/>
               </a:spcBef>
@@ -4534,7 +4550,7 @@
               <a:buChar char="●"/>
               <a:defRPr/>
             </a:lvl4pPr>
-            <a:lvl5pPr marL="2286000" lvl="4" indent="-298450">
+            <a:lvl5pPr indent="-298450" lvl="4" marL="2286000">
               <a:spcBef>
                 <a:spcPts val="0"/>
               </a:spcBef>
@@ -4545,7 +4561,7 @@
               <a:buChar char="○"/>
               <a:defRPr/>
             </a:lvl5pPr>
-            <a:lvl6pPr marL="2743200" lvl="5" indent="-298450">
+            <a:lvl6pPr indent="-298450" lvl="5" marL="2743200">
               <a:spcBef>
                 <a:spcPts val="0"/>
               </a:spcBef>
@@ -4556,7 +4572,7 @@
               <a:buChar char="■"/>
               <a:defRPr/>
             </a:lvl6pPr>
-            <a:lvl7pPr marL="3200400" lvl="6" indent="-298450">
+            <a:lvl7pPr indent="-298450" lvl="6" marL="3200400">
               <a:spcBef>
                 <a:spcPts val="0"/>
               </a:spcBef>
@@ -4567,7 +4583,7 @@
               <a:buChar char="●"/>
               <a:defRPr/>
             </a:lvl7pPr>
-            <a:lvl8pPr marL="3657600" lvl="7" indent="-298450">
+            <a:lvl8pPr indent="-298450" lvl="7" marL="3657600">
               <a:spcBef>
                 <a:spcPts val="0"/>
               </a:spcBef>
@@ -4578,7 +4594,7 @@
               <a:buChar char="○"/>
               <a:defRPr/>
             </a:lvl8pPr>
-            <a:lvl9pPr marL="4114800" lvl="8" indent="-298450">
+            <a:lvl9pPr indent="-298450" lvl="8" marL="4114800">
               <a:spcBef>
                 <a:spcPts val="0"/>
               </a:spcBef>
@@ -4590,19 +4606,15 @@
               <a:defRPr/>
             </a:lvl9pPr>
           </a:lstStyle>
-          <a:p>
-            <a:endParaRPr/>
-          </a:p>
+          <a:p/>
         </p:txBody>
       </p:sp>
       <p:sp>
         <p:nvSpPr>
           <p:cNvPr id="127" name="Google Shape;127;p11"/>
-          <p:cNvSpPr txBox="1">
-            <a:spLocks noGrp="1"/>
-          </p:cNvSpPr>
+          <p:cNvSpPr txBox="1"/>
           <p:nvPr>
-            <p:ph type="sldNum" idx="12"/>
+            <p:ph idx="12" type="sldNum"/>
           </p:nvPr>
         </p:nvSpPr>
         <p:spPr>
@@ -4615,7 +4627,7 @@
           </a:prstGeom>
         </p:spPr>
         <p:txBody>
-          <a:bodyPr spcFirstLastPara="1" wrap="square" lIns="91425" tIns="91425" rIns="91425" bIns="91425" anchor="ctr" anchorCtr="0">
+          <a:bodyPr anchorCtr="0" anchor="ctr" bIns="91425" lIns="91425" spcFirstLastPara="1" rIns="91425" wrap="square" tIns="91425">
             <a:normAutofit/>
           </a:bodyPr>
           <a:lstStyle>
@@ -4657,7 +4669,7 @@
             </a:lvl9pPr>
           </a:lstStyle>
           <a:p>
-            <a:pPr marL="0" lvl="0" indent="0" algn="r" rtl="0">
+            <a:pPr indent="0" lvl="0" marL="0" rtl="0" algn="r">
               <a:spcBef>
                 <a:spcPts val="0"/>
               </a:spcBef>
@@ -4683,11 +4695,11 @@
 </file>
 
 <file path=ppt/slideLayouts/slideLayout11.xml><?xml version="1.0" encoding="utf-8"?>
-<p:sldLayout xmlns:a="http://schemas.openxmlformats.org/drawingml/2006/main" xmlns:r="http://schemas.openxmlformats.org/officeDocument/2006/relationships" xmlns:p="http://schemas.openxmlformats.org/presentationml/2006/main" matchingName="Blank" type="blank">
+<p:sldLayout xmlns:a="http://schemas.openxmlformats.org/drawingml/2006/main" xmlns:r="http://schemas.openxmlformats.org/officeDocument/2006/relationships" xmlns:mc="http://schemas.openxmlformats.org/markup-compatibility/2006" xmlns:mv="urn:schemas-microsoft-com:mac:vml" xmlns:p="http://schemas.openxmlformats.org/presentationml/2006/main" xmlns:c="http://schemas.openxmlformats.org/drawingml/2006/chart" xmlns:dgm="http://schemas.openxmlformats.org/drawingml/2006/diagram" xmlns:o="urn:schemas-microsoft-com:office:office" xmlns:v="urn:schemas-microsoft-com:vml" xmlns:pvml="urn:schemas-microsoft-com:office:powerpoint" xmlns:com="http://schemas.openxmlformats.org/drawingml/2006/compatibility" xmlns:p14="http://schemas.microsoft.com/office/powerpoint/2010/main" xmlns:p15="http://schemas.microsoft.com/office/powerpoint/2012/main" xmlns:ahyp="http://schemas.microsoft.com/office/drawing/2018/hyperlinkcolor" matchingName="Blank" type="blank">
   <p:cSld name="BLANK">
     <p:spTree>
       <p:nvGrpSpPr>
-        <p:cNvPr id="1" name="Shape 128"/>
+        <p:cNvPr id="128" name="Shape 128"/>
         <p:cNvGrpSpPr/>
         <p:nvPr/>
       </p:nvGrpSpPr>
@@ -4702,11 +4714,9 @@
       <p:sp>
         <p:nvSpPr>
           <p:cNvPr id="129" name="Google Shape;129;p12"/>
-          <p:cNvSpPr txBox="1">
-            <a:spLocks noGrp="1"/>
-          </p:cNvSpPr>
+          <p:cNvSpPr txBox="1"/>
           <p:nvPr>
-            <p:ph type="sldNum" idx="12"/>
+            <p:ph idx="12" type="sldNum"/>
           </p:nvPr>
         </p:nvSpPr>
         <p:spPr>
@@ -4719,7 +4729,7 @@
           </a:prstGeom>
         </p:spPr>
         <p:txBody>
-          <a:bodyPr spcFirstLastPara="1" wrap="square" lIns="91425" tIns="91425" rIns="91425" bIns="91425" anchor="ctr" anchorCtr="0">
+          <a:bodyPr anchorCtr="0" anchor="ctr" bIns="91425" lIns="91425" spcFirstLastPara="1" rIns="91425" wrap="square" tIns="91425">
             <a:normAutofit/>
           </a:bodyPr>
           <a:lstStyle>
@@ -4761,7 +4771,7 @@
             </a:lvl9pPr>
           </a:lstStyle>
           <a:p>
-            <a:pPr marL="0" lvl="0" indent="0" algn="r" rtl="0">
+            <a:pPr indent="0" lvl="0" marL="0" rtl="0" algn="r">
               <a:spcBef>
                 <a:spcPts val="0"/>
               </a:spcBef>
@@ -4787,11 +4797,11 @@
 </file>
 
 <file path=ppt/slideLayouts/slideLayout2.xml><?xml version="1.0" encoding="utf-8"?>
-<p:sldLayout xmlns:a="http://schemas.openxmlformats.org/drawingml/2006/main" xmlns:r="http://schemas.openxmlformats.org/officeDocument/2006/relationships" xmlns:p="http://schemas.openxmlformats.org/presentationml/2006/main" matchingName="Section header" type="secHead">
+<p:sldLayout xmlns:a="http://schemas.openxmlformats.org/drawingml/2006/main" xmlns:r="http://schemas.openxmlformats.org/officeDocument/2006/relationships" xmlns:mc="http://schemas.openxmlformats.org/markup-compatibility/2006" xmlns:mv="urn:schemas-microsoft-com:mac:vml" xmlns:p="http://schemas.openxmlformats.org/presentationml/2006/main" xmlns:c="http://schemas.openxmlformats.org/drawingml/2006/chart" xmlns:dgm="http://schemas.openxmlformats.org/drawingml/2006/diagram" xmlns:o="urn:schemas-microsoft-com:office:office" xmlns:v="urn:schemas-microsoft-com:vml" xmlns:pvml="urn:schemas-microsoft-com:office:powerpoint" xmlns:com="http://schemas.openxmlformats.org/drawingml/2006/compatibility" xmlns:p14="http://schemas.microsoft.com/office/powerpoint/2010/main" xmlns:p15="http://schemas.microsoft.com/office/powerpoint/2012/main" xmlns:ahyp="http://schemas.microsoft.com/office/drawing/2018/hyperlinkcolor" matchingName="Section header" type="secHead">
   <p:cSld name="SECTION_HEADER">
     <p:spTree>
       <p:nvGrpSpPr>
-        <p:cNvPr id="1" name="Shape 19"/>
+        <p:cNvPr id="19" name="Shape 19"/>
         <p:cNvGrpSpPr/>
         <p:nvPr/>
       </p:nvGrpSpPr>
@@ -4830,7 +4840,7 @@
             </a:xfrm>
             <a:prstGeom prst="diagStripe">
               <a:avLst>
-                <a:gd name="adj" fmla="val 49469"/>
+                <a:gd fmla="val 49469" name="adj"/>
               </a:avLst>
             </a:prstGeom>
             <a:solidFill>
@@ -4843,12 +4853,12 @@
             </a:ln>
           </p:spPr>
           <p:txBody>
-            <a:bodyPr spcFirstLastPara="1" wrap="square" lIns="91425" tIns="91425" rIns="91425" bIns="91425" anchor="ctr" anchorCtr="0">
+            <a:bodyPr anchorCtr="0" anchor="ctr" bIns="91425" lIns="91425" spcFirstLastPara="1" rIns="91425" wrap="square" tIns="91425">
               <a:noAutofit/>
             </a:bodyPr>
             <a:lstStyle/>
             <a:p>
-              <a:pPr marL="0" lvl="0" indent="0" algn="l" rtl="0">
+              <a:pPr indent="0" lvl="0" marL="0" rtl="0" algn="l">
                 <a:spcBef>
                   <a:spcPts val="0"/>
                 </a:spcBef>
@@ -4857,6 +4867,9 @@
                 </a:spcAft>
                 <a:buNone/>
               </a:pPr>
+              <a:r>
+                <a:t/>
+              </a:r>
               <a:endParaRPr/>
             </a:p>
           </p:txBody>
@@ -4874,7 +4887,7 @@
             </a:xfrm>
             <a:prstGeom prst="diagStripe">
               <a:avLst>
-                <a:gd name="adj" fmla="val 0"/>
+                <a:gd fmla="val 0" name="adj"/>
               </a:avLst>
             </a:prstGeom>
             <a:solidFill>
@@ -4887,12 +4900,12 @@
             </a:ln>
           </p:spPr>
           <p:txBody>
-            <a:bodyPr spcFirstLastPara="1" wrap="square" lIns="91425" tIns="91425" rIns="91425" bIns="91425" anchor="ctr" anchorCtr="0">
+            <a:bodyPr anchorCtr="0" anchor="ctr" bIns="91425" lIns="91425" spcFirstLastPara="1" rIns="91425" wrap="square" tIns="91425">
               <a:noAutofit/>
             </a:bodyPr>
             <a:lstStyle/>
             <a:p>
-              <a:pPr marL="0" lvl="0" indent="0" algn="l" rtl="0">
+              <a:pPr indent="0" lvl="0" marL="0" rtl="0" algn="l">
                 <a:spcBef>
                   <a:spcPts val="0"/>
                 </a:spcBef>
@@ -4901,6 +4914,9 @@
                 </a:spcAft>
                 <a:buNone/>
               </a:pPr>
+              <a:r>
+                <a:t/>
+              </a:r>
               <a:endParaRPr/>
             </a:p>
           </p:txBody>
@@ -4918,7 +4934,7 @@
             </a:xfrm>
             <a:prstGeom prst="diagStripe">
               <a:avLst>
-                <a:gd name="adj" fmla="val 50000"/>
+                <a:gd fmla="val 50000" name="adj"/>
               </a:avLst>
             </a:prstGeom>
             <a:solidFill>
@@ -4931,12 +4947,12 @@
             </a:ln>
           </p:spPr>
           <p:txBody>
-            <a:bodyPr spcFirstLastPara="1" wrap="square" lIns="91425" tIns="91425" rIns="91425" bIns="91425" anchor="ctr" anchorCtr="0">
+            <a:bodyPr anchorCtr="0" anchor="ctr" bIns="91425" lIns="91425" spcFirstLastPara="1" rIns="91425" wrap="square" tIns="91425">
               <a:noAutofit/>
             </a:bodyPr>
             <a:lstStyle/>
             <a:p>
-              <a:pPr marL="0" lvl="0" indent="0" algn="l" rtl="0">
+              <a:pPr indent="0" lvl="0" marL="0" rtl="0" algn="l">
                 <a:spcBef>
                   <a:spcPts val="0"/>
                 </a:spcBef>
@@ -4945,6 +4961,9 @@
                 </a:spcAft>
                 <a:buNone/>
               </a:pPr>
+              <a:r>
+                <a:t/>
+              </a:r>
               <a:endParaRPr/>
             </a:p>
           </p:txBody>
@@ -4962,7 +4981,7 @@
             </a:xfrm>
             <a:prstGeom prst="diagStripe">
               <a:avLst>
-                <a:gd name="adj" fmla="val 50000"/>
+                <a:gd fmla="val 50000" name="adj"/>
               </a:avLst>
             </a:prstGeom>
             <a:solidFill>
@@ -4975,12 +4994,12 @@
             </a:ln>
           </p:spPr>
           <p:txBody>
-            <a:bodyPr spcFirstLastPara="1" wrap="square" lIns="91425" tIns="91425" rIns="91425" bIns="91425" anchor="ctr" anchorCtr="0">
+            <a:bodyPr anchorCtr="0" anchor="ctr" bIns="91425" lIns="91425" spcFirstLastPara="1" rIns="91425" wrap="square" tIns="91425">
               <a:noAutofit/>
             </a:bodyPr>
             <a:lstStyle/>
             <a:p>
-              <a:pPr marL="0" lvl="0" indent="0" algn="l" rtl="0">
+              <a:pPr indent="0" lvl="0" marL="0" rtl="0" algn="l">
                 <a:spcBef>
                   <a:spcPts val="0"/>
                 </a:spcBef>
@@ -4989,6 +5008,9 @@
                 </a:spcAft>
                 <a:buNone/>
               </a:pPr>
+              <a:r>
+                <a:t/>
+              </a:r>
               <a:endParaRPr/>
             </a:p>
           </p:txBody>
@@ -5006,7 +5028,7 @@
             </a:xfrm>
             <a:prstGeom prst="diagStripe">
               <a:avLst>
-                <a:gd name="adj" fmla="val 50000"/>
+                <a:gd fmla="val 50000" name="adj"/>
               </a:avLst>
             </a:prstGeom>
             <a:solidFill>
@@ -5019,12 +5041,12 @@
             </a:ln>
           </p:spPr>
           <p:txBody>
-            <a:bodyPr spcFirstLastPara="1" wrap="square" lIns="91425" tIns="91425" rIns="91425" bIns="91425" anchor="ctr" anchorCtr="0">
+            <a:bodyPr anchorCtr="0" anchor="ctr" bIns="91425" lIns="91425" spcFirstLastPara="1" rIns="91425" wrap="square" tIns="91425">
               <a:noAutofit/>
             </a:bodyPr>
             <a:lstStyle/>
             <a:p>
-              <a:pPr marL="0" lvl="0" indent="0" algn="l" rtl="0">
+              <a:pPr indent="0" lvl="0" marL="0" rtl="0" algn="l">
                 <a:spcBef>
                   <a:spcPts val="0"/>
                 </a:spcBef>
@@ -5033,6 +5055,9 @@
                 </a:spcAft>
                 <a:buNone/>
               </a:pPr>
+              <a:r>
+                <a:t/>
+              </a:r>
               <a:endParaRPr/>
             </a:p>
           </p:txBody>
@@ -5050,7 +5075,7 @@
             </a:xfrm>
             <a:prstGeom prst="diagStripe">
               <a:avLst>
-                <a:gd name="adj" fmla="val 50000"/>
+                <a:gd fmla="val 50000" name="adj"/>
               </a:avLst>
             </a:prstGeom>
             <a:solidFill>
@@ -5063,12 +5088,12 @@
             </a:ln>
           </p:spPr>
           <p:txBody>
-            <a:bodyPr spcFirstLastPara="1" wrap="square" lIns="91425" tIns="91425" rIns="91425" bIns="91425" anchor="ctr" anchorCtr="0">
+            <a:bodyPr anchorCtr="0" anchor="ctr" bIns="91425" lIns="91425" spcFirstLastPara="1" rIns="91425" wrap="square" tIns="91425">
               <a:noAutofit/>
             </a:bodyPr>
             <a:lstStyle/>
             <a:p>
-              <a:pPr marL="0" lvl="0" indent="0" algn="l" rtl="0">
+              <a:pPr indent="0" lvl="0" marL="0" rtl="0" algn="l">
                 <a:spcBef>
                   <a:spcPts val="0"/>
                 </a:spcBef>
@@ -5077,6 +5102,9 @@
                 </a:spcAft>
                 <a:buNone/>
               </a:pPr>
+              <a:r>
+                <a:t/>
+              </a:r>
               <a:endParaRPr/>
             </a:p>
           </p:txBody>
@@ -5094,7 +5122,7 @@
             </a:xfrm>
             <a:prstGeom prst="diagStripe">
               <a:avLst>
-                <a:gd name="adj" fmla="val 50000"/>
+                <a:gd fmla="val 50000" name="adj"/>
               </a:avLst>
             </a:prstGeom>
             <a:solidFill>
@@ -5107,12 +5135,12 @@
             </a:ln>
           </p:spPr>
           <p:txBody>
-            <a:bodyPr spcFirstLastPara="1" wrap="square" lIns="91425" tIns="91425" rIns="91425" bIns="91425" anchor="ctr" anchorCtr="0">
+            <a:bodyPr anchorCtr="0" anchor="ctr" bIns="91425" lIns="91425" spcFirstLastPara="1" rIns="91425" wrap="square" tIns="91425">
               <a:noAutofit/>
             </a:bodyPr>
             <a:lstStyle/>
             <a:p>
-              <a:pPr marL="0" lvl="0" indent="0" algn="l" rtl="0">
+              <a:pPr indent="0" lvl="0" marL="0" rtl="0" algn="l">
                 <a:spcBef>
                   <a:spcPts val="0"/>
                 </a:spcBef>
@@ -5121,6 +5149,9 @@
                 </a:spcAft>
                 <a:buNone/>
               </a:pPr>
+              <a:r>
+                <a:t/>
+              </a:r>
               <a:endParaRPr/>
             </a:p>
           </p:txBody>
@@ -5138,7 +5169,7 @@
             </a:xfrm>
             <a:prstGeom prst="diagStripe">
               <a:avLst>
-                <a:gd name="adj" fmla="val 50000"/>
+                <a:gd fmla="val 50000" name="adj"/>
               </a:avLst>
             </a:prstGeom>
             <a:solidFill>
@@ -5149,12 +5180,12 @@
             </a:ln>
           </p:spPr>
           <p:txBody>
-            <a:bodyPr spcFirstLastPara="1" wrap="square" lIns="91425" tIns="91425" rIns="91425" bIns="91425" anchor="ctr" anchorCtr="0">
+            <a:bodyPr anchorCtr="0" anchor="ctr" bIns="91425" lIns="91425" spcFirstLastPara="1" rIns="91425" wrap="square" tIns="91425">
               <a:noAutofit/>
             </a:bodyPr>
             <a:lstStyle/>
             <a:p>
-              <a:pPr marL="0" lvl="0" indent="0" algn="l" rtl="0">
+              <a:pPr indent="0" lvl="0" marL="0" rtl="0" algn="l">
                 <a:spcBef>
                   <a:spcPts val="0"/>
                 </a:spcBef>
@@ -5163,6 +5194,9 @@
                 </a:spcAft>
                 <a:buNone/>
               </a:pPr>
+              <a:r>
+                <a:t/>
+              </a:r>
               <a:endParaRPr/>
             </a:p>
           </p:txBody>
@@ -5180,7 +5214,7 @@
             </a:xfrm>
             <a:prstGeom prst="diagStripe">
               <a:avLst>
-                <a:gd name="adj" fmla="val 50000"/>
+                <a:gd fmla="val 50000" name="adj"/>
               </a:avLst>
             </a:prstGeom>
             <a:solidFill>
@@ -5193,12 +5227,12 @@
             </a:ln>
           </p:spPr>
           <p:txBody>
-            <a:bodyPr spcFirstLastPara="1" wrap="square" lIns="91425" tIns="91425" rIns="91425" bIns="91425" anchor="ctr" anchorCtr="0">
+            <a:bodyPr anchorCtr="0" anchor="ctr" bIns="91425" lIns="91425" spcFirstLastPara="1" rIns="91425" wrap="square" tIns="91425">
               <a:noAutofit/>
             </a:bodyPr>
             <a:lstStyle/>
             <a:p>
-              <a:pPr marL="0" lvl="0" indent="0" algn="l" rtl="0">
+              <a:pPr indent="0" lvl="0" marL="0" rtl="0" algn="l">
                 <a:spcBef>
                   <a:spcPts val="0"/>
                 </a:spcBef>
@@ -5207,6 +5241,9 @@
                 </a:spcAft>
                 <a:buNone/>
               </a:pPr>
+              <a:r>
+                <a:t/>
+              </a:r>
               <a:endParaRPr/>
             </a:p>
           </p:txBody>
@@ -5224,7 +5261,7 @@
             </a:xfrm>
             <a:prstGeom prst="diagStripe">
               <a:avLst>
-                <a:gd name="adj" fmla="val 50000"/>
+                <a:gd fmla="val 50000" name="adj"/>
               </a:avLst>
             </a:prstGeom>
             <a:solidFill>
@@ -5237,12 +5274,12 @@
             </a:ln>
           </p:spPr>
           <p:txBody>
-            <a:bodyPr spcFirstLastPara="1" wrap="square" lIns="91425" tIns="91425" rIns="91425" bIns="91425" anchor="ctr" anchorCtr="0">
+            <a:bodyPr anchorCtr="0" anchor="ctr" bIns="91425" lIns="91425" spcFirstLastPara="1" rIns="91425" wrap="square" tIns="91425">
               <a:noAutofit/>
             </a:bodyPr>
             <a:lstStyle/>
             <a:p>
-              <a:pPr marL="0" lvl="0" indent="0" algn="l" rtl="0">
+              <a:pPr indent="0" lvl="0" marL="0" rtl="0" algn="l">
                 <a:spcBef>
                   <a:spcPts val="0"/>
                 </a:spcBef>
@@ -5251,6 +5288,9 @@
                 </a:spcAft>
                 <a:buNone/>
               </a:pPr>
+              <a:r>
+                <a:t/>
+              </a:r>
               <a:endParaRPr/>
             </a:p>
           </p:txBody>
@@ -5268,7 +5308,7 @@
             </a:xfrm>
             <a:prstGeom prst="diagStripe">
               <a:avLst>
-                <a:gd name="adj" fmla="val 50000"/>
+                <a:gd fmla="val 50000" name="adj"/>
               </a:avLst>
             </a:prstGeom>
             <a:solidFill>
@@ -5281,12 +5321,12 @@
             </a:ln>
           </p:spPr>
           <p:txBody>
-            <a:bodyPr spcFirstLastPara="1" wrap="square" lIns="91425" tIns="91425" rIns="91425" bIns="91425" anchor="ctr" anchorCtr="0">
+            <a:bodyPr anchorCtr="0" anchor="ctr" bIns="91425" lIns="91425" spcFirstLastPara="1" rIns="91425" wrap="square" tIns="91425">
               <a:noAutofit/>
             </a:bodyPr>
             <a:lstStyle/>
             <a:p>
-              <a:pPr marL="0" lvl="0" indent="0" algn="l" rtl="0">
+              <a:pPr indent="0" lvl="0" marL="0" rtl="0" algn="l">
                 <a:spcBef>
                   <a:spcPts val="0"/>
                 </a:spcBef>
@@ -5295,6 +5335,9 @@
                 </a:spcAft>
                 <a:buNone/>
               </a:pPr>
+              <a:r>
+                <a:t/>
+              </a:r>
               <a:endParaRPr/>
             </a:p>
           </p:txBody>
@@ -5312,7 +5355,7 @@
             </a:xfrm>
             <a:prstGeom prst="diagStripe">
               <a:avLst>
-                <a:gd name="adj" fmla="val 50000"/>
+                <a:gd fmla="val 50000" name="adj"/>
               </a:avLst>
             </a:prstGeom>
             <a:solidFill>
@@ -5325,12 +5368,12 @@
             </a:ln>
           </p:spPr>
           <p:txBody>
-            <a:bodyPr spcFirstLastPara="1" wrap="square" lIns="91425" tIns="91425" rIns="91425" bIns="91425" anchor="ctr" anchorCtr="0">
+            <a:bodyPr anchorCtr="0" anchor="ctr" bIns="91425" lIns="91425" spcFirstLastPara="1" rIns="91425" wrap="square" tIns="91425">
               <a:noAutofit/>
             </a:bodyPr>
             <a:lstStyle/>
             <a:p>
-              <a:pPr marL="0" lvl="0" indent="0" algn="l" rtl="0">
+              <a:pPr indent="0" lvl="0" marL="0" rtl="0" algn="l">
                 <a:spcBef>
                   <a:spcPts val="0"/>
                 </a:spcBef>
@@ -5339,6 +5382,9 @@
                 </a:spcAft>
                 <a:buNone/>
               </a:pPr>
+              <a:r>
+                <a:t/>
+              </a:r>
               <a:endParaRPr/>
             </a:p>
           </p:txBody>
@@ -5356,7 +5402,7 @@
             </a:xfrm>
             <a:prstGeom prst="diagStripe">
               <a:avLst>
-                <a:gd name="adj" fmla="val 50000"/>
+                <a:gd fmla="val 50000" name="adj"/>
               </a:avLst>
             </a:prstGeom>
             <a:solidFill>
@@ -5369,12 +5415,12 @@
             </a:ln>
           </p:spPr>
           <p:txBody>
-            <a:bodyPr spcFirstLastPara="1" wrap="square" lIns="91425" tIns="91425" rIns="91425" bIns="91425" anchor="ctr" anchorCtr="0">
+            <a:bodyPr anchorCtr="0" anchor="ctr" bIns="91425" lIns="91425" spcFirstLastPara="1" rIns="91425" wrap="square" tIns="91425">
               <a:noAutofit/>
             </a:bodyPr>
             <a:lstStyle/>
             <a:p>
-              <a:pPr marL="0" lvl="0" indent="0" algn="l" rtl="0">
+              <a:pPr indent="0" lvl="0" marL="0" rtl="0" algn="l">
                 <a:spcBef>
                   <a:spcPts val="0"/>
                 </a:spcBef>
@@ -5383,6 +5429,9 @@
                 </a:spcAft>
                 <a:buNone/>
               </a:pPr>
+              <a:r>
+                <a:t/>
+              </a:r>
               <a:endParaRPr/>
             </a:p>
           </p:txBody>
@@ -5400,7 +5449,7 @@
             </a:xfrm>
             <a:prstGeom prst="diagStripe">
               <a:avLst>
-                <a:gd name="adj" fmla="val 50000"/>
+                <a:gd fmla="val 50000" name="adj"/>
               </a:avLst>
             </a:prstGeom>
             <a:solidFill>
@@ -5411,12 +5460,12 @@
             </a:ln>
           </p:spPr>
           <p:txBody>
-            <a:bodyPr spcFirstLastPara="1" wrap="square" lIns="91425" tIns="91425" rIns="91425" bIns="91425" anchor="ctr" anchorCtr="0">
+            <a:bodyPr anchorCtr="0" anchor="ctr" bIns="91425" lIns="91425" spcFirstLastPara="1" rIns="91425" wrap="square" tIns="91425">
               <a:noAutofit/>
             </a:bodyPr>
             <a:lstStyle/>
             <a:p>
-              <a:pPr marL="0" lvl="0" indent="0" algn="l" rtl="0">
+              <a:pPr indent="0" lvl="0" marL="0" rtl="0" algn="l">
                 <a:spcBef>
                   <a:spcPts val="0"/>
                 </a:spcBef>
@@ -5425,6 +5474,9 @@
                 </a:spcAft>
                 <a:buNone/>
               </a:pPr>
+              <a:r>
+                <a:t/>
+              </a:r>
               <a:endParaRPr/>
             </a:p>
           </p:txBody>
@@ -5442,7 +5494,7 @@
             </a:xfrm>
             <a:prstGeom prst="diagStripe">
               <a:avLst>
-                <a:gd name="adj" fmla="val 50000"/>
+                <a:gd fmla="val 50000" name="adj"/>
               </a:avLst>
             </a:prstGeom>
             <a:solidFill>
@@ -5455,12 +5507,12 @@
             </a:ln>
           </p:spPr>
           <p:txBody>
-            <a:bodyPr spcFirstLastPara="1" wrap="square" lIns="91425" tIns="91425" rIns="91425" bIns="91425" anchor="ctr" anchorCtr="0">
+            <a:bodyPr anchorCtr="0" anchor="ctr" bIns="91425" lIns="91425" spcFirstLastPara="1" rIns="91425" wrap="square" tIns="91425">
               <a:noAutofit/>
             </a:bodyPr>
             <a:lstStyle/>
             <a:p>
-              <a:pPr marL="0" lvl="0" indent="0" algn="l" rtl="0">
+              <a:pPr indent="0" lvl="0" marL="0" rtl="0" algn="l">
                 <a:spcBef>
                   <a:spcPts val="0"/>
                 </a:spcBef>
@@ -5469,6 +5521,9 @@
                 </a:spcAft>
                 <a:buNone/>
               </a:pPr>
+              <a:r>
+                <a:t/>
+              </a:r>
               <a:endParaRPr/>
             </a:p>
           </p:txBody>
@@ -5486,7 +5541,7 @@
             </a:xfrm>
             <a:prstGeom prst="diagStripe">
               <a:avLst>
-                <a:gd name="adj" fmla="val 50000"/>
+                <a:gd fmla="val 50000" name="adj"/>
               </a:avLst>
             </a:prstGeom>
             <a:solidFill>
@@ -5499,12 +5554,12 @@
             </a:ln>
           </p:spPr>
           <p:txBody>
-            <a:bodyPr spcFirstLastPara="1" wrap="square" lIns="91425" tIns="91425" rIns="91425" bIns="91425" anchor="ctr" anchorCtr="0">
+            <a:bodyPr anchorCtr="0" anchor="ctr" bIns="91425" lIns="91425" spcFirstLastPara="1" rIns="91425" wrap="square" tIns="91425">
               <a:noAutofit/>
             </a:bodyPr>
             <a:lstStyle/>
             <a:p>
-              <a:pPr marL="0" lvl="0" indent="0" algn="l" rtl="0">
+              <a:pPr indent="0" lvl="0" marL="0" rtl="0" algn="l">
                 <a:spcBef>
                   <a:spcPts val="0"/>
                 </a:spcBef>
@@ -5513,6 +5568,9 @@
                 </a:spcAft>
                 <a:buNone/>
               </a:pPr>
+              <a:r>
+                <a:t/>
+              </a:r>
               <a:endParaRPr/>
             </a:p>
           </p:txBody>
@@ -5530,7 +5588,7 @@
             </a:xfrm>
             <a:prstGeom prst="diagStripe">
               <a:avLst>
-                <a:gd name="adj" fmla="val 50000"/>
+                <a:gd fmla="val 50000" name="adj"/>
               </a:avLst>
             </a:prstGeom>
             <a:solidFill>
@@ -5543,12 +5601,12 @@
             </a:ln>
           </p:spPr>
           <p:txBody>
-            <a:bodyPr spcFirstLastPara="1" wrap="square" lIns="91425" tIns="91425" rIns="91425" bIns="91425" anchor="ctr" anchorCtr="0">
+            <a:bodyPr anchorCtr="0" anchor="ctr" bIns="91425" lIns="91425" spcFirstLastPara="1" rIns="91425" wrap="square" tIns="91425">
               <a:noAutofit/>
             </a:bodyPr>
             <a:lstStyle/>
             <a:p>
-              <a:pPr marL="0" lvl="0" indent="0" algn="l" rtl="0">
+              <a:pPr indent="0" lvl="0" marL="0" rtl="0" algn="l">
                 <a:spcBef>
                   <a:spcPts val="0"/>
                 </a:spcBef>
@@ -5557,6 +5615,9 @@
                 </a:spcAft>
                 <a:buNone/>
               </a:pPr>
+              <a:r>
+                <a:t/>
+              </a:r>
               <a:endParaRPr/>
             </a:p>
           </p:txBody>
@@ -5574,7 +5635,7 @@
             </a:xfrm>
             <a:prstGeom prst="diagStripe">
               <a:avLst>
-                <a:gd name="adj" fmla="val 50000"/>
+                <a:gd fmla="val 50000" name="adj"/>
               </a:avLst>
             </a:prstGeom>
             <a:solidFill>
@@ -5587,12 +5648,12 @@
             </a:ln>
           </p:spPr>
           <p:txBody>
-            <a:bodyPr spcFirstLastPara="1" wrap="square" lIns="91425" tIns="91425" rIns="91425" bIns="91425" anchor="ctr" anchorCtr="0">
+            <a:bodyPr anchorCtr="0" anchor="ctr" bIns="91425" lIns="91425" spcFirstLastPara="1" rIns="91425" wrap="square" tIns="91425">
               <a:noAutofit/>
             </a:bodyPr>
             <a:lstStyle/>
             <a:p>
-              <a:pPr marL="0" lvl="0" indent="0" algn="l" rtl="0">
+              <a:pPr indent="0" lvl="0" marL="0" rtl="0" algn="l">
                 <a:spcBef>
                   <a:spcPts val="0"/>
                 </a:spcBef>
@@ -5601,6 +5662,9 @@
                 </a:spcAft>
                 <a:buNone/>
               </a:pPr>
+              <a:r>
+                <a:t/>
+              </a:r>
               <a:endParaRPr/>
             </a:p>
           </p:txBody>
@@ -5609,9 +5673,7 @@
       <p:sp>
         <p:nvSpPr>
           <p:cNvPr id="39" name="Google Shape;39;p3"/>
-          <p:cNvSpPr txBox="1">
-            <a:spLocks noGrp="1"/>
-          </p:cNvSpPr>
+          <p:cNvSpPr txBox="1"/>
           <p:nvPr>
             <p:ph type="title"/>
           </p:nvPr>
@@ -5626,7 +5688,7 @@
           </a:prstGeom>
         </p:spPr>
         <p:txBody>
-          <a:bodyPr spcFirstLastPara="1" wrap="square" lIns="91425" tIns="91425" rIns="91425" bIns="91425" anchor="ctr" anchorCtr="0">
+          <a:bodyPr anchorCtr="0" anchor="ctr" bIns="91425" lIns="91425" spcFirstLastPara="1" rIns="91425" wrap="square" tIns="91425">
             <a:normAutofit/>
           </a:bodyPr>
           <a:lstStyle>
@@ -5730,19 +5792,15 @@
               <a:defRPr/>
             </a:lvl9pPr>
           </a:lstStyle>
-          <a:p>
-            <a:endParaRPr/>
-          </a:p>
+          <a:p/>
         </p:txBody>
       </p:sp>
       <p:sp>
         <p:nvSpPr>
           <p:cNvPr id="40" name="Google Shape;40;p3"/>
-          <p:cNvSpPr txBox="1">
-            <a:spLocks noGrp="1"/>
-          </p:cNvSpPr>
+          <p:cNvSpPr txBox="1"/>
           <p:nvPr>
-            <p:ph type="sldNum" idx="12"/>
+            <p:ph idx="12" type="sldNum"/>
           </p:nvPr>
         </p:nvSpPr>
         <p:spPr>
@@ -5755,7 +5813,7 @@
           </a:prstGeom>
         </p:spPr>
         <p:txBody>
-          <a:bodyPr spcFirstLastPara="1" wrap="square" lIns="91425" tIns="91425" rIns="91425" bIns="91425" anchor="ctr" anchorCtr="0">
+          <a:bodyPr anchorCtr="0" anchor="ctr" bIns="91425" lIns="91425" spcFirstLastPara="1" rIns="91425" wrap="square" tIns="91425">
             <a:normAutofit/>
           </a:bodyPr>
           <a:lstStyle>
@@ -5797,7 +5855,7 @@
             </a:lvl9pPr>
           </a:lstStyle>
           <a:p>
-            <a:pPr marL="0" lvl="0" indent="0" algn="r" rtl="0">
+            <a:pPr indent="0" lvl="0" marL="0" rtl="0" algn="r">
               <a:spcBef>
                 <a:spcPts val="0"/>
               </a:spcBef>
@@ -5823,11 +5881,11 @@
 </file>
 
 <file path=ppt/slideLayouts/slideLayout3.xml><?xml version="1.0" encoding="utf-8"?>
-<p:sldLayout xmlns:a="http://schemas.openxmlformats.org/drawingml/2006/main" xmlns:r="http://schemas.openxmlformats.org/officeDocument/2006/relationships" xmlns:p="http://schemas.openxmlformats.org/presentationml/2006/main" matchingName="Title and body" type="tx">
+<p:sldLayout xmlns:a="http://schemas.openxmlformats.org/drawingml/2006/main" xmlns:r="http://schemas.openxmlformats.org/officeDocument/2006/relationships" xmlns:mc="http://schemas.openxmlformats.org/markup-compatibility/2006" xmlns:mv="urn:schemas-microsoft-com:mac:vml" xmlns:p="http://schemas.openxmlformats.org/presentationml/2006/main" xmlns:c="http://schemas.openxmlformats.org/drawingml/2006/chart" xmlns:dgm="http://schemas.openxmlformats.org/drawingml/2006/diagram" xmlns:o="urn:schemas-microsoft-com:office:office" xmlns:v="urn:schemas-microsoft-com:vml" xmlns:pvml="urn:schemas-microsoft-com:office:powerpoint" xmlns:com="http://schemas.openxmlformats.org/drawingml/2006/compatibility" xmlns:p14="http://schemas.microsoft.com/office/powerpoint/2010/main" xmlns:p15="http://schemas.microsoft.com/office/powerpoint/2012/main" xmlns:ahyp="http://schemas.microsoft.com/office/drawing/2018/hyperlinkcolor" matchingName="Title and body" type="tx">
   <p:cSld name="TITLE_AND_BODY">
     <p:spTree>
       <p:nvGrpSpPr>
-        <p:cNvPr id="1" name="Shape 41"/>
+        <p:cNvPr id="41" name="Shape 41"/>
         <p:cNvGrpSpPr/>
         <p:nvPr/>
       </p:nvGrpSpPr>
@@ -5866,7 +5924,7 @@
             </a:xfrm>
             <a:prstGeom prst="diagStripe">
               <a:avLst>
-                <a:gd name="adj" fmla="val 50000"/>
+                <a:gd fmla="val 50000" name="adj"/>
               </a:avLst>
             </a:prstGeom>
             <a:solidFill>
@@ -5877,12 +5935,12 @@
             </a:ln>
           </p:spPr>
           <p:txBody>
-            <a:bodyPr spcFirstLastPara="1" wrap="square" lIns="91425" tIns="91425" rIns="91425" bIns="91425" anchor="ctr" anchorCtr="0">
+            <a:bodyPr anchorCtr="0" anchor="ctr" bIns="91425" lIns="91425" spcFirstLastPara="1" rIns="91425" wrap="square" tIns="91425">
               <a:noAutofit/>
             </a:bodyPr>
             <a:lstStyle/>
             <a:p>
-              <a:pPr marL="0" lvl="0" indent="0" algn="l" rtl="0">
+              <a:pPr indent="0" lvl="0" marL="0" rtl="0" algn="l">
                 <a:spcBef>
                   <a:spcPts val="0"/>
                 </a:spcBef>
@@ -5891,6 +5949,9 @@
                 </a:spcAft>
                 <a:buNone/>
               </a:pPr>
+              <a:r>
+                <a:t/>
+              </a:r>
               <a:endParaRPr/>
             </a:p>
           </p:txBody>
@@ -5908,7 +5969,7 @@
             </a:xfrm>
             <a:prstGeom prst="diagStripe">
               <a:avLst>
-                <a:gd name="adj" fmla="val 50000"/>
+                <a:gd fmla="val 50000" name="adj"/>
               </a:avLst>
             </a:prstGeom>
             <a:solidFill>
@@ -5919,12 +5980,12 @@
             </a:ln>
           </p:spPr>
           <p:txBody>
-            <a:bodyPr spcFirstLastPara="1" wrap="square" lIns="91425" tIns="91425" rIns="91425" bIns="91425" anchor="ctr" anchorCtr="0">
+            <a:bodyPr anchorCtr="0" anchor="ctr" bIns="91425" lIns="91425" spcFirstLastPara="1" rIns="91425" wrap="square" tIns="91425">
               <a:noAutofit/>
             </a:bodyPr>
             <a:lstStyle/>
             <a:p>
-              <a:pPr marL="0" lvl="0" indent="0" algn="l" rtl="0">
+              <a:pPr indent="0" lvl="0" marL="0" rtl="0" algn="l">
                 <a:spcBef>
                   <a:spcPts val="0"/>
                 </a:spcBef>
@@ -5933,6 +5994,9 @@
                 </a:spcAft>
                 <a:buNone/>
               </a:pPr>
+              <a:r>
+                <a:t/>
+              </a:r>
               <a:endParaRPr/>
             </a:p>
           </p:txBody>
@@ -5941,9 +6005,7 @@
       <p:sp>
         <p:nvSpPr>
           <p:cNvPr id="45" name="Google Shape;45;p4"/>
-          <p:cNvSpPr txBox="1">
-            <a:spLocks noGrp="1"/>
-          </p:cNvSpPr>
+          <p:cNvSpPr txBox="1"/>
           <p:nvPr>
             <p:ph type="title"/>
           </p:nvPr>
@@ -5958,7 +6020,7 @@
           </a:prstGeom>
         </p:spPr>
         <p:txBody>
-          <a:bodyPr spcFirstLastPara="1" wrap="square" lIns="91425" tIns="91425" rIns="91425" bIns="91425" anchor="t" anchorCtr="0">
+          <a:bodyPr anchorCtr="0" anchor="t" bIns="91425" lIns="91425" spcFirstLastPara="1" rIns="91425" wrap="square" tIns="91425">
             <a:normAutofit/>
           </a:bodyPr>
           <a:lstStyle>
@@ -6062,19 +6124,15 @@
               <a:defRPr sz="2400"/>
             </a:lvl9pPr>
           </a:lstStyle>
-          <a:p>
-            <a:endParaRPr/>
-          </a:p>
+          <a:p/>
         </p:txBody>
       </p:sp>
       <p:sp>
         <p:nvSpPr>
           <p:cNvPr id="46" name="Google Shape;46;p4"/>
-          <p:cNvSpPr txBox="1">
-            <a:spLocks noGrp="1"/>
-          </p:cNvSpPr>
+          <p:cNvSpPr txBox="1"/>
           <p:nvPr>
-            <p:ph type="body" idx="1"/>
+            <p:ph idx="1" type="body"/>
           </p:nvPr>
         </p:nvSpPr>
         <p:spPr>
@@ -6087,11 +6145,11 @@
           </a:prstGeom>
         </p:spPr>
         <p:txBody>
-          <a:bodyPr spcFirstLastPara="1" wrap="square" lIns="91425" tIns="91425" rIns="91425" bIns="91425" anchor="t" anchorCtr="0">
+          <a:bodyPr anchorCtr="0" anchor="t" bIns="91425" lIns="91425" spcFirstLastPara="1" rIns="91425" wrap="square" tIns="91425">
             <a:normAutofit/>
           </a:bodyPr>
           <a:lstStyle>
-            <a:lvl1pPr marL="457200" lvl="0" indent="-311150">
+            <a:lvl1pPr indent="-311150" lvl="0" marL="457200">
               <a:spcBef>
                 <a:spcPts val="0"/>
               </a:spcBef>
@@ -6102,7 +6160,7 @@
               <a:buChar char="●"/>
               <a:defRPr/>
             </a:lvl1pPr>
-            <a:lvl2pPr marL="914400" lvl="1" indent="-298450">
+            <a:lvl2pPr indent="-298450" lvl="1" marL="914400">
               <a:spcBef>
                 <a:spcPts val="0"/>
               </a:spcBef>
@@ -6113,7 +6171,7 @@
               <a:buChar char="○"/>
               <a:defRPr/>
             </a:lvl2pPr>
-            <a:lvl3pPr marL="1371600" lvl="2" indent="-298450">
+            <a:lvl3pPr indent="-298450" lvl="2" marL="1371600">
               <a:spcBef>
                 <a:spcPts val="0"/>
               </a:spcBef>
@@ -6124,7 +6182,7 @@
               <a:buChar char="■"/>
               <a:defRPr/>
             </a:lvl3pPr>
-            <a:lvl4pPr marL="1828800" lvl="3" indent="-298450">
+            <a:lvl4pPr indent="-298450" lvl="3" marL="1828800">
               <a:spcBef>
                 <a:spcPts val="0"/>
               </a:spcBef>
@@ -6135,7 +6193,7 @@
               <a:buChar char="●"/>
               <a:defRPr/>
             </a:lvl4pPr>
-            <a:lvl5pPr marL="2286000" lvl="4" indent="-298450">
+            <a:lvl5pPr indent="-298450" lvl="4" marL="2286000">
               <a:spcBef>
                 <a:spcPts val="0"/>
               </a:spcBef>
@@ -6146,7 +6204,7 @@
               <a:buChar char="○"/>
               <a:defRPr/>
             </a:lvl5pPr>
-            <a:lvl6pPr marL="2743200" lvl="5" indent="-298450">
+            <a:lvl6pPr indent="-298450" lvl="5" marL="2743200">
               <a:spcBef>
                 <a:spcPts val="0"/>
               </a:spcBef>
@@ -6157,7 +6215,7 @@
               <a:buChar char="■"/>
               <a:defRPr/>
             </a:lvl6pPr>
-            <a:lvl7pPr marL="3200400" lvl="6" indent="-298450">
+            <a:lvl7pPr indent="-298450" lvl="6" marL="3200400">
               <a:spcBef>
                 <a:spcPts val="0"/>
               </a:spcBef>
@@ -6168,7 +6226,7 @@
               <a:buChar char="●"/>
               <a:defRPr/>
             </a:lvl7pPr>
-            <a:lvl8pPr marL="3657600" lvl="7" indent="-298450">
+            <a:lvl8pPr indent="-298450" lvl="7" marL="3657600">
               <a:spcBef>
                 <a:spcPts val="0"/>
               </a:spcBef>
@@ -6179,7 +6237,7 @@
               <a:buChar char="○"/>
               <a:defRPr/>
             </a:lvl8pPr>
-            <a:lvl9pPr marL="4114800" lvl="8" indent="-298450">
+            <a:lvl9pPr indent="-298450" lvl="8" marL="4114800">
               <a:spcBef>
                 <a:spcPts val="0"/>
               </a:spcBef>
@@ -6191,19 +6249,15 @@
               <a:defRPr/>
             </a:lvl9pPr>
           </a:lstStyle>
-          <a:p>
-            <a:endParaRPr/>
-          </a:p>
+          <a:p/>
         </p:txBody>
       </p:sp>
       <p:sp>
         <p:nvSpPr>
           <p:cNvPr id="47" name="Google Shape;47;p4"/>
-          <p:cNvSpPr txBox="1">
-            <a:spLocks noGrp="1"/>
-          </p:cNvSpPr>
+          <p:cNvSpPr txBox="1"/>
           <p:nvPr>
-            <p:ph type="sldNum" idx="12"/>
+            <p:ph idx="12" type="sldNum"/>
           </p:nvPr>
         </p:nvSpPr>
         <p:spPr>
@@ -6216,7 +6270,7 @@
           </a:prstGeom>
         </p:spPr>
         <p:txBody>
-          <a:bodyPr spcFirstLastPara="1" wrap="square" lIns="91425" tIns="91425" rIns="91425" bIns="91425" anchor="ctr" anchorCtr="0">
+          <a:bodyPr anchorCtr="0" anchor="ctr" bIns="91425" lIns="91425" spcFirstLastPara="1" rIns="91425" wrap="square" tIns="91425">
             <a:normAutofit/>
           </a:bodyPr>
           <a:lstStyle>
@@ -6258,7 +6312,7 @@
             </a:lvl9pPr>
           </a:lstStyle>
           <a:p>
-            <a:pPr marL="0" lvl="0" indent="0" algn="r" rtl="0">
+            <a:pPr indent="0" lvl="0" marL="0" rtl="0" algn="r">
               <a:spcBef>
                 <a:spcPts val="0"/>
               </a:spcBef>
@@ -6284,11 +6338,11 @@
 </file>
 
 <file path=ppt/slideLayouts/slideLayout4.xml><?xml version="1.0" encoding="utf-8"?>
-<p:sldLayout xmlns:a="http://schemas.openxmlformats.org/drawingml/2006/main" xmlns:r="http://schemas.openxmlformats.org/officeDocument/2006/relationships" xmlns:p="http://schemas.openxmlformats.org/presentationml/2006/main" matchingName="Title and two columns" type="twoColTx">
+<p:sldLayout xmlns:a="http://schemas.openxmlformats.org/drawingml/2006/main" xmlns:r="http://schemas.openxmlformats.org/officeDocument/2006/relationships" xmlns:mc="http://schemas.openxmlformats.org/markup-compatibility/2006" xmlns:mv="urn:schemas-microsoft-com:mac:vml" xmlns:p="http://schemas.openxmlformats.org/presentationml/2006/main" xmlns:c="http://schemas.openxmlformats.org/drawingml/2006/chart" xmlns:dgm="http://schemas.openxmlformats.org/drawingml/2006/diagram" xmlns:o="urn:schemas-microsoft-com:office:office" xmlns:v="urn:schemas-microsoft-com:vml" xmlns:pvml="urn:schemas-microsoft-com:office:powerpoint" xmlns:com="http://schemas.openxmlformats.org/drawingml/2006/compatibility" xmlns:p14="http://schemas.microsoft.com/office/powerpoint/2010/main" xmlns:p15="http://schemas.microsoft.com/office/powerpoint/2012/main" xmlns:ahyp="http://schemas.microsoft.com/office/drawing/2018/hyperlinkcolor" matchingName="Title and two columns" type="twoColTx">
   <p:cSld name="TITLE_AND_TWO_COLUMNS">
     <p:spTree>
       <p:nvGrpSpPr>
-        <p:cNvPr id="1" name="Shape 48"/>
+        <p:cNvPr id="48" name="Shape 48"/>
         <p:cNvGrpSpPr/>
         <p:nvPr/>
       </p:nvGrpSpPr>
@@ -6327,7 +6381,7 @@
             </a:xfrm>
             <a:prstGeom prst="diagStripe">
               <a:avLst>
-                <a:gd name="adj" fmla="val 50000"/>
+                <a:gd fmla="val 50000" name="adj"/>
               </a:avLst>
             </a:prstGeom>
             <a:solidFill>
@@ -6338,12 +6392,12 @@
             </a:ln>
           </p:spPr>
           <p:txBody>
-            <a:bodyPr spcFirstLastPara="1" wrap="square" lIns="91425" tIns="91425" rIns="91425" bIns="91425" anchor="ctr" anchorCtr="0">
+            <a:bodyPr anchorCtr="0" anchor="ctr" bIns="91425" lIns="91425" spcFirstLastPara="1" rIns="91425" wrap="square" tIns="91425">
               <a:noAutofit/>
             </a:bodyPr>
             <a:lstStyle/>
             <a:p>
-              <a:pPr marL="0" lvl="0" indent="0" algn="l" rtl="0">
+              <a:pPr indent="0" lvl="0" marL="0" rtl="0" algn="l">
                 <a:spcBef>
                   <a:spcPts val="0"/>
                 </a:spcBef>
@@ -6352,6 +6406,9 @@
                 </a:spcAft>
                 <a:buNone/>
               </a:pPr>
+              <a:r>
+                <a:t/>
+              </a:r>
               <a:endParaRPr/>
             </a:p>
           </p:txBody>
@@ -6369,7 +6426,7 @@
             </a:xfrm>
             <a:prstGeom prst="diagStripe">
               <a:avLst>
-                <a:gd name="adj" fmla="val 50000"/>
+                <a:gd fmla="val 50000" name="adj"/>
               </a:avLst>
             </a:prstGeom>
             <a:solidFill>
@@ -6380,12 +6437,12 @@
             </a:ln>
           </p:spPr>
           <p:txBody>
-            <a:bodyPr spcFirstLastPara="1" wrap="square" lIns="91425" tIns="91425" rIns="91425" bIns="91425" anchor="ctr" anchorCtr="0">
+            <a:bodyPr anchorCtr="0" anchor="ctr" bIns="91425" lIns="91425" spcFirstLastPara="1" rIns="91425" wrap="square" tIns="91425">
               <a:noAutofit/>
             </a:bodyPr>
             <a:lstStyle/>
             <a:p>
-              <a:pPr marL="0" lvl="0" indent="0" algn="l" rtl="0">
+              <a:pPr indent="0" lvl="0" marL="0" rtl="0" algn="l">
                 <a:spcBef>
                   <a:spcPts val="0"/>
                 </a:spcBef>
@@ -6394,6 +6451,9 @@
                 </a:spcAft>
                 <a:buNone/>
               </a:pPr>
+              <a:r>
+                <a:t/>
+              </a:r>
               <a:endParaRPr/>
             </a:p>
           </p:txBody>
@@ -6402,9 +6462,7 @@
       <p:sp>
         <p:nvSpPr>
           <p:cNvPr id="52" name="Google Shape;52;p5"/>
-          <p:cNvSpPr txBox="1">
-            <a:spLocks noGrp="1"/>
-          </p:cNvSpPr>
+          <p:cNvSpPr txBox="1"/>
           <p:nvPr>
             <p:ph type="title"/>
           </p:nvPr>
@@ -6419,7 +6477,7 @@
           </a:prstGeom>
         </p:spPr>
         <p:txBody>
-          <a:bodyPr spcFirstLastPara="1" wrap="square" lIns="91425" tIns="91425" rIns="91425" bIns="91425" anchor="t" anchorCtr="0">
+          <a:bodyPr anchorCtr="0" anchor="t" bIns="91425" lIns="91425" spcFirstLastPara="1" rIns="91425" wrap="square" tIns="91425">
             <a:normAutofit/>
           </a:bodyPr>
           <a:lstStyle>
@@ -6523,19 +6581,15 @@
               <a:defRPr sz="2400"/>
             </a:lvl9pPr>
           </a:lstStyle>
-          <a:p>
-            <a:endParaRPr/>
-          </a:p>
+          <a:p/>
         </p:txBody>
       </p:sp>
       <p:sp>
         <p:nvSpPr>
           <p:cNvPr id="53" name="Google Shape;53;p5"/>
-          <p:cNvSpPr txBox="1">
-            <a:spLocks noGrp="1"/>
-          </p:cNvSpPr>
+          <p:cNvSpPr txBox="1"/>
           <p:nvPr>
-            <p:ph type="body" idx="1"/>
+            <p:ph idx="1" type="body"/>
           </p:nvPr>
         </p:nvSpPr>
         <p:spPr>
@@ -6548,11 +6602,11 @@
           </a:prstGeom>
         </p:spPr>
         <p:txBody>
-          <a:bodyPr spcFirstLastPara="1" wrap="square" lIns="91425" tIns="91425" rIns="91425" bIns="91425" anchor="t" anchorCtr="0">
+          <a:bodyPr anchorCtr="0" anchor="t" bIns="91425" lIns="91425" spcFirstLastPara="1" rIns="91425" wrap="square" tIns="91425">
             <a:normAutofit/>
           </a:bodyPr>
           <a:lstStyle>
-            <a:lvl1pPr marL="457200" lvl="0" indent="-311150">
+            <a:lvl1pPr indent="-311150" lvl="0" marL="457200">
               <a:spcBef>
                 <a:spcPts val="0"/>
               </a:spcBef>
@@ -6563,7 +6617,7 @@
               <a:buChar char="●"/>
               <a:defRPr/>
             </a:lvl1pPr>
-            <a:lvl2pPr marL="914400" lvl="1" indent="-298450">
+            <a:lvl2pPr indent="-298450" lvl="1" marL="914400">
               <a:spcBef>
                 <a:spcPts val="0"/>
               </a:spcBef>
@@ -6574,7 +6628,7 @@
               <a:buChar char="○"/>
               <a:defRPr/>
             </a:lvl2pPr>
-            <a:lvl3pPr marL="1371600" lvl="2" indent="-298450">
+            <a:lvl3pPr indent="-298450" lvl="2" marL="1371600">
               <a:spcBef>
                 <a:spcPts val="0"/>
               </a:spcBef>
@@ -6585,7 +6639,7 @@
               <a:buChar char="■"/>
               <a:defRPr/>
             </a:lvl3pPr>
-            <a:lvl4pPr marL="1828800" lvl="3" indent="-298450">
+            <a:lvl4pPr indent="-298450" lvl="3" marL="1828800">
               <a:spcBef>
                 <a:spcPts val="0"/>
               </a:spcBef>
@@ -6596,7 +6650,7 @@
               <a:buChar char="●"/>
               <a:defRPr/>
             </a:lvl4pPr>
-            <a:lvl5pPr marL="2286000" lvl="4" indent="-298450">
+            <a:lvl5pPr indent="-298450" lvl="4" marL="2286000">
               <a:spcBef>
                 <a:spcPts val="0"/>
               </a:spcBef>
@@ -6607,7 +6661,7 @@
               <a:buChar char="○"/>
               <a:defRPr/>
             </a:lvl5pPr>
-            <a:lvl6pPr marL="2743200" lvl="5" indent="-298450">
+            <a:lvl6pPr indent="-298450" lvl="5" marL="2743200">
               <a:spcBef>
                 <a:spcPts val="0"/>
               </a:spcBef>
@@ -6618,7 +6672,7 @@
               <a:buChar char="■"/>
               <a:defRPr/>
             </a:lvl6pPr>
-            <a:lvl7pPr marL="3200400" lvl="6" indent="-298450">
+            <a:lvl7pPr indent="-298450" lvl="6" marL="3200400">
               <a:spcBef>
                 <a:spcPts val="0"/>
               </a:spcBef>
@@ -6629,7 +6683,7 @@
               <a:buChar char="●"/>
               <a:defRPr/>
             </a:lvl7pPr>
-            <a:lvl8pPr marL="3657600" lvl="7" indent="-298450">
+            <a:lvl8pPr indent="-298450" lvl="7" marL="3657600">
               <a:spcBef>
                 <a:spcPts val="0"/>
               </a:spcBef>
@@ -6640,7 +6694,7 @@
               <a:buChar char="○"/>
               <a:defRPr/>
             </a:lvl8pPr>
-            <a:lvl9pPr marL="4114800" lvl="8" indent="-298450">
+            <a:lvl9pPr indent="-298450" lvl="8" marL="4114800">
               <a:spcBef>
                 <a:spcPts val="0"/>
               </a:spcBef>
@@ -6652,19 +6706,15 @@
               <a:defRPr/>
             </a:lvl9pPr>
           </a:lstStyle>
-          <a:p>
-            <a:endParaRPr/>
-          </a:p>
+          <a:p/>
         </p:txBody>
       </p:sp>
       <p:sp>
         <p:nvSpPr>
           <p:cNvPr id="54" name="Google Shape;54;p5"/>
-          <p:cNvSpPr txBox="1">
-            <a:spLocks noGrp="1"/>
-          </p:cNvSpPr>
+          <p:cNvSpPr txBox="1"/>
           <p:nvPr>
-            <p:ph type="body" idx="2"/>
+            <p:ph idx="2" type="body"/>
           </p:nvPr>
         </p:nvSpPr>
         <p:spPr>
@@ -6677,11 +6727,11 @@
           </a:prstGeom>
         </p:spPr>
         <p:txBody>
-          <a:bodyPr spcFirstLastPara="1" wrap="square" lIns="91425" tIns="91425" rIns="91425" bIns="91425" anchor="t" anchorCtr="0">
+          <a:bodyPr anchorCtr="0" anchor="t" bIns="91425" lIns="91425" spcFirstLastPara="1" rIns="91425" wrap="square" tIns="91425">
             <a:normAutofit/>
           </a:bodyPr>
           <a:lstStyle>
-            <a:lvl1pPr marL="457200" lvl="0" indent="-311150">
+            <a:lvl1pPr indent="-311150" lvl="0" marL="457200">
               <a:spcBef>
                 <a:spcPts val="0"/>
               </a:spcBef>
@@ -6692,7 +6742,7 @@
               <a:buChar char="●"/>
               <a:defRPr/>
             </a:lvl1pPr>
-            <a:lvl2pPr marL="914400" lvl="1" indent="-298450">
+            <a:lvl2pPr indent="-298450" lvl="1" marL="914400">
               <a:spcBef>
                 <a:spcPts val="0"/>
               </a:spcBef>
@@ -6703,7 +6753,7 @@
               <a:buChar char="○"/>
               <a:defRPr/>
             </a:lvl2pPr>
-            <a:lvl3pPr marL="1371600" lvl="2" indent="-298450">
+            <a:lvl3pPr indent="-298450" lvl="2" marL="1371600">
               <a:spcBef>
                 <a:spcPts val="0"/>
               </a:spcBef>
@@ -6714,7 +6764,7 @@
               <a:buChar char="■"/>
               <a:defRPr/>
             </a:lvl3pPr>
-            <a:lvl4pPr marL="1828800" lvl="3" indent="-298450">
+            <a:lvl4pPr indent="-298450" lvl="3" marL="1828800">
               <a:spcBef>
                 <a:spcPts val="0"/>
               </a:spcBef>
@@ -6725,7 +6775,7 @@
               <a:buChar char="●"/>
               <a:defRPr/>
             </a:lvl4pPr>
-            <a:lvl5pPr marL="2286000" lvl="4" indent="-298450">
+            <a:lvl5pPr indent="-298450" lvl="4" marL="2286000">
               <a:spcBef>
                 <a:spcPts val="0"/>
               </a:spcBef>
@@ -6736,7 +6786,7 @@
               <a:buChar char="○"/>
               <a:defRPr/>
             </a:lvl5pPr>
-            <a:lvl6pPr marL="2743200" lvl="5" indent="-298450">
+            <a:lvl6pPr indent="-298450" lvl="5" marL="2743200">
               <a:spcBef>
                 <a:spcPts val="0"/>
               </a:spcBef>
@@ -6747,7 +6797,7 @@
               <a:buChar char="■"/>
               <a:defRPr/>
             </a:lvl6pPr>
-            <a:lvl7pPr marL="3200400" lvl="6" indent="-298450">
+            <a:lvl7pPr indent="-298450" lvl="6" marL="3200400">
               <a:spcBef>
                 <a:spcPts val="0"/>
               </a:spcBef>
@@ -6758,7 +6808,7 @@
               <a:buChar char="●"/>
               <a:defRPr/>
             </a:lvl7pPr>
-            <a:lvl8pPr marL="3657600" lvl="7" indent="-298450">
+            <a:lvl8pPr indent="-298450" lvl="7" marL="3657600">
               <a:spcBef>
                 <a:spcPts val="0"/>
               </a:spcBef>
@@ -6769,7 +6819,7 @@
               <a:buChar char="○"/>
               <a:defRPr/>
             </a:lvl8pPr>
-            <a:lvl9pPr marL="4114800" lvl="8" indent="-298450">
+            <a:lvl9pPr indent="-298450" lvl="8" marL="4114800">
               <a:spcBef>
                 <a:spcPts val="0"/>
               </a:spcBef>
@@ -6781,19 +6831,15 @@
               <a:defRPr/>
             </a:lvl9pPr>
           </a:lstStyle>
-          <a:p>
-            <a:endParaRPr/>
-          </a:p>
+          <a:p/>
         </p:txBody>
       </p:sp>
       <p:sp>
         <p:nvSpPr>
           <p:cNvPr id="55" name="Google Shape;55;p5"/>
-          <p:cNvSpPr txBox="1">
-            <a:spLocks noGrp="1"/>
-          </p:cNvSpPr>
+          <p:cNvSpPr txBox="1"/>
           <p:nvPr>
-            <p:ph type="sldNum" idx="12"/>
+            <p:ph idx="12" type="sldNum"/>
           </p:nvPr>
         </p:nvSpPr>
         <p:spPr>
@@ -6806,7 +6852,7 @@
           </a:prstGeom>
         </p:spPr>
         <p:txBody>
-          <a:bodyPr spcFirstLastPara="1" wrap="square" lIns="91425" tIns="91425" rIns="91425" bIns="91425" anchor="ctr" anchorCtr="0">
+          <a:bodyPr anchorCtr="0" anchor="ctr" bIns="91425" lIns="91425" spcFirstLastPara="1" rIns="91425" wrap="square" tIns="91425">
             <a:normAutofit/>
           </a:bodyPr>
           <a:lstStyle>
@@ -6848,7 +6894,7 @@
             </a:lvl9pPr>
           </a:lstStyle>
           <a:p>
-            <a:pPr marL="0" lvl="0" indent="0" algn="r" rtl="0">
+            <a:pPr indent="0" lvl="0" marL="0" rtl="0" algn="r">
               <a:spcBef>
                 <a:spcPts val="0"/>
               </a:spcBef>
@@ -6874,11 +6920,11 @@
 </file>
 
 <file path=ppt/slideLayouts/slideLayout5.xml><?xml version="1.0" encoding="utf-8"?>
-<p:sldLayout xmlns:a="http://schemas.openxmlformats.org/drawingml/2006/main" xmlns:r="http://schemas.openxmlformats.org/officeDocument/2006/relationships" xmlns:p="http://schemas.openxmlformats.org/presentationml/2006/main" matchingName="Title only" type="titleOnly">
+<p:sldLayout xmlns:a="http://schemas.openxmlformats.org/drawingml/2006/main" xmlns:r="http://schemas.openxmlformats.org/officeDocument/2006/relationships" xmlns:mc="http://schemas.openxmlformats.org/markup-compatibility/2006" xmlns:mv="urn:schemas-microsoft-com:mac:vml" xmlns:p="http://schemas.openxmlformats.org/presentationml/2006/main" xmlns:c="http://schemas.openxmlformats.org/drawingml/2006/chart" xmlns:dgm="http://schemas.openxmlformats.org/drawingml/2006/diagram" xmlns:o="urn:schemas-microsoft-com:office:office" xmlns:v="urn:schemas-microsoft-com:vml" xmlns:pvml="urn:schemas-microsoft-com:office:powerpoint" xmlns:com="http://schemas.openxmlformats.org/drawingml/2006/compatibility" xmlns:p14="http://schemas.microsoft.com/office/powerpoint/2010/main" xmlns:p15="http://schemas.microsoft.com/office/powerpoint/2012/main" xmlns:ahyp="http://schemas.microsoft.com/office/drawing/2018/hyperlinkcolor" matchingName="Title only" type="titleOnly">
   <p:cSld name="TITLE_ONLY">
     <p:spTree>
       <p:nvGrpSpPr>
-        <p:cNvPr id="1" name="Shape 56"/>
+        <p:cNvPr id="56" name="Shape 56"/>
         <p:cNvGrpSpPr/>
         <p:nvPr/>
       </p:nvGrpSpPr>
@@ -6917,7 +6963,7 @@
             </a:xfrm>
             <a:prstGeom prst="diagStripe">
               <a:avLst>
-                <a:gd name="adj" fmla="val 50000"/>
+                <a:gd fmla="val 50000" name="adj"/>
               </a:avLst>
             </a:prstGeom>
             <a:solidFill>
@@ -6928,12 +6974,12 @@
             </a:ln>
           </p:spPr>
           <p:txBody>
-            <a:bodyPr spcFirstLastPara="1" wrap="square" lIns="91425" tIns="91425" rIns="91425" bIns="91425" anchor="ctr" anchorCtr="0">
+            <a:bodyPr anchorCtr="0" anchor="ctr" bIns="91425" lIns="91425" spcFirstLastPara="1" rIns="91425" wrap="square" tIns="91425">
               <a:noAutofit/>
             </a:bodyPr>
             <a:lstStyle/>
             <a:p>
-              <a:pPr marL="0" lvl="0" indent="0" algn="l" rtl="0">
+              <a:pPr indent="0" lvl="0" marL="0" rtl="0" algn="l">
                 <a:spcBef>
                   <a:spcPts val="0"/>
                 </a:spcBef>
@@ -6942,6 +6988,9 @@
                 </a:spcAft>
                 <a:buNone/>
               </a:pPr>
+              <a:r>
+                <a:t/>
+              </a:r>
               <a:endParaRPr/>
             </a:p>
           </p:txBody>
@@ -6959,7 +7008,7 @@
             </a:xfrm>
             <a:prstGeom prst="diagStripe">
               <a:avLst>
-                <a:gd name="adj" fmla="val 50000"/>
+                <a:gd fmla="val 50000" name="adj"/>
               </a:avLst>
             </a:prstGeom>
             <a:solidFill>
@@ -6970,12 +7019,12 @@
             </a:ln>
           </p:spPr>
           <p:txBody>
-            <a:bodyPr spcFirstLastPara="1" wrap="square" lIns="91425" tIns="91425" rIns="91425" bIns="91425" anchor="ctr" anchorCtr="0">
+            <a:bodyPr anchorCtr="0" anchor="ctr" bIns="91425" lIns="91425" spcFirstLastPara="1" rIns="91425" wrap="square" tIns="91425">
               <a:noAutofit/>
             </a:bodyPr>
             <a:lstStyle/>
             <a:p>
-              <a:pPr marL="0" lvl="0" indent="0" algn="l" rtl="0">
+              <a:pPr indent="0" lvl="0" marL="0" rtl="0" algn="l">
                 <a:spcBef>
                   <a:spcPts val="0"/>
                 </a:spcBef>
@@ -6984,6 +7033,9 @@
                 </a:spcAft>
                 <a:buNone/>
               </a:pPr>
+              <a:r>
+                <a:t/>
+              </a:r>
               <a:endParaRPr/>
             </a:p>
           </p:txBody>
@@ -6992,9 +7044,7 @@
       <p:sp>
         <p:nvSpPr>
           <p:cNvPr id="60" name="Google Shape;60;p6"/>
-          <p:cNvSpPr txBox="1">
-            <a:spLocks noGrp="1"/>
-          </p:cNvSpPr>
+          <p:cNvSpPr txBox="1"/>
           <p:nvPr>
             <p:ph type="title"/>
           </p:nvPr>
@@ -7009,7 +7059,7 @@
           </a:prstGeom>
         </p:spPr>
         <p:txBody>
-          <a:bodyPr spcFirstLastPara="1" wrap="square" lIns="91425" tIns="91425" rIns="91425" bIns="91425" anchor="t" anchorCtr="0">
+          <a:bodyPr anchorCtr="0" anchor="t" bIns="91425" lIns="91425" spcFirstLastPara="1" rIns="91425" wrap="square" tIns="91425">
             <a:normAutofit/>
           </a:bodyPr>
           <a:lstStyle>
@@ -7113,19 +7163,15 @@
               <a:defRPr sz="2400"/>
             </a:lvl9pPr>
           </a:lstStyle>
-          <a:p>
-            <a:endParaRPr/>
-          </a:p>
+          <a:p/>
         </p:txBody>
       </p:sp>
       <p:sp>
         <p:nvSpPr>
           <p:cNvPr id="61" name="Google Shape;61;p6"/>
-          <p:cNvSpPr txBox="1">
-            <a:spLocks noGrp="1"/>
-          </p:cNvSpPr>
+          <p:cNvSpPr txBox="1"/>
           <p:nvPr>
-            <p:ph type="sldNum" idx="12"/>
+            <p:ph idx="12" type="sldNum"/>
           </p:nvPr>
         </p:nvSpPr>
         <p:spPr>
@@ -7138,7 +7184,7 @@
           </a:prstGeom>
         </p:spPr>
         <p:txBody>
-          <a:bodyPr spcFirstLastPara="1" wrap="square" lIns="91425" tIns="91425" rIns="91425" bIns="91425" anchor="ctr" anchorCtr="0">
+          <a:bodyPr anchorCtr="0" anchor="ctr" bIns="91425" lIns="91425" spcFirstLastPara="1" rIns="91425" wrap="square" tIns="91425">
             <a:normAutofit/>
           </a:bodyPr>
           <a:lstStyle>
@@ -7180,7 +7226,7 @@
             </a:lvl9pPr>
           </a:lstStyle>
           <a:p>
-            <a:pPr marL="0" lvl="0" indent="0" algn="r" rtl="0">
+            <a:pPr indent="0" lvl="0" marL="0" rtl="0" algn="r">
               <a:spcBef>
                 <a:spcPts val="0"/>
               </a:spcBef>
@@ -7206,11 +7252,11 @@
 </file>
 
 <file path=ppt/slideLayouts/slideLayout6.xml><?xml version="1.0" encoding="utf-8"?>
-<p:sldLayout xmlns:a="http://schemas.openxmlformats.org/drawingml/2006/main" xmlns:r="http://schemas.openxmlformats.org/officeDocument/2006/relationships" xmlns:p="http://schemas.openxmlformats.org/presentationml/2006/main" matchingName="One column text">
+<p:sldLayout xmlns:a="http://schemas.openxmlformats.org/drawingml/2006/main" xmlns:r="http://schemas.openxmlformats.org/officeDocument/2006/relationships" xmlns:mc="http://schemas.openxmlformats.org/markup-compatibility/2006" xmlns:mv="urn:schemas-microsoft-com:mac:vml" xmlns:p="http://schemas.openxmlformats.org/presentationml/2006/main" xmlns:c="http://schemas.openxmlformats.org/drawingml/2006/chart" xmlns:dgm="http://schemas.openxmlformats.org/drawingml/2006/diagram" xmlns:o="urn:schemas-microsoft-com:office:office" xmlns:v="urn:schemas-microsoft-com:vml" xmlns:pvml="urn:schemas-microsoft-com:office:powerpoint" xmlns:com="http://schemas.openxmlformats.org/drawingml/2006/compatibility" xmlns:p14="http://schemas.microsoft.com/office/powerpoint/2010/main" xmlns:p15="http://schemas.microsoft.com/office/powerpoint/2012/main" xmlns:ahyp="http://schemas.microsoft.com/office/drawing/2018/hyperlinkcolor" matchingName="One column text">
   <p:cSld name="ONE_COLUMN_TEXT">
     <p:spTree>
       <p:nvGrpSpPr>
-        <p:cNvPr id="1" name="Shape 62"/>
+        <p:cNvPr id="62" name="Shape 62"/>
         <p:cNvGrpSpPr/>
         <p:nvPr/>
       </p:nvGrpSpPr>
@@ -7249,7 +7295,7 @@
             </a:xfrm>
             <a:prstGeom prst="diagStripe">
               <a:avLst>
-                <a:gd name="adj" fmla="val 50000"/>
+                <a:gd fmla="val 50000" name="adj"/>
               </a:avLst>
             </a:prstGeom>
             <a:solidFill>
@@ -7260,12 +7306,12 @@
             </a:ln>
           </p:spPr>
           <p:txBody>
-            <a:bodyPr spcFirstLastPara="1" wrap="square" lIns="91425" tIns="91425" rIns="91425" bIns="91425" anchor="ctr" anchorCtr="0">
+            <a:bodyPr anchorCtr="0" anchor="ctr" bIns="91425" lIns="91425" spcFirstLastPara="1" rIns="91425" wrap="square" tIns="91425">
               <a:noAutofit/>
             </a:bodyPr>
             <a:lstStyle/>
             <a:p>
-              <a:pPr marL="0" lvl="0" indent="0" algn="l" rtl="0">
+              <a:pPr indent="0" lvl="0" marL="0" rtl="0" algn="l">
                 <a:spcBef>
                   <a:spcPts val="0"/>
                 </a:spcBef>
@@ -7274,6 +7320,9 @@
                 </a:spcAft>
                 <a:buNone/>
               </a:pPr>
+              <a:r>
+                <a:t/>
+              </a:r>
               <a:endParaRPr/>
             </a:p>
           </p:txBody>
@@ -7291,7 +7340,7 @@
             </a:xfrm>
             <a:prstGeom prst="diagStripe">
               <a:avLst>
-                <a:gd name="adj" fmla="val 50000"/>
+                <a:gd fmla="val 50000" name="adj"/>
               </a:avLst>
             </a:prstGeom>
             <a:solidFill>
@@ -7302,12 +7351,12 @@
             </a:ln>
           </p:spPr>
           <p:txBody>
-            <a:bodyPr spcFirstLastPara="1" wrap="square" lIns="91425" tIns="91425" rIns="91425" bIns="91425" anchor="ctr" anchorCtr="0">
+            <a:bodyPr anchorCtr="0" anchor="ctr" bIns="91425" lIns="91425" spcFirstLastPara="1" rIns="91425" wrap="square" tIns="91425">
               <a:noAutofit/>
             </a:bodyPr>
             <a:lstStyle/>
             <a:p>
-              <a:pPr marL="0" lvl="0" indent="0" algn="l" rtl="0">
+              <a:pPr indent="0" lvl="0" marL="0" rtl="0" algn="l">
                 <a:spcBef>
                   <a:spcPts val="0"/>
                 </a:spcBef>
@@ -7316,6 +7365,9 @@
                 </a:spcAft>
                 <a:buNone/>
               </a:pPr>
+              <a:r>
+                <a:t/>
+              </a:r>
               <a:endParaRPr/>
             </a:p>
           </p:txBody>
@@ -7324,9 +7376,7 @@
       <p:sp>
         <p:nvSpPr>
           <p:cNvPr id="66" name="Google Shape;66;p7"/>
-          <p:cNvSpPr txBox="1">
-            <a:spLocks noGrp="1"/>
-          </p:cNvSpPr>
+          <p:cNvSpPr txBox="1"/>
           <p:nvPr>
             <p:ph type="title"/>
           </p:nvPr>
@@ -7341,7 +7391,7 @@
           </a:prstGeom>
         </p:spPr>
         <p:txBody>
-          <a:bodyPr spcFirstLastPara="1" wrap="square" lIns="91425" tIns="91425" rIns="91425" bIns="91425" anchor="t" anchorCtr="0">
+          <a:bodyPr anchorCtr="0" anchor="t" bIns="91425" lIns="91425" spcFirstLastPara="1" rIns="91425" wrap="square" tIns="91425">
             <a:normAutofit/>
           </a:bodyPr>
           <a:lstStyle>
@@ -7445,19 +7495,15 @@
               <a:defRPr sz="2400"/>
             </a:lvl9pPr>
           </a:lstStyle>
-          <a:p>
-            <a:endParaRPr/>
-          </a:p>
+          <a:p/>
         </p:txBody>
       </p:sp>
       <p:sp>
         <p:nvSpPr>
           <p:cNvPr id="67" name="Google Shape;67;p7"/>
-          <p:cNvSpPr txBox="1">
-            <a:spLocks noGrp="1"/>
-          </p:cNvSpPr>
+          <p:cNvSpPr txBox="1"/>
           <p:nvPr>
-            <p:ph type="body" idx="1"/>
+            <p:ph idx="1" type="body"/>
           </p:nvPr>
         </p:nvSpPr>
         <p:spPr>
@@ -7470,11 +7516,11 @@
           </a:prstGeom>
         </p:spPr>
         <p:txBody>
-          <a:bodyPr spcFirstLastPara="1" wrap="square" lIns="91425" tIns="91425" rIns="91425" bIns="91425" anchor="t" anchorCtr="0">
+          <a:bodyPr anchorCtr="0" anchor="t" bIns="91425" lIns="91425" spcFirstLastPara="1" rIns="91425" wrap="square" tIns="91425">
             <a:normAutofit/>
           </a:bodyPr>
           <a:lstStyle>
-            <a:lvl1pPr marL="457200" lvl="0" indent="-311150">
+            <a:lvl1pPr indent="-311150" lvl="0" marL="457200">
               <a:spcBef>
                 <a:spcPts val="0"/>
               </a:spcBef>
@@ -7485,7 +7531,7 @@
               <a:buChar char="●"/>
               <a:defRPr/>
             </a:lvl1pPr>
-            <a:lvl2pPr marL="914400" lvl="1" indent="-298450">
+            <a:lvl2pPr indent="-298450" lvl="1" marL="914400">
               <a:spcBef>
                 <a:spcPts val="0"/>
               </a:spcBef>
@@ -7496,7 +7542,7 @@
               <a:buChar char="○"/>
               <a:defRPr/>
             </a:lvl2pPr>
-            <a:lvl3pPr marL="1371600" lvl="2" indent="-298450">
+            <a:lvl3pPr indent="-298450" lvl="2" marL="1371600">
               <a:spcBef>
                 <a:spcPts val="0"/>
               </a:spcBef>
@@ -7507,7 +7553,7 @@
               <a:buChar char="■"/>
               <a:defRPr/>
             </a:lvl3pPr>
-            <a:lvl4pPr marL="1828800" lvl="3" indent="-298450">
+            <a:lvl4pPr indent="-298450" lvl="3" marL="1828800">
               <a:spcBef>
                 <a:spcPts val="0"/>
               </a:spcBef>
@@ -7518,7 +7564,7 @@
               <a:buChar char="●"/>
               <a:defRPr/>
             </a:lvl4pPr>
-            <a:lvl5pPr marL="2286000" lvl="4" indent="-298450">
+            <a:lvl5pPr indent="-298450" lvl="4" marL="2286000">
               <a:spcBef>
                 <a:spcPts val="0"/>
               </a:spcBef>
@@ -7529,7 +7575,7 @@
               <a:buChar char="○"/>
               <a:defRPr/>
             </a:lvl5pPr>
-            <a:lvl6pPr marL="2743200" lvl="5" indent="-298450">
+            <a:lvl6pPr indent="-298450" lvl="5" marL="2743200">
               <a:spcBef>
                 <a:spcPts val="0"/>
               </a:spcBef>
@@ -7540,7 +7586,7 @@
               <a:buChar char="■"/>
               <a:defRPr/>
             </a:lvl6pPr>
-            <a:lvl7pPr marL="3200400" lvl="6" indent="-298450">
+            <a:lvl7pPr indent="-298450" lvl="6" marL="3200400">
               <a:spcBef>
                 <a:spcPts val="0"/>
               </a:spcBef>
@@ -7551,7 +7597,7 @@
               <a:buChar char="●"/>
               <a:defRPr/>
             </a:lvl7pPr>
-            <a:lvl8pPr marL="3657600" lvl="7" indent="-298450">
+            <a:lvl8pPr indent="-298450" lvl="7" marL="3657600">
               <a:spcBef>
                 <a:spcPts val="0"/>
               </a:spcBef>
@@ -7562,7 +7608,7 @@
               <a:buChar char="○"/>
               <a:defRPr/>
             </a:lvl8pPr>
-            <a:lvl9pPr marL="4114800" lvl="8" indent="-298450">
+            <a:lvl9pPr indent="-298450" lvl="8" marL="4114800">
               <a:spcBef>
                 <a:spcPts val="0"/>
               </a:spcBef>
@@ -7574,19 +7620,15 @@
               <a:defRPr/>
             </a:lvl9pPr>
           </a:lstStyle>
-          <a:p>
-            <a:endParaRPr/>
-          </a:p>
+          <a:p/>
         </p:txBody>
       </p:sp>
       <p:sp>
         <p:nvSpPr>
           <p:cNvPr id="68" name="Google Shape;68;p7"/>
-          <p:cNvSpPr txBox="1">
-            <a:spLocks noGrp="1"/>
-          </p:cNvSpPr>
+          <p:cNvSpPr txBox="1"/>
           <p:nvPr>
-            <p:ph type="sldNum" idx="12"/>
+            <p:ph idx="12" type="sldNum"/>
           </p:nvPr>
         </p:nvSpPr>
         <p:spPr>
@@ -7599,7 +7641,7 @@
           </a:prstGeom>
         </p:spPr>
         <p:txBody>
-          <a:bodyPr spcFirstLastPara="1" wrap="square" lIns="91425" tIns="91425" rIns="91425" bIns="91425" anchor="ctr" anchorCtr="0">
+          <a:bodyPr anchorCtr="0" anchor="ctr" bIns="91425" lIns="91425" spcFirstLastPara="1" rIns="91425" wrap="square" tIns="91425">
             <a:normAutofit/>
           </a:bodyPr>
           <a:lstStyle>
@@ -7641,7 +7683,7 @@
             </a:lvl9pPr>
           </a:lstStyle>
           <a:p>
-            <a:pPr marL="0" lvl="0" indent="0" algn="r" rtl="0">
+            <a:pPr indent="0" lvl="0" marL="0" rtl="0" algn="r">
               <a:spcBef>
                 <a:spcPts val="0"/>
               </a:spcBef>
@@ -7667,11 +7709,11 @@
 </file>
 
 <file path=ppt/slideLayouts/slideLayout7.xml><?xml version="1.0" encoding="utf-8"?>
-<p:sldLayout xmlns:a="http://schemas.openxmlformats.org/drawingml/2006/main" xmlns:r="http://schemas.openxmlformats.org/officeDocument/2006/relationships" xmlns:p="http://schemas.openxmlformats.org/presentationml/2006/main" matchingName="Main point">
+<p:sldLayout xmlns:a="http://schemas.openxmlformats.org/drawingml/2006/main" xmlns:r="http://schemas.openxmlformats.org/officeDocument/2006/relationships" xmlns:mc="http://schemas.openxmlformats.org/markup-compatibility/2006" xmlns:mv="urn:schemas-microsoft-com:mac:vml" xmlns:p="http://schemas.openxmlformats.org/presentationml/2006/main" xmlns:c="http://schemas.openxmlformats.org/drawingml/2006/chart" xmlns:dgm="http://schemas.openxmlformats.org/drawingml/2006/diagram" xmlns:o="urn:schemas-microsoft-com:office:office" xmlns:v="urn:schemas-microsoft-com:vml" xmlns:pvml="urn:schemas-microsoft-com:office:powerpoint" xmlns:com="http://schemas.openxmlformats.org/drawingml/2006/compatibility" xmlns:p14="http://schemas.microsoft.com/office/powerpoint/2010/main" xmlns:p15="http://schemas.microsoft.com/office/powerpoint/2012/main" xmlns:ahyp="http://schemas.microsoft.com/office/drawing/2018/hyperlinkcolor" matchingName="Main point">
   <p:cSld name="MAIN_POINT">
     <p:spTree>
       <p:nvGrpSpPr>
-        <p:cNvPr id="1" name="Shape 69"/>
+        <p:cNvPr id="69" name="Shape 69"/>
         <p:cNvGrpSpPr/>
         <p:nvPr/>
       </p:nvGrpSpPr>
@@ -7710,7 +7752,7 @@
             </a:xfrm>
             <a:prstGeom prst="diagStripe">
               <a:avLst>
-                <a:gd name="adj" fmla="val 49469"/>
+                <a:gd fmla="val 49469" name="adj"/>
               </a:avLst>
             </a:prstGeom>
             <a:solidFill>
@@ -7723,12 +7765,12 @@
             </a:ln>
           </p:spPr>
           <p:txBody>
-            <a:bodyPr spcFirstLastPara="1" wrap="square" lIns="91425" tIns="91425" rIns="91425" bIns="91425" anchor="ctr" anchorCtr="0">
+            <a:bodyPr anchorCtr="0" anchor="ctr" bIns="91425" lIns="91425" spcFirstLastPara="1" rIns="91425" wrap="square" tIns="91425">
               <a:noAutofit/>
             </a:bodyPr>
             <a:lstStyle/>
             <a:p>
-              <a:pPr marL="0" lvl="0" indent="0" algn="l" rtl="0">
+              <a:pPr indent="0" lvl="0" marL="0" rtl="0" algn="l">
                 <a:spcBef>
                   <a:spcPts val="0"/>
                 </a:spcBef>
@@ -7737,6 +7779,9 @@
                 </a:spcAft>
                 <a:buNone/>
               </a:pPr>
+              <a:r>
+                <a:t/>
+              </a:r>
               <a:endParaRPr/>
             </a:p>
           </p:txBody>
@@ -7754,7 +7799,7 @@
             </a:xfrm>
             <a:prstGeom prst="diagStripe">
               <a:avLst>
-                <a:gd name="adj" fmla="val 0"/>
+                <a:gd fmla="val 0" name="adj"/>
               </a:avLst>
             </a:prstGeom>
             <a:solidFill>
@@ -7767,12 +7812,12 @@
             </a:ln>
           </p:spPr>
           <p:txBody>
-            <a:bodyPr spcFirstLastPara="1" wrap="square" lIns="91425" tIns="91425" rIns="91425" bIns="91425" anchor="ctr" anchorCtr="0">
+            <a:bodyPr anchorCtr="0" anchor="ctr" bIns="91425" lIns="91425" spcFirstLastPara="1" rIns="91425" wrap="square" tIns="91425">
               <a:noAutofit/>
             </a:bodyPr>
             <a:lstStyle/>
             <a:p>
-              <a:pPr marL="0" lvl="0" indent="0" algn="l" rtl="0">
+              <a:pPr indent="0" lvl="0" marL="0" rtl="0" algn="l">
                 <a:spcBef>
                   <a:spcPts val="0"/>
                 </a:spcBef>
@@ -7781,6 +7826,9 @@
                 </a:spcAft>
                 <a:buNone/>
               </a:pPr>
+              <a:r>
+                <a:t/>
+              </a:r>
               <a:endParaRPr/>
             </a:p>
           </p:txBody>
@@ -7798,7 +7846,7 @@
             </a:xfrm>
             <a:prstGeom prst="diagStripe">
               <a:avLst>
-                <a:gd name="adj" fmla="val 50000"/>
+                <a:gd fmla="val 50000" name="adj"/>
               </a:avLst>
             </a:prstGeom>
             <a:solidFill>
@@ -7811,12 +7859,12 @@
             </a:ln>
           </p:spPr>
           <p:txBody>
-            <a:bodyPr spcFirstLastPara="1" wrap="square" lIns="91425" tIns="91425" rIns="91425" bIns="91425" anchor="ctr" anchorCtr="0">
+            <a:bodyPr anchorCtr="0" anchor="ctr" bIns="91425" lIns="91425" spcFirstLastPara="1" rIns="91425" wrap="square" tIns="91425">
               <a:noAutofit/>
             </a:bodyPr>
             <a:lstStyle/>
             <a:p>
-              <a:pPr marL="0" lvl="0" indent="0" algn="l" rtl="0">
+              <a:pPr indent="0" lvl="0" marL="0" rtl="0" algn="l">
                 <a:spcBef>
                   <a:spcPts val="0"/>
                 </a:spcBef>
@@ -7825,6 +7873,9 @@
                 </a:spcAft>
                 <a:buNone/>
               </a:pPr>
+              <a:r>
+                <a:t/>
+              </a:r>
               <a:endParaRPr/>
             </a:p>
           </p:txBody>
@@ -7842,7 +7893,7 @@
             </a:xfrm>
             <a:prstGeom prst="diagStripe">
               <a:avLst>
-                <a:gd name="adj" fmla="val 50000"/>
+                <a:gd fmla="val 50000" name="adj"/>
               </a:avLst>
             </a:prstGeom>
             <a:solidFill>
@@ -7855,12 +7906,12 @@
             </a:ln>
           </p:spPr>
           <p:txBody>
-            <a:bodyPr spcFirstLastPara="1" wrap="square" lIns="91425" tIns="91425" rIns="91425" bIns="91425" anchor="ctr" anchorCtr="0">
+            <a:bodyPr anchorCtr="0" anchor="ctr" bIns="91425" lIns="91425" spcFirstLastPara="1" rIns="91425" wrap="square" tIns="91425">
               <a:noAutofit/>
             </a:bodyPr>
             <a:lstStyle/>
             <a:p>
-              <a:pPr marL="0" lvl="0" indent="0" algn="l" rtl="0">
+              <a:pPr indent="0" lvl="0" marL="0" rtl="0" algn="l">
                 <a:spcBef>
                   <a:spcPts val="0"/>
                 </a:spcBef>
@@ -7869,6 +7920,9 @@
                 </a:spcAft>
                 <a:buNone/>
               </a:pPr>
+              <a:r>
+                <a:t/>
+              </a:r>
               <a:endParaRPr/>
             </a:p>
           </p:txBody>
@@ -7886,7 +7940,7 @@
             </a:xfrm>
             <a:prstGeom prst="diagStripe">
               <a:avLst>
-                <a:gd name="adj" fmla="val 50000"/>
+                <a:gd fmla="val 50000" name="adj"/>
               </a:avLst>
             </a:prstGeom>
             <a:solidFill>
@@ -7899,12 +7953,12 @@
             </a:ln>
           </p:spPr>
           <p:txBody>
-            <a:bodyPr spcFirstLastPara="1" wrap="square" lIns="91425" tIns="91425" rIns="91425" bIns="91425" anchor="ctr" anchorCtr="0">
+            <a:bodyPr anchorCtr="0" anchor="ctr" bIns="91425" lIns="91425" spcFirstLastPara="1" rIns="91425" wrap="square" tIns="91425">
               <a:noAutofit/>
             </a:bodyPr>
             <a:lstStyle/>
             <a:p>
-              <a:pPr marL="0" lvl="0" indent="0" algn="l" rtl="0">
+              <a:pPr indent="0" lvl="0" marL="0" rtl="0" algn="l">
                 <a:spcBef>
                   <a:spcPts val="0"/>
                 </a:spcBef>
@@ -7913,6 +7967,9 @@
                 </a:spcAft>
                 <a:buNone/>
               </a:pPr>
+              <a:r>
+                <a:t/>
+              </a:r>
               <a:endParaRPr/>
             </a:p>
           </p:txBody>
@@ -7930,7 +7987,7 @@
             </a:xfrm>
             <a:prstGeom prst="diagStripe">
               <a:avLst>
-                <a:gd name="adj" fmla="val 50000"/>
+                <a:gd fmla="val 50000" name="adj"/>
               </a:avLst>
             </a:prstGeom>
             <a:solidFill>
@@ -7943,12 +8000,12 @@
             </a:ln>
           </p:spPr>
           <p:txBody>
-            <a:bodyPr spcFirstLastPara="1" wrap="square" lIns="91425" tIns="91425" rIns="91425" bIns="91425" anchor="ctr" anchorCtr="0">
+            <a:bodyPr anchorCtr="0" anchor="ctr" bIns="91425" lIns="91425" spcFirstLastPara="1" rIns="91425" wrap="square" tIns="91425">
               <a:noAutofit/>
             </a:bodyPr>
             <a:lstStyle/>
             <a:p>
-              <a:pPr marL="0" lvl="0" indent="0" algn="l" rtl="0">
+              <a:pPr indent="0" lvl="0" marL="0" rtl="0" algn="l">
                 <a:spcBef>
                   <a:spcPts val="0"/>
                 </a:spcBef>
@@ -7957,6 +8014,9 @@
                 </a:spcAft>
                 <a:buNone/>
               </a:pPr>
+              <a:r>
+                <a:t/>
+              </a:r>
               <a:endParaRPr/>
             </a:p>
           </p:txBody>
@@ -7974,7 +8034,7 @@
             </a:xfrm>
             <a:prstGeom prst="diagStripe">
               <a:avLst>
-                <a:gd name="adj" fmla="val 50000"/>
+                <a:gd fmla="val 50000" name="adj"/>
               </a:avLst>
             </a:prstGeom>
             <a:solidFill>
@@ -7987,12 +8047,12 @@
             </a:ln>
           </p:spPr>
           <p:txBody>
-            <a:bodyPr spcFirstLastPara="1" wrap="square" lIns="91425" tIns="91425" rIns="91425" bIns="91425" anchor="ctr" anchorCtr="0">
+            <a:bodyPr anchorCtr="0" anchor="ctr" bIns="91425" lIns="91425" spcFirstLastPara="1" rIns="91425" wrap="square" tIns="91425">
               <a:noAutofit/>
             </a:bodyPr>
             <a:lstStyle/>
             <a:p>
-              <a:pPr marL="0" lvl="0" indent="0" algn="l" rtl="0">
+              <a:pPr indent="0" lvl="0" marL="0" rtl="0" algn="l">
                 <a:spcBef>
                   <a:spcPts val="0"/>
                 </a:spcBef>
@@ -8001,6 +8061,9 @@
                 </a:spcAft>
                 <a:buNone/>
               </a:pPr>
+              <a:r>
+                <a:t/>
+              </a:r>
               <a:endParaRPr/>
             </a:p>
           </p:txBody>
@@ -8018,7 +8081,7 @@
             </a:xfrm>
             <a:prstGeom prst="diagStripe">
               <a:avLst>
-                <a:gd name="adj" fmla="val 50000"/>
+                <a:gd fmla="val 50000" name="adj"/>
               </a:avLst>
             </a:prstGeom>
             <a:solidFill>
@@ -8029,12 +8092,12 @@
             </a:ln>
           </p:spPr>
           <p:txBody>
-            <a:bodyPr spcFirstLastPara="1" wrap="square" lIns="91425" tIns="91425" rIns="91425" bIns="91425" anchor="ctr" anchorCtr="0">
+            <a:bodyPr anchorCtr="0" anchor="ctr" bIns="91425" lIns="91425" spcFirstLastPara="1" rIns="91425" wrap="square" tIns="91425">
               <a:noAutofit/>
             </a:bodyPr>
             <a:lstStyle/>
             <a:p>
-              <a:pPr marL="0" lvl="0" indent="0" algn="l" rtl="0">
+              <a:pPr indent="0" lvl="0" marL="0" rtl="0" algn="l">
                 <a:spcBef>
                   <a:spcPts val="0"/>
                 </a:spcBef>
@@ -8043,6 +8106,9 @@
                 </a:spcAft>
                 <a:buNone/>
               </a:pPr>
+              <a:r>
+                <a:t/>
+              </a:r>
               <a:endParaRPr/>
             </a:p>
           </p:txBody>
@@ -8060,7 +8126,7 @@
             </a:xfrm>
             <a:prstGeom prst="diagStripe">
               <a:avLst>
-                <a:gd name="adj" fmla="val 50000"/>
+                <a:gd fmla="val 50000" name="adj"/>
               </a:avLst>
             </a:prstGeom>
             <a:solidFill>
@@ -8073,12 +8139,12 @@
             </a:ln>
           </p:spPr>
           <p:txBody>
-            <a:bodyPr spcFirstLastPara="1" wrap="square" lIns="91425" tIns="91425" rIns="91425" bIns="91425" anchor="ctr" anchorCtr="0">
+            <a:bodyPr anchorCtr="0" anchor="ctr" bIns="91425" lIns="91425" spcFirstLastPara="1" rIns="91425" wrap="square" tIns="91425">
               <a:noAutofit/>
             </a:bodyPr>
             <a:lstStyle/>
             <a:p>
-              <a:pPr marL="0" lvl="0" indent="0" algn="l" rtl="0">
+              <a:pPr indent="0" lvl="0" marL="0" rtl="0" algn="l">
                 <a:spcBef>
                   <a:spcPts val="0"/>
                 </a:spcBef>
@@ -8087,6 +8153,9 @@
                 </a:spcAft>
                 <a:buNone/>
               </a:pPr>
+              <a:r>
+                <a:t/>
+              </a:r>
               <a:endParaRPr/>
             </a:p>
           </p:txBody>
@@ -8104,7 +8173,7 @@
             </a:xfrm>
             <a:prstGeom prst="diagStripe">
               <a:avLst>
-                <a:gd name="adj" fmla="val 50000"/>
+                <a:gd fmla="val 50000" name="adj"/>
               </a:avLst>
             </a:prstGeom>
             <a:solidFill>
@@ -8117,12 +8186,12 @@
             </a:ln>
           </p:spPr>
           <p:txBody>
-            <a:bodyPr spcFirstLastPara="1" wrap="square" lIns="91425" tIns="91425" rIns="91425" bIns="91425" anchor="ctr" anchorCtr="0">
+            <a:bodyPr anchorCtr="0" anchor="ctr" bIns="91425" lIns="91425" spcFirstLastPara="1" rIns="91425" wrap="square" tIns="91425">
               <a:noAutofit/>
             </a:bodyPr>
             <a:lstStyle/>
             <a:p>
-              <a:pPr marL="0" lvl="0" indent="0" algn="l" rtl="0">
+              <a:pPr indent="0" lvl="0" marL="0" rtl="0" algn="l">
                 <a:spcBef>
                   <a:spcPts val="0"/>
                 </a:spcBef>
@@ -8131,6 +8200,9 @@
                 </a:spcAft>
                 <a:buNone/>
               </a:pPr>
+              <a:r>
+                <a:t/>
+              </a:r>
               <a:endParaRPr/>
             </a:p>
           </p:txBody>
@@ -8148,7 +8220,7 @@
             </a:xfrm>
             <a:prstGeom prst="diagStripe">
               <a:avLst>
-                <a:gd name="adj" fmla="val 50000"/>
+                <a:gd fmla="val 50000" name="adj"/>
               </a:avLst>
             </a:prstGeom>
             <a:solidFill>
@@ -8161,12 +8233,12 @@
             </a:ln>
           </p:spPr>
           <p:txBody>
-            <a:bodyPr spcFirstLastPara="1" wrap="square" lIns="91425" tIns="91425" rIns="91425" bIns="91425" anchor="ctr" anchorCtr="0">
+            <a:bodyPr anchorCtr="0" anchor="ctr" bIns="91425" lIns="91425" spcFirstLastPara="1" rIns="91425" wrap="square" tIns="91425">
               <a:noAutofit/>
             </a:bodyPr>
             <a:lstStyle/>
             <a:p>
-              <a:pPr marL="0" lvl="0" indent="0" algn="l" rtl="0">
+              <a:pPr indent="0" lvl="0" marL="0" rtl="0" algn="l">
                 <a:spcBef>
                   <a:spcPts val="0"/>
                 </a:spcBef>
@@ -8175,6 +8247,9 @@
                 </a:spcAft>
                 <a:buNone/>
               </a:pPr>
+              <a:r>
+                <a:t/>
+              </a:r>
               <a:endParaRPr/>
             </a:p>
           </p:txBody>
@@ -8192,7 +8267,7 @@
             </a:xfrm>
             <a:prstGeom prst="diagStripe">
               <a:avLst>
-                <a:gd name="adj" fmla="val 50000"/>
+                <a:gd fmla="val 50000" name="adj"/>
               </a:avLst>
             </a:prstGeom>
             <a:solidFill>
@@ -8205,12 +8280,12 @@
             </a:ln>
           </p:spPr>
           <p:txBody>
-            <a:bodyPr spcFirstLastPara="1" wrap="square" lIns="91425" tIns="91425" rIns="91425" bIns="91425" anchor="ctr" anchorCtr="0">
+            <a:bodyPr anchorCtr="0" anchor="ctr" bIns="91425" lIns="91425" spcFirstLastPara="1" rIns="91425" wrap="square" tIns="91425">
               <a:noAutofit/>
             </a:bodyPr>
             <a:lstStyle/>
             <a:p>
-              <a:pPr marL="0" lvl="0" indent="0" algn="l" rtl="0">
+              <a:pPr indent="0" lvl="0" marL="0" rtl="0" algn="l">
                 <a:spcBef>
                   <a:spcPts val="0"/>
                 </a:spcBef>
@@ -8219,6 +8294,9 @@
                 </a:spcAft>
                 <a:buNone/>
               </a:pPr>
+              <a:r>
+                <a:t/>
+              </a:r>
               <a:endParaRPr/>
             </a:p>
           </p:txBody>
@@ -8236,7 +8314,7 @@
             </a:xfrm>
             <a:prstGeom prst="diagStripe">
               <a:avLst>
-                <a:gd name="adj" fmla="val 50000"/>
+                <a:gd fmla="val 50000" name="adj"/>
               </a:avLst>
             </a:prstGeom>
             <a:solidFill>
@@ -8249,12 +8327,12 @@
             </a:ln>
           </p:spPr>
           <p:txBody>
-            <a:bodyPr spcFirstLastPara="1" wrap="square" lIns="91425" tIns="91425" rIns="91425" bIns="91425" anchor="ctr" anchorCtr="0">
+            <a:bodyPr anchorCtr="0" anchor="ctr" bIns="91425" lIns="91425" spcFirstLastPara="1" rIns="91425" wrap="square" tIns="91425">
               <a:noAutofit/>
             </a:bodyPr>
             <a:lstStyle/>
             <a:p>
-              <a:pPr marL="0" lvl="0" indent="0" algn="l" rtl="0">
+              <a:pPr indent="0" lvl="0" marL="0" rtl="0" algn="l">
                 <a:spcBef>
                   <a:spcPts val="0"/>
                 </a:spcBef>
@@ -8263,6 +8341,9 @@
                 </a:spcAft>
                 <a:buNone/>
               </a:pPr>
+              <a:r>
+                <a:t/>
+              </a:r>
               <a:endParaRPr/>
             </a:p>
           </p:txBody>
@@ -8280,7 +8361,7 @@
             </a:xfrm>
             <a:prstGeom prst="diagStripe">
               <a:avLst>
-                <a:gd name="adj" fmla="val 50000"/>
+                <a:gd fmla="val 50000" name="adj"/>
               </a:avLst>
             </a:prstGeom>
             <a:solidFill>
@@ -8291,12 +8372,12 @@
             </a:ln>
           </p:spPr>
           <p:txBody>
-            <a:bodyPr spcFirstLastPara="1" wrap="square" lIns="91425" tIns="91425" rIns="91425" bIns="91425" anchor="ctr" anchorCtr="0">
+            <a:bodyPr anchorCtr="0" anchor="ctr" bIns="91425" lIns="91425" spcFirstLastPara="1" rIns="91425" wrap="square" tIns="91425">
               <a:noAutofit/>
             </a:bodyPr>
             <a:lstStyle/>
             <a:p>
-              <a:pPr marL="0" lvl="0" indent="0" algn="l" rtl="0">
+              <a:pPr indent="0" lvl="0" marL="0" rtl="0" algn="l">
                 <a:spcBef>
                   <a:spcPts val="0"/>
                 </a:spcBef>
@@ -8305,6 +8386,9 @@
                 </a:spcAft>
                 <a:buNone/>
               </a:pPr>
+              <a:r>
+                <a:t/>
+              </a:r>
               <a:endParaRPr/>
             </a:p>
           </p:txBody>
@@ -8322,7 +8406,7 @@
             </a:xfrm>
             <a:prstGeom prst="diagStripe">
               <a:avLst>
-                <a:gd name="adj" fmla="val 50000"/>
+                <a:gd fmla="val 50000" name="adj"/>
               </a:avLst>
             </a:prstGeom>
             <a:solidFill>
@@ -8335,12 +8419,12 @@
             </a:ln>
           </p:spPr>
           <p:txBody>
-            <a:bodyPr spcFirstLastPara="1" wrap="square" lIns="91425" tIns="91425" rIns="91425" bIns="91425" anchor="ctr" anchorCtr="0">
+            <a:bodyPr anchorCtr="0" anchor="ctr" bIns="91425" lIns="91425" spcFirstLastPara="1" rIns="91425" wrap="square" tIns="91425">
               <a:noAutofit/>
             </a:bodyPr>
             <a:lstStyle/>
             <a:p>
-              <a:pPr marL="0" lvl="0" indent="0" algn="l" rtl="0">
+              <a:pPr indent="0" lvl="0" marL="0" rtl="0" algn="l">
                 <a:spcBef>
                   <a:spcPts val="0"/>
                 </a:spcBef>
@@ -8349,6 +8433,9 @@
                 </a:spcAft>
                 <a:buNone/>
               </a:pPr>
+              <a:r>
+                <a:t/>
+              </a:r>
               <a:endParaRPr/>
             </a:p>
           </p:txBody>
@@ -8366,7 +8453,7 @@
             </a:xfrm>
             <a:prstGeom prst="diagStripe">
               <a:avLst>
-                <a:gd name="adj" fmla="val 50000"/>
+                <a:gd fmla="val 50000" name="adj"/>
               </a:avLst>
             </a:prstGeom>
             <a:solidFill>
@@ -8379,12 +8466,12 @@
             </a:ln>
           </p:spPr>
           <p:txBody>
-            <a:bodyPr spcFirstLastPara="1" wrap="square" lIns="91425" tIns="91425" rIns="91425" bIns="91425" anchor="ctr" anchorCtr="0">
+            <a:bodyPr anchorCtr="0" anchor="ctr" bIns="91425" lIns="91425" spcFirstLastPara="1" rIns="91425" wrap="square" tIns="91425">
               <a:noAutofit/>
             </a:bodyPr>
             <a:lstStyle/>
             <a:p>
-              <a:pPr marL="0" lvl="0" indent="0" algn="l" rtl="0">
+              <a:pPr indent="0" lvl="0" marL="0" rtl="0" algn="l">
                 <a:spcBef>
                   <a:spcPts val="0"/>
                 </a:spcBef>
@@ -8393,6 +8480,9 @@
                 </a:spcAft>
                 <a:buNone/>
               </a:pPr>
+              <a:r>
+                <a:t/>
+              </a:r>
               <a:endParaRPr/>
             </a:p>
           </p:txBody>
@@ -8410,7 +8500,7 @@
             </a:xfrm>
             <a:prstGeom prst="diagStripe">
               <a:avLst>
-                <a:gd name="adj" fmla="val 50000"/>
+                <a:gd fmla="val 50000" name="adj"/>
               </a:avLst>
             </a:prstGeom>
             <a:solidFill>
@@ -8423,12 +8513,12 @@
             </a:ln>
           </p:spPr>
           <p:txBody>
-            <a:bodyPr spcFirstLastPara="1" wrap="square" lIns="91425" tIns="91425" rIns="91425" bIns="91425" anchor="ctr" anchorCtr="0">
+            <a:bodyPr anchorCtr="0" anchor="ctr" bIns="91425" lIns="91425" spcFirstLastPara="1" rIns="91425" wrap="square" tIns="91425">
               <a:noAutofit/>
             </a:bodyPr>
             <a:lstStyle/>
             <a:p>
-              <a:pPr marL="0" lvl="0" indent="0" algn="l" rtl="0">
+              <a:pPr indent="0" lvl="0" marL="0" rtl="0" algn="l">
                 <a:spcBef>
                   <a:spcPts val="0"/>
                 </a:spcBef>
@@ -8437,6 +8527,9 @@
                 </a:spcAft>
                 <a:buNone/>
               </a:pPr>
+              <a:r>
+                <a:t/>
+              </a:r>
               <a:endParaRPr/>
             </a:p>
           </p:txBody>
@@ -8454,7 +8547,7 @@
             </a:xfrm>
             <a:prstGeom prst="diagStripe">
               <a:avLst>
-                <a:gd name="adj" fmla="val 50000"/>
+                <a:gd fmla="val 50000" name="adj"/>
               </a:avLst>
             </a:prstGeom>
             <a:solidFill>
@@ -8467,12 +8560,12 @@
             </a:ln>
           </p:spPr>
           <p:txBody>
-            <a:bodyPr spcFirstLastPara="1" wrap="square" lIns="91425" tIns="91425" rIns="91425" bIns="91425" anchor="ctr" anchorCtr="0">
+            <a:bodyPr anchorCtr="0" anchor="ctr" bIns="91425" lIns="91425" spcFirstLastPara="1" rIns="91425" wrap="square" tIns="91425">
               <a:noAutofit/>
             </a:bodyPr>
             <a:lstStyle/>
             <a:p>
-              <a:pPr marL="0" lvl="0" indent="0" algn="l" rtl="0">
+              <a:pPr indent="0" lvl="0" marL="0" rtl="0" algn="l">
                 <a:spcBef>
                   <a:spcPts val="0"/>
                 </a:spcBef>
@@ -8481,6 +8574,9 @@
                 </a:spcAft>
                 <a:buNone/>
               </a:pPr>
+              <a:r>
+                <a:t/>
+              </a:r>
               <a:endParaRPr/>
             </a:p>
           </p:txBody>
@@ -8489,9 +8585,7 @@
       <p:sp>
         <p:nvSpPr>
           <p:cNvPr id="89" name="Google Shape;89;p8"/>
-          <p:cNvSpPr txBox="1">
-            <a:spLocks noGrp="1"/>
-          </p:cNvSpPr>
+          <p:cNvSpPr txBox="1"/>
           <p:nvPr>
             <p:ph type="title"/>
           </p:nvPr>
@@ -8506,7 +8600,7 @@
           </a:prstGeom>
         </p:spPr>
         <p:txBody>
-          <a:bodyPr spcFirstLastPara="1" wrap="square" lIns="91425" tIns="91425" rIns="91425" bIns="91425" anchor="ctr" anchorCtr="0">
+          <a:bodyPr anchorCtr="0" anchor="ctr" bIns="91425" lIns="91425" spcFirstLastPara="1" rIns="91425" wrap="square" tIns="91425">
             <a:normAutofit/>
           </a:bodyPr>
           <a:lstStyle>
@@ -8610,19 +8704,15 @@
               <a:defRPr/>
             </a:lvl9pPr>
           </a:lstStyle>
-          <a:p>
-            <a:endParaRPr/>
-          </a:p>
+          <a:p/>
         </p:txBody>
       </p:sp>
       <p:sp>
         <p:nvSpPr>
           <p:cNvPr id="90" name="Google Shape;90;p8"/>
-          <p:cNvSpPr txBox="1">
-            <a:spLocks noGrp="1"/>
-          </p:cNvSpPr>
+          <p:cNvSpPr txBox="1"/>
           <p:nvPr>
-            <p:ph type="sldNum" idx="12"/>
+            <p:ph idx="12" type="sldNum"/>
           </p:nvPr>
         </p:nvSpPr>
         <p:spPr>
@@ -8635,7 +8725,7 @@
           </a:prstGeom>
         </p:spPr>
         <p:txBody>
-          <a:bodyPr spcFirstLastPara="1" wrap="square" lIns="91425" tIns="91425" rIns="91425" bIns="91425" anchor="ctr" anchorCtr="0">
+          <a:bodyPr anchorCtr="0" anchor="ctr" bIns="91425" lIns="91425" spcFirstLastPara="1" rIns="91425" wrap="square" tIns="91425">
             <a:normAutofit/>
           </a:bodyPr>
           <a:lstStyle>
@@ -8677,7 +8767,7 @@
             </a:lvl9pPr>
           </a:lstStyle>
           <a:p>
-            <a:pPr marL="0" lvl="0" indent="0" algn="r" rtl="0">
+            <a:pPr indent="0" lvl="0" marL="0" rtl="0" algn="r">
               <a:spcBef>
                 <a:spcPts val="0"/>
               </a:spcBef>
@@ -8703,11 +8793,11 @@
 </file>
 
 <file path=ppt/slideLayouts/slideLayout8.xml><?xml version="1.0" encoding="utf-8"?>
-<p:sldLayout xmlns:a="http://schemas.openxmlformats.org/drawingml/2006/main" xmlns:r="http://schemas.openxmlformats.org/officeDocument/2006/relationships" xmlns:p="http://schemas.openxmlformats.org/presentationml/2006/main" matchingName="Section title and description">
+<p:sldLayout xmlns:a="http://schemas.openxmlformats.org/drawingml/2006/main" xmlns:r="http://schemas.openxmlformats.org/officeDocument/2006/relationships" xmlns:mc="http://schemas.openxmlformats.org/markup-compatibility/2006" xmlns:mv="urn:schemas-microsoft-com:mac:vml" xmlns:p="http://schemas.openxmlformats.org/presentationml/2006/main" xmlns:c="http://schemas.openxmlformats.org/drawingml/2006/chart" xmlns:dgm="http://schemas.openxmlformats.org/drawingml/2006/diagram" xmlns:o="urn:schemas-microsoft-com:office:office" xmlns:v="urn:schemas-microsoft-com:vml" xmlns:pvml="urn:schemas-microsoft-com:office:powerpoint" xmlns:com="http://schemas.openxmlformats.org/drawingml/2006/compatibility" xmlns:p14="http://schemas.microsoft.com/office/powerpoint/2010/main" xmlns:p15="http://schemas.microsoft.com/office/powerpoint/2012/main" xmlns:ahyp="http://schemas.microsoft.com/office/drawing/2018/hyperlinkcolor" matchingName="Section title and description">
   <p:cSld name="SECTION_TITLE_AND_DESCRIPTION">
     <p:spTree>
       <p:nvGrpSpPr>
-        <p:cNvPr id="1" name="Shape 91"/>
+        <p:cNvPr id="91" name="Shape 91"/>
         <p:cNvGrpSpPr/>
         <p:nvPr/>
       </p:nvGrpSpPr>
@@ -8746,7 +8836,7 @@
             </a:xfrm>
             <a:prstGeom prst="diagStripe">
               <a:avLst>
-                <a:gd name="adj" fmla="val 50000"/>
+                <a:gd fmla="val 50000" name="adj"/>
               </a:avLst>
             </a:prstGeom>
             <a:solidFill>
@@ -8757,12 +8847,12 @@
             </a:ln>
           </p:spPr>
           <p:txBody>
-            <a:bodyPr spcFirstLastPara="1" wrap="square" lIns="91425" tIns="91425" rIns="91425" bIns="91425" anchor="ctr" anchorCtr="0">
+            <a:bodyPr anchorCtr="0" anchor="ctr" bIns="91425" lIns="91425" spcFirstLastPara="1" rIns="91425" wrap="square" tIns="91425">
               <a:noAutofit/>
             </a:bodyPr>
             <a:lstStyle/>
             <a:p>
-              <a:pPr marL="0" lvl="0" indent="0" algn="l" rtl="0">
+              <a:pPr indent="0" lvl="0" marL="0" rtl="0" algn="l">
                 <a:spcBef>
                   <a:spcPts val="0"/>
                 </a:spcBef>
@@ -8771,6 +8861,9 @@
                 </a:spcAft>
                 <a:buNone/>
               </a:pPr>
+              <a:r>
+                <a:t/>
+              </a:r>
               <a:endParaRPr/>
             </a:p>
           </p:txBody>
@@ -8788,7 +8881,7 @@
             </a:xfrm>
             <a:prstGeom prst="diagStripe">
               <a:avLst>
-                <a:gd name="adj" fmla="val 50000"/>
+                <a:gd fmla="val 50000" name="adj"/>
               </a:avLst>
             </a:prstGeom>
             <a:solidFill>
@@ -8799,12 +8892,12 @@
             </a:ln>
           </p:spPr>
           <p:txBody>
-            <a:bodyPr spcFirstLastPara="1" wrap="square" lIns="91425" tIns="91425" rIns="91425" bIns="91425" anchor="ctr" anchorCtr="0">
+            <a:bodyPr anchorCtr="0" anchor="ctr" bIns="91425" lIns="91425" spcFirstLastPara="1" rIns="91425" wrap="square" tIns="91425">
               <a:noAutofit/>
             </a:bodyPr>
             <a:lstStyle/>
             <a:p>
-              <a:pPr marL="0" lvl="0" indent="0" algn="l" rtl="0">
+              <a:pPr indent="0" lvl="0" marL="0" rtl="0" algn="l">
                 <a:spcBef>
                   <a:spcPts val="0"/>
                 </a:spcBef>
@@ -8813,6 +8906,9 @@
                 </a:spcAft>
                 <a:buNone/>
               </a:pPr>
+              <a:r>
+                <a:t/>
+              </a:r>
               <a:endParaRPr/>
             </a:p>
           </p:txBody>
@@ -8821,9 +8917,7 @@
       <p:sp>
         <p:nvSpPr>
           <p:cNvPr id="95" name="Google Shape;95;p9"/>
-          <p:cNvSpPr txBox="1">
-            <a:spLocks noGrp="1"/>
-          </p:cNvSpPr>
+          <p:cNvSpPr txBox="1"/>
           <p:nvPr>
             <p:ph type="title"/>
           </p:nvPr>
@@ -8838,7 +8932,7 @@
           </a:prstGeom>
         </p:spPr>
         <p:txBody>
-          <a:bodyPr spcFirstLastPara="1" wrap="square" lIns="91425" tIns="91425" rIns="91425" bIns="91425" anchor="t" anchorCtr="0">
+          <a:bodyPr anchorCtr="0" anchor="t" bIns="91425" lIns="91425" spcFirstLastPara="1" rIns="91425" wrap="square" tIns="91425">
             <a:normAutofit/>
           </a:bodyPr>
           <a:lstStyle>
@@ -8942,19 +9036,15 @@
               <a:defRPr sz="2400"/>
             </a:lvl9pPr>
           </a:lstStyle>
-          <a:p>
-            <a:endParaRPr/>
-          </a:p>
+          <a:p/>
         </p:txBody>
       </p:sp>
       <p:sp>
         <p:nvSpPr>
           <p:cNvPr id="96" name="Google Shape;96;p9"/>
-          <p:cNvSpPr txBox="1">
-            <a:spLocks noGrp="1"/>
-          </p:cNvSpPr>
+          <p:cNvSpPr txBox="1"/>
           <p:nvPr>
-            <p:ph type="subTitle" idx="1"/>
+            <p:ph idx="1" type="subTitle"/>
           </p:nvPr>
         </p:nvSpPr>
         <p:spPr>
@@ -8967,7 +9057,7 @@
           </a:prstGeom>
         </p:spPr>
         <p:txBody>
-          <a:bodyPr spcFirstLastPara="1" wrap="square" lIns="91425" tIns="91425" rIns="91425" bIns="91425" anchor="t" anchorCtr="0">
+          <a:bodyPr anchorCtr="0" anchor="t" bIns="91425" lIns="91425" spcFirstLastPara="1" rIns="91425" wrap="square" tIns="91425">
             <a:normAutofit/>
           </a:bodyPr>
           <a:lstStyle>
@@ -9098,19 +9188,15 @@
               <a:defRPr sz="1300"/>
             </a:lvl9pPr>
           </a:lstStyle>
-          <a:p>
-            <a:endParaRPr/>
-          </a:p>
+          <a:p/>
         </p:txBody>
       </p:sp>
       <p:sp>
         <p:nvSpPr>
           <p:cNvPr id="97" name="Google Shape;97;p9"/>
-          <p:cNvSpPr txBox="1">
-            <a:spLocks noGrp="1"/>
-          </p:cNvSpPr>
+          <p:cNvSpPr txBox="1"/>
           <p:nvPr>
-            <p:ph type="body" idx="2"/>
+            <p:ph idx="2" type="body"/>
           </p:nvPr>
         </p:nvSpPr>
         <p:spPr>
@@ -9123,11 +9209,11 @@
           </a:prstGeom>
         </p:spPr>
         <p:txBody>
-          <a:bodyPr spcFirstLastPara="1" wrap="square" lIns="91425" tIns="91425" rIns="91425" bIns="91425" anchor="t" anchorCtr="0">
+          <a:bodyPr anchorCtr="0" anchor="t" bIns="91425" lIns="91425" spcFirstLastPara="1" rIns="91425" wrap="square" tIns="91425">
             <a:normAutofit/>
           </a:bodyPr>
           <a:lstStyle>
-            <a:lvl1pPr marL="457200" lvl="0" indent="-311150">
+            <a:lvl1pPr indent="-311150" lvl="0" marL="457200">
               <a:spcBef>
                 <a:spcPts val="0"/>
               </a:spcBef>
@@ -9138,7 +9224,7 @@
               <a:buChar char="●"/>
               <a:defRPr/>
             </a:lvl1pPr>
-            <a:lvl2pPr marL="914400" lvl="1" indent="-298450">
+            <a:lvl2pPr indent="-298450" lvl="1" marL="914400">
               <a:spcBef>
                 <a:spcPts val="0"/>
               </a:spcBef>
@@ -9149,7 +9235,7 @@
               <a:buChar char="○"/>
               <a:defRPr/>
             </a:lvl2pPr>
-            <a:lvl3pPr marL="1371600" lvl="2" indent="-298450">
+            <a:lvl3pPr indent="-298450" lvl="2" marL="1371600">
               <a:spcBef>
                 <a:spcPts val="0"/>
               </a:spcBef>
@@ -9160,7 +9246,7 @@
               <a:buChar char="■"/>
               <a:defRPr/>
             </a:lvl3pPr>
-            <a:lvl4pPr marL="1828800" lvl="3" indent="-298450">
+            <a:lvl4pPr indent="-298450" lvl="3" marL="1828800">
               <a:spcBef>
                 <a:spcPts val="0"/>
               </a:spcBef>
@@ -9171,7 +9257,7 @@
               <a:buChar char="●"/>
               <a:defRPr/>
             </a:lvl4pPr>
-            <a:lvl5pPr marL="2286000" lvl="4" indent="-298450">
+            <a:lvl5pPr indent="-298450" lvl="4" marL="2286000">
               <a:spcBef>
                 <a:spcPts val="0"/>
               </a:spcBef>
@@ -9182,7 +9268,7 @@
               <a:buChar char="○"/>
               <a:defRPr/>
             </a:lvl5pPr>
-            <a:lvl6pPr marL="2743200" lvl="5" indent="-298450">
+            <a:lvl6pPr indent="-298450" lvl="5" marL="2743200">
               <a:spcBef>
                 <a:spcPts val="0"/>
               </a:spcBef>
@@ -9193,7 +9279,7 @@
               <a:buChar char="■"/>
               <a:defRPr/>
             </a:lvl6pPr>
-            <a:lvl7pPr marL="3200400" lvl="6" indent="-298450">
+            <a:lvl7pPr indent="-298450" lvl="6" marL="3200400">
               <a:spcBef>
                 <a:spcPts val="0"/>
               </a:spcBef>
@@ -9204,7 +9290,7 @@
               <a:buChar char="●"/>
               <a:defRPr/>
             </a:lvl7pPr>
-            <a:lvl8pPr marL="3657600" lvl="7" indent="-298450">
+            <a:lvl8pPr indent="-298450" lvl="7" marL="3657600">
               <a:spcBef>
                 <a:spcPts val="0"/>
               </a:spcBef>
@@ -9215,7 +9301,7 @@
               <a:buChar char="○"/>
               <a:defRPr/>
             </a:lvl8pPr>
-            <a:lvl9pPr marL="4114800" lvl="8" indent="-298450">
+            <a:lvl9pPr indent="-298450" lvl="8" marL="4114800">
               <a:spcBef>
                 <a:spcPts val="0"/>
               </a:spcBef>
@@ -9227,19 +9313,15 @@
               <a:defRPr/>
             </a:lvl9pPr>
           </a:lstStyle>
-          <a:p>
-            <a:endParaRPr/>
-          </a:p>
+          <a:p/>
         </p:txBody>
       </p:sp>
       <p:sp>
         <p:nvSpPr>
           <p:cNvPr id="98" name="Google Shape;98;p9"/>
-          <p:cNvSpPr txBox="1">
-            <a:spLocks noGrp="1"/>
-          </p:cNvSpPr>
+          <p:cNvSpPr txBox="1"/>
           <p:nvPr>
-            <p:ph type="sldNum" idx="12"/>
+            <p:ph idx="12" type="sldNum"/>
           </p:nvPr>
         </p:nvSpPr>
         <p:spPr>
@@ -9252,7 +9334,7 @@
           </a:prstGeom>
         </p:spPr>
         <p:txBody>
-          <a:bodyPr spcFirstLastPara="1" wrap="square" lIns="91425" tIns="91425" rIns="91425" bIns="91425" anchor="ctr" anchorCtr="0">
+          <a:bodyPr anchorCtr="0" anchor="ctr" bIns="91425" lIns="91425" spcFirstLastPara="1" rIns="91425" wrap="square" tIns="91425">
             <a:normAutofit/>
           </a:bodyPr>
           <a:lstStyle>
@@ -9294,7 +9376,7 @@
             </a:lvl9pPr>
           </a:lstStyle>
           <a:p>
-            <a:pPr marL="0" lvl="0" indent="0" algn="r" rtl="0">
+            <a:pPr indent="0" lvl="0" marL="0" rtl="0" algn="r">
               <a:spcBef>
                 <a:spcPts val="0"/>
               </a:spcBef>
@@ -9320,11 +9402,11 @@
 </file>
 
 <file path=ppt/slideLayouts/slideLayout9.xml><?xml version="1.0" encoding="utf-8"?>
-<p:sldLayout xmlns:a="http://schemas.openxmlformats.org/drawingml/2006/main" xmlns:r="http://schemas.openxmlformats.org/officeDocument/2006/relationships" xmlns:p="http://schemas.openxmlformats.org/presentationml/2006/main" matchingName="Caption">
+<p:sldLayout xmlns:a="http://schemas.openxmlformats.org/drawingml/2006/main" xmlns:r="http://schemas.openxmlformats.org/officeDocument/2006/relationships" xmlns:mc="http://schemas.openxmlformats.org/markup-compatibility/2006" xmlns:mv="urn:schemas-microsoft-com:mac:vml" xmlns:p="http://schemas.openxmlformats.org/presentationml/2006/main" xmlns:c="http://schemas.openxmlformats.org/drawingml/2006/chart" xmlns:dgm="http://schemas.openxmlformats.org/drawingml/2006/diagram" xmlns:o="urn:schemas-microsoft-com:office:office" xmlns:v="urn:schemas-microsoft-com:vml" xmlns:pvml="urn:schemas-microsoft-com:office:powerpoint" xmlns:com="http://schemas.openxmlformats.org/drawingml/2006/compatibility" xmlns:p14="http://schemas.microsoft.com/office/powerpoint/2010/main" xmlns:p15="http://schemas.microsoft.com/office/powerpoint/2012/main" xmlns:ahyp="http://schemas.microsoft.com/office/drawing/2018/hyperlinkcolor" matchingName="Caption">
   <p:cSld name="CAPTION_ONLY">
     <p:spTree>
       <p:nvGrpSpPr>
-        <p:cNvPr id="1" name="Shape 99"/>
+        <p:cNvPr id="99" name="Shape 99"/>
         <p:cNvGrpSpPr/>
         <p:nvPr/>
       </p:nvGrpSpPr>
@@ -9363,7 +9445,7 @@
             </a:xfrm>
             <a:prstGeom prst="diagStripe">
               <a:avLst>
-                <a:gd name="adj" fmla="val 50000"/>
+                <a:gd fmla="val 50000" name="adj"/>
               </a:avLst>
             </a:prstGeom>
             <a:solidFill>
@@ -9376,12 +9458,12 @@
             </a:ln>
           </p:spPr>
           <p:txBody>
-            <a:bodyPr spcFirstLastPara="1" wrap="square" lIns="91425" tIns="91425" rIns="91425" bIns="91425" anchor="ctr" anchorCtr="0">
+            <a:bodyPr anchorCtr="0" anchor="ctr" bIns="91425" lIns="91425" spcFirstLastPara="1" rIns="91425" wrap="square" tIns="91425">
               <a:noAutofit/>
             </a:bodyPr>
             <a:lstStyle/>
             <a:p>
-              <a:pPr marL="0" lvl="0" indent="0" algn="l" rtl="0">
+              <a:pPr indent="0" lvl="0" marL="0" rtl="0" algn="l">
                 <a:spcBef>
                   <a:spcPts val="0"/>
                 </a:spcBef>
@@ -9390,6 +9472,9 @@
                 </a:spcAft>
                 <a:buNone/>
               </a:pPr>
+              <a:r>
+                <a:t/>
+              </a:r>
               <a:endParaRPr/>
             </a:p>
           </p:txBody>
@@ -9407,7 +9492,7 @@
             </a:xfrm>
             <a:prstGeom prst="diagStripe">
               <a:avLst>
-                <a:gd name="adj" fmla="val 50000"/>
+                <a:gd fmla="val 50000" name="adj"/>
               </a:avLst>
             </a:prstGeom>
             <a:solidFill>
@@ -9420,12 +9505,12 @@
             </a:ln>
           </p:spPr>
           <p:txBody>
-            <a:bodyPr spcFirstLastPara="1" wrap="square" lIns="91425" tIns="91425" rIns="91425" bIns="91425" anchor="ctr" anchorCtr="0">
+            <a:bodyPr anchorCtr="0" anchor="ctr" bIns="91425" lIns="91425" spcFirstLastPara="1" rIns="91425" wrap="square" tIns="91425">
               <a:noAutofit/>
             </a:bodyPr>
             <a:lstStyle/>
             <a:p>
-              <a:pPr marL="0" lvl="0" indent="0" algn="l" rtl="0">
+              <a:pPr indent="0" lvl="0" marL="0" rtl="0" algn="l">
                 <a:spcBef>
                   <a:spcPts val="0"/>
                 </a:spcBef>
@@ -9434,6 +9519,9 @@
                 </a:spcAft>
                 <a:buNone/>
               </a:pPr>
+              <a:r>
+                <a:t/>
+              </a:r>
               <a:endParaRPr/>
             </a:p>
           </p:txBody>
@@ -9442,11 +9530,9 @@
       <p:sp>
         <p:nvSpPr>
           <p:cNvPr id="103" name="Google Shape;103;p10"/>
-          <p:cNvSpPr txBox="1">
-            <a:spLocks noGrp="1"/>
-          </p:cNvSpPr>
+          <p:cNvSpPr txBox="1"/>
           <p:nvPr>
-            <p:ph type="body" idx="1"/>
+            <p:ph idx="1" type="body"/>
           </p:nvPr>
         </p:nvSpPr>
         <p:spPr>
@@ -9459,11 +9545,11 @@
           </a:prstGeom>
         </p:spPr>
         <p:txBody>
-          <a:bodyPr spcFirstLastPara="1" wrap="square" lIns="91425" tIns="91425" rIns="91425" bIns="91425" anchor="ctr" anchorCtr="0">
+          <a:bodyPr anchorCtr="0" anchor="ctr" bIns="91425" lIns="91425" spcFirstLastPara="1" rIns="91425" wrap="square" tIns="91425">
             <a:normAutofit/>
           </a:bodyPr>
           <a:lstStyle>
-            <a:lvl1pPr marL="457200" lvl="0" indent="-228600">
+            <a:lvl1pPr indent="-228600" lvl="0" marL="457200">
               <a:lnSpc>
                 <a:spcPct val="100000"/>
               </a:lnSpc>
@@ -9478,19 +9564,15 @@
               <a:defRPr/>
             </a:lvl1pPr>
           </a:lstStyle>
-          <a:p>
-            <a:endParaRPr/>
-          </a:p>
+          <a:p/>
         </p:txBody>
       </p:sp>
       <p:sp>
         <p:nvSpPr>
           <p:cNvPr id="104" name="Google Shape;104;p10"/>
-          <p:cNvSpPr txBox="1">
-            <a:spLocks noGrp="1"/>
-          </p:cNvSpPr>
+          <p:cNvSpPr txBox="1"/>
           <p:nvPr>
-            <p:ph type="sldNum" idx="12"/>
+            <p:ph idx="12" type="sldNum"/>
           </p:nvPr>
         </p:nvSpPr>
         <p:spPr>
@@ -9503,7 +9585,7 @@
           </a:prstGeom>
         </p:spPr>
         <p:txBody>
-          <a:bodyPr spcFirstLastPara="1" wrap="square" lIns="91425" tIns="91425" rIns="91425" bIns="91425" anchor="ctr" anchorCtr="0">
+          <a:bodyPr anchorCtr="0" anchor="ctr" bIns="91425" lIns="91425" spcFirstLastPara="1" rIns="91425" wrap="square" tIns="91425">
             <a:normAutofit/>
           </a:bodyPr>
           <a:lstStyle>
@@ -9545,7 +9627,7 @@
             </a:lvl9pPr>
           </a:lstStyle>
           <a:p>
-            <a:pPr marL="0" lvl="0" indent="0" algn="r" rtl="0">
+            <a:pPr indent="0" lvl="0" marL="0" rtl="0" algn="r">
               <a:spcBef>
                 <a:spcPts val="0"/>
               </a:spcBef>
@@ -9571,19 +9653,18 @@
 </file>
 
 <file path=ppt/slideMasters/slideMaster1.xml><?xml version="1.0" encoding="utf-8"?>
-<p:sldMaster xmlns:a="http://schemas.openxmlformats.org/drawingml/2006/main" xmlns:r="http://schemas.openxmlformats.org/officeDocument/2006/relationships" xmlns:p="http://schemas.openxmlformats.org/presentationml/2006/main">
+<p:sldMaster xmlns:a="http://schemas.openxmlformats.org/drawingml/2006/main" xmlns:r="http://schemas.openxmlformats.org/officeDocument/2006/relationships" xmlns:mc="http://schemas.openxmlformats.org/markup-compatibility/2006" xmlns:mv="urn:schemas-microsoft-com:mac:vml" xmlns:p="http://schemas.openxmlformats.org/presentationml/2006/main" xmlns:c="http://schemas.openxmlformats.org/drawingml/2006/chart" xmlns:dgm="http://schemas.openxmlformats.org/drawingml/2006/diagram" xmlns:o="urn:schemas-microsoft-com:office:office" xmlns:v="urn:schemas-microsoft-com:vml" xmlns:pvml="urn:schemas-microsoft-com:office:powerpoint" xmlns:com="http://schemas.openxmlformats.org/drawingml/2006/compatibility" xmlns:p14="http://schemas.microsoft.com/office/powerpoint/2010/main" xmlns:p15="http://schemas.microsoft.com/office/powerpoint/2012/main" xmlns:ahyp="http://schemas.microsoft.com/office/drawing/2018/hyperlinkcolor">
   <p:cSld name="focus">
     <p:bg>
       <p:bgPr>
         <a:solidFill>
           <a:srgbClr val="FFE599"/>
         </a:solidFill>
-        <a:effectLst/>
       </p:bgPr>
     </p:bg>
     <p:spTree>
       <p:nvGrpSpPr>
-        <p:cNvPr id="1" name="Shape 5"/>
+        <p:cNvPr id="5" name="Shape 5"/>
         <p:cNvGrpSpPr/>
         <p:nvPr/>
       </p:nvGrpSpPr>
@@ -9598,9 +9679,7 @@
       <p:sp>
         <p:nvSpPr>
           <p:cNvPr id="6" name="Google Shape;6;p1"/>
-          <p:cNvSpPr txBox="1">
-            <a:spLocks noGrp="1"/>
-          </p:cNvSpPr>
+          <p:cNvSpPr txBox="1"/>
           <p:nvPr>
             <p:ph type="title"/>
           </p:nvPr>
@@ -9619,7 +9698,7 @@
           </a:ln>
         </p:spPr>
         <p:txBody>
-          <a:bodyPr spcFirstLastPara="1" wrap="square" lIns="91425" tIns="91425" rIns="91425" bIns="91425" anchor="t" anchorCtr="0">
+          <a:bodyPr anchorCtr="0" anchor="t" bIns="91425" lIns="91425" spcFirstLastPara="1" rIns="91425" wrap="square" tIns="91425">
             <a:normAutofit/>
           </a:bodyPr>
           <a:lstStyle>
@@ -9831,19 +9910,15 @@
               </a:defRPr>
             </a:lvl9pPr>
           </a:lstStyle>
-          <a:p>
-            <a:endParaRPr/>
-          </a:p>
+          <a:p/>
         </p:txBody>
       </p:sp>
       <p:sp>
         <p:nvSpPr>
           <p:cNvPr id="7" name="Google Shape;7;p1"/>
-          <p:cNvSpPr txBox="1">
-            <a:spLocks noGrp="1"/>
-          </p:cNvSpPr>
+          <p:cNvSpPr txBox="1"/>
           <p:nvPr>
-            <p:ph type="body" idx="1"/>
+            <p:ph idx="1" type="body"/>
           </p:nvPr>
         </p:nvSpPr>
         <p:spPr>
@@ -9860,11 +9935,11 @@
           </a:ln>
         </p:spPr>
         <p:txBody>
-          <a:bodyPr spcFirstLastPara="1" wrap="square" lIns="91425" tIns="91425" rIns="91425" bIns="91425" anchor="t" anchorCtr="0">
+          <a:bodyPr anchorCtr="0" anchor="t" bIns="91425" lIns="91425" spcFirstLastPara="1" rIns="91425" wrap="square" tIns="91425">
             <a:normAutofit/>
           </a:bodyPr>
           <a:lstStyle>
-            <a:lvl1pPr marL="457200" lvl="0" indent="-311150">
+            <a:lvl1pPr indent="-311150" lvl="0" marL="457200">
               <a:lnSpc>
                 <a:spcPct val="115000"/>
               </a:lnSpc>
@@ -9890,7 +9965,7 @@
                 <a:sym typeface="Lato"/>
               </a:defRPr>
             </a:lvl1pPr>
-            <a:lvl2pPr marL="914400" lvl="1" indent="-298450">
+            <a:lvl2pPr indent="-298450" lvl="1" marL="914400">
               <a:lnSpc>
                 <a:spcPct val="115000"/>
               </a:lnSpc>
@@ -9916,7 +9991,7 @@
                 <a:sym typeface="Lato"/>
               </a:defRPr>
             </a:lvl2pPr>
-            <a:lvl3pPr marL="1371600" lvl="2" indent="-298450">
+            <a:lvl3pPr indent="-298450" lvl="2" marL="1371600">
               <a:lnSpc>
                 <a:spcPct val="115000"/>
               </a:lnSpc>
@@ -9942,7 +10017,7 @@
                 <a:sym typeface="Lato"/>
               </a:defRPr>
             </a:lvl3pPr>
-            <a:lvl4pPr marL="1828800" lvl="3" indent="-298450">
+            <a:lvl4pPr indent="-298450" lvl="3" marL="1828800">
               <a:lnSpc>
                 <a:spcPct val="115000"/>
               </a:lnSpc>
@@ -9968,7 +10043,7 @@
                 <a:sym typeface="Lato"/>
               </a:defRPr>
             </a:lvl4pPr>
-            <a:lvl5pPr marL="2286000" lvl="4" indent="-298450">
+            <a:lvl5pPr indent="-298450" lvl="4" marL="2286000">
               <a:lnSpc>
                 <a:spcPct val="115000"/>
               </a:lnSpc>
@@ -9994,7 +10069,7 @@
                 <a:sym typeface="Lato"/>
               </a:defRPr>
             </a:lvl5pPr>
-            <a:lvl6pPr marL="2743200" lvl="5" indent="-298450">
+            <a:lvl6pPr indent="-298450" lvl="5" marL="2743200">
               <a:lnSpc>
                 <a:spcPct val="115000"/>
               </a:lnSpc>
@@ -10020,7 +10095,7 @@
                 <a:sym typeface="Lato"/>
               </a:defRPr>
             </a:lvl6pPr>
-            <a:lvl7pPr marL="3200400" lvl="6" indent="-298450">
+            <a:lvl7pPr indent="-298450" lvl="6" marL="3200400">
               <a:lnSpc>
                 <a:spcPct val="115000"/>
               </a:lnSpc>
@@ -10046,7 +10121,7 @@
                 <a:sym typeface="Lato"/>
               </a:defRPr>
             </a:lvl7pPr>
-            <a:lvl8pPr marL="3657600" lvl="7" indent="-298450">
+            <a:lvl8pPr indent="-298450" lvl="7" marL="3657600">
               <a:lnSpc>
                 <a:spcPct val="115000"/>
               </a:lnSpc>
@@ -10072,7 +10147,7 @@
                 <a:sym typeface="Lato"/>
               </a:defRPr>
             </a:lvl8pPr>
-            <a:lvl9pPr marL="4114800" lvl="8" indent="-298450">
+            <a:lvl9pPr indent="-298450" lvl="8" marL="4114800">
               <a:lnSpc>
                 <a:spcPct val="115000"/>
               </a:lnSpc>
@@ -10099,19 +10174,15 @@
               </a:defRPr>
             </a:lvl9pPr>
           </a:lstStyle>
-          <a:p>
-            <a:endParaRPr/>
-          </a:p>
+          <a:p/>
         </p:txBody>
       </p:sp>
       <p:sp>
         <p:nvSpPr>
           <p:cNvPr id="8" name="Google Shape;8;p1"/>
-          <p:cNvSpPr txBox="1">
-            <a:spLocks noGrp="1"/>
-          </p:cNvSpPr>
+          <p:cNvSpPr txBox="1"/>
           <p:nvPr>
-            <p:ph type="sldNum" idx="12"/>
+            <p:ph idx="12" type="sldNum"/>
           </p:nvPr>
         </p:nvSpPr>
         <p:spPr>
@@ -10128,7 +10199,7 @@
           </a:ln>
         </p:spPr>
         <p:txBody>
-          <a:bodyPr spcFirstLastPara="1" wrap="square" lIns="91425" tIns="91425" rIns="91425" bIns="91425" anchor="ctr" anchorCtr="0">
+          <a:bodyPr anchorCtr="0" anchor="ctr" bIns="91425" lIns="91425" spcFirstLastPara="1" rIns="91425" wrap="square" tIns="91425">
             <a:normAutofit/>
           </a:bodyPr>
           <a:lstStyle>
@@ -10242,7 +10313,7 @@
             </a:lvl9pPr>
           </a:lstStyle>
           <a:p>
-            <a:pPr marL="0" lvl="0" indent="0" algn="r" rtl="0">
+            <a:pPr indent="0" lvl="0" marL="0" rtl="0" algn="r">
               <a:spcBef>
                 <a:spcPts val="0"/>
               </a:spcBef>
@@ -10261,7 +10332,7 @@
       </p:sp>
     </p:spTree>
   </p:cSld>
-  <p:clrMap bg1="lt1" tx1="dk1" bg2="dk2" tx2="lt2" accent1="accent1" accent2="accent2" accent3="accent3" accent4="accent4" accent5="accent5" accent6="accent6" hlink="hlink" folHlink="folHlink"/>
+  <p:clrMap accent1="accent1" accent2="accent2" accent3="accent3" accent4="accent4" accent5="accent5" accent6="accent6" bg1="lt1" bg2="dk2" tx1="dk1" tx2="lt2" folHlink="folHlink" hlink="hlink"/>
   <p:sldLayoutIdLst>
     <p:sldLayoutId id="2147483648" r:id="rId1"/>
     <p:sldLayoutId id="2147483649" r:id="rId2"/>
@@ -10275,10 +10346,10 @@
     <p:sldLayoutId id="2147483657" r:id="rId10"/>
     <p:sldLayoutId id="2147483658" r:id="rId11"/>
   </p:sldLayoutIdLst>
-  <p:hf sldNum="0" hdr="0" ftr="0" dt="0"/>
+  <p:hf dt="0" ftr="0" hdr="0" sldNum="0"/>
   <p:txStyles>
     <p:titleStyle>
-      <a:defPPr marR="0" lvl="0" algn="l" rtl="0">
+      <a:defPPr lvl="0" marR="0" rtl="0" algn="l">
         <a:lnSpc>
           <a:spcPct val="100000"/>
         </a:lnSpc>
@@ -10289,7 +10360,7 @@
           <a:spcPts val="0"/>
         </a:spcAft>
       </a:defPPr>
-      <a:lvl1pPr marR="0" lvl="0" algn="l" rtl="0">
+      <a:lvl1pPr lvl="0" marR="0" rtl="0" algn="l">
         <a:lnSpc>
           <a:spcPct val="100000"/>
         </a:lnSpc>
@@ -10303,7 +10374,7 @@
           <a:srgbClr val="000000"/>
         </a:buClr>
         <a:buFont typeface="Arial"/>
-        <a:defRPr sz="1400" b="0" i="0" u="none" strike="noStrike" cap="none">
+        <a:defRPr b="0" i="0" sz="1400" u="none" cap="none" strike="noStrike">
           <a:solidFill>
             <a:srgbClr val="000000"/>
           </a:solidFill>
@@ -10313,7 +10384,7 @@
           <a:sym typeface="Arial"/>
         </a:defRPr>
       </a:lvl1pPr>
-      <a:lvl2pPr marR="0" lvl="1" algn="l" rtl="0">
+      <a:lvl2pPr lvl="1" marR="0" rtl="0" algn="l">
         <a:lnSpc>
           <a:spcPct val="100000"/>
         </a:lnSpc>
@@ -10327,7 +10398,7 @@
           <a:srgbClr val="000000"/>
         </a:buClr>
         <a:buFont typeface="Arial"/>
-        <a:defRPr sz="1400" b="0" i="0" u="none" strike="noStrike" cap="none">
+        <a:defRPr b="0" i="0" sz="1400" u="none" cap="none" strike="noStrike">
           <a:solidFill>
             <a:srgbClr val="000000"/>
           </a:solidFill>
@@ -10337,7 +10408,7 @@
           <a:sym typeface="Arial"/>
         </a:defRPr>
       </a:lvl2pPr>
-      <a:lvl3pPr marR="0" lvl="2" algn="l" rtl="0">
+      <a:lvl3pPr lvl="2" marR="0" rtl="0" algn="l">
         <a:lnSpc>
           <a:spcPct val="100000"/>
         </a:lnSpc>
@@ -10351,7 +10422,7 @@
           <a:srgbClr val="000000"/>
         </a:buClr>
         <a:buFont typeface="Arial"/>
-        <a:defRPr sz="1400" b="0" i="0" u="none" strike="noStrike" cap="none">
+        <a:defRPr b="0" i="0" sz="1400" u="none" cap="none" strike="noStrike">
           <a:solidFill>
             <a:srgbClr val="000000"/>
           </a:solidFill>
@@ -10361,7 +10432,7 @@
           <a:sym typeface="Arial"/>
         </a:defRPr>
       </a:lvl3pPr>
-      <a:lvl4pPr marR="0" lvl="3" algn="l" rtl="0">
+      <a:lvl4pPr lvl="3" marR="0" rtl="0" algn="l">
         <a:lnSpc>
           <a:spcPct val="100000"/>
         </a:lnSpc>
@@ -10375,7 +10446,7 @@
           <a:srgbClr val="000000"/>
         </a:buClr>
         <a:buFont typeface="Arial"/>
-        <a:defRPr sz="1400" b="0" i="0" u="none" strike="noStrike" cap="none">
+        <a:defRPr b="0" i="0" sz="1400" u="none" cap="none" strike="noStrike">
           <a:solidFill>
             <a:srgbClr val="000000"/>
           </a:solidFill>
@@ -10385,7 +10456,7 @@
           <a:sym typeface="Arial"/>
         </a:defRPr>
       </a:lvl4pPr>
-      <a:lvl5pPr marR="0" lvl="4" algn="l" rtl="0">
+      <a:lvl5pPr lvl="4" marR="0" rtl="0" algn="l">
         <a:lnSpc>
           <a:spcPct val="100000"/>
         </a:lnSpc>
@@ -10399,7 +10470,7 @@
           <a:srgbClr val="000000"/>
         </a:buClr>
         <a:buFont typeface="Arial"/>
-        <a:defRPr sz="1400" b="0" i="0" u="none" strike="noStrike" cap="none">
+        <a:defRPr b="0" i="0" sz="1400" u="none" cap="none" strike="noStrike">
           <a:solidFill>
             <a:srgbClr val="000000"/>
           </a:solidFill>
@@ -10409,7 +10480,7 @@
           <a:sym typeface="Arial"/>
         </a:defRPr>
       </a:lvl5pPr>
-      <a:lvl6pPr marR="0" lvl="5" algn="l" rtl="0">
+      <a:lvl6pPr lvl="5" marR="0" rtl="0" algn="l">
         <a:lnSpc>
           <a:spcPct val="100000"/>
         </a:lnSpc>
@@ -10423,7 +10494,7 @@
           <a:srgbClr val="000000"/>
         </a:buClr>
         <a:buFont typeface="Arial"/>
-        <a:defRPr sz="1400" b="0" i="0" u="none" strike="noStrike" cap="none">
+        <a:defRPr b="0" i="0" sz="1400" u="none" cap="none" strike="noStrike">
           <a:solidFill>
             <a:srgbClr val="000000"/>
           </a:solidFill>
@@ -10433,7 +10504,7 @@
           <a:sym typeface="Arial"/>
         </a:defRPr>
       </a:lvl6pPr>
-      <a:lvl7pPr marR="0" lvl="6" algn="l" rtl="0">
+      <a:lvl7pPr lvl="6" marR="0" rtl="0" algn="l">
         <a:lnSpc>
           <a:spcPct val="100000"/>
         </a:lnSpc>
@@ -10447,7 +10518,7 @@
           <a:srgbClr val="000000"/>
         </a:buClr>
         <a:buFont typeface="Arial"/>
-        <a:defRPr sz="1400" b="0" i="0" u="none" strike="noStrike" cap="none">
+        <a:defRPr b="0" i="0" sz="1400" u="none" cap="none" strike="noStrike">
           <a:solidFill>
             <a:srgbClr val="000000"/>
           </a:solidFill>
@@ -10457,7 +10528,7 @@
           <a:sym typeface="Arial"/>
         </a:defRPr>
       </a:lvl7pPr>
-      <a:lvl8pPr marR="0" lvl="7" algn="l" rtl="0">
+      <a:lvl8pPr lvl="7" marR="0" rtl="0" algn="l">
         <a:lnSpc>
           <a:spcPct val="100000"/>
         </a:lnSpc>
@@ -10471,7 +10542,7 @@
           <a:srgbClr val="000000"/>
         </a:buClr>
         <a:buFont typeface="Arial"/>
-        <a:defRPr sz="1400" b="0" i="0" u="none" strike="noStrike" cap="none">
+        <a:defRPr b="0" i="0" sz="1400" u="none" cap="none" strike="noStrike">
           <a:solidFill>
             <a:srgbClr val="000000"/>
           </a:solidFill>
@@ -10481,7 +10552,7 @@
           <a:sym typeface="Arial"/>
         </a:defRPr>
       </a:lvl8pPr>
-      <a:lvl9pPr marR="0" lvl="8" algn="l" rtl="0">
+      <a:lvl9pPr lvl="8" marR="0" rtl="0" algn="l">
         <a:lnSpc>
           <a:spcPct val="100000"/>
         </a:lnSpc>
@@ -10495,7 +10566,7 @@
           <a:srgbClr val="000000"/>
         </a:buClr>
         <a:buFont typeface="Arial"/>
-        <a:defRPr sz="1400" b="0" i="0" u="none" strike="noStrike" cap="none">
+        <a:defRPr b="0" i="0" sz="1400" u="none" cap="none" strike="noStrike">
           <a:solidFill>
             <a:srgbClr val="000000"/>
           </a:solidFill>
@@ -10507,7 +10578,7 @@
       </a:lvl9pPr>
     </p:titleStyle>
     <p:bodyStyle>
-      <a:defPPr marR="0" lvl="0" algn="l" rtl="0">
+      <a:defPPr lvl="0" marR="0" rtl="0" algn="l">
         <a:lnSpc>
           <a:spcPct val="100000"/>
         </a:lnSpc>
@@ -10518,7 +10589,7 @@
           <a:spcPts val="0"/>
         </a:spcAft>
       </a:defPPr>
-      <a:lvl1pPr marR="0" lvl="0" algn="l" rtl="0">
+      <a:lvl1pPr lvl="0" marR="0" rtl="0" algn="l">
         <a:lnSpc>
           <a:spcPct val="100000"/>
         </a:lnSpc>
@@ -10532,7 +10603,7 @@
           <a:srgbClr val="000000"/>
         </a:buClr>
         <a:buFont typeface="Arial"/>
-        <a:defRPr sz="1400" b="0" i="0" u="none" strike="noStrike" cap="none">
+        <a:defRPr b="0" i="0" sz="1400" u="none" cap="none" strike="noStrike">
           <a:solidFill>
             <a:srgbClr val="000000"/>
           </a:solidFill>
@@ -10542,7 +10613,7 @@
           <a:sym typeface="Arial"/>
         </a:defRPr>
       </a:lvl1pPr>
-      <a:lvl2pPr marR="0" lvl="1" algn="l" rtl="0">
+      <a:lvl2pPr lvl="1" marR="0" rtl="0" algn="l">
         <a:lnSpc>
           <a:spcPct val="100000"/>
         </a:lnSpc>
@@ -10556,7 +10627,7 @@
           <a:srgbClr val="000000"/>
         </a:buClr>
         <a:buFont typeface="Arial"/>
-        <a:defRPr sz="1400" b="0" i="0" u="none" strike="noStrike" cap="none">
+        <a:defRPr b="0" i="0" sz="1400" u="none" cap="none" strike="noStrike">
           <a:solidFill>
             <a:srgbClr val="000000"/>
           </a:solidFill>
@@ -10566,7 +10637,7 @@
           <a:sym typeface="Arial"/>
         </a:defRPr>
       </a:lvl2pPr>
-      <a:lvl3pPr marR="0" lvl="2" algn="l" rtl="0">
+      <a:lvl3pPr lvl="2" marR="0" rtl="0" algn="l">
         <a:lnSpc>
           <a:spcPct val="100000"/>
         </a:lnSpc>
@@ -10580,7 +10651,7 @@
           <a:srgbClr val="000000"/>
         </a:buClr>
         <a:buFont typeface="Arial"/>
-        <a:defRPr sz="1400" b="0" i="0" u="none" strike="noStrike" cap="none">
+        <a:defRPr b="0" i="0" sz="1400" u="none" cap="none" strike="noStrike">
           <a:solidFill>
             <a:srgbClr val="000000"/>
           </a:solidFill>
@@ -10590,7 +10661,7 @@
           <a:sym typeface="Arial"/>
         </a:defRPr>
       </a:lvl3pPr>
-      <a:lvl4pPr marR="0" lvl="3" algn="l" rtl="0">
+      <a:lvl4pPr lvl="3" marR="0" rtl="0" algn="l">
         <a:lnSpc>
           <a:spcPct val="100000"/>
         </a:lnSpc>
@@ -10604,7 +10675,7 @@
           <a:srgbClr val="000000"/>
         </a:buClr>
         <a:buFont typeface="Arial"/>
-        <a:defRPr sz="1400" b="0" i="0" u="none" strike="noStrike" cap="none">
+        <a:defRPr b="0" i="0" sz="1400" u="none" cap="none" strike="noStrike">
           <a:solidFill>
             <a:srgbClr val="000000"/>
           </a:solidFill>
@@ -10614,7 +10685,7 @@
           <a:sym typeface="Arial"/>
         </a:defRPr>
       </a:lvl4pPr>
-      <a:lvl5pPr marR="0" lvl="4" algn="l" rtl="0">
+      <a:lvl5pPr lvl="4" marR="0" rtl="0" algn="l">
         <a:lnSpc>
           <a:spcPct val="100000"/>
         </a:lnSpc>
@@ -10628,7 +10699,7 @@
           <a:srgbClr val="000000"/>
         </a:buClr>
         <a:buFont typeface="Arial"/>
-        <a:defRPr sz="1400" b="0" i="0" u="none" strike="noStrike" cap="none">
+        <a:defRPr b="0" i="0" sz="1400" u="none" cap="none" strike="noStrike">
           <a:solidFill>
             <a:srgbClr val="000000"/>
           </a:solidFill>
@@ -10638,7 +10709,7 @@
           <a:sym typeface="Arial"/>
         </a:defRPr>
       </a:lvl5pPr>
-      <a:lvl6pPr marR="0" lvl="5" algn="l" rtl="0">
+      <a:lvl6pPr lvl="5" marR="0" rtl="0" algn="l">
         <a:lnSpc>
           <a:spcPct val="100000"/>
         </a:lnSpc>
@@ -10652,7 +10723,7 @@
           <a:srgbClr val="000000"/>
         </a:buClr>
         <a:buFont typeface="Arial"/>
-        <a:defRPr sz="1400" b="0" i="0" u="none" strike="noStrike" cap="none">
+        <a:defRPr b="0" i="0" sz="1400" u="none" cap="none" strike="noStrike">
           <a:solidFill>
             <a:srgbClr val="000000"/>
           </a:solidFill>
@@ -10662,7 +10733,7 @@
           <a:sym typeface="Arial"/>
         </a:defRPr>
       </a:lvl6pPr>
-      <a:lvl7pPr marR="0" lvl="6" algn="l" rtl="0">
+      <a:lvl7pPr lvl="6" marR="0" rtl="0" algn="l">
         <a:lnSpc>
           <a:spcPct val="100000"/>
         </a:lnSpc>
@@ -10676,7 +10747,7 @@
           <a:srgbClr val="000000"/>
         </a:buClr>
         <a:buFont typeface="Arial"/>
-        <a:defRPr sz="1400" b="0" i="0" u="none" strike="noStrike" cap="none">
+        <a:defRPr b="0" i="0" sz="1400" u="none" cap="none" strike="noStrike">
           <a:solidFill>
             <a:srgbClr val="000000"/>
           </a:solidFill>
@@ -10686,7 +10757,7 @@
           <a:sym typeface="Arial"/>
         </a:defRPr>
       </a:lvl7pPr>
-      <a:lvl8pPr marR="0" lvl="7" algn="l" rtl="0">
+      <a:lvl8pPr lvl="7" marR="0" rtl="0" algn="l">
         <a:lnSpc>
           <a:spcPct val="100000"/>
         </a:lnSpc>
@@ -10700,7 +10771,7 @@
           <a:srgbClr val="000000"/>
         </a:buClr>
         <a:buFont typeface="Arial"/>
-        <a:defRPr sz="1400" b="0" i="0" u="none" strike="noStrike" cap="none">
+        <a:defRPr b="0" i="0" sz="1400" u="none" cap="none" strike="noStrike">
           <a:solidFill>
             <a:srgbClr val="000000"/>
           </a:solidFill>
@@ -10710,7 +10781,7 @@
           <a:sym typeface="Arial"/>
         </a:defRPr>
       </a:lvl8pPr>
-      <a:lvl9pPr marR="0" lvl="8" algn="l" rtl="0">
+      <a:lvl9pPr lvl="8" marR="0" rtl="0" algn="l">
         <a:lnSpc>
           <a:spcPct val="100000"/>
         </a:lnSpc>
@@ -10724,7 +10795,7 @@
           <a:srgbClr val="000000"/>
         </a:buClr>
         <a:buFont typeface="Arial"/>
-        <a:defRPr sz="1400" b="0" i="0" u="none" strike="noStrike" cap="none">
+        <a:defRPr b="0" i="0" sz="1400" u="none" cap="none" strike="noStrike">
           <a:solidFill>
             <a:srgbClr val="000000"/>
           </a:solidFill>
@@ -10736,7 +10807,7 @@
       </a:lvl9pPr>
     </p:bodyStyle>
     <p:otherStyle>
-      <a:defPPr marR="0" lvl="0" algn="l" rtl="0">
+      <a:defPPr lvl="0" marR="0" rtl="0" algn="l">
         <a:lnSpc>
           <a:spcPct val="100000"/>
         </a:lnSpc>
@@ -10747,7 +10818,7 @@
           <a:spcPts val="0"/>
         </a:spcAft>
       </a:defPPr>
-      <a:lvl1pPr marR="0" lvl="0" algn="l" rtl="0">
+      <a:lvl1pPr lvl="0" marR="0" rtl="0" algn="l">
         <a:lnSpc>
           <a:spcPct val="100000"/>
         </a:lnSpc>
@@ -10761,7 +10832,7 @@
           <a:srgbClr val="000000"/>
         </a:buClr>
         <a:buFont typeface="Arial"/>
-        <a:defRPr sz="1400" b="0" i="0" u="none" strike="noStrike" cap="none">
+        <a:defRPr b="0" i="0" sz="1400" u="none" cap="none" strike="noStrike">
           <a:solidFill>
             <a:srgbClr val="000000"/>
           </a:solidFill>
@@ -10771,7 +10842,7 @@
           <a:sym typeface="Arial"/>
         </a:defRPr>
       </a:lvl1pPr>
-      <a:lvl2pPr marR="0" lvl="1" algn="l" rtl="0">
+      <a:lvl2pPr lvl="1" marR="0" rtl="0" algn="l">
         <a:lnSpc>
           <a:spcPct val="100000"/>
         </a:lnSpc>
@@ -10785,7 +10856,7 @@
           <a:srgbClr val="000000"/>
         </a:buClr>
         <a:buFont typeface="Arial"/>
-        <a:defRPr sz="1400" b="0" i="0" u="none" strike="noStrike" cap="none">
+        <a:defRPr b="0" i="0" sz="1400" u="none" cap="none" strike="noStrike">
           <a:solidFill>
             <a:srgbClr val="000000"/>
           </a:solidFill>
@@ -10795,7 +10866,7 @@
           <a:sym typeface="Arial"/>
         </a:defRPr>
       </a:lvl2pPr>
-      <a:lvl3pPr marR="0" lvl="2" algn="l" rtl="0">
+      <a:lvl3pPr lvl="2" marR="0" rtl="0" algn="l">
         <a:lnSpc>
           <a:spcPct val="100000"/>
         </a:lnSpc>
@@ -10809,7 +10880,7 @@
           <a:srgbClr val="000000"/>
         </a:buClr>
         <a:buFont typeface="Arial"/>
-        <a:defRPr sz="1400" b="0" i="0" u="none" strike="noStrike" cap="none">
+        <a:defRPr b="0" i="0" sz="1400" u="none" cap="none" strike="noStrike">
           <a:solidFill>
             <a:srgbClr val="000000"/>
           </a:solidFill>
@@ -10819,7 +10890,7 @@
           <a:sym typeface="Arial"/>
         </a:defRPr>
       </a:lvl3pPr>
-      <a:lvl4pPr marR="0" lvl="3" algn="l" rtl="0">
+      <a:lvl4pPr lvl="3" marR="0" rtl="0" algn="l">
         <a:lnSpc>
           <a:spcPct val="100000"/>
         </a:lnSpc>
@@ -10833,7 +10904,7 @@
           <a:srgbClr val="000000"/>
         </a:buClr>
         <a:buFont typeface="Arial"/>
-        <a:defRPr sz="1400" b="0" i="0" u="none" strike="noStrike" cap="none">
+        <a:defRPr b="0" i="0" sz="1400" u="none" cap="none" strike="noStrike">
           <a:solidFill>
             <a:srgbClr val="000000"/>
           </a:solidFill>
@@ -10843,7 +10914,7 @@
           <a:sym typeface="Arial"/>
         </a:defRPr>
       </a:lvl4pPr>
-      <a:lvl5pPr marR="0" lvl="4" algn="l" rtl="0">
+      <a:lvl5pPr lvl="4" marR="0" rtl="0" algn="l">
         <a:lnSpc>
           <a:spcPct val="100000"/>
         </a:lnSpc>
@@ -10857,7 +10928,7 @@
           <a:srgbClr val="000000"/>
         </a:buClr>
         <a:buFont typeface="Arial"/>
-        <a:defRPr sz="1400" b="0" i="0" u="none" strike="noStrike" cap="none">
+        <a:defRPr b="0" i="0" sz="1400" u="none" cap="none" strike="noStrike">
           <a:solidFill>
             <a:srgbClr val="000000"/>
           </a:solidFill>
@@ -10867,7 +10938,7 @@
           <a:sym typeface="Arial"/>
         </a:defRPr>
       </a:lvl5pPr>
-      <a:lvl6pPr marR="0" lvl="5" algn="l" rtl="0">
+      <a:lvl6pPr lvl="5" marR="0" rtl="0" algn="l">
         <a:lnSpc>
           <a:spcPct val="100000"/>
         </a:lnSpc>
@@ -10881,7 +10952,7 @@
           <a:srgbClr val="000000"/>
         </a:buClr>
         <a:buFont typeface="Arial"/>
-        <a:defRPr sz="1400" b="0" i="0" u="none" strike="noStrike" cap="none">
+        <a:defRPr b="0" i="0" sz="1400" u="none" cap="none" strike="noStrike">
           <a:solidFill>
             <a:srgbClr val="000000"/>
           </a:solidFill>
@@ -10891,7 +10962,7 @@
           <a:sym typeface="Arial"/>
         </a:defRPr>
       </a:lvl6pPr>
-      <a:lvl7pPr marR="0" lvl="6" algn="l" rtl="0">
+      <a:lvl7pPr lvl="6" marR="0" rtl="0" algn="l">
         <a:lnSpc>
           <a:spcPct val="100000"/>
         </a:lnSpc>
@@ -10905,7 +10976,7 @@
           <a:srgbClr val="000000"/>
         </a:buClr>
         <a:buFont typeface="Arial"/>
-        <a:defRPr sz="1400" b="0" i="0" u="none" strike="noStrike" cap="none">
+        <a:defRPr b="0" i="0" sz="1400" u="none" cap="none" strike="noStrike">
           <a:solidFill>
             <a:srgbClr val="000000"/>
           </a:solidFill>
@@ -10915,7 +10986,7 @@
           <a:sym typeface="Arial"/>
         </a:defRPr>
       </a:lvl7pPr>
-      <a:lvl8pPr marR="0" lvl="7" algn="l" rtl="0">
+      <a:lvl8pPr lvl="7" marR="0" rtl="0" algn="l">
         <a:lnSpc>
           <a:spcPct val="100000"/>
         </a:lnSpc>
@@ -10929,7 +11000,7 @@
           <a:srgbClr val="000000"/>
         </a:buClr>
         <a:buFont typeface="Arial"/>
-        <a:defRPr sz="1400" b="0" i="0" u="none" strike="noStrike" cap="none">
+        <a:defRPr b="0" i="0" sz="1400" u="none" cap="none" strike="noStrike">
           <a:solidFill>
             <a:srgbClr val="000000"/>
           </a:solidFill>
@@ -10939,7 +11010,7 @@
           <a:sym typeface="Arial"/>
         </a:defRPr>
       </a:lvl8pPr>
-      <a:lvl9pPr marR="0" lvl="8" algn="l" rtl="0">
+      <a:lvl9pPr lvl="8" marR="0" rtl="0" algn="l">
         <a:lnSpc>
           <a:spcPct val="100000"/>
         </a:lnSpc>
@@ -10953,7 +11024,7 @@
           <a:srgbClr val="000000"/>
         </a:buClr>
         <a:buFont typeface="Arial"/>
-        <a:defRPr sz="1400" b="0" i="0" u="none" strike="noStrike" cap="none">
+        <a:defRPr b="0" i="0" sz="1400" u="none" cap="none" strike="noStrike">
           <a:solidFill>
             <a:srgbClr val="000000"/>
           </a:solidFill>
@@ -10969,11 +11040,11 @@
 </file>
 
 <file path=ppt/slides/slide1.xml><?xml version="1.0" encoding="utf-8"?>
-<p:sld xmlns:a="http://schemas.openxmlformats.org/drawingml/2006/main" xmlns:r="http://schemas.openxmlformats.org/officeDocument/2006/relationships" xmlns:p="http://schemas.openxmlformats.org/presentationml/2006/main">
+<p:sld xmlns:a="http://schemas.openxmlformats.org/drawingml/2006/main" xmlns:r="http://schemas.openxmlformats.org/officeDocument/2006/relationships" xmlns:mc="http://schemas.openxmlformats.org/markup-compatibility/2006" xmlns:mv="urn:schemas-microsoft-com:mac:vml" xmlns:p="http://schemas.openxmlformats.org/presentationml/2006/main" xmlns:c="http://schemas.openxmlformats.org/drawingml/2006/chart" xmlns:dgm="http://schemas.openxmlformats.org/drawingml/2006/diagram" xmlns:o="urn:schemas-microsoft-com:office:office" xmlns:v="urn:schemas-microsoft-com:vml" xmlns:pvml="urn:schemas-microsoft-com:office:powerpoint" xmlns:com="http://schemas.openxmlformats.org/drawingml/2006/compatibility" xmlns:p14="http://schemas.microsoft.com/office/powerpoint/2010/main" xmlns:p15="http://schemas.microsoft.com/office/powerpoint/2012/main" xmlns:ahyp="http://schemas.microsoft.com/office/drawing/2018/hyperlinkcolor">
   <p:cSld>
     <p:spTree>
       <p:nvGrpSpPr>
-        <p:cNvPr id="1" name="Shape 133"/>
+        <p:cNvPr id="133" name="Shape 133"/>
         <p:cNvGrpSpPr/>
         <p:nvPr/>
       </p:nvGrpSpPr>
@@ -10988,9 +11059,7 @@
       <p:sp>
         <p:nvSpPr>
           <p:cNvPr id="134" name="Google Shape;134;p13"/>
-          <p:cNvSpPr txBox="1">
-            <a:spLocks noGrp="1"/>
-          </p:cNvSpPr>
+          <p:cNvSpPr txBox="1"/>
           <p:nvPr>
             <p:ph type="ctrTitle"/>
           </p:nvPr>
@@ -11005,12 +11074,12 @@
           </a:prstGeom>
         </p:spPr>
         <p:txBody>
-          <a:bodyPr spcFirstLastPara="1" wrap="square" lIns="91425" tIns="91425" rIns="91425" bIns="91425" anchor="ctr" anchorCtr="0">
+          <a:bodyPr anchorCtr="0" anchor="ctr" bIns="91425" lIns="91425" spcFirstLastPara="1" rIns="91425" wrap="square" tIns="91425">
             <a:normAutofit/>
           </a:bodyPr>
           <a:lstStyle/>
           <a:p>
-            <a:pPr marL="0" lvl="0" indent="0" algn="l" rtl="0">
+            <a:pPr indent="0" lvl="0" marL="0" rtl="0" algn="l">
               <a:spcBef>
                 <a:spcPts val="0"/>
               </a:spcBef>
@@ -11020,21 +11089,21 @@
               <a:buNone/>
             </a:pPr>
             <a:r>
-              <a:rPr lang="ko" sz="3600" b="1">
+              <a:rPr b="1" lang="ko" sz="3600">
                 <a:solidFill>
                   <a:schemeClr val="dk1"/>
                 </a:solidFill>
               </a:rPr>
               <a:t>Motorcycle Night Road</a:t>
             </a:r>
-            <a:endParaRPr sz="3600" b="1">
+            <a:endParaRPr b="1" sz="3600">
               <a:solidFill>
                 <a:schemeClr val="dk1"/>
               </a:solidFill>
             </a:endParaRPr>
           </a:p>
           <a:p>
-            <a:pPr marL="0" lvl="0" indent="0" algn="l" rtl="0">
+            <a:pPr indent="0" lvl="0" marL="0" rtl="0" algn="l">
               <a:spcBef>
                 <a:spcPts val="0"/>
               </a:spcBef>
@@ -11049,7 +11118,15 @@
                   <a:schemeClr val="dk1"/>
                 </a:solidFill>
               </a:rPr>
-              <a:t>semantic segmentation</a:t>
+              <a:t>semantic</a:t>
+            </a:r>
+            <a:r>
+              <a:rPr lang="ko" sz="3000">
+                <a:solidFill>
+                  <a:schemeClr val="dk1"/>
+                </a:solidFill>
+              </a:rPr>
+              <a:t> segmentation</a:t>
             </a:r>
             <a:endParaRPr sz="3000">
               <a:solidFill>
@@ -11062,11 +11139,9 @@
       <p:sp>
         <p:nvSpPr>
           <p:cNvPr id="135" name="Google Shape;135;p13"/>
-          <p:cNvSpPr txBox="1">
-            <a:spLocks noGrp="1"/>
-          </p:cNvSpPr>
+          <p:cNvSpPr txBox="1"/>
           <p:nvPr>
-            <p:ph type="subTitle" idx="1"/>
+            <p:ph idx="1" type="subTitle"/>
           </p:nvPr>
         </p:nvSpPr>
         <p:spPr>
@@ -11079,12 +11154,12 @@
           </a:prstGeom>
         </p:spPr>
         <p:txBody>
-          <a:bodyPr spcFirstLastPara="1" wrap="square" lIns="91425" tIns="91425" rIns="91425" bIns="91425" anchor="t" anchorCtr="0">
+          <a:bodyPr anchorCtr="0" anchor="t" bIns="91425" lIns="91425" spcFirstLastPara="1" rIns="91425" wrap="square" tIns="91425">
             <a:normAutofit/>
           </a:bodyPr>
           <a:lstStyle/>
           <a:p>
-            <a:pPr marL="0" lvl="0" indent="0" algn="r" rtl="0">
+            <a:pPr indent="0" lvl="0" marL="0" rtl="0" algn="r">
               <a:lnSpc>
                 <a:spcPct val="150000"/>
               </a:lnSpc>
@@ -11097,21 +11172,21 @@
               <a:buNone/>
             </a:pPr>
             <a:r>
-              <a:rPr lang="ko" sz="1800" b="1">
+              <a:rPr b="1" lang="ko" sz="1800">
                 <a:solidFill>
                   <a:schemeClr val="dk1"/>
                 </a:solidFill>
               </a:rPr>
               <a:t>Team. 나봉규</a:t>
             </a:r>
-            <a:endParaRPr sz="1800" b="1">
+            <a:endParaRPr b="1" sz="1800">
               <a:solidFill>
                 <a:schemeClr val="dk1"/>
               </a:solidFill>
             </a:endParaRPr>
           </a:p>
           <a:p>
-            <a:pPr marL="0" lvl="0" indent="0" algn="r" rtl="0">
+            <a:pPr indent="0" lvl="0" marL="0" rtl="0" algn="r">
               <a:lnSpc>
                 <a:spcPct val="150000"/>
               </a:lnSpc>
@@ -11176,11 +11251,11 @@
 </file>
 
 <file path=ppt/slides/slide10.xml><?xml version="1.0" encoding="utf-8"?>
-<p:sld xmlns:a="http://schemas.openxmlformats.org/drawingml/2006/main" xmlns:r="http://schemas.openxmlformats.org/officeDocument/2006/relationships" xmlns:p="http://schemas.openxmlformats.org/presentationml/2006/main">
+<p:sld xmlns:a="http://schemas.openxmlformats.org/drawingml/2006/main" xmlns:r="http://schemas.openxmlformats.org/officeDocument/2006/relationships" xmlns:mc="http://schemas.openxmlformats.org/markup-compatibility/2006" xmlns:mv="urn:schemas-microsoft-com:mac:vml" xmlns:p="http://schemas.openxmlformats.org/presentationml/2006/main" xmlns:c="http://schemas.openxmlformats.org/drawingml/2006/chart" xmlns:dgm="http://schemas.openxmlformats.org/drawingml/2006/diagram" xmlns:o="urn:schemas-microsoft-com:office:office" xmlns:v="urn:schemas-microsoft-com:vml" xmlns:pvml="urn:schemas-microsoft-com:office:powerpoint" xmlns:com="http://schemas.openxmlformats.org/drawingml/2006/compatibility" xmlns:p14="http://schemas.microsoft.com/office/powerpoint/2010/main" xmlns:p15="http://schemas.microsoft.com/office/powerpoint/2012/main" xmlns:ahyp="http://schemas.microsoft.com/office/drawing/2018/hyperlinkcolor">
   <p:cSld>
     <p:spTree>
       <p:nvGrpSpPr>
-        <p:cNvPr id="1" name="Shape 206"/>
+        <p:cNvPr id="206" name="Shape 206"/>
         <p:cNvGrpSpPr/>
         <p:nvPr/>
       </p:nvGrpSpPr>
@@ -11209,23 +11284,23 @@
           <a:solidFill>
             <a:schemeClr val="lt1"/>
           </a:solidFill>
-          <a:ln w="9525" cap="flat" cmpd="sng">
+          <a:ln cap="flat" cmpd="sng" w="9525">
             <a:solidFill>
               <a:schemeClr val="lt1"/>
             </a:solidFill>
             <a:prstDash val="solid"/>
             <a:round/>
-            <a:headEnd type="none" w="sm" len="sm"/>
-            <a:tailEnd type="none" w="sm" len="sm"/>
+            <a:headEnd len="sm" w="sm" type="none"/>
+            <a:tailEnd len="sm" w="sm" type="none"/>
           </a:ln>
         </p:spPr>
         <p:txBody>
-          <a:bodyPr spcFirstLastPara="1" wrap="square" lIns="91425" tIns="91425" rIns="91425" bIns="91425" anchor="ctr" anchorCtr="0">
+          <a:bodyPr anchorCtr="0" anchor="ctr" bIns="91425" lIns="91425" spcFirstLastPara="1" rIns="91425" wrap="square" tIns="91425">
             <a:noAutofit/>
           </a:bodyPr>
           <a:lstStyle/>
           <a:p>
-            <a:pPr marL="0" lvl="0" indent="0" algn="ctr" rtl="0">
+            <a:pPr indent="0" lvl="0" marL="0" rtl="0" algn="ctr">
               <a:spcBef>
                 <a:spcPts val="0"/>
               </a:spcBef>
@@ -11234,6 +11309,9 @@
               </a:spcAft>
               <a:buNone/>
             </a:pPr>
+            <a:r>
+              <a:t/>
+            </a:r>
             <a:endParaRPr>
               <a:latin typeface="Lato"/>
               <a:ea typeface="Lato"/>
@@ -11246,9 +11324,7 @@
       <p:sp>
         <p:nvSpPr>
           <p:cNvPr id="208" name="Google Shape;208;p22"/>
-          <p:cNvSpPr txBox="1">
-            <a:spLocks noGrp="1"/>
-          </p:cNvSpPr>
+          <p:cNvSpPr txBox="1"/>
           <p:nvPr>
             <p:ph type="title"/>
           </p:nvPr>
@@ -11263,12 +11339,12 @@
           </a:prstGeom>
         </p:spPr>
         <p:txBody>
-          <a:bodyPr spcFirstLastPara="1" wrap="square" lIns="91425" tIns="91425" rIns="91425" bIns="91425" anchor="ctr" anchorCtr="0">
+          <a:bodyPr anchorCtr="0" anchor="ctr" bIns="91425" lIns="91425" spcFirstLastPara="1" rIns="91425" wrap="square" tIns="91425">
             <a:normAutofit/>
           </a:bodyPr>
           <a:lstStyle/>
           <a:p>
-            <a:pPr marL="0" lvl="0" indent="0" algn="l" rtl="0">
+            <a:pPr indent="0" lvl="0" marL="0" rtl="0" algn="l">
               <a:spcBef>
                 <a:spcPts val="0"/>
               </a:spcBef>
@@ -11331,7 +11407,7 @@
           <a:blip r:embed="rId4">
             <a:alphaModFix/>
           </a:blip>
-          <a:srcRect r="50149"/>
+          <a:srcRect b="0" l="0" r="50149" t="0"/>
           <a:stretch/>
         </p:blipFill>
         <p:spPr>
@@ -11358,7 +11434,7 @@
           <a:blip r:embed="rId5">
             <a:alphaModFix/>
           </a:blip>
-          <a:srcRect r="49443"/>
+          <a:srcRect b="0" l="0" r="49443" t="0"/>
           <a:stretch/>
         </p:blipFill>
         <p:spPr>
@@ -11384,11 +11460,11 @@
 </file>
 
 <file path=ppt/slides/slide11.xml><?xml version="1.0" encoding="utf-8"?>
-<p:sld xmlns:a="http://schemas.openxmlformats.org/drawingml/2006/main" xmlns:r="http://schemas.openxmlformats.org/officeDocument/2006/relationships" xmlns:p="http://schemas.openxmlformats.org/presentationml/2006/main">
+<p:sld xmlns:a="http://schemas.openxmlformats.org/drawingml/2006/main" xmlns:r="http://schemas.openxmlformats.org/officeDocument/2006/relationships" xmlns:mc="http://schemas.openxmlformats.org/markup-compatibility/2006" xmlns:mv="urn:schemas-microsoft-com:mac:vml" xmlns:p="http://schemas.openxmlformats.org/presentationml/2006/main" xmlns:c="http://schemas.openxmlformats.org/drawingml/2006/chart" xmlns:dgm="http://schemas.openxmlformats.org/drawingml/2006/diagram" xmlns:o="urn:schemas-microsoft-com:office:office" xmlns:v="urn:schemas-microsoft-com:vml" xmlns:pvml="urn:schemas-microsoft-com:office:powerpoint" xmlns:com="http://schemas.openxmlformats.org/drawingml/2006/compatibility" xmlns:p14="http://schemas.microsoft.com/office/powerpoint/2010/main" xmlns:p15="http://schemas.microsoft.com/office/powerpoint/2012/main" xmlns:ahyp="http://schemas.microsoft.com/office/drawing/2018/hyperlinkcolor">
   <p:cSld>
     <p:spTree>
       <p:nvGrpSpPr>
-        <p:cNvPr id="1" name="Shape 215"/>
+        <p:cNvPr id="215" name="Shape 215"/>
         <p:cNvGrpSpPr/>
         <p:nvPr/>
       </p:nvGrpSpPr>
@@ -11417,23 +11493,23 @@
           <a:solidFill>
             <a:schemeClr val="lt1"/>
           </a:solidFill>
-          <a:ln w="9525" cap="flat" cmpd="sng">
+          <a:ln cap="flat" cmpd="sng" w="9525">
             <a:solidFill>
               <a:schemeClr val="lt1"/>
             </a:solidFill>
             <a:prstDash val="solid"/>
             <a:round/>
-            <a:headEnd type="none" w="sm" len="sm"/>
-            <a:tailEnd type="none" w="sm" len="sm"/>
+            <a:headEnd len="sm" w="sm" type="none"/>
+            <a:tailEnd len="sm" w="sm" type="none"/>
           </a:ln>
         </p:spPr>
         <p:txBody>
-          <a:bodyPr spcFirstLastPara="1" wrap="square" lIns="91425" tIns="91425" rIns="91425" bIns="91425" anchor="ctr" anchorCtr="0">
+          <a:bodyPr anchorCtr="0" anchor="ctr" bIns="91425" lIns="91425" spcFirstLastPara="1" rIns="91425" wrap="square" tIns="91425">
             <a:noAutofit/>
           </a:bodyPr>
           <a:lstStyle/>
           <a:p>
-            <a:pPr marL="0" lvl="0" indent="0" algn="ctr" rtl="0">
+            <a:pPr indent="0" lvl="0" marL="0" rtl="0" algn="ctr">
               <a:spcBef>
                 <a:spcPts val="0"/>
               </a:spcBef>
@@ -11442,6 +11518,9 @@
               </a:spcAft>
               <a:buNone/>
             </a:pPr>
+            <a:r>
+              <a:t/>
+            </a:r>
             <a:endParaRPr>
               <a:latin typeface="Lato"/>
               <a:ea typeface="Lato"/>
@@ -11454,9 +11533,7 @@
       <p:sp>
         <p:nvSpPr>
           <p:cNvPr id="217" name="Google Shape;217;p23"/>
-          <p:cNvSpPr txBox="1">
-            <a:spLocks noGrp="1"/>
-          </p:cNvSpPr>
+          <p:cNvSpPr txBox="1"/>
           <p:nvPr>
             <p:ph type="title"/>
           </p:nvPr>
@@ -11471,12 +11548,12 @@
           </a:prstGeom>
         </p:spPr>
         <p:txBody>
-          <a:bodyPr spcFirstLastPara="1" wrap="square" lIns="91425" tIns="91425" rIns="91425" bIns="91425" anchor="ctr" anchorCtr="0">
+          <a:bodyPr anchorCtr="0" anchor="ctr" bIns="91425" lIns="91425" spcFirstLastPara="1" rIns="91425" wrap="square" tIns="91425">
             <a:normAutofit/>
           </a:bodyPr>
           <a:lstStyle/>
           <a:p>
-            <a:pPr marL="0" lvl="0" indent="0" algn="l" rtl="0">
+            <a:pPr indent="0" lvl="0" marL="0" rtl="0" algn="l">
               <a:spcBef>
                 <a:spcPts val="0"/>
               </a:spcBef>
@@ -11491,7 +11568,15 @@
                   <a:schemeClr val="dk1"/>
                 </a:solidFill>
               </a:rPr>
-              <a:t>Loss Graphs - Aug vs No Aug</a:t>
+              <a:t>Loss Graphs </a:t>
+            </a:r>
+            <a:r>
+              <a:rPr lang="ko">
+                <a:solidFill>
+                  <a:schemeClr val="dk1"/>
+                </a:solidFill>
+              </a:rPr>
+              <a:t>- Aug vs No Aug</a:t>
             </a:r>
             <a:endParaRPr>
               <a:solidFill>
@@ -11539,7 +11624,7 @@
           <a:blip r:embed="rId4">
             <a:alphaModFix/>
           </a:blip>
-          <a:srcRect r="50149"/>
+          <a:srcRect b="0" l="0" r="50149" t="0"/>
           <a:stretch/>
         </p:blipFill>
         <p:spPr>
@@ -11566,7 +11651,7 @@
           <a:blip r:embed="rId5">
             <a:alphaModFix/>
           </a:blip>
-          <a:srcRect r="49781"/>
+          <a:srcRect b="0" l="0" r="49781" t="0"/>
           <a:stretch/>
         </p:blipFill>
         <p:spPr>
@@ -11592,11 +11677,11 @@
 </file>
 
 <file path=ppt/slides/slide12.xml><?xml version="1.0" encoding="utf-8"?>
-<p:sld xmlns:a="http://schemas.openxmlformats.org/drawingml/2006/main" xmlns:r="http://schemas.openxmlformats.org/officeDocument/2006/relationships" xmlns:p="http://schemas.openxmlformats.org/presentationml/2006/main">
+<p:sld xmlns:a="http://schemas.openxmlformats.org/drawingml/2006/main" xmlns:r="http://schemas.openxmlformats.org/officeDocument/2006/relationships" xmlns:mc="http://schemas.openxmlformats.org/markup-compatibility/2006" xmlns:mv="urn:schemas-microsoft-com:mac:vml" xmlns:p="http://schemas.openxmlformats.org/presentationml/2006/main" xmlns:c="http://schemas.openxmlformats.org/drawingml/2006/chart" xmlns:dgm="http://schemas.openxmlformats.org/drawingml/2006/diagram" xmlns:o="urn:schemas-microsoft-com:office:office" xmlns:v="urn:schemas-microsoft-com:vml" xmlns:pvml="urn:schemas-microsoft-com:office:powerpoint" xmlns:com="http://schemas.openxmlformats.org/drawingml/2006/compatibility" xmlns:p14="http://schemas.microsoft.com/office/powerpoint/2010/main" xmlns:p15="http://schemas.microsoft.com/office/powerpoint/2012/main" xmlns:ahyp="http://schemas.microsoft.com/office/drawing/2018/hyperlinkcolor">
   <p:cSld>
     <p:spTree>
       <p:nvGrpSpPr>
-        <p:cNvPr id="1" name="Shape 224"/>
+        <p:cNvPr id="224" name="Shape 224"/>
         <p:cNvGrpSpPr/>
         <p:nvPr/>
       </p:nvGrpSpPr>
@@ -11611,9 +11696,7 @@
       <p:sp>
         <p:nvSpPr>
           <p:cNvPr id="225" name="Google Shape;225;p24"/>
-          <p:cNvSpPr txBox="1">
-            <a:spLocks noGrp="1"/>
-          </p:cNvSpPr>
+          <p:cNvSpPr txBox="1"/>
           <p:nvPr>
             <p:ph type="title"/>
           </p:nvPr>
@@ -11628,12 +11711,12 @@
           </a:prstGeom>
         </p:spPr>
         <p:txBody>
-          <a:bodyPr spcFirstLastPara="1" wrap="square" lIns="91425" tIns="91425" rIns="91425" bIns="91425" anchor="ctr" anchorCtr="0">
+          <a:bodyPr anchorCtr="0" anchor="ctr" bIns="91425" lIns="91425" spcFirstLastPara="1" rIns="91425" wrap="square" tIns="91425">
             <a:normAutofit/>
           </a:bodyPr>
           <a:lstStyle/>
           <a:p>
-            <a:pPr marL="0" lvl="0" indent="0" algn="l" rtl="0">
+            <a:pPr indent="0" lvl="0" marL="0" rtl="0" algn="l">
               <a:spcBef>
                 <a:spcPts val="0"/>
               </a:spcBef>
@@ -11661,11 +11744,9 @@
       <p:sp>
         <p:nvSpPr>
           <p:cNvPr id="226" name="Google Shape;226;p24"/>
-          <p:cNvSpPr txBox="1">
-            <a:spLocks noGrp="1"/>
-          </p:cNvSpPr>
+          <p:cNvSpPr txBox="1"/>
           <p:nvPr>
-            <p:ph type="body" idx="1"/>
+            <p:ph idx="1" type="body"/>
           </p:nvPr>
         </p:nvSpPr>
         <p:spPr>
@@ -11678,12 +11759,12 @@
           </a:prstGeom>
         </p:spPr>
         <p:txBody>
-          <a:bodyPr spcFirstLastPara="1" wrap="square" lIns="91425" tIns="91425" rIns="91425" bIns="91425" anchor="t" anchorCtr="0">
+          <a:bodyPr anchorCtr="0" anchor="t" bIns="91425" lIns="91425" spcFirstLastPara="1" rIns="91425" wrap="square" tIns="91425">
             <a:normAutofit/>
           </a:bodyPr>
           <a:lstStyle/>
           <a:p>
-            <a:pPr marL="0" lvl="0" indent="0" algn="l" rtl="0">
+            <a:pPr indent="0" lvl="0" marL="0" rtl="0" algn="l">
               <a:spcBef>
                 <a:spcPts val="0"/>
               </a:spcBef>
@@ -11707,7 +11788,7 @@
             </a:endParaRPr>
           </a:p>
           <a:p>
-            <a:pPr marL="0" lvl="0" indent="0" algn="l" rtl="0">
+            <a:pPr indent="0" lvl="0" marL="0" rtl="0" algn="l">
               <a:spcBef>
                 <a:spcPts val="1200"/>
               </a:spcBef>
@@ -11731,7 +11812,7 @@
             </a:endParaRPr>
           </a:p>
           <a:p>
-            <a:pPr marL="0" lvl="0" indent="0" algn="l" rtl="0">
+            <a:pPr indent="0" lvl="0" marL="0" rtl="0" algn="l">
               <a:spcBef>
                 <a:spcPts val="1200"/>
               </a:spcBef>
@@ -11755,7 +11836,7 @@
             </a:endParaRPr>
           </a:p>
           <a:p>
-            <a:pPr marL="0" lvl="0" indent="0" algn="l" rtl="0">
+            <a:pPr indent="0" lvl="0" marL="0" rtl="0" algn="l">
               <a:spcBef>
                 <a:spcPts val="1200"/>
               </a:spcBef>
@@ -11817,11 +11898,11 @@
 </file>
 
 <file path=ppt/slides/slide13.xml><?xml version="1.0" encoding="utf-8"?>
-<p:sld xmlns:a="http://schemas.openxmlformats.org/drawingml/2006/main" xmlns:r="http://schemas.openxmlformats.org/officeDocument/2006/relationships" xmlns:p="http://schemas.openxmlformats.org/presentationml/2006/main">
+<p:sld xmlns:a="http://schemas.openxmlformats.org/drawingml/2006/main" xmlns:r="http://schemas.openxmlformats.org/officeDocument/2006/relationships" xmlns:mc="http://schemas.openxmlformats.org/markup-compatibility/2006" xmlns:mv="urn:schemas-microsoft-com:mac:vml" xmlns:p="http://schemas.openxmlformats.org/presentationml/2006/main" xmlns:c="http://schemas.openxmlformats.org/drawingml/2006/chart" xmlns:dgm="http://schemas.openxmlformats.org/drawingml/2006/diagram" xmlns:o="urn:schemas-microsoft-com:office:office" xmlns:v="urn:schemas-microsoft-com:vml" xmlns:pvml="urn:schemas-microsoft-com:office:powerpoint" xmlns:com="http://schemas.openxmlformats.org/drawingml/2006/compatibility" xmlns:p14="http://schemas.microsoft.com/office/powerpoint/2010/main" xmlns:p15="http://schemas.microsoft.com/office/powerpoint/2012/main" xmlns:ahyp="http://schemas.microsoft.com/office/drawing/2018/hyperlinkcolor">
   <p:cSld>
     <p:spTree>
       <p:nvGrpSpPr>
-        <p:cNvPr id="1" name="Shape 231"/>
+        <p:cNvPr id="231" name="Shape 231"/>
         <p:cNvGrpSpPr/>
         <p:nvPr/>
       </p:nvGrpSpPr>
@@ -11836,9 +11917,7 @@
       <p:sp>
         <p:nvSpPr>
           <p:cNvPr id="232" name="Google Shape;232;p25"/>
-          <p:cNvSpPr txBox="1">
-            <a:spLocks noGrp="1"/>
-          </p:cNvSpPr>
+          <p:cNvSpPr txBox="1"/>
           <p:nvPr>
             <p:ph type="title"/>
           </p:nvPr>
@@ -11853,12 +11932,12 @@
           </a:prstGeom>
         </p:spPr>
         <p:txBody>
-          <a:bodyPr spcFirstLastPara="1" wrap="square" lIns="91425" tIns="91425" rIns="91425" bIns="91425" anchor="ctr" anchorCtr="0">
+          <a:bodyPr anchorCtr="0" anchor="ctr" bIns="91425" lIns="91425" spcFirstLastPara="1" rIns="91425" wrap="square" tIns="91425">
             <a:normAutofit/>
           </a:bodyPr>
           <a:lstStyle/>
           <a:p>
-            <a:pPr marL="0" lvl="0" indent="0" algn="l" rtl="0">
+            <a:pPr indent="0" lvl="0" marL="0" rtl="0" algn="l">
               <a:spcBef>
                 <a:spcPts val="0"/>
               </a:spcBef>
@@ -12047,11 +12126,11 @@
 </file>
 
 <file path=ppt/slides/slide14.xml><?xml version="1.0" encoding="utf-8"?>
-<p:sld xmlns:a="http://schemas.openxmlformats.org/drawingml/2006/main" xmlns:r="http://schemas.openxmlformats.org/officeDocument/2006/relationships" xmlns:p="http://schemas.openxmlformats.org/presentationml/2006/main">
+<p:sld xmlns:a="http://schemas.openxmlformats.org/drawingml/2006/main" xmlns:r="http://schemas.openxmlformats.org/officeDocument/2006/relationships" xmlns:mc="http://schemas.openxmlformats.org/markup-compatibility/2006" xmlns:mv="urn:schemas-microsoft-com:mac:vml" xmlns:p="http://schemas.openxmlformats.org/presentationml/2006/main" xmlns:c="http://schemas.openxmlformats.org/drawingml/2006/chart" xmlns:dgm="http://schemas.openxmlformats.org/drawingml/2006/diagram" xmlns:o="urn:schemas-microsoft-com:office:office" xmlns:v="urn:schemas-microsoft-com:vml" xmlns:pvml="urn:schemas-microsoft-com:office:powerpoint" xmlns:com="http://schemas.openxmlformats.org/drawingml/2006/compatibility" xmlns:p14="http://schemas.microsoft.com/office/powerpoint/2010/main" xmlns:p15="http://schemas.microsoft.com/office/powerpoint/2012/main" xmlns:ahyp="http://schemas.microsoft.com/office/drawing/2018/hyperlinkcolor">
   <p:cSld>
     <p:spTree>
       <p:nvGrpSpPr>
-        <p:cNvPr id="1" name="Shape 242"/>
+        <p:cNvPr id="242" name="Shape 242"/>
         <p:cNvGrpSpPr/>
         <p:nvPr/>
       </p:nvGrpSpPr>
@@ -12066,9 +12145,7 @@
       <p:sp>
         <p:nvSpPr>
           <p:cNvPr id="243" name="Google Shape;243;p26"/>
-          <p:cNvSpPr txBox="1">
-            <a:spLocks noGrp="1"/>
-          </p:cNvSpPr>
+          <p:cNvSpPr txBox="1"/>
           <p:nvPr>
             <p:ph type="title"/>
           </p:nvPr>
@@ -12083,12 +12160,12 @@
           </a:prstGeom>
         </p:spPr>
         <p:txBody>
-          <a:bodyPr spcFirstLastPara="1" wrap="square" lIns="91425" tIns="91425" rIns="91425" bIns="91425" anchor="ctr" anchorCtr="0">
+          <a:bodyPr anchorCtr="0" anchor="ctr" bIns="91425" lIns="91425" spcFirstLastPara="1" rIns="91425" wrap="square" tIns="91425">
             <a:normAutofit/>
           </a:bodyPr>
           <a:lstStyle/>
           <a:p>
-            <a:pPr marL="0" lvl="0" indent="0" algn="l" rtl="0">
+            <a:pPr indent="0" lvl="0" marL="0" rtl="0" algn="l">
               <a:spcBef>
                 <a:spcPts val="0"/>
               </a:spcBef>
@@ -12116,11 +12193,9 @@
       <p:sp>
         <p:nvSpPr>
           <p:cNvPr id="244" name="Google Shape;244;p26"/>
-          <p:cNvSpPr txBox="1">
-            <a:spLocks noGrp="1"/>
-          </p:cNvSpPr>
+          <p:cNvSpPr txBox="1"/>
           <p:nvPr>
-            <p:ph type="body" idx="1"/>
+            <p:ph idx="1" type="body"/>
           </p:nvPr>
         </p:nvSpPr>
         <p:spPr>
@@ -12133,12 +12208,12 @@
           </a:prstGeom>
         </p:spPr>
         <p:txBody>
-          <a:bodyPr spcFirstLastPara="1" wrap="square" lIns="91425" tIns="91425" rIns="91425" bIns="91425" anchor="t" anchorCtr="0">
+          <a:bodyPr anchorCtr="0" anchor="t" bIns="91425" lIns="91425" spcFirstLastPara="1" rIns="91425" wrap="square" tIns="91425">
             <a:normAutofit/>
           </a:bodyPr>
           <a:lstStyle/>
           <a:p>
-            <a:pPr marL="0" lvl="0" indent="0" algn="l" rtl="0">
+            <a:pPr indent="0" lvl="0" marL="0" rtl="0" algn="l">
               <a:spcBef>
                 <a:spcPts val="0"/>
               </a:spcBef>
@@ -12153,7 +12228,15 @@
                   <a:schemeClr val="dk1"/>
                 </a:solidFill>
               </a:rPr>
-              <a:t>IoU를 클래스별로 구해서 비교했다</a:t>
+              <a:t>IoU</a:t>
+            </a:r>
+            <a:r>
+              <a:rPr lang="ko">
+                <a:solidFill>
+                  <a:schemeClr val="dk1"/>
+                </a:solidFill>
+              </a:rPr>
+              <a:t>를 클래스별로 구해서 비교했다</a:t>
             </a:r>
             <a:endParaRPr>
               <a:solidFill>
@@ -12162,7 +12245,7 @@
             </a:endParaRPr>
           </a:p>
           <a:p>
-            <a:pPr marL="0" lvl="0" indent="0" algn="l" rtl="0">
+            <a:pPr indent="0" lvl="0" marL="0" rtl="0" algn="l">
               <a:spcBef>
                 <a:spcPts val="1200"/>
               </a:spcBef>
@@ -12186,7 +12269,7 @@
             </a:endParaRPr>
           </a:p>
           <a:p>
-            <a:pPr marL="0" lvl="0" indent="0" algn="l" rtl="0">
+            <a:pPr indent="0" lvl="0" marL="0" rtl="0" algn="l">
               <a:spcBef>
                 <a:spcPts val="1200"/>
               </a:spcBef>
@@ -12248,11 +12331,11 @@
 </file>
 
 <file path=ppt/slides/slide15.xml><?xml version="1.0" encoding="utf-8"?>
-<p:sld xmlns:a="http://schemas.openxmlformats.org/drawingml/2006/main" xmlns:r="http://schemas.openxmlformats.org/officeDocument/2006/relationships" xmlns:p="http://schemas.openxmlformats.org/presentationml/2006/main">
+<p:sld xmlns:a="http://schemas.openxmlformats.org/drawingml/2006/main" xmlns:r="http://schemas.openxmlformats.org/officeDocument/2006/relationships" xmlns:mc="http://schemas.openxmlformats.org/markup-compatibility/2006" xmlns:mv="urn:schemas-microsoft-com:mac:vml" xmlns:p="http://schemas.openxmlformats.org/presentationml/2006/main" xmlns:c="http://schemas.openxmlformats.org/drawingml/2006/chart" xmlns:dgm="http://schemas.openxmlformats.org/drawingml/2006/diagram" xmlns:o="urn:schemas-microsoft-com:office:office" xmlns:v="urn:schemas-microsoft-com:vml" xmlns:pvml="urn:schemas-microsoft-com:office:powerpoint" xmlns:com="http://schemas.openxmlformats.org/drawingml/2006/compatibility" xmlns:p14="http://schemas.microsoft.com/office/powerpoint/2010/main" xmlns:p15="http://schemas.microsoft.com/office/powerpoint/2012/main" xmlns:ahyp="http://schemas.microsoft.com/office/drawing/2018/hyperlinkcolor">
   <p:cSld>
     <p:spTree>
       <p:nvGrpSpPr>
-        <p:cNvPr id="1" name="Shape 249"/>
+        <p:cNvPr id="249" name="Shape 249"/>
         <p:cNvGrpSpPr/>
         <p:nvPr/>
       </p:nvGrpSpPr>
@@ -12267,9 +12350,7 @@
       <p:sp>
         <p:nvSpPr>
           <p:cNvPr id="250" name="Google Shape;250;p27"/>
-          <p:cNvSpPr txBox="1">
-            <a:spLocks noGrp="1"/>
-          </p:cNvSpPr>
+          <p:cNvSpPr txBox="1"/>
           <p:nvPr>
             <p:ph type="title"/>
           </p:nvPr>
@@ -12284,12 +12365,12 @@
           </a:prstGeom>
         </p:spPr>
         <p:txBody>
-          <a:bodyPr spcFirstLastPara="1" wrap="square" lIns="91425" tIns="91425" rIns="91425" bIns="91425" anchor="ctr" anchorCtr="0">
+          <a:bodyPr anchorCtr="0" anchor="ctr" bIns="91425" lIns="91425" spcFirstLastPara="1" rIns="91425" wrap="square" tIns="91425">
             <a:normAutofit/>
           </a:bodyPr>
           <a:lstStyle/>
           <a:p>
-            <a:pPr marL="0" lvl="0" indent="0" algn="l" rtl="0">
+            <a:pPr indent="0" lvl="0" marL="0" rtl="0" algn="l">
               <a:spcBef>
                 <a:spcPts val="0"/>
               </a:spcBef>
@@ -12358,8 +12439,8 @@
         </p:blipFill>
         <p:spPr>
           <a:xfrm>
-            <a:off x="1368939" y="2703075"/>
-            <a:ext cx="6406124" cy="1611475"/>
+            <a:off x="179725" y="4437600"/>
+            <a:ext cx="1777802" cy="546025"/>
           </a:xfrm>
           <a:prstGeom prst="rect">
             <a:avLst/>
@@ -12386,8 +12467,8 @@
         </p:blipFill>
         <p:spPr>
           <a:xfrm>
-            <a:off x="179725" y="4437600"/>
-            <a:ext cx="1777802" cy="546025"/>
+            <a:off x="1368950" y="2683350"/>
+            <a:ext cx="6406126" cy="1612921"/>
           </a:xfrm>
           <a:prstGeom prst="rect">
             <a:avLst/>
@@ -12407,11 +12488,11 @@
 </file>
 
 <file path=ppt/slides/slide16.xml><?xml version="1.0" encoding="utf-8"?>
-<p:sld xmlns:a="http://schemas.openxmlformats.org/drawingml/2006/main" xmlns:r="http://schemas.openxmlformats.org/officeDocument/2006/relationships" xmlns:p="http://schemas.openxmlformats.org/presentationml/2006/main">
+<p:sld xmlns:a="http://schemas.openxmlformats.org/drawingml/2006/main" xmlns:r="http://schemas.openxmlformats.org/officeDocument/2006/relationships" xmlns:mc="http://schemas.openxmlformats.org/markup-compatibility/2006" xmlns:mv="urn:schemas-microsoft-com:mac:vml" xmlns:p="http://schemas.openxmlformats.org/presentationml/2006/main" xmlns:c="http://schemas.openxmlformats.org/drawingml/2006/chart" xmlns:dgm="http://schemas.openxmlformats.org/drawingml/2006/diagram" xmlns:o="urn:schemas-microsoft-com:office:office" xmlns:v="urn:schemas-microsoft-com:vml" xmlns:pvml="urn:schemas-microsoft-com:office:powerpoint" xmlns:com="http://schemas.openxmlformats.org/drawingml/2006/compatibility" xmlns:p14="http://schemas.microsoft.com/office/powerpoint/2010/main" xmlns:p15="http://schemas.microsoft.com/office/powerpoint/2012/main" xmlns:ahyp="http://schemas.microsoft.com/office/drawing/2018/hyperlinkcolor">
   <p:cSld>
     <p:spTree>
       <p:nvGrpSpPr>
-        <p:cNvPr id="1" name="Shape 257"/>
+        <p:cNvPr id="257" name="Shape 257"/>
         <p:cNvGrpSpPr/>
         <p:nvPr/>
       </p:nvGrpSpPr>
@@ -12426,9 +12507,7 @@
       <p:sp>
         <p:nvSpPr>
           <p:cNvPr id="258" name="Google Shape;258;p28"/>
-          <p:cNvSpPr txBox="1">
-            <a:spLocks noGrp="1"/>
-          </p:cNvSpPr>
+          <p:cNvSpPr txBox="1"/>
           <p:nvPr>
             <p:ph type="title"/>
           </p:nvPr>
@@ -12443,12 +12522,12 @@
           </a:prstGeom>
         </p:spPr>
         <p:txBody>
-          <a:bodyPr spcFirstLastPara="1" wrap="square" lIns="91425" tIns="91425" rIns="91425" bIns="91425" anchor="ctr" anchorCtr="0">
+          <a:bodyPr anchorCtr="0" anchor="ctr" bIns="91425" lIns="91425" spcFirstLastPara="1" rIns="91425" wrap="square" tIns="91425">
             <a:normAutofit/>
           </a:bodyPr>
           <a:lstStyle/>
           <a:p>
-            <a:pPr marL="0" lvl="0" indent="0" algn="l" rtl="0">
+            <a:pPr indent="0" lvl="0" marL="0" rtl="0" algn="l">
               <a:spcBef>
                 <a:spcPts val="0"/>
               </a:spcBef>
@@ -12476,11 +12555,9 @@
       <p:sp>
         <p:nvSpPr>
           <p:cNvPr id="259" name="Google Shape;259;p28"/>
-          <p:cNvSpPr txBox="1">
-            <a:spLocks noGrp="1"/>
-          </p:cNvSpPr>
+          <p:cNvSpPr txBox="1"/>
           <p:nvPr>
-            <p:ph type="body" idx="1"/>
+            <p:ph idx="1" type="body"/>
           </p:nvPr>
         </p:nvSpPr>
         <p:spPr>
@@ -12493,12 +12570,12 @@
           </a:prstGeom>
         </p:spPr>
         <p:txBody>
-          <a:bodyPr spcFirstLastPara="1" wrap="square" lIns="91425" tIns="91425" rIns="91425" bIns="91425" anchor="t" anchorCtr="0">
+          <a:bodyPr anchorCtr="0" anchor="t" bIns="91425" lIns="91425" spcFirstLastPara="1" rIns="91425" wrap="square" tIns="91425">
             <a:normAutofit/>
           </a:bodyPr>
           <a:lstStyle/>
           <a:p>
-            <a:pPr marL="0" lvl="0" indent="0" algn="l" rtl="0">
+            <a:pPr indent="0" lvl="0" marL="0" rtl="0" algn="l">
               <a:spcBef>
                 <a:spcPts val="0"/>
               </a:spcBef>
@@ -12522,7 +12599,7 @@
             </a:endParaRPr>
           </a:p>
           <a:p>
-            <a:pPr marL="0" lvl="0" indent="0" algn="l" rtl="0">
+            <a:pPr indent="0" lvl="0" marL="0" rtl="0" algn="l">
               <a:spcBef>
                 <a:spcPts val="1200"/>
               </a:spcBef>
@@ -12531,6 +12608,9 @@
               </a:spcAft>
               <a:buNone/>
             </a:pPr>
+            <a:r>
+              <a:t/>
+            </a:r>
             <a:endParaRPr sz="1800">
               <a:solidFill>
                 <a:schemeClr val="dk1"/>
@@ -12538,7 +12618,7 @@
             </a:endParaRPr>
           </a:p>
           <a:p>
-            <a:pPr marL="0" lvl="0" indent="0" algn="l" rtl="0">
+            <a:pPr indent="0" lvl="0" marL="0" rtl="0" algn="l">
               <a:spcBef>
                 <a:spcPts val="1200"/>
               </a:spcBef>
@@ -12562,7 +12642,7 @@
             </a:endParaRPr>
           </a:p>
           <a:p>
-            <a:pPr marL="0" lvl="0" indent="0" algn="l" rtl="0">
+            <a:pPr indent="0" lvl="0" marL="0" rtl="0" algn="l">
               <a:spcBef>
                 <a:spcPts val="1200"/>
               </a:spcBef>
@@ -12571,6 +12651,9 @@
               </a:spcAft>
               <a:buNone/>
             </a:pPr>
+            <a:r>
+              <a:t/>
+            </a:r>
             <a:endParaRPr sz="1800">
               <a:solidFill>
                 <a:schemeClr val="dk1"/>
@@ -12578,7 +12661,7 @@
             </a:endParaRPr>
           </a:p>
           <a:p>
-            <a:pPr marL="0" lvl="0" indent="0" algn="l" rtl="0">
+            <a:pPr indent="0" lvl="0" marL="0" rtl="0" algn="l">
               <a:spcBef>
                 <a:spcPts val="1200"/>
               </a:spcBef>
@@ -12640,11 +12723,11 @@
 </file>
 
 <file path=ppt/slides/slide17.xml><?xml version="1.0" encoding="utf-8"?>
-<p:sld xmlns:a="http://schemas.openxmlformats.org/drawingml/2006/main" xmlns:r="http://schemas.openxmlformats.org/officeDocument/2006/relationships" xmlns:p="http://schemas.openxmlformats.org/presentationml/2006/main">
+<p:sld xmlns:a="http://schemas.openxmlformats.org/drawingml/2006/main" xmlns:r="http://schemas.openxmlformats.org/officeDocument/2006/relationships" xmlns:mc="http://schemas.openxmlformats.org/markup-compatibility/2006" xmlns:mv="urn:schemas-microsoft-com:mac:vml" xmlns:p="http://schemas.openxmlformats.org/presentationml/2006/main" xmlns:c="http://schemas.openxmlformats.org/drawingml/2006/chart" xmlns:dgm="http://schemas.openxmlformats.org/drawingml/2006/diagram" xmlns:o="urn:schemas-microsoft-com:office:office" xmlns:v="urn:schemas-microsoft-com:vml" xmlns:pvml="urn:schemas-microsoft-com:office:powerpoint" xmlns:com="http://schemas.openxmlformats.org/drawingml/2006/compatibility" xmlns:p14="http://schemas.microsoft.com/office/powerpoint/2010/main" xmlns:p15="http://schemas.microsoft.com/office/powerpoint/2012/main" xmlns:ahyp="http://schemas.microsoft.com/office/drawing/2018/hyperlinkcolor">
   <p:cSld>
     <p:spTree>
       <p:nvGrpSpPr>
-        <p:cNvPr id="1" name="Shape 264"/>
+        <p:cNvPr id="264" name="Shape 264"/>
         <p:cNvGrpSpPr/>
         <p:nvPr/>
       </p:nvGrpSpPr>
@@ -12659,9 +12742,7 @@
       <p:sp>
         <p:nvSpPr>
           <p:cNvPr id="265" name="Google Shape;265;p29"/>
-          <p:cNvSpPr txBox="1">
-            <a:spLocks noGrp="1"/>
-          </p:cNvSpPr>
+          <p:cNvSpPr txBox="1"/>
           <p:nvPr>
             <p:ph type="title"/>
           </p:nvPr>
@@ -12676,12 +12757,12 @@
           </a:prstGeom>
         </p:spPr>
         <p:txBody>
-          <a:bodyPr spcFirstLastPara="1" wrap="square" lIns="91425" tIns="91425" rIns="91425" bIns="91425" anchor="ctr" anchorCtr="0">
+          <a:bodyPr anchorCtr="0" anchor="ctr" bIns="91425" lIns="91425" spcFirstLastPara="1" rIns="91425" wrap="square" tIns="91425">
             <a:normAutofit/>
           </a:bodyPr>
           <a:lstStyle/>
           <a:p>
-            <a:pPr marL="0" lvl="0" indent="0" algn="ctr" rtl="0">
+            <a:pPr indent="0" lvl="0" marL="0" rtl="0" algn="ctr">
               <a:spcBef>
                 <a:spcPts val="0"/>
               </a:spcBef>
@@ -12691,14 +12772,14 @@
               <a:buNone/>
             </a:pPr>
             <a:r>
-              <a:rPr lang="ko" sz="4800" b="1">
+              <a:rPr b="1" lang="ko" sz="4800">
                 <a:solidFill>
                   <a:schemeClr val="dk1"/>
                 </a:solidFill>
               </a:rPr>
               <a:t>Q&amp;A</a:t>
             </a:r>
-            <a:endParaRPr sz="4800" b="1">
+            <a:endParaRPr b="1" sz="4800">
               <a:solidFill>
                 <a:schemeClr val="dk1"/>
               </a:solidFill>
@@ -12743,11 +12824,11 @@
 </file>
 
 <file path=ppt/slides/slide2.xml><?xml version="1.0" encoding="utf-8"?>
-<p:sld xmlns:a="http://schemas.openxmlformats.org/drawingml/2006/main" xmlns:r="http://schemas.openxmlformats.org/officeDocument/2006/relationships" xmlns:p="http://schemas.openxmlformats.org/presentationml/2006/main">
+<p:sld xmlns:a="http://schemas.openxmlformats.org/drawingml/2006/main" xmlns:r="http://schemas.openxmlformats.org/officeDocument/2006/relationships" xmlns:mc="http://schemas.openxmlformats.org/markup-compatibility/2006" xmlns:mv="urn:schemas-microsoft-com:mac:vml" xmlns:p="http://schemas.openxmlformats.org/presentationml/2006/main" xmlns:c="http://schemas.openxmlformats.org/drawingml/2006/chart" xmlns:dgm="http://schemas.openxmlformats.org/drawingml/2006/diagram" xmlns:o="urn:schemas-microsoft-com:office:office" xmlns:v="urn:schemas-microsoft-com:vml" xmlns:pvml="urn:schemas-microsoft-com:office:powerpoint" xmlns:com="http://schemas.openxmlformats.org/drawingml/2006/compatibility" xmlns:p14="http://schemas.microsoft.com/office/powerpoint/2010/main" xmlns:p15="http://schemas.microsoft.com/office/powerpoint/2012/main" xmlns:ahyp="http://schemas.microsoft.com/office/drawing/2018/hyperlinkcolor">
   <p:cSld>
     <p:spTree>
       <p:nvGrpSpPr>
-        <p:cNvPr id="1" name="Shape 140"/>
+        <p:cNvPr id="140" name="Shape 140"/>
         <p:cNvGrpSpPr/>
         <p:nvPr/>
       </p:nvGrpSpPr>
@@ -12762,9 +12843,7 @@
       <p:sp>
         <p:nvSpPr>
           <p:cNvPr id="141" name="Google Shape;141;p14"/>
-          <p:cNvSpPr txBox="1">
-            <a:spLocks noGrp="1"/>
-          </p:cNvSpPr>
+          <p:cNvSpPr txBox="1"/>
           <p:nvPr>
             <p:ph type="title"/>
           </p:nvPr>
@@ -12779,12 +12858,12 @@
           </a:prstGeom>
         </p:spPr>
         <p:txBody>
-          <a:bodyPr spcFirstLastPara="1" wrap="square" lIns="91425" tIns="91425" rIns="91425" bIns="91425" anchor="t" anchorCtr="0">
+          <a:bodyPr anchorCtr="0" anchor="t" bIns="91425" lIns="91425" spcFirstLastPara="1" rIns="91425" wrap="square" tIns="91425">
             <a:normAutofit/>
           </a:bodyPr>
           <a:lstStyle/>
           <a:p>
-            <a:pPr marL="0" lvl="0" indent="0" algn="l" rtl="0">
+            <a:pPr indent="0" lvl="0" marL="0" rtl="0" algn="l">
               <a:spcBef>
                 <a:spcPts val="0"/>
               </a:spcBef>
@@ -12831,12 +12910,12 @@
           </a:ln>
         </p:spPr>
         <p:txBody>
-          <a:bodyPr spcFirstLastPara="1" wrap="square" lIns="91425" tIns="91425" rIns="91425" bIns="91425" anchor="t" anchorCtr="0">
+          <a:bodyPr anchorCtr="0" anchor="t" bIns="91425" lIns="91425" spcFirstLastPara="1" rIns="91425" wrap="square" tIns="91425">
             <a:noAutofit/>
           </a:bodyPr>
           <a:lstStyle/>
           <a:p>
-            <a:pPr marL="457200" lvl="0" indent="-342900" algn="l" rtl="0">
+            <a:pPr indent="-342900" lvl="0" marL="457200" rtl="0" algn="l">
               <a:lnSpc>
                 <a:spcPct val="115000"/>
               </a:lnSpc>
@@ -12867,7 +12946,7 @@
             </a:endParaRPr>
           </a:p>
           <a:p>
-            <a:pPr marL="914400" lvl="1" indent="-304800" algn="l" rtl="0">
+            <a:pPr indent="-304800" lvl="1" marL="914400" rtl="0" algn="l">
               <a:lnSpc>
                 <a:spcPct val="115000"/>
               </a:lnSpc>
@@ -12898,7 +12977,7 @@
             </a:endParaRPr>
           </a:p>
           <a:p>
-            <a:pPr marL="914400" lvl="1" indent="-304800" algn="l" rtl="0">
+            <a:pPr indent="-304800" lvl="1" marL="914400" rtl="0" algn="l">
               <a:lnSpc>
                 <a:spcPct val="115000"/>
               </a:lnSpc>
@@ -12929,7 +13008,7 @@
             </a:endParaRPr>
           </a:p>
           <a:p>
-            <a:pPr marL="457200" lvl="0" indent="-342900" algn="l" rtl="0">
+            <a:pPr indent="-342900" lvl="0" marL="457200" rtl="0" algn="l">
               <a:lnSpc>
                 <a:spcPct val="115000"/>
               </a:lnSpc>
@@ -12960,7 +13039,7 @@
             </a:endParaRPr>
           </a:p>
           <a:p>
-            <a:pPr marL="914400" lvl="1" indent="-304800" algn="l" rtl="0">
+            <a:pPr indent="-304800" lvl="1" marL="914400" rtl="0" algn="l">
               <a:lnSpc>
                 <a:spcPct val="115000"/>
               </a:lnSpc>
@@ -12991,7 +13070,7 @@
             </a:endParaRPr>
           </a:p>
           <a:p>
-            <a:pPr marL="914400" lvl="1" indent="-304800" algn="l" rtl="0">
+            <a:pPr indent="-304800" lvl="1" marL="914400" rtl="0" algn="l">
               <a:lnSpc>
                 <a:spcPct val="115000"/>
               </a:lnSpc>
@@ -13022,7 +13101,7 @@
             </a:endParaRPr>
           </a:p>
           <a:p>
-            <a:pPr marL="457200" lvl="0" indent="-342900" algn="l" rtl="0">
+            <a:pPr indent="-342900" lvl="0" marL="457200" rtl="0" algn="l">
               <a:lnSpc>
                 <a:spcPct val="115000"/>
               </a:lnSpc>
@@ -13053,7 +13132,7 @@
             </a:endParaRPr>
           </a:p>
           <a:p>
-            <a:pPr marL="914400" lvl="1" indent="-304800" algn="l" rtl="0">
+            <a:pPr indent="-304800" lvl="1" marL="914400" rtl="0" algn="l">
               <a:lnSpc>
                 <a:spcPct val="115000"/>
               </a:lnSpc>
@@ -13084,7 +13163,7 @@
             </a:endParaRPr>
           </a:p>
           <a:p>
-            <a:pPr marL="914400" lvl="1" indent="-304800" algn="l" rtl="0">
+            <a:pPr indent="-304800" lvl="1" marL="914400" rtl="0" algn="l">
               <a:lnSpc>
                 <a:spcPct val="115000"/>
               </a:lnSpc>
@@ -13115,7 +13194,7 @@
             </a:endParaRPr>
           </a:p>
           <a:p>
-            <a:pPr marL="457200" lvl="0" indent="-342900" algn="l" rtl="0">
+            <a:pPr indent="-342900" lvl="0" marL="457200" rtl="0" algn="l">
               <a:lnSpc>
                 <a:spcPct val="115000"/>
               </a:lnSpc>
@@ -13184,11 +13263,11 @@
 </file>
 
 <file path=ppt/slides/slide3.xml><?xml version="1.0" encoding="utf-8"?>
-<p:sld xmlns:a="http://schemas.openxmlformats.org/drawingml/2006/main" xmlns:r="http://schemas.openxmlformats.org/officeDocument/2006/relationships" xmlns:p="http://schemas.openxmlformats.org/presentationml/2006/main">
+<p:sld xmlns:a="http://schemas.openxmlformats.org/drawingml/2006/main" xmlns:r="http://schemas.openxmlformats.org/officeDocument/2006/relationships" xmlns:mc="http://schemas.openxmlformats.org/markup-compatibility/2006" xmlns:mv="urn:schemas-microsoft-com:mac:vml" xmlns:p="http://schemas.openxmlformats.org/presentationml/2006/main" xmlns:c="http://schemas.openxmlformats.org/drawingml/2006/chart" xmlns:dgm="http://schemas.openxmlformats.org/drawingml/2006/diagram" xmlns:o="urn:schemas-microsoft-com:office:office" xmlns:v="urn:schemas-microsoft-com:vml" xmlns:pvml="urn:schemas-microsoft-com:office:powerpoint" xmlns:com="http://schemas.openxmlformats.org/drawingml/2006/compatibility" xmlns:p14="http://schemas.microsoft.com/office/powerpoint/2010/main" xmlns:p15="http://schemas.microsoft.com/office/powerpoint/2012/main" xmlns:ahyp="http://schemas.microsoft.com/office/drawing/2018/hyperlinkcolor">
   <p:cSld>
     <p:spTree>
       <p:nvGrpSpPr>
-        <p:cNvPr id="1" name="Shape 147"/>
+        <p:cNvPr id="147" name="Shape 147"/>
         <p:cNvGrpSpPr/>
         <p:nvPr/>
       </p:nvGrpSpPr>
@@ -13203,9 +13282,7 @@
       <p:sp>
         <p:nvSpPr>
           <p:cNvPr id="148" name="Google Shape;148;p15"/>
-          <p:cNvSpPr txBox="1">
-            <a:spLocks noGrp="1"/>
-          </p:cNvSpPr>
+          <p:cNvSpPr txBox="1"/>
           <p:nvPr>
             <p:ph type="title"/>
           </p:nvPr>
@@ -13220,12 +13297,12 @@
           </a:prstGeom>
         </p:spPr>
         <p:txBody>
-          <a:bodyPr spcFirstLastPara="1" wrap="square" lIns="91425" tIns="91425" rIns="91425" bIns="91425" anchor="ctr" anchorCtr="0">
+          <a:bodyPr anchorCtr="0" anchor="ctr" bIns="91425" lIns="91425" spcFirstLastPara="1" rIns="91425" wrap="square" tIns="91425">
             <a:normAutofit/>
           </a:bodyPr>
           <a:lstStyle/>
           <a:p>
-            <a:pPr marL="0" lvl="0" indent="0" algn="l" rtl="0">
+            <a:pPr indent="0" lvl="0" marL="0" rtl="0" algn="l">
               <a:spcBef>
                 <a:spcPts val="0"/>
               </a:spcBef>
@@ -13371,11 +13448,11 @@
 </file>
 
 <file path=ppt/slides/slide4.xml><?xml version="1.0" encoding="utf-8"?>
-<p:sld xmlns:a="http://schemas.openxmlformats.org/drawingml/2006/main" xmlns:r="http://schemas.openxmlformats.org/officeDocument/2006/relationships" xmlns:p="http://schemas.openxmlformats.org/presentationml/2006/main">
+<p:sld xmlns:a="http://schemas.openxmlformats.org/drawingml/2006/main" xmlns:r="http://schemas.openxmlformats.org/officeDocument/2006/relationships" xmlns:mc="http://schemas.openxmlformats.org/markup-compatibility/2006" xmlns:mv="urn:schemas-microsoft-com:mac:vml" xmlns:p="http://schemas.openxmlformats.org/presentationml/2006/main" xmlns:c="http://schemas.openxmlformats.org/drawingml/2006/chart" xmlns:dgm="http://schemas.openxmlformats.org/drawingml/2006/diagram" xmlns:o="urn:schemas-microsoft-com:office:office" xmlns:v="urn:schemas-microsoft-com:vml" xmlns:pvml="urn:schemas-microsoft-com:office:powerpoint" xmlns:com="http://schemas.openxmlformats.org/drawingml/2006/compatibility" xmlns:p14="http://schemas.microsoft.com/office/powerpoint/2010/main" xmlns:p15="http://schemas.microsoft.com/office/powerpoint/2012/main" xmlns:ahyp="http://schemas.microsoft.com/office/drawing/2018/hyperlinkcolor">
   <p:cSld>
     <p:spTree>
       <p:nvGrpSpPr>
-        <p:cNvPr id="1" name="Shape 156"/>
+        <p:cNvPr id="156" name="Shape 156"/>
         <p:cNvGrpSpPr/>
         <p:nvPr/>
       </p:nvGrpSpPr>
@@ -13390,9 +13467,7 @@
       <p:sp>
         <p:nvSpPr>
           <p:cNvPr id="157" name="Google Shape;157;p16"/>
-          <p:cNvSpPr txBox="1">
-            <a:spLocks noGrp="1"/>
-          </p:cNvSpPr>
+          <p:cNvSpPr txBox="1"/>
           <p:nvPr>
             <p:ph type="title"/>
           </p:nvPr>
@@ -13407,12 +13482,12 @@
           </a:prstGeom>
         </p:spPr>
         <p:txBody>
-          <a:bodyPr spcFirstLastPara="1" wrap="square" lIns="91425" tIns="91425" rIns="91425" bIns="91425" anchor="ctr" anchorCtr="0">
+          <a:bodyPr anchorCtr="0" anchor="ctr" bIns="91425" lIns="91425" spcFirstLastPara="1" rIns="91425" wrap="square" tIns="91425">
             <a:normAutofit/>
           </a:bodyPr>
           <a:lstStyle/>
           <a:p>
-            <a:pPr marL="0" lvl="0" indent="0" algn="l" rtl="0">
+            <a:pPr indent="0" lvl="0" marL="0" rtl="0" algn="l">
               <a:spcBef>
                 <a:spcPts val="0"/>
               </a:spcBef>
@@ -13502,11 +13577,11 @@
 </file>
 
 <file path=ppt/slides/slide5.xml><?xml version="1.0" encoding="utf-8"?>
-<p:sld xmlns:a="http://schemas.openxmlformats.org/drawingml/2006/main" xmlns:r="http://schemas.openxmlformats.org/officeDocument/2006/relationships" xmlns:p="http://schemas.openxmlformats.org/presentationml/2006/main">
+<p:sld xmlns:a="http://schemas.openxmlformats.org/drawingml/2006/main" xmlns:r="http://schemas.openxmlformats.org/officeDocument/2006/relationships" xmlns:mc="http://schemas.openxmlformats.org/markup-compatibility/2006" xmlns:mv="urn:schemas-microsoft-com:mac:vml" xmlns:p="http://schemas.openxmlformats.org/presentationml/2006/main" xmlns:c="http://schemas.openxmlformats.org/drawingml/2006/chart" xmlns:dgm="http://schemas.openxmlformats.org/drawingml/2006/diagram" xmlns:o="urn:schemas-microsoft-com:office:office" xmlns:v="urn:schemas-microsoft-com:vml" xmlns:pvml="urn:schemas-microsoft-com:office:powerpoint" xmlns:com="http://schemas.openxmlformats.org/drawingml/2006/compatibility" xmlns:p14="http://schemas.microsoft.com/office/powerpoint/2010/main" xmlns:p15="http://schemas.microsoft.com/office/powerpoint/2012/main" xmlns:ahyp="http://schemas.microsoft.com/office/drawing/2018/hyperlinkcolor">
   <p:cSld>
     <p:spTree>
       <p:nvGrpSpPr>
-        <p:cNvPr id="1" name="Shape 163"/>
+        <p:cNvPr id="163" name="Shape 163"/>
         <p:cNvGrpSpPr/>
         <p:nvPr/>
       </p:nvGrpSpPr>
@@ -13521,9 +13596,7 @@
       <p:sp>
         <p:nvSpPr>
           <p:cNvPr id="164" name="Google Shape;164;p17"/>
-          <p:cNvSpPr txBox="1">
-            <a:spLocks noGrp="1"/>
-          </p:cNvSpPr>
+          <p:cNvSpPr txBox="1"/>
           <p:nvPr>
             <p:ph type="title"/>
           </p:nvPr>
@@ -13538,12 +13611,12 @@
           </a:prstGeom>
         </p:spPr>
         <p:txBody>
-          <a:bodyPr spcFirstLastPara="1" wrap="square" lIns="91425" tIns="91425" rIns="91425" bIns="91425" anchor="ctr" anchorCtr="0">
+          <a:bodyPr anchorCtr="0" anchor="ctr" bIns="91425" lIns="91425" spcFirstLastPara="1" rIns="91425" wrap="square" tIns="91425">
             <a:normAutofit/>
           </a:bodyPr>
           <a:lstStyle/>
           <a:p>
-            <a:pPr marL="0" lvl="0" indent="0" algn="l" rtl="0">
+            <a:pPr indent="0" lvl="0" marL="0" rtl="0" algn="l">
               <a:spcBef>
                 <a:spcPts val="0"/>
               </a:spcBef>
@@ -13689,11 +13762,11 @@
 </file>
 
 <file path=ppt/slides/slide6.xml><?xml version="1.0" encoding="utf-8"?>
-<p:sld xmlns:a="http://schemas.openxmlformats.org/drawingml/2006/main" xmlns:r="http://schemas.openxmlformats.org/officeDocument/2006/relationships" xmlns:p="http://schemas.openxmlformats.org/presentationml/2006/main">
+<p:sld xmlns:a="http://schemas.openxmlformats.org/drawingml/2006/main" xmlns:r="http://schemas.openxmlformats.org/officeDocument/2006/relationships" xmlns:mc="http://schemas.openxmlformats.org/markup-compatibility/2006" xmlns:mv="urn:schemas-microsoft-com:mac:vml" xmlns:p="http://schemas.openxmlformats.org/presentationml/2006/main" xmlns:c="http://schemas.openxmlformats.org/drawingml/2006/chart" xmlns:dgm="http://schemas.openxmlformats.org/drawingml/2006/diagram" xmlns:o="urn:schemas-microsoft-com:office:office" xmlns:v="urn:schemas-microsoft-com:vml" xmlns:pvml="urn:schemas-microsoft-com:office:powerpoint" xmlns:com="http://schemas.openxmlformats.org/drawingml/2006/compatibility" xmlns:p14="http://schemas.microsoft.com/office/powerpoint/2010/main" xmlns:p15="http://schemas.microsoft.com/office/powerpoint/2012/main" xmlns:ahyp="http://schemas.microsoft.com/office/drawing/2018/hyperlinkcolor">
   <p:cSld>
     <p:spTree>
       <p:nvGrpSpPr>
-        <p:cNvPr id="1" name="Shape 172"/>
+        <p:cNvPr id="172" name="Shape 172"/>
         <p:cNvGrpSpPr/>
         <p:nvPr/>
       </p:nvGrpSpPr>
@@ -13708,9 +13781,7 @@
       <p:sp>
         <p:nvSpPr>
           <p:cNvPr id="173" name="Google Shape;173;p18"/>
-          <p:cNvSpPr txBox="1">
-            <a:spLocks noGrp="1"/>
-          </p:cNvSpPr>
+          <p:cNvSpPr txBox="1"/>
           <p:nvPr>
             <p:ph type="title"/>
           </p:nvPr>
@@ -13725,12 +13796,12 @@
           </a:prstGeom>
         </p:spPr>
         <p:txBody>
-          <a:bodyPr spcFirstLastPara="1" wrap="square" lIns="91425" tIns="91425" rIns="91425" bIns="91425" anchor="ctr" anchorCtr="0">
+          <a:bodyPr anchorCtr="0" anchor="ctr" bIns="91425" lIns="91425" spcFirstLastPara="1" rIns="91425" wrap="square" tIns="91425">
             <a:normAutofit/>
           </a:bodyPr>
           <a:lstStyle/>
           <a:p>
-            <a:pPr marL="0" lvl="0" indent="0" algn="l" rtl="0">
+            <a:pPr indent="0" lvl="0" marL="0" rtl="0" algn="l">
               <a:spcBef>
                 <a:spcPts val="0"/>
               </a:spcBef>
@@ -13904,11 +13975,11 @@
 </file>
 
 <file path=ppt/slides/slide7.xml><?xml version="1.0" encoding="utf-8"?>
-<p:sld xmlns:a="http://schemas.openxmlformats.org/drawingml/2006/main" xmlns:r="http://schemas.openxmlformats.org/officeDocument/2006/relationships" xmlns:p="http://schemas.openxmlformats.org/presentationml/2006/main">
+<p:sld xmlns:a="http://schemas.openxmlformats.org/drawingml/2006/main" xmlns:r="http://schemas.openxmlformats.org/officeDocument/2006/relationships" xmlns:mc="http://schemas.openxmlformats.org/markup-compatibility/2006" xmlns:mv="urn:schemas-microsoft-com:mac:vml" xmlns:p="http://schemas.openxmlformats.org/presentationml/2006/main" xmlns:c="http://schemas.openxmlformats.org/drawingml/2006/chart" xmlns:dgm="http://schemas.openxmlformats.org/drawingml/2006/diagram" xmlns:o="urn:schemas-microsoft-com:office:office" xmlns:v="urn:schemas-microsoft-com:vml" xmlns:pvml="urn:schemas-microsoft-com:office:powerpoint" xmlns:com="http://schemas.openxmlformats.org/drawingml/2006/compatibility" xmlns:p14="http://schemas.microsoft.com/office/powerpoint/2010/main" xmlns:p15="http://schemas.microsoft.com/office/powerpoint/2012/main" xmlns:ahyp="http://schemas.microsoft.com/office/drawing/2018/hyperlinkcolor">
   <p:cSld>
     <p:spTree>
       <p:nvGrpSpPr>
-        <p:cNvPr id="1" name="Shape 182"/>
+        <p:cNvPr id="182" name="Shape 182"/>
         <p:cNvGrpSpPr/>
         <p:nvPr/>
       </p:nvGrpSpPr>
@@ -13923,9 +13994,7 @@
       <p:sp>
         <p:nvSpPr>
           <p:cNvPr id="183" name="Google Shape;183;p19"/>
-          <p:cNvSpPr txBox="1">
-            <a:spLocks noGrp="1"/>
-          </p:cNvSpPr>
+          <p:cNvSpPr txBox="1"/>
           <p:nvPr>
             <p:ph type="title"/>
           </p:nvPr>
@@ -13940,12 +14009,12 @@
           </a:prstGeom>
         </p:spPr>
         <p:txBody>
-          <a:bodyPr spcFirstLastPara="1" wrap="square" lIns="91425" tIns="91425" rIns="91425" bIns="91425" anchor="ctr" anchorCtr="0">
+          <a:bodyPr anchorCtr="0" anchor="ctr" bIns="91425" lIns="91425" spcFirstLastPara="1" rIns="91425" wrap="square" tIns="91425">
             <a:normAutofit/>
           </a:bodyPr>
           <a:lstStyle/>
           <a:p>
-            <a:pPr marL="0" lvl="0" indent="0" algn="l" rtl="0">
+            <a:pPr indent="0" lvl="0" marL="0" rtl="0" algn="l">
               <a:spcBef>
                 <a:spcPts val="0"/>
               </a:spcBef>
@@ -13973,11 +14042,9 @@
       <p:sp>
         <p:nvSpPr>
           <p:cNvPr id="184" name="Google Shape;184;p19"/>
-          <p:cNvSpPr txBox="1">
-            <a:spLocks noGrp="1"/>
-          </p:cNvSpPr>
+          <p:cNvSpPr txBox="1"/>
           <p:nvPr>
-            <p:ph type="body" idx="1"/>
+            <p:ph idx="1" type="body"/>
           </p:nvPr>
         </p:nvSpPr>
         <p:spPr>
@@ -13990,12 +14057,12 @@
           </a:prstGeom>
         </p:spPr>
         <p:txBody>
-          <a:bodyPr spcFirstLastPara="1" wrap="square" lIns="91425" tIns="91425" rIns="91425" bIns="91425" anchor="t" anchorCtr="0">
+          <a:bodyPr anchorCtr="0" anchor="t" bIns="91425" lIns="91425" spcFirstLastPara="1" rIns="91425" wrap="square" tIns="91425">
             <a:normAutofit/>
           </a:bodyPr>
           <a:lstStyle/>
           <a:p>
-            <a:pPr marL="457200" lvl="0" indent="-342900" algn="l" rtl="0">
+            <a:pPr indent="-342900" lvl="0" marL="457200" rtl="0" algn="l">
               <a:spcBef>
                 <a:spcPts val="0"/>
               </a:spcBef>
@@ -14023,7 +14090,7 @@
             </a:endParaRPr>
           </a:p>
           <a:p>
-            <a:pPr marL="457200" lvl="0" indent="-342900" algn="l" rtl="0">
+            <a:pPr indent="-342900" lvl="0" marL="457200" rtl="0" algn="l">
               <a:spcBef>
                 <a:spcPts val="0"/>
               </a:spcBef>
@@ -14051,7 +14118,7 @@
             </a:endParaRPr>
           </a:p>
           <a:p>
-            <a:pPr marL="457200" lvl="0" indent="-342900" algn="l" rtl="0">
+            <a:pPr indent="-342900" lvl="0" marL="457200" rtl="0" algn="l">
               <a:spcBef>
                 <a:spcPts val="0"/>
               </a:spcBef>
@@ -14070,7 +14137,15 @@
                   <a:schemeClr val="dk1"/>
                 </a:solidFill>
               </a:rPr>
-              <a:t>U-Net++ epoch 150 with augmentation</a:t>
+              <a:t>U-Net++ epoch 150 with augment</a:t>
+            </a:r>
+            <a:r>
+              <a:rPr lang="ko" sz="1800">
+                <a:solidFill>
+                  <a:schemeClr val="dk1"/>
+                </a:solidFill>
+              </a:rPr>
+              <a:t>ation</a:t>
             </a:r>
             <a:endParaRPr sz="1800">
               <a:solidFill>
@@ -14079,7 +14154,7 @@
             </a:endParaRPr>
           </a:p>
           <a:p>
-            <a:pPr marL="457200" lvl="0" indent="-342900" algn="l" rtl="0">
+            <a:pPr indent="-342900" lvl="0" marL="457200" rtl="0" algn="l">
               <a:spcBef>
                 <a:spcPts val="0"/>
               </a:spcBef>
@@ -14098,7 +14173,15 @@
                   <a:schemeClr val="dk1"/>
                 </a:solidFill>
               </a:rPr>
-              <a:t>U-Net epoch 150 without augmentation</a:t>
+              <a:t>U-Net epoch 150 without augment</a:t>
+            </a:r>
+            <a:r>
+              <a:rPr lang="ko" sz="1800">
+                <a:solidFill>
+                  <a:schemeClr val="dk1"/>
+                </a:solidFill>
+              </a:rPr>
+              <a:t>ation</a:t>
             </a:r>
             <a:endParaRPr sz="1800">
               <a:solidFill>
@@ -14107,7 +14190,7 @@
             </a:endParaRPr>
           </a:p>
           <a:p>
-            <a:pPr marL="0" lvl="0" indent="0" algn="l" rtl="0">
+            <a:pPr indent="0" lvl="0" marL="0" rtl="0" algn="l">
               <a:spcBef>
                 <a:spcPts val="1200"/>
               </a:spcBef>
@@ -14116,6 +14199,9 @@
               </a:spcAft>
               <a:buNone/>
             </a:pPr>
+            <a:r>
+              <a:t/>
+            </a:r>
             <a:endParaRPr sz="1800">
               <a:solidFill>
                 <a:schemeClr val="dk1"/>
@@ -14161,11 +14247,11 @@
 </file>
 
 <file path=ppt/slides/slide8.xml><?xml version="1.0" encoding="utf-8"?>
-<p:sld xmlns:a="http://schemas.openxmlformats.org/drawingml/2006/main" xmlns:r="http://schemas.openxmlformats.org/officeDocument/2006/relationships" xmlns:p="http://schemas.openxmlformats.org/presentationml/2006/main">
+<p:sld xmlns:a="http://schemas.openxmlformats.org/drawingml/2006/main" xmlns:r="http://schemas.openxmlformats.org/officeDocument/2006/relationships" xmlns:mc="http://schemas.openxmlformats.org/markup-compatibility/2006" xmlns:mv="urn:schemas-microsoft-com:mac:vml" xmlns:p="http://schemas.openxmlformats.org/presentationml/2006/main" xmlns:c="http://schemas.openxmlformats.org/drawingml/2006/chart" xmlns:dgm="http://schemas.openxmlformats.org/drawingml/2006/diagram" xmlns:o="urn:schemas-microsoft-com:office:office" xmlns:v="urn:schemas-microsoft-com:vml" xmlns:pvml="urn:schemas-microsoft-com:office:powerpoint" xmlns:com="http://schemas.openxmlformats.org/drawingml/2006/compatibility" xmlns:p14="http://schemas.microsoft.com/office/powerpoint/2010/main" xmlns:p15="http://schemas.microsoft.com/office/powerpoint/2012/main" xmlns:ahyp="http://schemas.microsoft.com/office/drawing/2018/hyperlinkcolor">
   <p:cSld>
     <p:spTree>
       <p:nvGrpSpPr>
-        <p:cNvPr id="1" name="Shape 189"/>
+        <p:cNvPr id="189" name="Shape 189"/>
         <p:cNvGrpSpPr/>
         <p:nvPr/>
       </p:nvGrpSpPr>
@@ -14180,9 +14266,7 @@
       <p:sp>
         <p:nvSpPr>
           <p:cNvPr id="190" name="Google Shape;190;p20"/>
-          <p:cNvSpPr txBox="1">
-            <a:spLocks noGrp="1"/>
-          </p:cNvSpPr>
+          <p:cNvSpPr txBox="1"/>
           <p:nvPr>
             <p:ph type="title"/>
           </p:nvPr>
@@ -14197,12 +14281,12 @@
           </a:prstGeom>
         </p:spPr>
         <p:txBody>
-          <a:bodyPr spcFirstLastPara="1" wrap="square" lIns="91425" tIns="91425" rIns="91425" bIns="91425" anchor="ctr" anchorCtr="0">
+          <a:bodyPr anchorCtr="0" anchor="ctr" bIns="91425" lIns="91425" spcFirstLastPara="1" rIns="91425" wrap="square" tIns="91425">
             <a:normAutofit/>
           </a:bodyPr>
           <a:lstStyle/>
           <a:p>
-            <a:pPr marL="0" lvl="0" indent="0" algn="l" rtl="0">
+            <a:pPr indent="0" lvl="0" marL="0" rtl="0" algn="l">
               <a:spcBef>
                 <a:spcPts val="0"/>
               </a:spcBef>
@@ -14230,11 +14314,9 @@
       <p:sp>
         <p:nvSpPr>
           <p:cNvPr id="191" name="Google Shape;191;p20"/>
-          <p:cNvSpPr txBox="1">
-            <a:spLocks noGrp="1"/>
-          </p:cNvSpPr>
+          <p:cNvSpPr txBox="1"/>
           <p:nvPr>
-            <p:ph type="body" idx="1"/>
+            <p:ph idx="1" type="body"/>
           </p:nvPr>
         </p:nvSpPr>
         <p:spPr>
@@ -14247,12 +14329,12 @@
           </a:prstGeom>
         </p:spPr>
         <p:txBody>
-          <a:bodyPr spcFirstLastPara="1" wrap="square" lIns="91425" tIns="91425" rIns="91425" bIns="91425" anchor="t" anchorCtr="0">
+          <a:bodyPr anchorCtr="0" anchor="t" bIns="91425" lIns="91425" spcFirstLastPara="1" rIns="91425" wrap="square" tIns="91425">
             <a:normAutofit/>
           </a:bodyPr>
           <a:lstStyle/>
           <a:p>
-            <a:pPr marL="457200" lvl="0" indent="-342900" algn="l" rtl="0">
+            <a:pPr indent="-342900" lvl="0" marL="457200" rtl="0" algn="l">
               <a:spcBef>
                 <a:spcPts val="0"/>
               </a:spcBef>
@@ -14280,7 +14362,7 @@
             </a:endParaRPr>
           </a:p>
           <a:p>
-            <a:pPr marL="457200" lvl="0" indent="-342900" algn="l" rtl="0">
+            <a:pPr indent="-342900" lvl="0" marL="457200" rtl="0" algn="l">
               <a:spcBef>
                 <a:spcPts val="0"/>
               </a:spcBef>
@@ -14308,7 +14390,7 @@
             </a:endParaRPr>
           </a:p>
           <a:p>
-            <a:pPr marL="457200" lvl="0" indent="-342900" algn="l" rtl="0">
+            <a:pPr indent="-342900" lvl="0" marL="457200" rtl="0" algn="l">
               <a:spcBef>
                 <a:spcPts val="0"/>
               </a:spcBef>
@@ -14336,7 +14418,7 @@
             </a:endParaRPr>
           </a:p>
           <a:p>
-            <a:pPr marL="457200" lvl="0" indent="-342900" algn="l" rtl="0">
+            <a:pPr indent="-342900" lvl="0" marL="457200" rtl="0" algn="l">
               <a:spcBef>
                 <a:spcPts val="0"/>
               </a:spcBef>
@@ -14402,11 +14484,11 @@
 </file>
 
 <file path=ppt/slides/slide9.xml><?xml version="1.0" encoding="utf-8"?>
-<p:sld xmlns:a="http://schemas.openxmlformats.org/drawingml/2006/main" xmlns:r="http://schemas.openxmlformats.org/officeDocument/2006/relationships" xmlns:p="http://schemas.openxmlformats.org/presentationml/2006/main">
+<p:sld xmlns:a="http://schemas.openxmlformats.org/drawingml/2006/main" xmlns:r="http://schemas.openxmlformats.org/officeDocument/2006/relationships" xmlns:mc="http://schemas.openxmlformats.org/markup-compatibility/2006" xmlns:mv="urn:schemas-microsoft-com:mac:vml" xmlns:p="http://schemas.openxmlformats.org/presentationml/2006/main" xmlns:c="http://schemas.openxmlformats.org/drawingml/2006/chart" xmlns:dgm="http://schemas.openxmlformats.org/drawingml/2006/diagram" xmlns:o="urn:schemas-microsoft-com:office:office" xmlns:v="urn:schemas-microsoft-com:vml" xmlns:pvml="urn:schemas-microsoft-com:office:powerpoint" xmlns:com="http://schemas.openxmlformats.org/drawingml/2006/compatibility" xmlns:p14="http://schemas.microsoft.com/office/powerpoint/2010/main" xmlns:p15="http://schemas.microsoft.com/office/powerpoint/2012/main" xmlns:ahyp="http://schemas.microsoft.com/office/drawing/2018/hyperlinkcolor">
   <p:cSld>
     <p:spTree>
       <p:nvGrpSpPr>
-        <p:cNvPr id="1" name="Shape 196"/>
+        <p:cNvPr id="196" name="Shape 196"/>
         <p:cNvGrpSpPr/>
         <p:nvPr/>
       </p:nvGrpSpPr>
@@ -14421,9 +14503,7 @@
       <p:sp>
         <p:nvSpPr>
           <p:cNvPr id="197" name="Google Shape;197;p21"/>
-          <p:cNvSpPr txBox="1">
-            <a:spLocks noGrp="1"/>
-          </p:cNvSpPr>
+          <p:cNvSpPr txBox="1"/>
           <p:nvPr>
             <p:ph type="title"/>
           </p:nvPr>
@@ -14438,12 +14518,12 @@
           </a:prstGeom>
         </p:spPr>
         <p:txBody>
-          <a:bodyPr spcFirstLastPara="1" wrap="square" lIns="91425" tIns="91425" rIns="91425" bIns="91425" anchor="ctr" anchorCtr="0">
+          <a:bodyPr anchorCtr="0" anchor="ctr" bIns="91425" lIns="91425" spcFirstLastPara="1" rIns="91425" wrap="square" tIns="91425">
             <a:normAutofit/>
           </a:bodyPr>
           <a:lstStyle/>
           <a:p>
-            <a:pPr marL="0" lvl="0" indent="0" algn="l" rtl="0">
+            <a:pPr indent="0" lvl="0" marL="0" rtl="0" algn="l">
               <a:spcBef>
                 <a:spcPts val="0"/>
               </a:spcBef>
@@ -14506,7 +14586,7 @@
           <a:blip r:embed="rId4">
             <a:alphaModFix/>
           </a:blip>
-          <a:srcRect l="845" t="36997" r="14631" b="17745"/>
+          <a:srcRect b="17745" l="845" r="14631" t="36997"/>
           <a:stretch/>
         </p:blipFill>
         <p:spPr>
@@ -14533,7 +14613,7 @@
           <a:blip r:embed="rId5">
             <a:alphaModFix/>
           </a:blip>
-          <a:srcRect l="1138" t="12031" r="15144" b="42223"/>
+          <a:srcRect b="42223" l="1138" r="15144" t="12031"/>
           <a:stretch/>
         </p:blipFill>
         <p:spPr>
@@ -14560,7 +14640,7 @@
           <a:blip r:embed="rId6">
             <a:alphaModFix/>
           </a:blip>
-          <a:srcRect r="9934"/>
+          <a:srcRect b="0" l="0" r="9934" t="0"/>
           <a:stretch/>
         </p:blipFill>
         <p:spPr>
@@ -14614,7 +14694,7 @@
 </file>
 
 <file path=ppt/theme/theme1.xml><?xml version="1.0" encoding="utf-8"?>
-<a:theme xmlns:a="http://schemas.openxmlformats.org/drawingml/2006/main" name="Focus">
+<a:theme xmlns:a="http://schemas.openxmlformats.org/drawingml/2006/main" xmlns:r="http://schemas.openxmlformats.org/officeDocument/2006/relationships" name="Focus">
   <a:themeElements>
     <a:clrScheme name="Focus">
       <a:dk1>
@@ -14889,13 +14969,11 @@
       </a:bgFillStyleLst>
     </a:fmtScheme>
   </a:themeElements>
-  <a:objectDefaults/>
-  <a:extraClrSchemeLst/>
 </a:theme>
 </file>
 
 <file path=ppt/theme/theme2.xml><?xml version="1.0" encoding="utf-8"?>
-<a:theme xmlns:a="http://schemas.openxmlformats.org/drawingml/2006/main">
+<a:theme xmlns:a="http://schemas.openxmlformats.org/drawingml/2006/main" xmlns:r="http://schemas.openxmlformats.org/officeDocument/2006/relationships">
   <a:themeElements>
     <a:clrScheme name="Default">
       <a:dk1>
@@ -15170,7 +15248,5 @@
       </a:bgFillStyleLst>
     </a:fmtScheme>
   </a:themeElements>
-  <a:objectDefaults/>
-  <a:extraClrSchemeLst/>
 </a:theme>
 </file>